--- a/doc/Sphinx/Profiles.pptx
+++ b/doc/Sphinx/Profiles.pptx
@@ -6,6 +6,7 @@
   </p:sldMasterIdLst>
   <p:sldIdLst>
     <p:sldId id="256" r:id="rId2"/>
+    <p:sldId id="257" r:id="rId3"/>
   </p:sldIdLst>
   <p:sldSz cx="9144000" cy="6858000" type="screen4x3"/>
   <p:notesSz cx="6858000" cy="9144000"/>
@@ -288,7 +289,7 @@
           <a:p>
             <a:fld id="{F1229E41-CA26-2F4E-8441-D62FD830A7AB}" type="datetimeFigureOut">
               <a:rPr lang="fr-FR" smtClean="0"/>
-              <a:t>05/06/15</a:t>
+              <a:t>15/09/15</a:t>
             </a:fld>
             <a:endParaRPr lang="fr-FR"/>
           </a:p>
@@ -458,7 +459,7 @@
           <a:p>
             <a:fld id="{F1229E41-CA26-2F4E-8441-D62FD830A7AB}" type="datetimeFigureOut">
               <a:rPr lang="fr-FR" smtClean="0"/>
-              <a:t>05/06/15</a:t>
+              <a:t>15/09/15</a:t>
             </a:fld>
             <a:endParaRPr lang="fr-FR"/>
           </a:p>
@@ -638,7 +639,7 @@
           <a:p>
             <a:fld id="{F1229E41-CA26-2F4E-8441-D62FD830A7AB}" type="datetimeFigureOut">
               <a:rPr lang="fr-FR" smtClean="0"/>
-              <a:t>05/06/15</a:t>
+              <a:t>15/09/15</a:t>
             </a:fld>
             <a:endParaRPr lang="fr-FR"/>
           </a:p>
@@ -808,7 +809,7 @@
           <a:p>
             <a:fld id="{F1229E41-CA26-2F4E-8441-D62FD830A7AB}" type="datetimeFigureOut">
               <a:rPr lang="fr-FR" smtClean="0"/>
-              <a:t>05/06/15</a:t>
+              <a:t>15/09/15</a:t>
             </a:fld>
             <a:endParaRPr lang="fr-FR"/>
           </a:p>
@@ -1054,7 +1055,7 @@
           <a:p>
             <a:fld id="{F1229E41-CA26-2F4E-8441-D62FD830A7AB}" type="datetimeFigureOut">
               <a:rPr lang="fr-FR" smtClean="0"/>
-              <a:t>05/06/15</a:t>
+              <a:t>15/09/15</a:t>
             </a:fld>
             <a:endParaRPr lang="fr-FR"/>
           </a:p>
@@ -1342,7 +1343,7 @@
           <a:p>
             <a:fld id="{F1229E41-CA26-2F4E-8441-D62FD830A7AB}" type="datetimeFigureOut">
               <a:rPr lang="fr-FR" smtClean="0"/>
-              <a:t>05/06/15</a:t>
+              <a:t>15/09/15</a:t>
             </a:fld>
             <a:endParaRPr lang="fr-FR"/>
           </a:p>
@@ -1764,7 +1765,7 @@
           <a:p>
             <a:fld id="{F1229E41-CA26-2F4E-8441-D62FD830A7AB}" type="datetimeFigureOut">
               <a:rPr lang="fr-FR" smtClean="0"/>
-              <a:t>05/06/15</a:t>
+              <a:t>15/09/15</a:t>
             </a:fld>
             <a:endParaRPr lang="fr-FR"/>
           </a:p>
@@ -1882,7 +1883,7 @@
           <a:p>
             <a:fld id="{F1229E41-CA26-2F4E-8441-D62FD830A7AB}" type="datetimeFigureOut">
               <a:rPr lang="fr-FR" smtClean="0"/>
-              <a:t>05/06/15</a:t>
+              <a:t>15/09/15</a:t>
             </a:fld>
             <a:endParaRPr lang="fr-FR"/>
           </a:p>
@@ -1977,7 +1978,7 @@
           <a:p>
             <a:fld id="{F1229E41-CA26-2F4E-8441-D62FD830A7AB}" type="datetimeFigureOut">
               <a:rPr lang="fr-FR" smtClean="0"/>
-              <a:t>05/06/15</a:t>
+              <a:t>15/09/15</a:t>
             </a:fld>
             <a:endParaRPr lang="fr-FR"/>
           </a:p>
@@ -2254,7 +2255,7 @@
           <a:p>
             <a:fld id="{F1229E41-CA26-2F4E-8441-D62FD830A7AB}" type="datetimeFigureOut">
               <a:rPr lang="fr-FR" smtClean="0"/>
-              <a:t>05/06/15</a:t>
+              <a:t>15/09/15</a:t>
             </a:fld>
             <a:endParaRPr lang="fr-FR"/>
           </a:p>
@@ -2507,7 +2508,7 @@
           <a:p>
             <a:fld id="{F1229E41-CA26-2F4E-8441-D62FD830A7AB}" type="datetimeFigureOut">
               <a:rPr lang="fr-FR" smtClean="0"/>
-              <a:t>05/06/15</a:t>
+              <a:t>15/09/15</a:t>
             </a:fld>
             <a:endParaRPr lang="fr-FR"/>
           </a:p>
@@ -2720,7 +2721,7 @@
           <a:p>
             <a:fld id="{F1229E41-CA26-2F4E-8441-D62FD830A7AB}" type="datetimeFigureOut">
               <a:rPr lang="fr-FR" smtClean="0"/>
-              <a:t>05/06/15</a:t>
+              <a:t>15/09/15</a:t>
             </a:fld>
             <a:endParaRPr lang="fr-FR"/>
           </a:p>
@@ -9270,6 +9271,5966 @@
 </p:sld>
 </file>
 
+<file path=ppt/slides/slide2.xml><?xml version="1.0" encoding="utf-8"?>
+<p:sld xmlns:a="http://schemas.openxmlformats.org/drawingml/2006/main" xmlns:r="http://schemas.openxmlformats.org/officeDocument/2006/relationships" xmlns:p="http://schemas.openxmlformats.org/presentationml/2006/main">
+  <p:cSld>
+    <p:spTree>
+      <p:nvGrpSpPr>
+        <p:cNvPr id="1" name=""/>
+        <p:cNvGrpSpPr/>
+        <p:nvPr/>
+      </p:nvGrpSpPr>
+      <p:grpSpPr>
+        <a:xfrm>
+          <a:off x="0" y="0"/>
+          <a:ext cx="0" cy="0"/>
+          <a:chOff x="0" y="0"/>
+          <a:chExt cx="0" cy="0"/>
+        </a:xfrm>
+      </p:grpSpPr>
+      <p:cxnSp>
+        <p:nvCxnSpPr>
+          <p:cNvPr id="126" name="Connecteur droit avec flèche 125"/>
+          <p:cNvCxnSpPr/>
+          <p:nvPr/>
+        </p:nvCxnSpPr>
+        <p:spPr>
+          <a:xfrm>
+            <a:off x="5842661" y="1507440"/>
+            <a:ext cx="2401933" cy="3165"/>
+          </a:xfrm>
+          <a:prstGeom prst="straightConnector1">
+            <a:avLst/>
+          </a:prstGeom>
+          <a:ln w="6350" cmpd="sng">
+            <a:solidFill>
+              <a:schemeClr val="bg1">
+                <a:lumMod val="65000"/>
+              </a:schemeClr>
+            </a:solidFill>
+            <a:prstDash val="dash"/>
+            <a:headEnd type="none"/>
+            <a:tailEnd type="none"/>
+          </a:ln>
+          <a:effectLst/>
+        </p:spPr>
+        <p:style>
+          <a:lnRef idx="2">
+            <a:schemeClr val="accent1"/>
+          </a:lnRef>
+          <a:fillRef idx="0">
+            <a:schemeClr val="accent1"/>
+          </a:fillRef>
+          <a:effectRef idx="1">
+            <a:schemeClr val="accent1"/>
+          </a:effectRef>
+          <a:fontRef idx="minor">
+            <a:schemeClr val="tx1"/>
+          </a:fontRef>
+        </p:style>
+      </p:cxnSp>
+      <p:cxnSp>
+        <p:nvCxnSpPr>
+          <p:cNvPr id="125" name="Connecteur droit avec flèche 124"/>
+          <p:cNvCxnSpPr/>
+          <p:nvPr/>
+        </p:nvCxnSpPr>
+        <p:spPr>
+          <a:xfrm flipV="1">
+            <a:off x="2817518" y="1507440"/>
+            <a:ext cx="2749649" cy="4221"/>
+          </a:xfrm>
+          <a:prstGeom prst="straightConnector1">
+            <a:avLst/>
+          </a:prstGeom>
+          <a:ln w="6350" cmpd="sng">
+            <a:solidFill>
+              <a:schemeClr val="bg1">
+                <a:lumMod val="65000"/>
+              </a:schemeClr>
+            </a:solidFill>
+            <a:prstDash val="dash"/>
+            <a:headEnd type="none"/>
+            <a:tailEnd type="none"/>
+          </a:ln>
+          <a:effectLst/>
+        </p:spPr>
+        <p:style>
+          <a:lnRef idx="2">
+            <a:schemeClr val="accent1"/>
+          </a:lnRef>
+          <a:fillRef idx="0">
+            <a:schemeClr val="accent1"/>
+          </a:fillRef>
+          <a:effectRef idx="1">
+            <a:schemeClr val="accent1"/>
+          </a:effectRef>
+          <a:fontRef idx="minor">
+            <a:schemeClr val="tx1"/>
+          </a:fontRef>
+        </p:style>
+      </p:cxnSp>
+      <p:cxnSp>
+        <p:nvCxnSpPr>
+          <p:cNvPr id="122" name="Connecteur droit avec flèche 121"/>
+          <p:cNvCxnSpPr/>
+          <p:nvPr/>
+        </p:nvCxnSpPr>
+        <p:spPr>
+          <a:xfrm flipV="1">
+            <a:off x="1363727" y="1507440"/>
+            <a:ext cx="1200016" cy="3165"/>
+          </a:xfrm>
+          <a:prstGeom prst="straightConnector1">
+            <a:avLst/>
+          </a:prstGeom>
+          <a:ln w="6350" cmpd="sng">
+            <a:solidFill>
+              <a:schemeClr val="bg1">
+                <a:lumMod val="65000"/>
+              </a:schemeClr>
+            </a:solidFill>
+            <a:prstDash val="dash"/>
+            <a:headEnd type="none"/>
+            <a:tailEnd type="none"/>
+          </a:ln>
+          <a:effectLst/>
+        </p:spPr>
+        <p:style>
+          <a:lnRef idx="2">
+            <a:schemeClr val="accent1"/>
+          </a:lnRef>
+          <a:fillRef idx="0">
+            <a:schemeClr val="accent1"/>
+          </a:fillRef>
+          <a:effectRef idx="1">
+            <a:schemeClr val="accent1"/>
+          </a:effectRef>
+          <a:fontRef idx="minor">
+            <a:schemeClr val="tx1"/>
+          </a:fontRef>
+        </p:style>
+      </p:cxnSp>
+      <p:sp>
+        <p:nvSpPr>
+          <p:cNvPr id="44" name="ZoneTexte 43"/>
+          <p:cNvSpPr txBox="1"/>
+          <p:nvPr/>
+        </p:nvSpPr>
+        <p:spPr>
+          <a:xfrm>
+            <a:off x="5370263" y="2475407"/>
+            <a:ext cx="265829" cy="369332"/>
+          </a:xfrm>
+          <a:prstGeom prst="rect">
+            <a:avLst/>
+          </a:prstGeom>
+          <a:noFill/>
+        </p:spPr>
+        <p:txBody>
+          <a:bodyPr wrap="square" rtlCol="0">
+            <a:spAutoFit/>
+          </a:bodyPr>
+          <a:lstStyle/>
+          <a:p>
+            <a:r>
+              <a:rPr lang="fr-FR" dirty="0" err="1" smtClean="0">
+                <a:latin typeface="Times"/>
+                <a:cs typeface="Times"/>
+              </a:rPr>
+              <a:t>t</a:t>
+            </a:r>
+            <a:endParaRPr lang="fr-FR" dirty="0">
+              <a:latin typeface="Times"/>
+              <a:cs typeface="Times"/>
+            </a:endParaRPr>
+          </a:p>
+        </p:txBody>
+      </p:sp>
+      <p:cxnSp>
+        <p:nvCxnSpPr>
+          <p:cNvPr id="7" name="Connecteur droit avec flèche 6"/>
+          <p:cNvCxnSpPr/>
+          <p:nvPr/>
+        </p:nvCxnSpPr>
+        <p:spPr>
+          <a:xfrm flipV="1">
+            <a:off x="866403" y="639900"/>
+            <a:ext cx="0" cy="1939388"/>
+          </a:xfrm>
+          <a:prstGeom prst="straightConnector1">
+            <a:avLst/>
+          </a:prstGeom>
+          <a:ln w="6350" cmpd="sng">
+            <a:solidFill>
+              <a:schemeClr val="tx1"/>
+            </a:solidFill>
+            <a:headEnd type="none"/>
+            <a:tailEnd type="triangle"/>
+          </a:ln>
+          <a:effectLst/>
+        </p:spPr>
+        <p:style>
+          <a:lnRef idx="2">
+            <a:schemeClr val="accent1"/>
+          </a:lnRef>
+          <a:fillRef idx="0">
+            <a:schemeClr val="accent1"/>
+          </a:fillRef>
+          <a:effectRef idx="1">
+            <a:schemeClr val="accent1"/>
+          </a:effectRef>
+          <a:fontRef idx="minor">
+            <a:schemeClr val="tx1"/>
+          </a:fontRef>
+        </p:style>
+      </p:cxnSp>
+      <p:cxnSp>
+        <p:nvCxnSpPr>
+          <p:cNvPr id="9" name="Connecteur droit avec flèche 8"/>
+          <p:cNvCxnSpPr/>
+          <p:nvPr/>
+        </p:nvCxnSpPr>
+        <p:spPr>
+          <a:xfrm flipV="1">
+            <a:off x="866403" y="2578583"/>
+            <a:ext cx="1697340" cy="704"/>
+          </a:xfrm>
+          <a:prstGeom prst="straightConnector1">
+            <a:avLst/>
+          </a:prstGeom>
+          <a:ln w="6350" cmpd="sng">
+            <a:solidFill>
+              <a:schemeClr val="tx1"/>
+            </a:solidFill>
+            <a:headEnd type="none"/>
+            <a:tailEnd type="triangle"/>
+          </a:ln>
+          <a:effectLst/>
+        </p:spPr>
+        <p:style>
+          <a:lnRef idx="2">
+            <a:schemeClr val="accent1"/>
+          </a:lnRef>
+          <a:fillRef idx="0">
+            <a:schemeClr val="accent1"/>
+          </a:fillRef>
+          <a:effectRef idx="1">
+            <a:schemeClr val="accent1"/>
+          </a:effectRef>
+          <a:fontRef idx="minor">
+            <a:schemeClr val="tx1"/>
+          </a:fontRef>
+        </p:style>
+      </p:cxnSp>
+      <p:cxnSp>
+        <p:nvCxnSpPr>
+          <p:cNvPr id="13" name="Connecteur droit avec flèche 12"/>
+          <p:cNvCxnSpPr/>
+          <p:nvPr/>
+        </p:nvCxnSpPr>
+        <p:spPr>
+          <a:xfrm flipV="1">
+            <a:off x="866403" y="639547"/>
+            <a:ext cx="1697340" cy="352"/>
+          </a:xfrm>
+          <a:prstGeom prst="straightConnector1">
+            <a:avLst/>
+          </a:prstGeom>
+          <a:ln w="6350" cmpd="sng">
+            <a:solidFill>
+              <a:schemeClr val="tx1"/>
+            </a:solidFill>
+            <a:headEnd type="none"/>
+            <a:tailEnd type="none"/>
+          </a:ln>
+          <a:effectLst/>
+        </p:spPr>
+        <p:style>
+          <a:lnRef idx="2">
+            <a:schemeClr val="accent1"/>
+          </a:lnRef>
+          <a:fillRef idx="0">
+            <a:schemeClr val="accent1"/>
+          </a:fillRef>
+          <a:effectRef idx="1">
+            <a:schemeClr val="accent1"/>
+          </a:effectRef>
+          <a:fontRef idx="minor">
+            <a:schemeClr val="tx1"/>
+          </a:fontRef>
+        </p:style>
+      </p:cxnSp>
+      <p:cxnSp>
+        <p:nvCxnSpPr>
+          <p:cNvPr id="14" name="Connecteur droit avec flèche 13"/>
+          <p:cNvCxnSpPr/>
+          <p:nvPr/>
+        </p:nvCxnSpPr>
+        <p:spPr>
+          <a:xfrm flipV="1">
+            <a:off x="2553897" y="639899"/>
+            <a:ext cx="0" cy="1939388"/>
+          </a:xfrm>
+          <a:prstGeom prst="straightConnector1">
+            <a:avLst/>
+          </a:prstGeom>
+          <a:ln w="6350" cmpd="sng">
+            <a:solidFill>
+              <a:schemeClr val="tx1"/>
+            </a:solidFill>
+            <a:headEnd type="none"/>
+            <a:tailEnd type="none"/>
+          </a:ln>
+          <a:effectLst/>
+        </p:spPr>
+        <p:style>
+          <a:lnRef idx="2">
+            <a:schemeClr val="accent1"/>
+          </a:lnRef>
+          <a:fillRef idx="0">
+            <a:schemeClr val="accent1"/>
+          </a:fillRef>
+          <a:effectRef idx="1">
+            <a:schemeClr val="accent1"/>
+          </a:effectRef>
+          <a:fontRef idx="minor">
+            <a:schemeClr val="tx1"/>
+          </a:fontRef>
+        </p:style>
+      </p:cxnSp>
+      <p:sp>
+        <p:nvSpPr>
+          <p:cNvPr id="15" name="ZoneTexte 14"/>
+          <p:cNvSpPr txBox="1"/>
+          <p:nvPr/>
+        </p:nvSpPr>
+        <p:spPr>
+          <a:xfrm>
+            <a:off x="2420982" y="2475407"/>
+            <a:ext cx="265829" cy="369332"/>
+          </a:xfrm>
+          <a:prstGeom prst="rect">
+            <a:avLst/>
+          </a:prstGeom>
+          <a:noFill/>
+        </p:spPr>
+        <p:txBody>
+          <a:bodyPr wrap="square" rtlCol="0">
+            <a:spAutoFit/>
+          </a:bodyPr>
+          <a:lstStyle/>
+          <a:p>
+            <a:r>
+              <a:rPr lang="fr-FR" dirty="0" err="1" smtClean="0">
+                <a:latin typeface="Times"/>
+                <a:cs typeface="Times"/>
+              </a:rPr>
+              <a:t>t</a:t>
+            </a:r>
+            <a:endParaRPr lang="fr-FR" dirty="0">
+              <a:latin typeface="Times"/>
+              <a:cs typeface="Times"/>
+            </a:endParaRPr>
+          </a:p>
+        </p:txBody>
+      </p:sp>
+      <p:cxnSp>
+        <p:nvCxnSpPr>
+          <p:cNvPr id="19" name="Connecteur droit avec flèche 18"/>
+          <p:cNvCxnSpPr/>
+          <p:nvPr/>
+        </p:nvCxnSpPr>
+        <p:spPr>
+          <a:xfrm>
+            <a:off x="1688296" y="1510957"/>
+            <a:ext cx="875447" cy="0"/>
+          </a:xfrm>
+          <a:prstGeom prst="straightConnector1">
+            <a:avLst/>
+          </a:prstGeom>
+          <a:ln w="19050" cmpd="sng">
+            <a:solidFill>
+              <a:schemeClr val="tx1"/>
+            </a:solidFill>
+            <a:headEnd type="none"/>
+            <a:tailEnd type="none"/>
+          </a:ln>
+          <a:effectLst/>
+        </p:spPr>
+        <p:style>
+          <a:lnRef idx="2">
+            <a:schemeClr val="accent1"/>
+          </a:lnRef>
+          <a:fillRef idx="0">
+            <a:schemeClr val="accent1"/>
+          </a:fillRef>
+          <a:effectRef idx="1">
+            <a:schemeClr val="accent1"/>
+          </a:effectRef>
+          <a:fontRef idx="minor">
+            <a:schemeClr val="tx1"/>
+          </a:fontRef>
+        </p:style>
+      </p:cxnSp>
+      <p:cxnSp>
+        <p:nvCxnSpPr>
+          <p:cNvPr id="21" name="Connecteur droit avec flèche 20"/>
+          <p:cNvCxnSpPr/>
+          <p:nvPr/>
+        </p:nvCxnSpPr>
+        <p:spPr>
+          <a:xfrm>
+            <a:off x="1688296" y="1510957"/>
+            <a:ext cx="0" cy="1068330"/>
+          </a:xfrm>
+          <a:prstGeom prst="straightConnector1">
+            <a:avLst/>
+          </a:prstGeom>
+          <a:ln w="19050" cmpd="sng">
+            <a:solidFill>
+              <a:schemeClr val="tx1"/>
+            </a:solidFill>
+            <a:headEnd type="none"/>
+            <a:tailEnd type="none"/>
+          </a:ln>
+          <a:effectLst/>
+        </p:spPr>
+        <p:style>
+          <a:lnRef idx="2">
+            <a:schemeClr val="accent1"/>
+          </a:lnRef>
+          <a:fillRef idx="0">
+            <a:schemeClr val="accent1"/>
+          </a:fillRef>
+          <a:effectRef idx="1">
+            <a:schemeClr val="accent1"/>
+          </a:effectRef>
+          <a:fontRef idx="minor">
+            <a:schemeClr val="tx1"/>
+          </a:fontRef>
+        </p:style>
+      </p:cxnSp>
+      <p:cxnSp>
+        <p:nvCxnSpPr>
+          <p:cNvPr id="24" name="Connecteur droit avec flèche 23"/>
+          <p:cNvCxnSpPr/>
+          <p:nvPr/>
+        </p:nvCxnSpPr>
+        <p:spPr>
+          <a:xfrm flipH="1">
+            <a:off x="866405" y="2578935"/>
+            <a:ext cx="827019" cy="0"/>
+          </a:xfrm>
+          <a:prstGeom prst="straightConnector1">
+            <a:avLst/>
+          </a:prstGeom>
+          <a:ln w="19050" cmpd="sng">
+            <a:solidFill>
+              <a:schemeClr val="tx1"/>
+            </a:solidFill>
+            <a:headEnd type="none"/>
+            <a:tailEnd type="none"/>
+          </a:ln>
+          <a:effectLst/>
+        </p:spPr>
+        <p:style>
+          <a:lnRef idx="2">
+            <a:schemeClr val="accent1"/>
+          </a:lnRef>
+          <a:fillRef idx="0">
+            <a:schemeClr val="accent1"/>
+          </a:fillRef>
+          <a:effectRef idx="1">
+            <a:schemeClr val="accent1"/>
+          </a:effectRef>
+          <a:fontRef idx="minor">
+            <a:schemeClr val="tx1"/>
+          </a:fontRef>
+        </p:style>
+      </p:cxnSp>
+      <p:sp>
+        <p:nvSpPr>
+          <p:cNvPr id="29" name="ZoneTexte 28"/>
+          <p:cNvSpPr txBox="1"/>
+          <p:nvPr/>
+        </p:nvSpPr>
+        <p:spPr>
+          <a:xfrm>
+            <a:off x="781713" y="582861"/>
+            <a:ext cx="1772184" cy="307777"/>
+          </a:xfrm>
+          <a:prstGeom prst="rect">
+            <a:avLst/>
+          </a:prstGeom>
+          <a:noFill/>
+        </p:spPr>
+        <p:txBody>
+          <a:bodyPr wrap="square" rtlCol="0">
+            <a:spAutoFit/>
+          </a:bodyPr>
+          <a:lstStyle/>
+          <a:p>
+            <a:pPr algn="ctr"/>
+            <a:r>
+              <a:rPr lang="fr-FR" sz="1400" dirty="0" smtClean="0">
+                <a:latin typeface="Courier"/>
+                <a:cs typeface="Courier"/>
+              </a:rPr>
+              <a:t>"</a:t>
+            </a:r>
+            <a:r>
+              <a:rPr lang="fr-FR" sz="1400" dirty="0" err="1" smtClean="0">
+                <a:latin typeface="Courier"/>
+                <a:cs typeface="Courier"/>
+              </a:rPr>
+              <a:t>tconstant</a:t>
+            </a:r>
+            <a:r>
+              <a:rPr lang="fr-FR" sz="1400" dirty="0" smtClean="0">
+                <a:latin typeface="Courier"/>
+                <a:cs typeface="Courier"/>
+              </a:rPr>
+              <a:t>"</a:t>
+            </a:r>
+            <a:endParaRPr lang="fr-FR" sz="1400" dirty="0">
+              <a:latin typeface="Courier"/>
+              <a:cs typeface="Courier"/>
+            </a:endParaRPr>
+          </a:p>
+        </p:txBody>
+      </p:sp>
+      <p:cxnSp>
+        <p:nvCxnSpPr>
+          <p:cNvPr id="30" name="Connecteur droit avec flèche 29"/>
+          <p:cNvCxnSpPr/>
+          <p:nvPr/>
+        </p:nvCxnSpPr>
+        <p:spPr>
+          <a:xfrm>
+            <a:off x="866403" y="2318214"/>
+            <a:ext cx="821893" cy="0"/>
+          </a:xfrm>
+          <a:prstGeom prst="straightConnector1">
+            <a:avLst/>
+          </a:prstGeom>
+          <a:ln w="6350" cmpd="sng">
+            <a:solidFill>
+              <a:srgbClr val="0000FF"/>
+            </a:solidFill>
+            <a:headEnd type="triangle"/>
+            <a:tailEnd type="triangle"/>
+          </a:ln>
+          <a:effectLst/>
+        </p:spPr>
+        <p:style>
+          <a:lnRef idx="2">
+            <a:schemeClr val="accent1"/>
+          </a:lnRef>
+          <a:fillRef idx="0">
+            <a:schemeClr val="accent1"/>
+          </a:fillRef>
+          <a:effectRef idx="1">
+            <a:schemeClr val="accent1"/>
+          </a:effectRef>
+          <a:fontRef idx="minor">
+            <a:schemeClr val="tx1"/>
+          </a:fontRef>
+        </p:style>
+      </p:cxnSp>
+      <p:sp>
+        <p:nvSpPr>
+          <p:cNvPr id="33" name="ZoneTexte 32"/>
+          <p:cNvSpPr txBox="1"/>
+          <p:nvPr/>
+        </p:nvSpPr>
+        <p:spPr>
+          <a:xfrm>
+            <a:off x="802205" y="1948882"/>
+            <a:ext cx="930599" cy="307777"/>
+          </a:xfrm>
+          <a:prstGeom prst="rect">
+            <a:avLst/>
+          </a:prstGeom>
+          <a:noFill/>
+        </p:spPr>
+        <p:txBody>
+          <a:bodyPr wrap="square" rtlCol="0">
+            <a:spAutoFit/>
+          </a:bodyPr>
+          <a:lstStyle/>
+          <a:p>
+            <a:pPr algn="ctr"/>
+            <a:r>
+              <a:rPr lang="fr-FR" sz="1400" dirty="0" err="1" smtClean="0">
+                <a:solidFill>
+                  <a:srgbClr val="0000FF"/>
+                </a:solidFill>
+                <a:latin typeface="Courier"/>
+                <a:cs typeface="Courier"/>
+              </a:rPr>
+              <a:t>start</a:t>
+            </a:r>
+            <a:endParaRPr lang="fr-FR" sz="1400" dirty="0">
+              <a:solidFill>
+                <a:srgbClr val="0000FF"/>
+              </a:solidFill>
+              <a:latin typeface="Courier"/>
+              <a:cs typeface="Courier"/>
+            </a:endParaRPr>
+          </a:p>
+        </p:txBody>
+      </p:sp>
+      <p:cxnSp>
+        <p:nvCxnSpPr>
+          <p:cNvPr id="40" name="Connecteur droit avec flèche 39"/>
+          <p:cNvCxnSpPr/>
+          <p:nvPr/>
+        </p:nvCxnSpPr>
+        <p:spPr>
+          <a:xfrm flipV="1">
+            <a:off x="2780893" y="639548"/>
+            <a:ext cx="0" cy="1939388"/>
+          </a:xfrm>
+          <a:prstGeom prst="straightConnector1">
+            <a:avLst/>
+          </a:prstGeom>
+          <a:ln w="6350" cmpd="sng">
+            <a:solidFill>
+              <a:schemeClr val="tx1"/>
+            </a:solidFill>
+            <a:headEnd type="none"/>
+            <a:tailEnd type="triangle"/>
+          </a:ln>
+          <a:effectLst/>
+        </p:spPr>
+        <p:style>
+          <a:lnRef idx="2">
+            <a:schemeClr val="accent1"/>
+          </a:lnRef>
+          <a:fillRef idx="0">
+            <a:schemeClr val="accent1"/>
+          </a:fillRef>
+          <a:effectRef idx="1">
+            <a:schemeClr val="accent1"/>
+          </a:effectRef>
+          <a:fontRef idx="minor">
+            <a:schemeClr val="tx1"/>
+          </a:fontRef>
+        </p:style>
+      </p:cxnSp>
+      <p:cxnSp>
+        <p:nvCxnSpPr>
+          <p:cNvPr id="41" name="Connecteur droit avec flèche 40"/>
+          <p:cNvCxnSpPr/>
+          <p:nvPr/>
+        </p:nvCxnSpPr>
+        <p:spPr>
+          <a:xfrm>
+            <a:off x="2780893" y="2578935"/>
+            <a:ext cx="2786274" cy="1"/>
+          </a:xfrm>
+          <a:prstGeom prst="straightConnector1">
+            <a:avLst/>
+          </a:prstGeom>
+          <a:ln w="6350" cmpd="sng">
+            <a:solidFill>
+              <a:schemeClr val="tx1"/>
+            </a:solidFill>
+            <a:headEnd type="none"/>
+            <a:tailEnd type="triangle"/>
+          </a:ln>
+          <a:effectLst/>
+        </p:spPr>
+        <p:style>
+          <a:lnRef idx="2">
+            <a:schemeClr val="accent1"/>
+          </a:lnRef>
+          <a:fillRef idx="0">
+            <a:schemeClr val="accent1"/>
+          </a:fillRef>
+          <a:effectRef idx="1">
+            <a:schemeClr val="accent1"/>
+          </a:effectRef>
+          <a:fontRef idx="minor">
+            <a:schemeClr val="tx1"/>
+          </a:fontRef>
+        </p:style>
+      </p:cxnSp>
+      <p:cxnSp>
+        <p:nvCxnSpPr>
+          <p:cNvPr id="42" name="Connecteur droit avec flèche 41"/>
+          <p:cNvCxnSpPr/>
+          <p:nvPr/>
+        </p:nvCxnSpPr>
+        <p:spPr>
+          <a:xfrm>
+            <a:off x="2780893" y="639547"/>
+            <a:ext cx="2786274" cy="1"/>
+          </a:xfrm>
+          <a:prstGeom prst="straightConnector1">
+            <a:avLst/>
+          </a:prstGeom>
+          <a:ln w="6350" cmpd="sng">
+            <a:solidFill>
+              <a:schemeClr val="tx1"/>
+            </a:solidFill>
+            <a:headEnd type="none"/>
+            <a:tailEnd type="none"/>
+          </a:ln>
+          <a:effectLst/>
+        </p:spPr>
+        <p:style>
+          <a:lnRef idx="2">
+            <a:schemeClr val="accent1"/>
+          </a:lnRef>
+          <a:fillRef idx="0">
+            <a:schemeClr val="accent1"/>
+          </a:fillRef>
+          <a:effectRef idx="1">
+            <a:schemeClr val="accent1"/>
+          </a:effectRef>
+          <a:fontRef idx="minor">
+            <a:schemeClr val="tx1"/>
+          </a:fontRef>
+        </p:style>
+      </p:cxnSp>
+      <p:cxnSp>
+        <p:nvCxnSpPr>
+          <p:cNvPr id="43" name="Connecteur droit avec flèche 42"/>
+          <p:cNvCxnSpPr/>
+          <p:nvPr/>
+        </p:nvCxnSpPr>
+        <p:spPr>
+          <a:xfrm flipV="1">
+            <a:off x="5567167" y="639547"/>
+            <a:ext cx="0" cy="1939388"/>
+          </a:xfrm>
+          <a:prstGeom prst="straightConnector1">
+            <a:avLst/>
+          </a:prstGeom>
+          <a:ln w="6350" cmpd="sng">
+            <a:solidFill>
+              <a:schemeClr val="tx1"/>
+            </a:solidFill>
+            <a:headEnd type="none"/>
+            <a:tailEnd type="none"/>
+          </a:ln>
+          <a:effectLst/>
+        </p:spPr>
+        <p:style>
+          <a:lnRef idx="2">
+            <a:schemeClr val="accent1"/>
+          </a:lnRef>
+          <a:fillRef idx="0">
+            <a:schemeClr val="accent1"/>
+          </a:fillRef>
+          <a:effectRef idx="1">
+            <a:schemeClr val="accent1"/>
+          </a:effectRef>
+          <a:fontRef idx="minor">
+            <a:schemeClr val="tx1"/>
+          </a:fontRef>
+        </p:style>
+      </p:cxnSp>
+      <p:cxnSp>
+        <p:nvCxnSpPr>
+          <p:cNvPr id="45" name="Connecteur droit avec flèche 44"/>
+          <p:cNvCxnSpPr/>
+          <p:nvPr/>
+        </p:nvCxnSpPr>
+        <p:spPr>
+          <a:xfrm>
+            <a:off x="3869025" y="1510605"/>
+            <a:ext cx="482029" cy="0"/>
+          </a:xfrm>
+          <a:prstGeom prst="straightConnector1">
+            <a:avLst/>
+          </a:prstGeom>
+          <a:ln w="19050" cmpd="sng">
+            <a:solidFill>
+              <a:schemeClr val="tx1"/>
+            </a:solidFill>
+            <a:headEnd type="none"/>
+            <a:tailEnd type="none"/>
+          </a:ln>
+          <a:effectLst/>
+        </p:spPr>
+        <p:style>
+          <a:lnRef idx="2">
+            <a:schemeClr val="accent1"/>
+          </a:lnRef>
+          <a:fillRef idx="0">
+            <a:schemeClr val="accent1"/>
+          </a:fillRef>
+          <a:effectRef idx="1">
+            <a:schemeClr val="accent1"/>
+          </a:effectRef>
+          <a:fontRef idx="minor">
+            <a:schemeClr val="tx1"/>
+          </a:fontRef>
+        </p:style>
+      </p:cxnSp>
+      <p:cxnSp>
+        <p:nvCxnSpPr>
+          <p:cNvPr id="46" name="Connecteur droit avec flèche 45"/>
+          <p:cNvCxnSpPr/>
+          <p:nvPr/>
+        </p:nvCxnSpPr>
+        <p:spPr>
+          <a:xfrm flipH="1">
+            <a:off x="3602786" y="1510605"/>
+            <a:ext cx="266239" cy="1068330"/>
+          </a:xfrm>
+          <a:prstGeom prst="straightConnector1">
+            <a:avLst/>
+          </a:prstGeom>
+          <a:ln w="19050" cmpd="sng">
+            <a:solidFill>
+              <a:schemeClr val="tx1"/>
+            </a:solidFill>
+            <a:headEnd type="none"/>
+            <a:tailEnd type="none"/>
+          </a:ln>
+          <a:effectLst/>
+        </p:spPr>
+        <p:style>
+          <a:lnRef idx="2">
+            <a:schemeClr val="accent1"/>
+          </a:lnRef>
+          <a:fillRef idx="0">
+            <a:schemeClr val="accent1"/>
+          </a:fillRef>
+          <a:effectRef idx="1">
+            <a:schemeClr val="accent1"/>
+          </a:effectRef>
+          <a:fontRef idx="minor">
+            <a:schemeClr val="tx1"/>
+          </a:fontRef>
+        </p:style>
+      </p:cxnSp>
+      <p:cxnSp>
+        <p:nvCxnSpPr>
+          <p:cNvPr id="47" name="Connecteur droit avec flèche 46"/>
+          <p:cNvCxnSpPr/>
+          <p:nvPr/>
+        </p:nvCxnSpPr>
+        <p:spPr>
+          <a:xfrm flipH="1">
+            <a:off x="2780895" y="2578583"/>
+            <a:ext cx="827019" cy="0"/>
+          </a:xfrm>
+          <a:prstGeom prst="straightConnector1">
+            <a:avLst/>
+          </a:prstGeom>
+          <a:ln w="19050" cmpd="sng">
+            <a:solidFill>
+              <a:schemeClr val="tx1"/>
+            </a:solidFill>
+            <a:headEnd type="none"/>
+            <a:tailEnd type="none"/>
+          </a:ln>
+          <a:effectLst/>
+        </p:spPr>
+        <p:style>
+          <a:lnRef idx="2">
+            <a:schemeClr val="accent1"/>
+          </a:lnRef>
+          <a:fillRef idx="0">
+            <a:schemeClr val="accent1"/>
+          </a:fillRef>
+          <a:effectRef idx="1">
+            <a:schemeClr val="accent1"/>
+          </a:effectRef>
+          <a:fontRef idx="minor">
+            <a:schemeClr val="tx1"/>
+          </a:fontRef>
+        </p:style>
+      </p:cxnSp>
+      <p:cxnSp>
+        <p:nvCxnSpPr>
+          <p:cNvPr id="49" name="Connecteur droit avec flèche 48"/>
+          <p:cNvCxnSpPr/>
+          <p:nvPr/>
+        </p:nvCxnSpPr>
+        <p:spPr>
+          <a:xfrm flipV="1">
+            <a:off x="3613704" y="1370495"/>
+            <a:ext cx="255321" cy="1"/>
+          </a:xfrm>
+          <a:prstGeom prst="straightConnector1">
+            <a:avLst/>
+          </a:prstGeom>
+          <a:ln w="6350" cmpd="sng">
+            <a:solidFill>
+              <a:srgbClr val="0000FF"/>
+            </a:solidFill>
+            <a:headEnd type="triangle"/>
+            <a:tailEnd type="triangle"/>
+          </a:ln>
+          <a:effectLst/>
+        </p:spPr>
+        <p:style>
+          <a:lnRef idx="2">
+            <a:schemeClr val="accent1"/>
+          </a:lnRef>
+          <a:fillRef idx="0">
+            <a:schemeClr val="accent1"/>
+          </a:fillRef>
+          <a:effectRef idx="1">
+            <a:schemeClr val="accent1"/>
+          </a:effectRef>
+          <a:fontRef idx="minor">
+            <a:schemeClr val="tx1"/>
+          </a:fontRef>
+        </p:style>
+      </p:cxnSp>
+      <p:sp>
+        <p:nvSpPr>
+          <p:cNvPr id="50" name="ZoneTexte 49"/>
+          <p:cNvSpPr txBox="1"/>
+          <p:nvPr/>
+        </p:nvSpPr>
+        <p:spPr>
+          <a:xfrm>
+            <a:off x="2716695" y="1948530"/>
+            <a:ext cx="930599" cy="307777"/>
+          </a:xfrm>
+          <a:prstGeom prst="rect">
+            <a:avLst/>
+          </a:prstGeom>
+          <a:noFill/>
+        </p:spPr>
+        <p:txBody>
+          <a:bodyPr wrap="square" rtlCol="0">
+            <a:spAutoFit/>
+          </a:bodyPr>
+          <a:lstStyle/>
+          <a:p>
+            <a:pPr algn="ctr"/>
+            <a:r>
+              <a:rPr lang="fr-FR" sz="1400" dirty="0" err="1" smtClean="0">
+                <a:solidFill>
+                  <a:srgbClr val="0000FF"/>
+                </a:solidFill>
+                <a:latin typeface="Courier"/>
+                <a:cs typeface="Courier"/>
+              </a:rPr>
+              <a:t>start</a:t>
+            </a:r>
+            <a:endParaRPr lang="fr-FR" sz="1400" dirty="0">
+              <a:solidFill>
+                <a:srgbClr val="0000FF"/>
+              </a:solidFill>
+              <a:latin typeface="Courier"/>
+              <a:cs typeface="Courier"/>
+            </a:endParaRPr>
+          </a:p>
+        </p:txBody>
+      </p:sp>
+      <p:sp>
+        <p:nvSpPr>
+          <p:cNvPr id="56" name="ZoneTexte 55"/>
+          <p:cNvSpPr txBox="1"/>
+          <p:nvPr/>
+        </p:nvSpPr>
+        <p:spPr>
+          <a:xfrm>
+            <a:off x="3150310" y="582861"/>
+            <a:ext cx="2017500" cy="307777"/>
+          </a:xfrm>
+          <a:prstGeom prst="rect">
+            <a:avLst/>
+          </a:prstGeom>
+          <a:noFill/>
+        </p:spPr>
+        <p:txBody>
+          <a:bodyPr wrap="square" rtlCol="0">
+            <a:spAutoFit/>
+          </a:bodyPr>
+          <a:lstStyle/>
+          <a:p>
+            <a:pPr algn="ctr"/>
+            <a:r>
+              <a:rPr lang="fr-FR" sz="1400" dirty="0" smtClean="0">
+                <a:latin typeface="Courier"/>
+                <a:cs typeface="Courier"/>
+              </a:rPr>
+              <a:t>"</a:t>
+            </a:r>
+            <a:r>
+              <a:rPr lang="fr-FR" sz="1400" dirty="0" err="1" smtClean="0">
+                <a:latin typeface="Courier"/>
+                <a:cs typeface="Courier"/>
+              </a:rPr>
+              <a:t>ttrapezoidal</a:t>
+            </a:r>
+            <a:r>
+              <a:rPr lang="fr-FR" sz="1400" dirty="0" smtClean="0">
+                <a:latin typeface="Courier"/>
+                <a:cs typeface="Courier"/>
+              </a:rPr>
+              <a:t>"</a:t>
+            </a:r>
+            <a:endParaRPr lang="fr-FR" sz="1400" dirty="0">
+              <a:latin typeface="Courier"/>
+              <a:cs typeface="Courier"/>
+            </a:endParaRPr>
+          </a:p>
+        </p:txBody>
+      </p:sp>
+      <p:cxnSp>
+        <p:nvCxnSpPr>
+          <p:cNvPr id="60" name="Connecteur droit avec flèche 59"/>
+          <p:cNvCxnSpPr/>
+          <p:nvPr/>
+        </p:nvCxnSpPr>
+        <p:spPr>
+          <a:xfrm>
+            <a:off x="4351054" y="1510605"/>
+            <a:ext cx="782218" cy="1067978"/>
+          </a:xfrm>
+          <a:prstGeom prst="straightConnector1">
+            <a:avLst/>
+          </a:prstGeom>
+          <a:ln w="19050" cmpd="sng">
+            <a:solidFill>
+              <a:schemeClr val="tx1"/>
+            </a:solidFill>
+            <a:headEnd type="none"/>
+            <a:tailEnd type="none"/>
+          </a:ln>
+          <a:effectLst/>
+        </p:spPr>
+        <p:style>
+          <a:lnRef idx="2">
+            <a:schemeClr val="accent1"/>
+          </a:lnRef>
+          <a:fillRef idx="0">
+            <a:schemeClr val="accent1"/>
+          </a:fillRef>
+          <a:effectRef idx="1">
+            <a:schemeClr val="accent1"/>
+          </a:effectRef>
+          <a:fontRef idx="minor">
+            <a:schemeClr val="tx1"/>
+          </a:fontRef>
+        </p:style>
+      </p:cxnSp>
+      <p:cxnSp>
+        <p:nvCxnSpPr>
+          <p:cNvPr id="63" name="Connecteur droit avec flèche 62"/>
+          <p:cNvCxnSpPr/>
+          <p:nvPr/>
+        </p:nvCxnSpPr>
+        <p:spPr>
+          <a:xfrm>
+            <a:off x="5122377" y="2581275"/>
+            <a:ext cx="443855" cy="516"/>
+          </a:xfrm>
+          <a:prstGeom prst="straightConnector1">
+            <a:avLst/>
+          </a:prstGeom>
+          <a:ln w="19050" cmpd="sng">
+            <a:solidFill>
+              <a:schemeClr val="tx1"/>
+            </a:solidFill>
+            <a:headEnd type="none"/>
+            <a:tailEnd type="none"/>
+          </a:ln>
+          <a:effectLst/>
+        </p:spPr>
+        <p:style>
+          <a:lnRef idx="2">
+            <a:schemeClr val="accent1"/>
+          </a:lnRef>
+          <a:fillRef idx="0">
+            <a:schemeClr val="accent1"/>
+          </a:fillRef>
+          <a:effectRef idx="1">
+            <a:schemeClr val="accent1"/>
+          </a:effectRef>
+          <a:fontRef idx="minor">
+            <a:schemeClr val="tx1"/>
+          </a:fontRef>
+        </p:style>
+      </p:cxnSp>
+      <p:cxnSp>
+        <p:nvCxnSpPr>
+          <p:cNvPr id="84" name="Connecteur droit avec flèche 83"/>
+          <p:cNvCxnSpPr/>
+          <p:nvPr/>
+        </p:nvCxnSpPr>
+        <p:spPr>
+          <a:xfrm flipV="1">
+            <a:off x="3602786" y="1370495"/>
+            <a:ext cx="10918" cy="1208088"/>
+          </a:xfrm>
+          <a:prstGeom prst="straightConnector1">
+            <a:avLst/>
+          </a:prstGeom>
+          <a:ln w="6350" cmpd="sng">
+            <a:solidFill>
+              <a:srgbClr val="0000FF"/>
+            </a:solidFill>
+            <a:prstDash val="dash"/>
+            <a:headEnd type="none"/>
+            <a:tailEnd type="none"/>
+          </a:ln>
+          <a:effectLst/>
+        </p:spPr>
+        <p:style>
+          <a:lnRef idx="2">
+            <a:schemeClr val="accent1"/>
+          </a:lnRef>
+          <a:fillRef idx="0">
+            <a:schemeClr val="accent1"/>
+          </a:fillRef>
+          <a:effectRef idx="1">
+            <a:schemeClr val="accent1"/>
+          </a:effectRef>
+          <a:fontRef idx="minor">
+            <a:schemeClr val="tx1"/>
+          </a:fontRef>
+        </p:style>
+      </p:cxnSp>
+      <p:cxnSp>
+        <p:nvCxnSpPr>
+          <p:cNvPr id="87" name="Connecteur droit avec flèche 86"/>
+          <p:cNvCxnSpPr/>
+          <p:nvPr/>
+        </p:nvCxnSpPr>
+        <p:spPr>
+          <a:xfrm flipV="1">
+            <a:off x="3858107" y="1158150"/>
+            <a:ext cx="16354" cy="1423641"/>
+          </a:xfrm>
+          <a:prstGeom prst="straightConnector1">
+            <a:avLst/>
+          </a:prstGeom>
+          <a:ln w="6350" cmpd="sng">
+            <a:solidFill>
+              <a:srgbClr val="0000FF"/>
+            </a:solidFill>
+            <a:prstDash val="dash"/>
+            <a:headEnd type="none"/>
+            <a:tailEnd type="none"/>
+          </a:ln>
+          <a:effectLst/>
+        </p:spPr>
+        <p:style>
+          <a:lnRef idx="2">
+            <a:schemeClr val="accent1"/>
+          </a:lnRef>
+          <a:fillRef idx="0">
+            <a:schemeClr val="accent1"/>
+          </a:fillRef>
+          <a:effectRef idx="1">
+            <a:schemeClr val="accent1"/>
+          </a:effectRef>
+          <a:fontRef idx="minor">
+            <a:schemeClr val="tx1"/>
+          </a:fontRef>
+        </p:style>
+      </p:cxnSp>
+      <p:cxnSp>
+        <p:nvCxnSpPr>
+          <p:cNvPr id="88" name="Connecteur droit avec flèche 87"/>
+          <p:cNvCxnSpPr/>
+          <p:nvPr/>
+        </p:nvCxnSpPr>
+        <p:spPr>
+          <a:xfrm flipV="1">
+            <a:off x="4342027" y="1154745"/>
+            <a:ext cx="16354" cy="1427488"/>
+          </a:xfrm>
+          <a:prstGeom prst="straightConnector1">
+            <a:avLst/>
+          </a:prstGeom>
+          <a:ln w="6350" cmpd="sng">
+            <a:solidFill>
+              <a:srgbClr val="0000FF"/>
+            </a:solidFill>
+            <a:prstDash val="dash"/>
+            <a:headEnd type="none"/>
+            <a:tailEnd type="none"/>
+          </a:ln>
+          <a:effectLst/>
+        </p:spPr>
+        <p:style>
+          <a:lnRef idx="2">
+            <a:schemeClr val="accent1"/>
+          </a:lnRef>
+          <a:fillRef idx="0">
+            <a:schemeClr val="accent1"/>
+          </a:fillRef>
+          <a:effectRef idx="1">
+            <a:schemeClr val="accent1"/>
+          </a:effectRef>
+          <a:fontRef idx="minor">
+            <a:schemeClr val="tx1"/>
+          </a:fontRef>
+        </p:style>
+      </p:cxnSp>
+      <p:cxnSp>
+        <p:nvCxnSpPr>
+          <p:cNvPr id="89" name="Connecteur droit avec flèche 88"/>
+          <p:cNvCxnSpPr/>
+          <p:nvPr/>
+        </p:nvCxnSpPr>
+        <p:spPr>
+          <a:xfrm flipV="1">
+            <a:off x="5127813" y="1377550"/>
+            <a:ext cx="10918" cy="1208088"/>
+          </a:xfrm>
+          <a:prstGeom prst="straightConnector1">
+            <a:avLst/>
+          </a:prstGeom>
+          <a:ln w="6350" cmpd="sng">
+            <a:solidFill>
+              <a:srgbClr val="0000FF"/>
+            </a:solidFill>
+            <a:prstDash val="dash"/>
+            <a:headEnd type="none"/>
+            <a:tailEnd type="none"/>
+          </a:ln>
+          <a:effectLst/>
+        </p:spPr>
+        <p:style>
+          <a:lnRef idx="2">
+            <a:schemeClr val="accent1"/>
+          </a:lnRef>
+          <a:fillRef idx="0">
+            <a:schemeClr val="accent1"/>
+          </a:fillRef>
+          <a:effectRef idx="1">
+            <a:schemeClr val="accent1"/>
+          </a:effectRef>
+          <a:fontRef idx="minor">
+            <a:schemeClr val="tx1"/>
+          </a:fontRef>
+        </p:style>
+      </p:cxnSp>
+      <p:cxnSp>
+        <p:nvCxnSpPr>
+          <p:cNvPr id="90" name="Connecteur droit avec flèche 89"/>
+          <p:cNvCxnSpPr/>
+          <p:nvPr/>
+        </p:nvCxnSpPr>
+        <p:spPr>
+          <a:xfrm>
+            <a:off x="3874461" y="1091650"/>
+            <a:ext cx="483920" cy="0"/>
+          </a:xfrm>
+          <a:prstGeom prst="straightConnector1">
+            <a:avLst/>
+          </a:prstGeom>
+          <a:ln w="6350" cmpd="sng">
+            <a:solidFill>
+              <a:srgbClr val="0000FF"/>
+            </a:solidFill>
+            <a:headEnd type="triangle"/>
+            <a:tailEnd type="triangle"/>
+          </a:ln>
+          <a:effectLst/>
+        </p:spPr>
+        <p:style>
+          <a:lnRef idx="2">
+            <a:schemeClr val="accent1"/>
+          </a:lnRef>
+          <a:fillRef idx="0">
+            <a:schemeClr val="accent1"/>
+          </a:fillRef>
+          <a:effectRef idx="1">
+            <a:schemeClr val="accent1"/>
+          </a:effectRef>
+          <a:fontRef idx="minor">
+            <a:schemeClr val="tx1"/>
+          </a:fontRef>
+        </p:style>
+      </p:cxnSp>
+      <p:cxnSp>
+        <p:nvCxnSpPr>
+          <p:cNvPr id="94" name="Connecteur droit avec flèche 93"/>
+          <p:cNvCxnSpPr/>
+          <p:nvPr/>
+        </p:nvCxnSpPr>
+        <p:spPr>
+          <a:xfrm flipV="1">
+            <a:off x="4375406" y="1366648"/>
+            <a:ext cx="763325" cy="3848"/>
+          </a:xfrm>
+          <a:prstGeom prst="straightConnector1">
+            <a:avLst/>
+          </a:prstGeom>
+          <a:ln w="6350" cmpd="sng">
+            <a:solidFill>
+              <a:srgbClr val="0000FF"/>
+            </a:solidFill>
+            <a:headEnd type="triangle"/>
+            <a:tailEnd type="triangle"/>
+          </a:ln>
+          <a:effectLst/>
+        </p:spPr>
+        <p:style>
+          <a:lnRef idx="2">
+            <a:schemeClr val="accent1"/>
+          </a:lnRef>
+          <a:fillRef idx="0">
+            <a:schemeClr val="accent1"/>
+          </a:fillRef>
+          <a:effectRef idx="1">
+            <a:schemeClr val="accent1"/>
+          </a:effectRef>
+          <a:fontRef idx="minor">
+            <a:schemeClr val="tx1"/>
+          </a:fontRef>
+        </p:style>
+      </p:cxnSp>
+      <p:sp>
+        <p:nvSpPr>
+          <p:cNvPr id="102" name="ZoneTexte 101"/>
+          <p:cNvSpPr txBox="1"/>
+          <p:nvPr/>
+        </p:nvSpPr>
+        <p:spPr>
+          <a:xfrm>
+            <a:off x="2986354" y="1069773"/>
+            <a:ext cx="960158" cy="307777"/>
+          </a:xfrm>
+          <a:prstGeom prst="rect">
+            <a:avLst/>
+          </a:prstGeom>
+          <a:noFill/>
+        </p:spPr>
+        <p:txBody>
+          <a:bodyPr wrap="square" rtlCol="0">
+            <a:spAutoFit/>
+          </a:bodyPr>
+          <a:lstStyle/>
+          <a:p>
+            <a:pPr algn="ctr"/>
+            <a:r>
+              <a:rPr lang="fr-FR" sz="1400" dirty="0">
+                <a:solidFill>
+                  <a:srgbClr val="0000FF"/>
+                </a:solidFill>
+                <a:latin typeface="Courier"/>
+                <a:cs typeface="Courier"/>
+              </a:rPr>
+              <a:t>s</a:t>
+            </a:r>
+            <a:r>
+              <a:rPr lang="fr-FR" sz="1400" dirty="0" smtClean="0">
+                <a:solidFill>
+                  <a:srgbClr val="0000FF"/>
+                </a:solidFill>
+                <a:latin typeface="Courier"/>
+                <a:cs typeface="Courier"/>
+              </a:rPr>
+              <a:t>lope1</a:t>
+            </a:r>
+            <a:endParaRPr lang="fr-FR" sz="1400" dirty="0">
+              <a:solidFill>
+                <a:srgbClr val="0000FF"/>
+              </a:solidFill>
+              <a:latin typeface="Courier"/>
+              <a:cs typeface="Courier"/>
+            </a:endParaRPr>
+          </a:p>
+        </p:txBody>
+      </p:sp>
+      <p:sp>
+        <p:nvSpPr>
+          <p:cNvPr id="103" name="ZoneTexte 102"/>
+          <p:cNvSpPr txBox="1"/>
+          <p:nvPr/>
+        </p:nvSpPr>
+        <p:spPr>
+          <a:xfrm>
+            <a:off x="3542984" y="783873"/>
+            <a:ext cx="1168778" cy="307777"/>
+          </a:xfrm>
+          <a:prstGeom prst="rect">
+            <a:avLst/>
+          </a:prstGeom>
+          <a:noFill/>
+        </p:spPr>
+        <p:txBody>
+          <a:bodyPr wrap="square" rtlCol="0">
+            <a:spAutoFit/>
+          </a:bodyPr>
+          <a:lstStyle/>
+          <a:p>
+            <a:pPr algn="ctr"/>
+            <a:r>
+              <a:rPr lang="fr-FR" sz="1400" dirty="0" smtClean="0">
+                <a:solidFill>
+                  <a:srgbClr val="0000FF"/>
+                </a:solidFill>
+                <a:latin typeface="Courier"/>
+                <a:cs typeface="Courier"/>
+              </a:rPr>
+              <a:t>plateau</a:t>
+            </a:r>
+            <a:endParaRPr lang="fr-FR" sz="1400" dirty="0">
+              <a:solidFill>
+                <a:srgbClr val="0000FF"/>
+              </a:solidFill>
+              <a:latin typeface="Courier"/>
+              <a:cs typeface="Courier"/>
+            </a:endParaRPr>
+          </a:p>
+        </p:txBody>
+      </p:sp>
+      <p:sp>
+        <p:nvSpPr>
+          <p:cNvPr id="108" name="ZoneTexte 107"/>
+          <p:cNvSpPr txBox="1"/>
+          <p:nvPr/>
+        </p:nvSpPr>
+        <p:spPr>
+          <a:xfrm>
+            <a:off x="4331141" y="1068284"/>
+            <a:ext cx="960158" cy="307777"/>
+          </a:xfrm>
+          <a:prstGeom prst="rect">
+            <a:avLst/>
+          </a:prstGeom>
+          <a:noFill/>
+        </p:spPr>
+        <p:txBody>
+          <a:bodyPr wrap="square" rtlCol="0">
+            <a:spAutoFit/>
+          </a:bodyPr>
+          <a:lstStyle/>
+          <a:p>
+            <a:pPr algn="ctr"/>
+            <a:r>
+              <a:rPr lang="fr-FR" sz="1400" dirty="0">
+                <a:solidFill>
+                  <a:srgbClr val="0000FF"/>
+                </a:solidFill>
+                <a:latin typeface="Courier"/>
+                <a:cs typeface="Courier"/>
+              </a:rPr>
+              <a:t>s</a:t>
+            </a:r>
+            <a:r>
+              <a:rPr lang="fr-FR" sz="1400" dirty="0" smtClean="0">
+                <a:solidFill>
+                  <a:srgbClr val="0000FF"/>
+                </a:solidFill>
+                <a:latin typeface="Courier"/>
+                <a:cs typeface="Courier"/>
+              </a:rPr>
+              <a:t>slope2</a:t>
+            </a:r>
+            <a:endParaRPr lang="fr-FR" sz="1400" dirty="0">
+              <a:solidFill>
+                <a:srgbClr val="0000FF"/>
+              </a:solidFill>
+              <a:latin typeface="Courier"/>
+              <a:cs typeface="Courier"/>
+            </a:endParaRPr>
+          </a:p>
+        </p:txBody>
+      </p:sp>
+      <p:sp>
+        <p:nvSpPr>
+          <p:cNvPr id="109" name="ZoneTexte 108"/>
+          <p:cNvSpPr txBox="1"/>
+          <p:nvPr/>
+        </p:nvSpPr>
+        <p:spPr>
+          <a:xfrm>
+            <a:off x="8060632" y="2472977"/>
+            <a:ext cx="265829" cy="369332"/>
+          </a:xfrm>
+          <a:prstGeom prst="rect">
+            <a:avLst/>
+          </a:prstGeom>
+          <a:noFill/>
+        </p:spPr>
+        <p:txBody>
+          <a:bodyPr wrap="square" rtlCol="0">
+            <a:spAutoFit/>
+          </a:bodyPr>
+          <a:lstStyle/>
+          <a:p>
+            <a:r>
+              <a:rPr lang="fr-FR" dirty="0" err="1" smtClean="0">
+                <a:latin typeface="Times"/>
+                <a:cs typeface="Times"/>
+              </a:rPr>
+              <a:t>t</a:t>
+            </a:r>
+            <a:endParaRPr lang="fr-FR" dirty="0">
+              <a:latin typeface="Times"/>
+              <a:cs typeface="Times"/>
+            </a:endParaRPr>
+          </a:p>
+        </p:txBody>
+      </p:sp>
+      <p:cxnSp>
+        <p:nvCxnSpPr>
+          <p:cNvPr id="110" name="Connecteur droit avec flèche 109"/>
+          <p:cNvCxnSpPr/>
+          <p:nvPr/>
+        </p:nvCxnSpPr>
+        <p:spPr>
+          <a:xfrm flipV="1">
+            <a:off x="5824930" y="637118"/>
+            <a:ext cx="0" cy="1939388"/>
+          </a:xfrm>
+          <a:prstGeom prst="straightConnector1">
+            <a:avLst/>
+          </a:prstGeom>
+          <a:ln w="6350" cmpd="sng">
+            <a:solidFill>
+              <a:schemeClr val="tx1"/>
+            </a:solidFill>
+            <a:headEnd type="none"/>
+            <a:tailEnd type="triangle"/>
+          </a:ln>
+          <a:effectLst/>
+        </p:spPr>
+        <p:style>
+          <a:lnRef idx="2">
+            <a:schemeClr val="accent1"/>
+          </a:lnRef>
+          <a:fillRef idx="0">
+            <a:schemeClr val="accent1"/>
+          </a:fillRef>
+          <a:effectRef idx="1">
+            <a:schemeClr val="accent1"/>
+          </a:effectRef>
+          <a:fontRef idx="minor">
+            <a:schemeClr val="tx1"/>
+          </a:fontRef>
+        </p:style>
+      </p:cxnSp>
+      <p:cxnSp>
+        <p:nvCxnSpPr>
+          <p:cNvPr id="111" name="Connecteur droit avec flèche 110"/>
+          <p:cNvCxnSpPr/>
+          <p:nvPr/>
+        </p:nvCxnSpPr>
+        <p:spPr>
+          <a:xfrm>
+            <a:off x="5824930" y="2576506"/>
+            <a:ext cx="2420172" cy="0"/>
+          </a:xfrm>
+          <a:prstGeom prst="straightConnector1">
+            <a:avLst/>
+          </a:prstGeom>
+          <a:ln w="6350" cmpd="sng">
+            <a:solidFill>
+              <a:schemeClr val="tx1"/>
+            </a:solidFill>
+            <a:headEnd type="none"/>
+            <a:tailEnd type="triangle"/>
+          </a:ln>
+          <a:effectLst/>
+        </p:spPr>
+        <p:style>
+          <a:lnRef idx="2">
+            <a:schemeClr val="accent1"/>
+          </a:lnRef>
+          <a:fillRef idx="0">
+            <a:schemeClr val="accent1"/>
+          </a:fillRef>
+          <a:effectRef idx="1">
+            <a:schemeClr val="accent1"/>
+          </a:effectRef>
+          <a:fontRef idx="minor">
+            <a:schemeClr val="tx1"/>
+          </a:fontRef>
+        </p:style>
+      </p:cxnSp>
+      <p:cxnSp>
+        <p:nvCxnSpPr>
+          <p:cNvPr id="112" name="Connecteur droit avec flèche 111"/>
+          <p:cNvCxnSpPr/>
+          <p:nvPr/>
+        </p:nvCxnSpPr>
+        <p:spPr>
+          <a:xfrm>
+            <a:off x="5824930" y="637117"/>
+            <a:ext cx="2420172" cy="2783"/>
+          </a:xfrm>
+          <a:prstGeom prst="straightConnector1">
+            <a:avLst/>
+          </a:prstGeom>
+          <a:ln w="6350" cmpd="sng">
+            <a:solidFill>
+              <a:schemeClr val="tx1"/>
+            </a:solidFill>
+            <a:headEnd type="none"/>
+            <a:tailEnd type="none"/>
+          </a:ln>
+          <a:effectLst/>
+        </p:spPr>
+        <p:style>
+          <a:lnRef idx="2">
+            <a:schemeClr val="accent1"/>
+          </a:lnRef>
+          <a:fillRef idx="0">
+            <a:schemeClr val="accent1"/>
+          </a:fillRef>
+          <a:effectRef idx="1">
+            <a:schemeClr val="accent1"/>
+          </a:effectRef>
+          <a:fontRef idx="minor">
+            <a:schemeClr val="tx1"/>
+          </a:fontRef>
+        </p:style>
+      </p:cxnSp>
+      <p:cxnSp>
+        <p:nvCxnSpPr>
+          <p:cNvPr id="113" name="Connecteur droit avec flèche 112"/>
+          <p:cNvCxnSpPr/>
+          <p:nvPr/>
+        </p:nvCxnSpPr>
+        <p:spPr>
+          <a:xfrm flipV="1">
+            <a:off x="8245102" y="637117"/>
+            <a:ext cx="0" cy="1939388"/>
+          </a:xfrm>
+          <a:prstGeom prst="straightConnector1">
+            <a:avLst/>
+          </a:prstGeom>
+          <a:ln w="6350" cmpd="sng">
+            <a:solidFill>
+              <a:schemeClr val="tx1"/>
+            </a:solidFill>
+            <a:headEnd type="none"/>
+            <a:tailEnd type="none"/>
+          </a:ln>
+          <a:effectLst/>
+        </p:spPr>
+        <p:style>
+          <a:lnRef idx="2">
+            <a:schemeClr val="accent1"/>
+          </a:lnRef>
+          <a:fillRef idx="0">
+            <a:schemeClr val="accent1"/>
+          </a:fillRef>
+          <a:effectRef idx="1">
+            <a:schemeClr val="accent1"/>
+          </a:effectRef>
+          <a:fontRef idx="minor">
+            <a:schemeClr val="tx1"/>
+          </a:fontRef>
+        </p:style>
+      </p:cxnSp>
+      <p:cxnSp>
+        <p:nvCxnSpPr>
+          <p:cNvPr id="116" name="Connecteur droit avec flèche 115"/>
+          <p:cNvCxnSpPr/>
+          <p:nvPr/>
+        </p:nvCxnSpPr>
+        <p:spPr>
+          <a:xfrm flipH="1">
+            <a:off x="5824932" y="2576153"/>
+            <a:ext cx="827019" cy="0"/>
+          </a:xfrm>
+          <a:prstGeom prst="straightConnector1">
+            <a:avLst/>
+          </a:prstGeom>
+          <a:ln w="19050" cmpd="sng">
+            <a:solidFill>
+              <a:schemeClr val="tx1"/>
+            </a:solidFill>
+            <a:headEnd type="none"/>
+            <a:tailEnd type="none"/>
+          </a:ln>
+          <a:effectLst/>
+        </p:spPr>
+        <p:style>
+          <a:lnRef idx="2">
+            <a:schemeClr val="accent1"/>
+          </a:lnRef>
+          <a:fillRef idx="0">
+            <a:schemeClr val="accent1"/>
+          </a:fillRef>
+          <a:effectRef idx="1">
+            <a:schemeClr val="accent1"/>
+          </a:effectRef>
+          <a:fontRef idx="minor">
+            <a:schemeClr val="tx1"/>
+          </a:fontRef>
+        </p:style>
+      </p:cxnSp>
+      <p:cxnSp>
+        <p:nvCxnSpPr>
+          <p:cNvPr id="117" name="Connecteur droit avec flèche 116"/>
+          <p:cNvCxnSpPr/>
+          <p:nvPr/>
+        </p:nvCxnSpPr>
+        <p:spPr>
+          <a:xfrm flipV="1">
+            <a:off x="6668151" y="1356237"/>
+            <a:ext cx="983192" cy="1419"/>
+          </a:xfrm>
+          <a:prstGeom prst="straightConnector1">
+            <a:avLst/>
+          </a:prstGeom>
+          <a:ln w="6350" cmpd="sng">
+            <a:solidFill>
+              <a:srgbClr val="0000FF"/>
+            </a:solidFill>
+            <a:headEnd type="triangle"/>
+            <a:tailEnd type="triangle"/>
+          </a:ln>
+          <a:effectLst/>
+        </p:spPr>
+        <p:style>
+          <a:lnRef idx="2">
+            <a:schemeClr val="accent1"/>
+          </a:lnRef>
+          <a:fillRef idx="0">
+            <a:schemeClr val="accent1"/>
+          </a:fillRef>
+          <a:effectRef idx="1">
+            <a:schemeClr val="accent1"/>
+          </a:effectRef>
+          <a:fontRef idx="minor">
+            <a:schemeClr val="tx1"/>
+          </a:fontRef>
+        </p:style>
+      </p:cxnSp>
+      <p:sp>
+        <p:nvSpPr>
+          <p:cNvPr id="118" name="ZoneTexte 117"/>
+          <p:cNvSpPr txBox="1"/>
+          <p:nvPr/>
+        </p:nvSpPr>
+        <p:spPr>
+          <a:xfrm>
+            <a:off x="5760732" y="1946100"/>
+            <a:ext cx="930599" cy="307777"/>
+          </a:xfrm>
+          <a:prstGeom prst="rect">
+            <a:avLst/>
+          </a:prstGeom>
+          <a:noFill/>
+        </p:spPr>
+        <p:txBody>
+          <a:bodyPr wrap="square" rtlCol="0">
+            <a:spAutoFit/>
+          </a:bodyPr>
+          <a:lstStyle/>
+          <a:p>
+            <a:pPr algn="ctr"/>
+            <a:r>
+              <a:rPr lang="fr-FR" sz="1400" dirty="0" err="1" smtClean="0">
+                <a:solidFill>
+                  <a:srgbClr val="0000FF"/>
+                </a:solidFill>
+                <a:latin typeface="Courier"/>
+                <a:cs typeface="Courier"/>
+              </a:rPr>
+              <a:t>start</a:t>
+            </a:r>
+            <a:endParaRPr lang="fr-FR" sz="1400" dirty="0">
+              <a:solidFill>
+                <a:srgbClr val="0000FF"/>
+              </a:solidFill>
+              <a:latin typeface="Courier"/>
+              <a:cs typeface="Courier"/>
+            </a:endParaRPr>
+          </a:p>
+        </p:txBody>
+      </p:sp>
+      <p:sp>
+        <p:nvSpPr>
+          <p:cNvPr id="121" name="ZoneTexte 120"/>
+          <p:cNvSpPr txBox="1"/>
+          <p:nvPr/>
+        </p:nvSpPr>
+        <p:spPr>
+          <a:xfrm>
+            <a:off x="6004776" y="580431"/>
+            <a:ext cx="2017500" cy="307777"/>
+          </a:xfrm>
+          <a:prstGeom prst="rect">
+            <a:avLst/>
+          </a:prstGeom>
+          <a:noFill/>
+        </p:spPr>
+        <p:txBody>
+          <a:bodyPr wrap="square" rtlCol="0">
+            <a:spAutoFit/>
+          </a:bodyPr>
+          <a:lstStyle/>
+          <a:p>
+            <a:pPr algn="ctr"/>
+            <a:r>
+              <a:rPr lang="fr-FR" sz="1400" dirty="0" smtClean="0">
+                <a:latin typeface="Courier"/>
+                <a:cs typeface="Courier"/>
+              </a:rPr>
+              <a:t>"</a:t>
+            </a:r>
+            <a:r>
+              <a:rPr lang="fr-FR" sz="1400" dirty="0" err="1" smtClean="0">
+                <a:latin typeface="Courier"/>
+                <a:cs typeface="Courier"/>
+              </a:rPr>
+              <a:t>tgaussian</a:t>
+            </a:r>
+            <a:r>
+              <a:rPr lang="fr-FR" sz="1400" dirty="0" smtClean="0">
+                <a:latin typeface="Courier"/>
+                <a:cs typeface="Courier"/>
+              </a:rPr>
+              <a:t>"</a:t>
+            </a:r>
+            <a:endParaRPr lang="fr-FR" sz="1400" dirty="0">
+              <a:latin typeface="Courier"/>
+              <a:cs typeface="Courier"/>
+            </a:endParaRPr>
+          </a:p>
+        </p:txBody>
+      </p:sp>
+      <p:cxnSp>
+        <p:nvCxnSpPr>
+          <p:cNvPr id="123" name="Connecteur droit avec flèche 122"/>
+          <p:cNvCxnSpPr/>
+          <p:nvPr/>
+        </p:nvCxnSpPr>
+        <p:spPr>
+          <a:xfrm>
+            <a:off x="7640425" y="2575976"/>
+            <a:ext cx="604169" cy="353"/>
+          </a:xfrm>
+          <a:prstGeom prst="straightConnector1">
+            <a:avLst/>
+          </a:prstGeom>
+          <a:ln w="19050" cmpd="sng">
+            <a:solidFill>
+              <a:schemeClr val="tx1"/>
+            </a:solidFill>
+            <a:headEnd type="none"/>
+            <a:tailEnd type="none"/>
+          </a:ln>
+          <a:effectLst/>
+        </p:spPr>
+        <p:style>
+          <a:lnRef idx="2">
+            <a:schemeClr val="accent1"/>
+          </a:lnRef>
+          <a:fillRef idx="0">
+            <a:schemeClr val="accent1"/>
+          </a:fillRef>
+          <a:effectRef idx="1">
+            <a:schemeClr val="accent1"/>
+          </a:effectRef>
+          <a:fontRef idx="minor">
+            <a:schemeClr val="tx1"/>
+          </a:fontRef>
+        </p:style>
+      </p:cxnSp>
+      <p:sp>
+        <p:nvSpPr>
+          <p:cNvPr id="157" name="Forme libre 156"/>
+          <p:cNvSpPr/>
+          <p:nvPr/>
+        </p:nvSpPr>
+        <p:spPr>
+          <a:xfrm>
+            <a:off x="6651951" y="1508144"/>
+            <a:ext cx="988962" cy="886301"/>
+          </a:xfrm>
+          <a:custGeom>
+            <a:avLst/>
+            <a:gdLst>
+              <a:gd name="connsiteX0" fmla="*/ 0 w 1103474"/>
+              <a:gd name="connsiteY0" fmla="*/ 1113937 h 1113937"/>
+              <a:gd name="connsiteX1" fmla="*/ 562148 w 1103474"/>
+              <a:gd name="connsiteY1" fmla="*/ 0 h 1113937"/>
+              <a:gd name="connsiteX2" fmla="*/ 1103474 w 1103474"/>
+              <a:gd name="connsiteY2" fmla="*/ 1113937 h 1113937"/>
+              <a:gd name="connsiteX0" fmla="*/ 0 w 1103474"/>
+              <a:gd name="connsiteY0" fmla="*/ 1113937 h 1113937"/>
+              <a:gd name="connsiteX1" fmla="*/ 562148 w 1103474"/>
+              <a:gd name="connsiteY1" fmla="*/ 0 h 1113937"/>
+              <a:gd name="connsiteX2" fmla="*/ 1103474 w 1103474"/>
+              <a:gd name="connsiteY2" fmla="*/ 1113937 h 1113937"/>
+              <a:gd name="connsiteX0" fmla="*/ 0 w 1103474"/>
+              <a:gd name="connsiteY0" fmla="*/ 1113937 h 1113937"/>
+              <a:gd name="connsiteX1" fmla="*/ 562148 w 1103474"/>
+              <a:gd name="connsiteY1" fmla="*/ 0 h 1113937"/>
+              <a:gd name="connsiteX2" fmla="*/ 1103474 w 1103474"/>
+              <a:gd name="connsiteY2" fmla="*/ 1113937 h 1113937"/>
+              <a:gd name="connsiteX0" fmla="*/ 0 w 1103474"/>
+              <a:gd name="connsiteY0" fmla="*/ 1113937 h 1113937"/>
+              <a:gd name="connsiteX1" fmla="*/ 562148 w 1103474"/>
+              <a:gd name="connsiteY1" fmla="*/ 0 h 1113937"/>
+              <a:gd name="connsiteX2" fmla="*/ 1103474 w 1103474"/>
+              <a:gd name="connsiteY2" fmla="*/ 1113937 h 1113937"/>
+              <a:gd name="connsiteX0" fmla="*/ 0 w 988962"/>
+              <a:gd name="connsiteY0" fmla="*/ 1115272 h 1115272"/>
+              <a:gd name="connsiteX1" fmla="*/ 562148 w 988962"/>
+              <a:gd name="connsiteY1" fmla="*/ 1335 h 1115272"/>
+              <a:gd name="connsiteX2" fmla="*/ 988962 w 988962"/>
+              <a:gd name="connsiteY2" fmla="*/ 918999 h 1115272"/>
+              <a:gd name="connsiteX0" fmla="*/ 0 w 988962"/>
+              <a:gd name="connsiteY0" fmla="*/ 1114900 h 1114900"/>
+              <a:gd name="connsiteX1" fmla="*/ 562148 w 988962"/>
+              <a:gd name="connsiteY1" fmla="*/ 963 h 1114900"/>
+              <a:gd name="connsiteX2" fmla="*/ 988962 w 988962"/>
+              <a:gd name="connsiteY2" fmla="*/ 918627 h 1114900"/>
+              <a:gd name="connsiteX0" fmla="*/ 0 w 988962"/>
+              <a:gd name="connsiteY0" fmla="*/ 1114900 h 1114900"/>
+              <a:gd name="connsiteX1" fmla="*/ 562148 w 988962"/>
+              <a:gd name="connsiteY1" fmla="*/ 963 h 1114900"/>
+              <a:gd name="connsiteX2" fmla="*/ 988962 w 988962"/>
+              <a:gd name="connsiteY2" fmla="*/ 918627 h 1114900"/>
+              <a:gd name="connsiteX0" fmla="*/ 0 w 988962"/>
+              <a:gd name="connsiteY0" fmla="*/ 1114900 h 1114900"/>
+              <a:gd name="connsiteX1" fmla="*/ 562148 w 988962"/>
+              <a:gd name="connsiteY1" fmla="*/ 963 h 1114900"/>
+              <a:gd name="connsiteX2" fmla="*/ 988962 w 988962"/>
+              <a:gd name="connsiteY2" fmla="*/ 918627 h 1114900"/>
+              <a:gd name="connsiteX0" fmla="*/ 0 w 988962"/>
+              <a:gd name="connsiteY0" fmla="*/ 1113976 h 1113976"/>
+              <a:gd name="connsiteX1" fmla="*/ 562148 w 988962"/>
+              <a:gd name="connsiteY1" fmla="*/ 39 h 1113976"/>
+              <a:gd name="connsiteX2" fmla="*/ 988962 w 988962"/>
+              <a:gd name="connsiteY2" fmla="*/ 917703 h 1113976"/>
+              <a:gd name="connsiteX0" fmla="*/ 0 w 988962"/>
+              <a:gd name="connsiteY0" fmla="*/ 1113976 h 1113976"/>
+              <a:gd name="connsiteX1" fmla="*/ 562148 w 988962"/>
+              <a:gd name="connsiteY1" fmla="*/ 39 h 1113976"/>
+              <a:gd name="connsiteX2" fmla="*/ 988962 w 988962"/>
+              <a:gd name="connsiteY2" fmla="*/ 917703 h 1113976"/>
+            </a:gdLst>
+            <a:ahLst/>
+            <a:cxnLst>
+              <a:cxn ang="0">
+                <a:pos x="connsiteX0" y="connsiteY0"/>
+              </a:cxn>
+              <a:cxn ang="0">
+                <a:pos x="connsiteX1" y="connsiteY1"/>
+              </a:cxn>
+              <a:cxn ang="0">
+                <a:pos x="connsiteX2" y="connsiteY2"/>
+              </a:cxn>
+            </a:cxnLst>
+            <a:rect l="l" t="t" r="r" b="b"/>
+            <a:pathLst>
+              <a:path w="988962" h="1113976">
+                <a:moveTo>
+                  <a:pt x="0" y="1113976"/>
+                </a:moveTo>
+                <a:cubicBezTo>
+                  <a:pt x="334860" y="812211"/>
+                  <a:pt x="345271" y="-6503"/>
+                  <a:pt x="562148" y="39"/>
+                </a:cubicBezTo>
+                <a:cubicBezTo>
+                  <a:pt x="779025" y="6581"/>
+                  <a:pt x="773820" y="634516"/>
+                  <a:pt x="988962" y="917703"/>
+                </a:cubicBezTo>
+              </a:path>
+            </a:pathLst>
+          </a:custGeom>
+          <a:ln w="19050" cmpd="sng">
+            <a:solidFill>
+              <a:schemeClr val="tx1"/>
+            </a:solidFill>
+          </a:ln>
+          <a:effectLst/>
+        </p:spPr>
+        <p:style>
+          <a:lnRef idx="2">
+            <a:schemeClr val="accent1"/>
+          </a:lnRef>
+          <a:fillRef idx="0">
+            <a:schemeClr val="accent1"/>
+          </a:fillRef>
+          <a:effectRef idx="1">
+            <a:schemeClr val="accent1"/>
+          </a:effectRef>
+          <a:fontRef idx="minor">
+            <a:schemeClr val="tx1"/>
+          </a:fontRef>
+        </p:style>
+        <p:txBody>
+          <a:bodyPr rtlCol="0" anchor="ctr"/>
+          <a:lstStyle/>
+          <a:p>
+            <a:pPr algn="ctr"/>
+            <a:endParaRPr lang="fr-FR"/>
+          </a:p>
+        </p:txBody>
+      </p:sp>
+      <p:cxnSp>
+        <p:nvCxnSpPr>
+          <p:cNvPr id="158" name="Connecteur droit avec flèche 157"/>
+          <p:cNvCxnSpPr/>
+          <p:nvPr/>
+        </p:nvCxnSpPr>
+        <p:spPr>
+          <a:xfrm flipV="1">
+            <a:off x="6645437" y="2383990"/>
+            <a:ext cx="0" cy="192163"/>
+          </a:xfrm>
+          <a:prstGeom prst="straightConnector1">
+            <a:avLst/>
+          </a:prstGeom>
+          <a:ln w="19050" cmpd="sng">
+            <a:solidFill>
+              <a:schemeClr val="tx1"/>
+            </a:solidFill>
+            <a:headEnd type="none"/>
+            <a:tailEnd type="none"/>
+          </a:ln>
+          <a:effectLst/>
+        </p:spPr>
+        <p:style>
+          <a:lnRef idx="2">
+            <a:schemeClr val="accent1"/>
+          </a:lnRef>
+          <a:fillRef idx="0">
+            <a:schemeClr val="accent1"/>
+          </a:fillRef>
+          <a:effectRef idx="1">
+            <a:schemeClr val="accent1"/>
+          </a:effectRef>
+          <a:fontRef idx="minor">
+            <a:schemeClr val="tx1"/>
+          </a:fontRef>
+        </p:style>
+      </p:cxnSp>
+      <p:cxnSp>
+        <p:nvCxnSpPr>
+          <p:cNvPr id="161" name="Connecteur droit avec flèche 160"/>
+          <p:cNvCxnSpPr/>
+          <p:nvPr/>
+        </p:nvCxnSpPr>
+        <p:spPr>
+          <a:xfrm flipV="1">
+            <a:off x="7640933" y="2232544"/>
+            <a:ext cx="0" cy="354020"/>
+          </a:xfrm>
+          <a:prstGeom prst="straightConnector1">
+            <a:avLst/>
+          </a:prstGeom>
+          <a:ln w="19050" cmpd="sng">
+            <a:solidFill>
+              <a:schemeClr val="tx1"/>
+            </a:solidFill>
+            <a:headEnd type="none"/>
+            <a:tailEnd type="none"/>
+          </a:ln>
+          <a:effectLst/>
+        </p:spPr>
+        <p:style>
+          <a:lnRef idx="2">
+            <a:schemeClr val="accent1"/>
+          </a:lnRef>
+          <a:fillRef idx="0">
+            <a:schemeClr val="accent1"/>
+          </a:fillRef>
+          <a:effectRef idx="1">
+            <a:schemeClr val="accent1"/>
+          </a:effectRef>
+          <a:fontRef idx="minor">
+            <a:schemeClr val="tx1"/>
+          </a:fontRef>
+        </p:style>
+      </p:cxnSp>
+      <p:cxnSp>
+        <p:nvCxnSpPr>
+          <p:cNvPr id="164" name="Connecteur droit avec flèche 163"/>
+          <p:cNvCxnSpPr/>
+          <p:nvPr/>
+        </p:nvCxnSpPr>
+        <p:spPr>
+          <a:xfrm>
+            <a:off x="2791811" y="2311099"/>
+            <a:ext cx="821893" cy="0"/>
+          </a:xfrm>
+          <a:prstGeom prst="straightConnector1">
+            <a:avLst/>
+          </a:prstGeom>
+          <a:ln w="6350" cmpd="sng">
+            <a:solidFill>
+              <a:srgbClr val="0000FF"/>
+            </a:solidFill>
+            <a:headEnd type="triangle"/>
+            <a:tailEnd type="triangle"/>
+          </a:ln>
+          <a:effectLst/>
+        </p:spPr>
+        <p:style>
+          <a:lnRef idx="2">
+            <a:schemeClr val="accent1"/>
+          </a:lnRef>
+          <a:fillRef idx="0">
+            <a:schemeClr val="accent1"/>
+          </a:fillRef>
+          <a:effectRef idx="1">
+            <a:schemeClr val="accent1"/>
+          </a:effectRef>
+          <a:fontRef idx="minor">
+            <a:schemeClr val="tx1"/>
+          </a:fontRef>
+        </p:style>
+      </p:cxnSp>
+      <p:cxnSp>
+        <p:nvCxnSpPr>
+          <p:cNvPr id="165" name="Connecteur droit avec flèche 164"/>
+          <p:cNvCxnSpPr/>
+          <p:nvPr/>
+        </p:nvCxnSpPr>
+        <p:spPr>
+          <a:xfrm>
+            <a:off x="5830058" y="2318214"/>
+            <a:ext cx="821893" cy="0"/>
+          </a:xfrm>
+          <a:prstGeom prst="straightConnector1">
+            <a:avLst/>
+          </a:prstGeom>
+          <a:ln w="6350" cmpd="sng">
+            <a:solidFill>
+              <a:srgbClr val="0000FF"/>
+            </a:solidFill>
+            <a:headEnd type="triangle"/>
+            <a:tailEnd type="triangle"/>
+          </a:ln>
+          <a:effectLst/>
+        </p:spPr>
+        <p:style>
+          <a:lnRef idx="2">
+            <a:schemeClr val="accent1"/>
+          </a:lnRef>
+          <a:fillRef idx="0">
+            <a:schemeClr val="accent1"/>
+          </a:fillRef>
+          <a:effectRef idx="1">
+            <a:schemeClr val="accent1"/>
+          </a:effectRef>
+          <a:fontRef idx="minor">
+            <a:schemeClr val="tx1"/>
+          </a:fontRef>
+        </p:style>
+      </p:cxnSp>
+      <p:cxnSp>
+        <p:nvCxnSpPr>
+          <p:cNvPr id="168" name="Connecteur droit avec flèche 167"/>
+          <p:cNvCxnSpPr/>
+          <p:nvPr/>
+        </p:nvCxnSpPr>
+        <p:spPr>
+          <a:xfrm>
+            <a:off x="6902652" y="2053798"/>
+            <a:ext cx="623874" cy="0"/>
+          </a:xfrm>
+          <a:prstGeom prst="straightConnector1">
+            <a:avLst/>
+          </a:prstGeom>
+          <a:ln w="6350" cmpd="sng">
+            <a:solidFill>
+              <a:srgbClr val="0000FF"/>
+            </a:solidFill>
+            <a:prstDash val="solid"/>
+            <a:headEnd type="triangle"/>
+            <a:tailEnd type="triangle"/>
+          </a:ln>
+          <a:effectLst/>
+        </p:spPr>
+        <p:style>
+          <a:lnRef idx="2">
+            <a:schemeClr val="accent1"/>
+          </a:lnRef>
+          <a:fillRef idx="0">
+            <a:schemeClr val="accent1"/>
+          </a:fillRef>
+          <a:effectRef idx="1">
+            <a:schemeClr val="accent1"/>
+          </a:effectRef>
+          <a:fontRef idx="minor">
+            <a:schemeClr val="tx1"/>
+          </a:fontRef>
+        </p:style>
+      </p:cxnSp>
+      <p:cxnSp>
+        <p:nvCxnSpPr>
+          <p:cNvPr id="174" name="Connecteur droit avec flèche 173"/>
+          <p:cNvCxnSpPr/>
+          <p:nvPr/>
+        </p:nvCxnSpPr>
+        <p:spPr>
+          <a:xfrm flipV="1">
+            <a:off x="6647714" y="1357623"/>
+            <a:ext cx="10918" cy="1208088"/>
+          </a:xfrm>
+          <a:prstGeom prst="straightConnector1">
+            <a:avLst/>
+          </a:prstGeom>
+          <a:ln w="6350" cmpd="sng">
+            <a:solidFill>
+              <a:srgbClr val="0000FF"/>
+            </a:solidFill>
+            <a:prstDash val="dash"/>
+            <a:headEnd type="none"/>
+            <a:tailEnd type="none"/>
+          </a:ln>
+          <a:effectLst/>
+        </p:spPr>
+        <p:style>
+          <a:lnRef idx="2">
+            <a:schemeClr val="accent1"/>
+          </a:lnRef>
+          <a:fillRef idx="0">
+            <a:schemeClr val="accent1"/>
+          </a:fillRef>
+          <a:effectRef idx="1">
+            <a:schemeClr val="accent1"/>
+          </a:effectRef>
+          <a:fontRef idx="minor">
+            <a:schemeClr val="tx1"/>
+          </a:fontRef>
+        </p:style>
+      </p:cxnSp>
+      <p:cxnSp>
+        <p:nvCxnSpPr>
+          <p:cNvPr id="175" name="Connecteur droit avec flèche 174"/>
+          <p:cNvCxnSpPr/>
+          <p:nvPr/>
+        </p:nvCxnSpPr>
+        <p:spPr>
+          <a:xfrm flipV="1">
+            <a:off x="7640425" y="1374145"/>
+            <a:ext cx="10918" cy="1208088"/>
+          </a:xfrm>
+          <a:prstGeom prst="straightConnector1">
+            <a:avLst/>
+          </a:prstGeom>
+          <a:ln w="6350" cmpd="sng">
+            <a:solidFill>
+              <a:srgbClr val="0000FF"/>
+            </a:solidFill>
+            <a:prstDash val="dash"/>
+            <a:headEnd type="none"/>
+            <a:tailEnd type="none"/>
+          </a:ln>
+          <a:effectLst/>
+        </p:spPr>
+        <p:style>
+          <a:lnRef idx="2">
+            <a:schemeClr val="accent1"/>
+          </a:lnRef>
+          <a:fillRef idx="0">
+            <a:schemeClr val="accent1"/>
+          </a:fillRef>
+          <a:effectRef idx="1">
+            <a:schemeClr val="accent1"/>
+          </a:effectRef>
+          <a:fontRef idx="minor">
+            <a:schemeClr val="tx1"/>
+          </a:fontRef>
+        </p:style>
+      </p:cxnSp>
+      <p:sp>
+        <p:nvSpPr>
+          <p:cNvPr id="177" name="ZoneTexte 176"/>
+          <p:cNvSpPr txBox="1"/>
+          <p:nvPr/>
+        </p:nvSpPr>
+        <p:spPr>
+          <a:xfrm>
+            <a:off x="6810630" y="2022565"/>
+            <a:ext cx="747126" cy="307777"/>
+          </a:xfrm>
+          <a:prstGeom prst="rect">
+            <a:avLst/>
+          </a:prstGeom>
+          <a:noFill/>
+        </p:spPr>
+        <p:txBody>
+          <a:bodyPr wrap="square" rtlCol="0">
+            <a:spAutoFit/>
+          </a:bodyPr>
+          <a:lstStyle/>
+          <a:p>
+            <a:pPr algn="ctr"/>
+            <a:r>
+              <a:rPr lang="fr-FR" sz="1400" dirty="0" err="1" smtClean="0">
+                <a:solidFill>
+                  <a:srgbClr val="0000FF"/>
+                </a:solidFill>
+                <a:latin typeface="Courier"/>
+                <a:cs typeface="Courier"/>
+              </a:rPr>
+              <a:t>fwhm</a:t>
+            </a:r>
+            <a:endParaRPr lang="fr-FR" sz="1400" dirty="0">
+              <a:solidFill>
+                <a:srgbClr val="0000FF"/>
+              </a:solidFill>
+              <a:latin typeface="Courier"/>
+              <a:cs typeface="Courier"/>
+            </a:endParaRPr>
+          </a:p>
+        </p:txBody>
+      </p:sp>
+      <p:sp>
+        <p:nvSpPr>
+          <p:cNvPr id="178" name="ZoneTexte 177"/>
+          <p:cNvSpPr txBox="1"/>
+          <p:nvPr/>
+        </p:nvSpPr>
+        <p:spPr>
+          <a:xfrm>
+            <a:off x="6498326" y="1069972"/>
+            <a:ext cx="1309274" cy="307777"/>
+          </a:xfrm>
+          <a:prstGeom prst="rect">
+            <a:avLst/>
+          </a:prstGeom>
+          <a:noFill/>
+        </p:spPr>
+        <p:txBody>
+          <a:bodyPr wrap="square" rtlCol="0">
+            <a:spAutoFit/>
+          </a:bodyPr>
+          <a:lstStyle/>
+          <a:p>
+            <a:pPr algn="ctr"/>
+            <a:r>
+              <a:rPr lang="fr-FR" sz="1400" dirty="0" smtClean="0">
+                <a:solidFill>
+                  <a:srgbClr val="0000FF"/>
+                </a:solidFill>
+                <a:latin typeface="Courier"/>
+                <a:cs typeface="Courier"/>
+              </a:rPr>
+              <a:t>duration</a:t>
+            </a:r>
+            <a:endParaRPr lang="fr-FR" sz="1400" dirty="0">
+              <a:solidFill>
+                <a:srgbClr val="0000FF"/>
+              </a:solidFill>
+              <a:latin typeface="Courier"/>
+              <a:cs typeface="Courier"/>
+            </a:endParaRPr>
+          </a:p>
+        </p:txBody>
+      </p:sp>
+      <p:cxnSp>
+        <p:nvCxnSpPr>
+          <p:cNvPr id="179" name="Connecteur droit avec flèche 178"/>
+          <p:cNvCxnSpPr/>
+          <p:nvPr/>
+        </p:nvCxnSpPr>
+        <p:spPr>
+          <a:xfrm flipV="1">
+            <a:off x="7214099" y="1449754"/>
+            <a:ext cx="0" cy="1115957"/>
+          </a:xfrm>
+          <a:prstGeom prst="straightConnector1">
+            <a:avLst/>
+          </a:prstGeom>
+          <a:ln w="6350" cmpd="sng">
+            <a:solidFill>
+              <a:srgbClr val="0000FF"/>
+            </a:solidFill>
+            <a:prstDash val="dash"/>
+            <a:headEnd type="none"/>
+            <a:tailEnd type="none"/>
+          </a:ln>
+          <a:effectLst/>
+        </p:spPr>
+        <p:style>
+          <a:lnRef idx="2">
+            <a:schemeClr val="accent1"/>
+          </a:lnRef>
+          <a:fillRef idx="0">
+            <a:schemeClr val="accent1"/>
+          </a:fillRef>
+          <a:effectRef idx="1">
+            <a:schemeClr val="accent1"/>
+          </a:effectRef>
+          <a:fontRef idx="minor">
+            <a:schemeClr val="tx1"/>
+          </a:fontRef>
+        </p:style>
+      </p:cxnSp>
+      <p:cxnSp>
+        <p:nvCxnSpPr>
+          <p:cNvPr id="181" name="Connecteur droit avec flèche 180"/>
+          <p:cNvCxnSpPr/>
+          <p:nvPr/>
+        </p:nvCxnSpPr>
+        <p:spPr>
+          <a:xfrm flipV="1">
+            <a:off x="5824930" y="2629943"/>
+            <a:ext cx="1389169" cy="1420"/>
+          </a:xfrm>
+          <a:prstGeom prst="straightConnector1">
+            <a:avLst/>
+          </a:prstGeom>
+          <a:ln w="6350" cmpd="sng">
+            <a:solidFill>
+              <a:srgbClr val="0000FF"/>
+            </a:solidFill>
+            <a:headEnd type="triangle"/>
+            <a:tailEnd type="triangle"/>
+          </a:ln>
+          <a:effectLst/>
+        </p:spPr>
+        <p:style>
+          <a:lnRef idx="2">
+            <a:schemeClr val="accent1"/>
+          </a:lnRef>
+          <a:fillRef idx="0">
+            <a:schemeClr val="accent1"/>
+          </a:fillRef>
+          <a:effectRef idx="1">
+            <a:schemeClr val="accent1"/>
+          </a:effectRef>
+          <a:fontRef idx="minor">
+            <a:schemeClr val="tx1"/>
+          </a:fontRef>
+        </p:style>
+      </p:cxnSp>
+      <p:sp>
+        <p:nvSpPr>
+          <p:cNvPr id="182" name="ZoneTexte 181"/>
+          <p:cNvSpPr txBox="1"/>
+          <p:nvPr/>
+        </p:nvSpPr>
+        <p:spPr>
+          <a:xfrm>
+            <a:off x="5904825" y="2553591"/>
+            <a:ext cx="1309274" cy="307777"/>
+          </a:xfrm>
+          <a:prstGeom prst="rect">
+            <a:avLst/>
+          </a:prstGeom>
+          <a:noFill/>
+        </p:spPr>
+        <p:txBody>
+          <a:bodyPr wrap="square" rtlCol="0">
+            <a:spAutoFit/>
+          </a:bodyPr>
+          <a:lstStyle/>
+          <a:p>
+            <a:pPr algn="ctr"/>
+            <a:r>
+              <a:rPr lang="fr-FR" sz="1400" dirty="0" smtClean="0">
+                <a:solidFill>
+                  <a:srgbClr val="0000FF"/>
+                </a:solidFill>
+                <a:latin typeface="Courier"/>
+                <a:cs typeface="Courier"/>
+              </a:rPr>
+              <a:t>center</a:t>
+            </a:r>
+            <a:endParaRPr lang="fr-FR" sz="1400" dirty="0">
+              <a:solidFill>
+                <a:srgbClr val="0000FF"/>
+              </a:solidFill>
+              <a:latin typeface="Courier"/>
+              <a:cs typeface="Courier"/>
+            </a:endParaRPr>
+          </a:p>
+        </p:txBody>
+      </p:sp>
+      <p:sp>
+        <p:nvSpPr>
+          <p:cNvPr id="192" name="ZoneTexte 191"/>
+          <p:cNvSpPr txBox="1"/>
+          <p:nvPr/>
+        </p:nvSpPr>
+        <p:spPr>
+          <a:xfrm>
+            <a:off x="4514858" y="4890072"/>
+            <a:ext cx="265829" cy="369332"/>
+          </a:xfrm>
+          <a:prstGeom prst="rect">
+            <a:avLst/>
+          </a:prstGeom>
+          <a:noFill/>
+        </p:spPr>
+        <p:txBody>
+          <a:bodyPr wrap="square" rtlCol="0">
+            <a:spAutoFit/>
+          </a:bodyPr>
+          <a:lstStyle/>
+          <a:p>
+            <a:r>
+              <a:rPr lang="fr-FR" dirty="0" err="1" smtClean="0">
+                <a:latin typeface="Times"/>
+                <a:cs typeface="Times"/>
+              </a:rPr>
+              <a:t>t</a:t>
+            </a:r>
+            <a:endParaRPr lang="fr-FR" dirty="0">
+              <a:latin typeface="Times"/>
+              <a:cs typeface="Times"/>
+            </a:endParaRPr>
+          </a:p>
+        </p:txBody>
+      </p:sp>
+      <p:cxnSp>
+        <p:nvCxnSpPr>
+          <p:cNvPr id="193" name="Connecteur droit avec flèche 192"/>
+          <p:cNvCxnSpPr/>
+          <p:nvPr/>
+        </p:nvCxnSpPr>
+        <p:spPr>
+          <a:xfrm flipV="1">
+            <a:off x="1925488" y="3054213"/>
+            <a:ext cx="0" cy="1939388"/>
+          </a:xfrm>
+          <a:prstGeom prst="straightConnector1">
+            <a:avLst/>
+          </a:prstGeom>
+          <a:ln w="6350" cmpd="sng">
+            <a:solidFill>
+              <a:schemeClr val="tx1"/>
+            </a:solidFill>
+            <a:headEnd type="none"/>
+            <a:tailEnd type="triangle"/>
+          </a:ln>
+          <a:effectLst/>
+        </p:spPr>
+        <p:style>
+          <a:lnRef idx="2">
+            <a:schemeClr val="accent1"/>
+          </a:lnRef>
+          <a:fillRef idx="0">
+            <a:schemeClr val="accent1"/>
+          </a:fillRef>
+          <a:effectRef idx="1">
+            <a:schemeClr val="accent1"/>
+          </a:effectRef>
+          <a:fontRef idx="minor">
+            <a:schemeClr val="tx1"/>
+          </a:fontRef>
+        </p:style>
+      </p:cxnSp>
+      <p:cxnSp>
+        <p:nvCxnSpPr>
+          <p:cNvPr id="194" name="Connecteur droit avec flèche 193"/>
+          <p:cNvCxnSpPr/>
+          <p:nvPr/>
+        </p:nvCxnSpPr>
+        <p:spPr>
+          <a:xfrm>
+            <a:off x="1925488" y="4993600"/>
+            <a:ext cx="2786274" cy="1"/>
+          </a:xfrm>
+          <a:prstGeom prst="straightConnector1">
+            <a:avLst/>
+          </a:prstGeom>
+          <a:ln w="6350" cmpd="sng">
+            <a:solidFill>
+              <a:schemeClr val="tx1"/>
+            </a:solidFill>
+            <a:headEnd type="none"/>
+            <a:tailEnd type="triangle"/>
+          </a:ln>
+          <a:effectLst/>
+        </p:spPr>
+        <p:style>
+          <a:lnRef idx="2">
+            <a:schemeClr val="accent1"/>
+          </a:lnRef>
+          <a:fillRef idx="0">
+            <a:schemeClr val="accent1"/>
+          </a:fillRef>
+          <a:effectRef idx="1">
+            <a:schemeClr val="accent1"/>
+          </a:effectRef>
+          <a:fontRef idx="minor">
+            <a:schemeClr val="tx1"/>
+          </a:fontRef>
+        </p:style>
+      </p:cxnSp>
+      <p:cxnSp>
+        <p:nvCxnSpPr>
+          <p:cNvPr id="195" name="Connecteur droit avec flèche 194"/>
+          <p:cNvCxnSpPr/>
+          <p:nvPr/>
+        </p:nvCxnSpPr>
+        <p:spPr>
+          <a:xfrm>
+            <a:off x="1925488" y="3054212"/>
+            <a:ext cx="2786274" cy="1"/>
+          </a:xfrm>
+          <a:prstGeom prst="straightConnector1">
+            <a:avLst/>
+          </a:prstGeom>
+          <a:ln w="6350" cmpd="sng">
+            <a:solidFill>
+              <a:schemeClr val="tx1"/>
+            </a:solidFill>
+            <a:headEnd type="none"/>
+            <a:tailEnd type="none"/>
+          </a:ln>
+          <a:effectLst/>
+        </p:spPr>
+        <p:style>
+          <a:lnRef idx="2">
+            <a:schemeClr val="accent1"/>
+          </a:lnRef>
+          <a:fillRef idx="0">
+            <a:schemeClr val="accent1"/>
+          </a:fillRef>
+          <a:effectRef idx="1">
+            <a:schemeClr val="accent1"/>
+          </a:effectRef>
+          <a:fontRef idx="minor">
+            <a:schemeClr val="tx1"/>
+          </a:fontRef>
+        </p:style>
+      </p:cxnSp>
+      <p:cxnSp>
+        <p:nvCxnSpPr>
+          <p:cNvPr id="196" name="Connecteur droit avec flèche 195"/>
+          <p:cNvCxnSpPr/>
+          <p:nvPr/>
+        </p:nvCxnSpPr>
+        <p:spPr>
+          <a:xfrm flipV="1">
+            <a:off x="4711762" y="3054212"/>
+            <a:ext cx="0" cy="1939388"/>
+          </a:xfrm>
+          <a:prstGeom prst="straightConnector1">
+            <a:avLst/>
+          </a:prstGeom>
+          <a:ln w="6350" cmpd="sng">
+            <a:solidFill>
+              <a:schemeClr val="tx1"/>
+            </a:solidFill>
+            <a:headEnd type="none"/>
+            <a:tailEnd type="none"/>
+          </a:ln>
+          <a:effectLst/>
+        </p:spPr>
+        <p:style>
+          <a:lnRef idx="2">
+            <a:schemeClr val="accent1"/>
+          </a:lnRef>
+          <a:fillRef idx="0">
+            <a:schemeClr val="accent1"/>
+          </a:fillRef>
+          <a:effectRef idx="1">
+            <a:schemeClr val="accent1"/>
+          </a:effectRef>
+          <a:fontRef idx="minor">
+            <a:schemeClr val="tx1"/>
+          </a:fontRef>
+        </p:style>
+      </p:cxnSp>
+      <p:cxnSp>
+        <p:nvCxnSpPr>
+          <p:cNvPr id="197" name="Connecteur droit avec flèche 196"/>
+          <p:cNvCxnSpPr/>
+          <p:nvPr/>
+        </p:nvCxnSpPr>
+        <p:spPr>
+          <a:xfrm>
+            <a:off x="2752509" y="3482949"/>
+            <a:ext cx="482029" cy="743413"/>
+          </a:xfrm>
+          <a:prstGeom prst="straightConnector1">
+            <a:avLst/>
+          </a:prstGeom>
+          <a:ln w="19050" cmpd="sng">
+            <a:solidFill>
+              <a:schemeClr val="tx1"/>
+            </a:solidFill>
+            <a:headEnd type="none"/>
+            <a:tailEnd type="none"/>
+          </a:ln>
+          <a:effectLst/>
+        </p:spPr>
+        <p:style>
+          <a:lnRef idx="2">
+            <a:schemeClr val="accent1"/>
+          </a:lnRef>
+          <a:fillRef idx="0">
+            <a:schemeClr val="accent1"/>
+          </a:fillRef>
+          <a:effectRef idx="1">
+            <a:schemeClr val="accent1"/>
+          </a:effectRef>
+          <a:fontRef idx="minor">
+            <a:schemeClr val="tx1"/>
+          </a:fontRef>
+        </p:style>
+      </p:cxnSp>
+      <p:cxnSp>
+        <p:nvCxnSpPr>
+          <p:cNvPr id="198" name="Connecteur droit avec flèche 197"/>
+          <p:cNvCxnSpPr/>
+          <p:nvPr/>
+        </p:nvCxnSpPr>
+        <p:spPr>
+          <a:xfrm>
+            <a:off x="2747379" y="3482949"/>
+            <a:ext cx="4" cy="1510651"/>
+          </a:xfrm>
+          <a:prstGeom prst="straightConnector1">
+            <a:avLst/>
+          </a:prstGeom>
+          <a:ln w="19050" cmpd="sng">
+            <a:solidFill>
+              <a:schemeClr val="tx1"/>
+            </a:solidFill>
+            <a:headEnd type="none"/>
+            <a:tailEnd type="none"/>
+          </a:ln>
+          <a:effectLst/>
+        </p:spPr>
+        <p:style>
+          <a:lnRef idx="2">
+            <a:schemeClr val="accent1"/>
+          </a:lnRef>
+          <a:fillRef idx="0">
+            <a:schemeClr val="accent1"/>
+          </a:fillRef>
+          <a:effectRef idx="1">
+            <a:schemeClr val="accent1"/>
+          </a:effectRef>
+          <a:fontRef idx="minor">
+            <a:schemeClr val="tx1"/>
+          </a:fontRef>
+        </p:style>
+      </p:cxnSp>
+      <p:cxnSp>
+        <p:nvCxnSpPr>
+          <p:cNvPr id="199" name="Connecteur droit avec flèche 198"/>
+          <p:cNvCxnSpPr/>
+          <p:nvPr/>
+        </p:nvCxnSpPr>
+        <p:spPr>
+          <a:xfrm flipH="1">
+            <a:off x="1925490" y="4993248"/>
+            <a:ext cx="827019" cy="0"/>
+          </a:xfrm>
+          <a:prstGeom prst="straightConnector1">
+            <a:avLst/>
+          </a:prstGeom>
+          <a:ln w="19050" cmpd="sng">
+            <a:solidFill>
+              <a:schemeClr val="tx1"/>
+            </a:solidFill>
+            <a:headEnd type="none"/>
+            <a:tailEnd type="none"/>
+          </a:ln>
+          <a:effectLst/>
+        </p:spPr>
+        <p:style>
+          <a:lnRef idx="2">
+            <a:schemeClr val="accent1"/>
+          </a:lnRef>
+          <a:fillRef idx="0">
+            <a:schemeClr val="accent1"/>
+          </a:fillRef>
+          <a:effectRef idx="1">
+            <a:schemeClr val="accent1"/>
+          </a:effectRef>
+          <a:fontRef idx="minor">
+            <a:schemeClr val="tx1"/>
+          </a:fontRef>
+        </p:style>
+      </p:cxnSp>
+      <p:sp>
+        <p:nvSpPr>
+          <p:cNvPr id="204" name="ZoneTexte 203"/>
+          <p:cNvSpPr txBox="1"/>
+          <p:nvPr/>
+        </p:nvSpPr>
+        <p:spPr>
+          <a:xfrm>
+            <a:off x="2294905" y="2997526"/>
+            <a:ext cx="2017500" cy="307777"/>
+          </a:xfrm>
+          <a:prstGeom prst="rect">
+            <a:avLst/>
+          </a:prstGeom>
+          <a:noFill/>
+        </p:spPr>
+        <p:txBody>
+          <a:bodyPr wrap="square" rtlCol="0">
+            <a:spAutoFit/>
+          </a:bodyPr>
+          <a:lstStyle/>
+          <a:p>
+            <a:pPr algn="ctr"/>
+            <a:r>
+              <a:rPr lang="fr-FR" sz="1400" dirty="0" smtClean="0">
+                <a:latin typeface="Courier"/>
+                <a:cs typeface="Courier"/>
+              </a:rPr>
+              <a:t>"</a:t>
+            </a:r>
+            <a:r>
+              <a:rPr lang="fr-FR" sz="1400" dirty="0" err="1" smtClean="0">
+                <a:latin typeface="Courier"/>
+                <a:cs typeface="Courier"/>
+              </a:rPr>
+              <a:t>tpolygonal</a:t>
+            </a:r>
+            <a:r>
+              <a:rPr lang="fr-FR" sz="1400" dirty="0" smtClean="0">
+                <a:latin typeface="Courier"/>
+                <a:cs typeface="Courier"/>
+              </a:rPr>
+              <a:t>"</a:t>
+            </a:r>
+            <a:endParaRPr lang="fr-FR" sz="1400" dirty="0">
+              <a:latin typeface="Courier"/>
+              <a:cs typeface="Courier"/>
+            </a:endParaRPr>
+          </a:p>
+        </p:txBody>
+      </p:sp>
+      <p:cxnSp>
+        <p:nvCxnSpPr>
+          <p:cNvPr id="205" name="Connecteur droit avec flèche 204"/>
+          <p:cNvCxnSpPr/>
+          <p:nvPr/>
+        </p:nvCxnSpPr>
+        <p:spPr>
+          <a:xfrm flipV="1">
+            <a:off x="3234538" y="3924454"/>
+            <a:ext cx="810247" cy="301908"/>
+          </a:xfrm>
+          <a:prstGeom prst="straightConnector1">
+            <a:avLst/>
+          </a:prstGeom>
+          <a:ln w="19050" cmpd="sng">
+            <a:solidFill>
+              <a:schemeClr val="tx1"/>
+            </a:solidFill>
+            <a:headEnd type="none"/>
+            <a:tailEnd type="none"/>
+          </a:ln>
+          <a:effectLst/>
+        </p:spPr>
+        <p:style>
+          <a:lnRef idx="2">
+            <a:schemeClr val="accent1"/>
+          </a:lnRef>
+          <a:fillRef idx="0">
+            <a:schemeClr val="accent1"/>
+          </a:fillRef>
+          <a:effectRef idx="1">
+            <a:schemeClr val="accent1"/>
+          </a:effectRef>
+          <a:fontRef idx="minor">
+            <a:schemeClr val="tx1"/>
+          </a:fontRef>
+        </p:style>
+      </p:cxnSp>
+      <p:cxnSp>
+        <p:nvCxnSpPr>
+          <p:cNvPr id="206" name="Connecteur droit avec flèche 205"/>
+          <p:cNvCxnSpPr/>
+          <p:nvPr/>
+        </p:nvCxnSpPr>
+        <p:spPr>
+          <a:xfrm>
+            <a:off x="4045437" y="4993248"/>
+            <a:ext cx="665390" cy="3208"/>
+          </a:xfrm>
+          <a:prstGeom prst="straightConnector1">
+            <a:avLst/>
+          </a:prstGeom>
+          <a:ln w="19050" cmpd="sng">
+            <a:solidFill>
+              <a:schemeClr val="tx1"/>
+            </a:solidFill>
+            <a:headEnd type="none"/>
+            <a:tailEnd type="none"/>
+          </a:ln>
+          <a:effectLst/>
+        </p:spPr>
+        <p:style>
+          <a:lnRef idx="2">
+            <a:schemeClr val="accent1"/>
+          </a:lnRef>
+          <a:fillRef idx="0">
+            <a:schemeClr val="accent1"/>
+          </a:fillRef>
+          <a:effectRef idx="1">
+            <a:schemeClr val="accent1"/>
+          </a:effectRef>
+          <a:fontRef idx="minor">
+            <a:schemeClr val="tx1"/>
+          </a:fontRef>
+        </p:style>
+      </p:cxnSp>
+      <p:cxnSp>
+        <p:nvCxnSpPr>
+          <p:cNvPr id="208" name="Connecteur droit avec flèche 207"/>
+          <p:cNvCxnSpPr/>
+          <p:nvPr/>
+        </p:nvCxnSpPr>
+        <p:spPr>
+          <a:xfrm flipV="1">
+            <a:off x="3234538" y="4226362"/>
+            <a:ext cx="0" cy="773941"/>
+          </a:xfrm>
+          <a:prstGeom prst="straightConnector1">
+            <a:avLst/>
+          </a:prstGeom>
+          <a:ln w="6350" cmpd="sng">
+            <a:solidFill>
+              <a:srgbClr val="0000FF"/>
+            </a:solidFill>
+            <a:prstDash val="dash"/>
+            <a:headEnd type="none"/>
+            <a:tailEnd type="none"/>
+          </a:ln>
+          <a:effectLst/>
+        </p:spPr>
+        <p:style>
+          <a:lnRef idx="2">
+            <a:schemeClr val="accent1"/>
+          </a:lnRef>
+          <a:fillRef idx="0">
+            <a:schemeClr val="accent1"/>
+          </a:fillRef>
+          <a:effectRef idx="1">
+            <a:schemeClr val="accent1"/>
+          </a:effectRef>
+          <a:fontRef idx="minor">
+            <a:schemeClr val="tx1"/>
+          </a:fontRef>
+        </p:style>
+      </p:cxnSp>
+      <p:cxnSp>
+        <p:nvCxnSpPr>
+          <p:cNvPr id="210" name="Connecteur droit avec flèche 209"/>
+          <p:cNvCxnSpPr/>
+          <p:nvPr/>
+        </p:nvCxnSpPr>
+        <p:spPr>
+          <a:xfrm>
+            <a:off x="1925486" y="3482949"/>
+            <a:ext cx="821893" cy="0"/>
+          </a:xfrm>
+          <a:prstGeom prst="straightConnector1">
+            <a:avLst/>
+          </a:prstGeom>
+          <a:ln w="6350" cmpd="sng">
+            <a:solidFill>
+              <a:srgbClr val="0000FF"/>
+            </a:solidFill>
+            <a:prstDash val="dash"/>
+            <a:headEnd type="none"/>
+            <a:tailEnd type="none"/>
+          </a:ln>
+          <a:effectLst/>
+        </p:spPr>
+        <p:style>
+          <a:lnRef idx="2">
+            <a:schemeClr val="accent1"/>
+          </a:lnRef>
+          <a:fillRef idx="0">
+            <a:schemeClr val="accent1"/>
+          </a:fillRef>
+          <a:effectRef idx="1">
+            <a:schemeClr val="accent1"/>
+          </a:effectRef>
+          <a:fontRef idx="minor">
+            <a:schemeClr val="tx1"/>
+          </a:fontRef>
+        </p:style>
+      </p:cxnSp>
+      <p:cxnSp>
+        <p:nvCxnSpPr>
+          <p:cNvPr id="221" name="Connecteur droit avec flèche 220"/>
+          <p:cNvCxnSpPr/>
+          <p:nvPr/>
+        </p:nvCxnSpPr>
+        <p:spPr>
+          <a:xfrm>
+            <a:off x="4044785" y="3924454"/>
+            <a:ext cx="652" cy="1068794"/>
+          </a:xfrm>
+          <a:prstGeom prst="straightConnector1">
+            <a:avLst/>
+          </a:prstGeom>
+          <a:ln w="19050" cmpd="sng">
+            <a:solidFill>
+              <a:schemeClr val="tx1"/>
+            </a:solidFill>
+            <a:headEnd type="none"/>
+            <a:tailEnd type="none"/>
+          </a:ln>
+          <a:effectLst/>
+        </p:spPr>
+        <p:style>
+          <a:lnRef idx="2">
+            <a:schemeClr val="accent1"/>
+          </a:lnRef>
+          <a:fillRef idx="0">
+            <a:schemeClr val="accent1"/>
+          </a:fillRef>
+          <a:effectRef idx="1">
+            <a:schemeClr val="accent1"/>
+          </a:effectRef>
+          <a:fontRef idx="minor">
+            <a:schemeClr val="tx1"/>
+          </a:fontRef>
+        </p:style>
+      </p:cxnSp>
+      <p:cxnSp>
+        <p:nvCxnSpPr>
+          <p:cNvPr id="235" name="Connecteur droit avec flèche 234"/>
+          <p:cNvCxnSpPr/>
+          <p:nvPr/>
+        </p:nvCxnSpPr>
+        <p:spPr>
+          <a:xfrm>
+            <a:off x="1925490" y="4226362"/>
+            <a:ext cx="1309048" cy="0"/>
+          </a:xfrm>
+          <a:prstGeom prst="straightConnector1">
+            <a:avLst/>
+          </a:prstGeom>
+          <a:ln w="6350" cmpd="sng">
+            <a:solidFill>
+              <a:srgbClr val="0000FF"/>
+            </a:solidFill>
+            <a:prstDash val="dash"/>
+            <a:headEnd type="none"/>
+            <a:tailEnd type="none"/>
+          </a:ln>
+          <a:effectLst/>
+        </p:spPr>
+        <p:style>
+          <a:lnRef idx="2">
+            <a:schemeClr val="accent1"/>
+          </a:lnRef>
+          <a:fillRef idx="0">
+            <a:schemeClr val="accent1"/>
+          </a:fillRef>
+          <a:effectRef idx="1">
+            <a:schemeClr val="accent1"/>
+          </a:effectRef>
+          <a:fontRef idx="minor">
+            <a:schemeClr val="tx1"/>
+          </a:fontRef>
+        </p:style>
+      </p:cxnSp>
+      <p:cxnSp>
+        <p:nvCxnSpPr>
+          <p:cNvPr id="237" name="Connecteur droit avec flèche 236"/>
+          <p:cNvCxnSpPr/>
+          <p:nvPr/>
+        </p:nvCxnSpPr>
+        <p:spPr>
+          <a:xfrm>
+            <a:off x="1925490" y="3924454"/>
+            <a:ext cx="2130937" cy="0"/>
+          </a:xfrm>
+          <a:prstGeom prst="straightConnector1">
+            <a:avLst/>
+          </a:prstGeom>
+          <a:ln w="6350" cmpd="sng">
+            <a:solidFill>
+              <a:srgbClr val="0000FF"/>
+            </a:solidFill>
+            <a:prstDash val="dash"/>
+            <a:headEnd type="none"/>
+            <a:tailEnd type="none"/>
+          </a:ln>
+          <a:effectLst/>
+        </p:spPr>
+        <p:style>
+          <a:lnRef idx="2">
+            <a:schemeClr val="accent1"/>
+          </a:lnRef>
+          <a:fillRef idx="0">
+            <a:schemeClr val="accent1"/>
+          </a:fillRef>
+          <a:effectRef idx="1">
+            <a:schemeClr val="accent1"/>
+          </a:effectRef>
+          <a:fontRef idx="minor">
+            <a:schemeClr val="tx1"/>
+          </a:fontRef>
+        </p:style>
+      </p:cxnSp>
+      <p:sp>
+        <p:nvSpPr>
+          <p:cNvPr id="239" name="ZoneTexte 238"/>
+          <p:cNvSpPr txBox="1"/>
+          <p:nvPr/>
+        </p:nvSpPr>
+        <p:spPr>
+          <a:xfrm rot="20334096">
+            <a:off x="1748564" y="5063162"/>
+            <a:ext cx="1317762" cy="307777"/>
+          </a:xfrm>
+          <a:prstGeom prst="rect">
+            <a:avLst/>
+          </a:prstGeom>
+          <a:noFill/>
+        </p:spPr>
+        <p:txBody>
+          <a:bodyPr wrap="square" rtlCol="0">
+            <a:spAutoFit/>
+          </a:bodyPr>
+          <a:lstStyle/>
+          <a:p>
+            <a:pPr algn="ctr"/>
+            <a:r>
+              <a:rPr lang="fr-FR" sz="1400" dirty="0" smtClean="0">
+                <a:solidFill>
+                  <a:srgbClr val="0000FF"/>
+                </a:solidFill>
+                <a:latin typeface="Courier"/>
+                <a:cs typeface="Courier"/>
+              </a:rPr>
+              <a:t>points</a:t>
+            </a:r>
+            <a:r>
+              <a:rPr lang="fr-FR" sz="1400" dirty="0" smtClean="0">
+                <a:solidFill>
+                  <a:srgbClr val="0000FF"/>
+                </a:solidFill>
+                <a:latin typeface="Courier"/>
+                <a:cs typeface="Courier"/>
+              </a:rPr>
+              <a:t>[0]</a:t>
+            </a:r>
+            <a:endParaRPr lang="fr-FR" sz="1400" dirty="0">
+              <a:solidFill>
+                <a:srgbClr val="0000FF"/>
+              </a:solidFill>
+              <a:latin typeface="Courier"/>
+              <a:cs typeface="Courier"/>
+            </a:endParaRPr>
+          </a:p>
+        </p:txBody>
+      </p:sp>
+      <p:sp>
+        <p:nvSpPr>
+          <p:cNvPr id="240" name="ZoneTexte 239"/>
+          <p:cNvSpPr txBox="1"/>
+          <p:nvPr/>
+        </p:nvSpPr>
+        <p:spPr>
+          <a:xfrm rot="20334096">
+            <a:off x="2213996" y="5083424"/>
+            <a:ext cx="1317762" cy="307777"/>
+          </a:xfrm>
+          <a:prstGeom prst="rect">
+            <a:avLst/>
+          </a:prstGeom>
+          <a:noFill/>
+        </p:spPr>
+        <p:txBody>
+          <a:bodyPr wrap="square" rtlCol="0">
+            <a:spAutoFit/>
+          </a:bodyPr>
+          <a:lstStyle/>
+          <a:p>
+            <a:pPr algn="ctr"/>
+            <a:r>
+              <a:rPr lang="fr-FR" sz="1400" dirty="0" smtClean="0">
+                <a:solidFill>
+                  <a:srgbClr val="0000FF"/>
+                </a:solidFill>
+                <a:latin typeface="Courier"/>
+                <a:cs typeface="Courier"/>
+              </a:rPr>
+              <a:t>points</a:t>
+            </a:r>
+            <a:r>
+              <a:rPr lang="fr-FR" sz="1400" dirty="0" smtClean="0">
+                <a:solidFill>
+                  <a:srgbClr val="0000FF"/>
+                </a:solidFill>
+                <a:latin typeface="Courier"/>
+                <a:cs typeface="Courier"/>
+              </a:rPr>
+              <a:t>[1]</a:t>
+            </a:r>
+            <a:endParaRPr lang="fr-FR" sz="1400" dirty="0">
+              <a:solidFill>
+                <a:srgbClr val="0000FF"/>
+              </a:solidFill>
+              <a:latin typeface="Courier"/>
+              <a:cs typeface="Courier"/>
+            </a:endParaRPr>
+          </a:p>
+        </p:txBody>
+      </p:sp>
+      <p:sp>
+        <p:nvSpPr>
+          <p:cNvPr id="241" name="ZoneTexte 240"/>
+          <p:cNvSpPr txBox="1"/>
+          <p:nvPr/>
+        </p:nvSpPr>
+        <p:spPr>
+          <a:xfrm rot="20334096">
+            <a:off x="2981333" y="5074281"/>
+            <a:ext cx="1317762" cy="307777"/>
+          </a:xfrm>
+          <a:prstGeom prst="rect">
+            <a:avLst/>
+          </a:prstGeom>
+          <a:noFill/>
+        </p:spPr>
+        <p:txBody>
+          <a:bodyPr wrap="square" rtlCol="0">
+            <a:spAutoFit/>
+          </a:bodyPr>
+          <a:lstStyle/>
+          <a:p>
+            <a:pPr algn="ctr"/>
+            <a:r>
+              <a:rPr lang="fr-FR" sz="1400" dirty="0" smtClean="0">
+                <a:solidFill>
+                  <a:srgbClr val="0000FF"/>
+                </a:solidFill>
+                <a:latin typeface="Courier"/>
+                <a:cs typeface="Courier"/>
+              </a:rPr>
+              <a:t>points</a:t>
+            </a:r>
+            <a:r>
+              <a:rPr lang="fr-FR" sz="1400" dirty="0" smtClean="0">
+                <a:solidFill>
+                  <a:srgbClr val="0000FF"/>
+                </a:solidFill>
+                <a:latin typeface="Courier"/>
+                <a:cs typeface="Courier"/>
+              </a:rPr>
+              <a:t>[2]</a:t>
+            </a:r>
+            <a:endParaRPr lang="fr-FR" sz="1400" dirty="0">
+              <a:solidFill>
+                <a:srgbClr val="0000FF"/>
+              </a:solidFill>
+              <a:latin typeface="Courier"/>
+              <a:cs typeface="Courier"/>
+            </a:endParaRPr>
+          </a:p>
+        </p:txBody>
+      </p:sp>
+      <p:sp>
+        <p:nvSpPr>
+          <p:cNvPr id="242" name="ZoneTexte 241"/>
+          <p:cNvSpPr txBox="1"/>
+          <p:nvPr/>
+        </p:nvSpPr>
+        <p:spPr>
+          <a:xfrm>
+            <a:off x="713639" y="3311763"/>
+            <a:ext cx="1317762" cy="307777"/>
+          </a:xfrm>
+          <a:prstGeom prst="rect">
+            <a:avLst/>
+          </a:prstGeom>
+          <a:noFill/>
+        </p:spPr>
+        <p:txBody>
+          <a:bodyPr wrap="square" rtlCol="0">
+            <a:spAutoFit/>
+          </a:bodyPr>
+          <a:lstStyle/>
+          <a:p>
+            <a:pPr algn="ctr"/>
+            <a:r>
+              <a:rPr lang="fr-FR" sz="1400" dirty="0" smtClean="0">
+                <a:solidFill>
+                  <a:srgbClr val="0000FF"/>
+                </a:solidFill>
+                <a:latin typeface="Courier"/>
+                <a:cs typeface="Courier"/>
+              </a:rPr>
+              <a:t>values</a:t>
+            </a:r>
+            <a:r>
+              <a:rPr lang="fr-FR" sz="1400" dirty="0" smtClean="0">
+                <a:solidFill>
+                  <a:srgbClr val="0000FF"/>
+                </a:solidFill>
+                <a:latin typeface="Courier"/>
+                <a:cs typeface="Courier"/>
+              </a:rPr>
+              <a:t>[</a:t>
+            </a:r>
+            <a:r>
+              <a:rPr lang="fr-FR" sz="1400" dirty="0">
+                <a:solidFill>
+                  <a:srgbClr val="0000FF"/>
+                </a:solidFill>
+                <a:latin typeface="Courier"/>
+                <a:cs typeface="Courier"/>
+              </a:rPr>
+              <a:t>0</a:t>
+            </a:r>
+            <a:r>
+              <a:rPr lang="fr-FR" sz="1400" dirty="0" smtClean="0">
+                <a:solidFill>
+                  <a:srgbClr val="0000FF"/>
+                </a:solidFill>
+                <a:latin typeface="Courier"/>
+                <a:cs typeface="Courier"/>
+              </a:rPr>
+              <a:t>]</a:t>
+            </a:r>
+            <a:endParaRPr lang="fr-FR" sz="1400" dirty="0">
+              <a:solidFill>
+                <a:srgbClr val="0000FF"/>
+              </a:solidFill>
+              <a:latin typeface="Courier"/>
+              <a:cs typeface="Courier"/>
+            </a:endParaRPr>
+          </a:p>
+        </p:txBody>
+      </p:sp>
+      <p:sp>
+        <p:nvSpPr>
+          <p:cNvPr id="243" name="ZoneTexte 242"/>
+          <p:cNvSpPr txBox="1"/>
+          <p:nvPr/>
+        </p:nvSpPr>
+        <p:spPr>
+          <a:xfrm>
+            <a:off x="713639" y="4046810"/>
+            <a:ext cx="1317762" cy="307777"/>
+          </a:xfrm>
+          <a:prstGeom prst="rect">
+            <a:avLst/>
+          </a:prstGeom>
+          <a:noFill/>
+        </p:spPr>
+        <p:txBody>
+          <a:bodyPr wrap="square" rtlCol="0">
+            <a:spAutoFit/>
+          </a:bodyPr>
+          <a:lstStyle/>
+          <a:p>
+            <a:pPr algn="ctr"/>
+            <a:r>
+              <a:rPr lang="fr-FR" sz="1400" dirty="0" smtClean="0">
+                <a:solidFill>
+                  <a:srgbClr val="0000FF"/>
+                </a:solidFill>
+                <a:latin typeface="Courier"/>
+                <a:cs typeface="Courier"/>
+              </a:rPr>
+              <a:t>values</a:t>
+            </a:r>
+            <a:r>
+              <a:rPr lang="fr-FR" sz="1400" dirty="0" smtClean="0">
+                <a:solidFill>
+                  <a:srgbClr val="0000FF"/>
+                </a:solidFill>
+                <a:latin typeface="Courier"/>
+                <a:cs typeface="Courier"/>
+              </a:rPr>
+              <a:t>[1]</a:t>
+            </a:r>
+            <a:endParaRPr lang="fr-FR" sz="1400" dirty="0">
+              <a:solidFill>
+                <a:srgbClr val="0000FF"/>
+              </a:solidFill>
+              <a:latin typeface="Courier"/>
+              <a:cs typeface="Courier"/>
+            </a:endParaRPr>
+          </a:p>
+        </p:txBody>
+      </p:sp>
+      <p:sp>
+        <p:nvSpPr>
+          <p:cNvPr id="244" name="ZoneTexte 243"/>
+          <p:cNvSpPr txBox="1"/>
+          <p:nvPr/>
+        </p:nvSpPr>
+        <p:spPr>
+          <a:xfrm>
+            <a:off x="713639" y="3739332"/>
+            <a:ext cx="1317762" cy="307777"/>
+          </a:xfrm>
+          <a:prstGeom prst="rect">
+            <a:avLst/>
+          </a:prstGeom>
+          <a:noFill/>
+        </p:spPr>
+        <p:txBody>
+          <a:bodyPr wrap="square" rtlCol="0">
+            <a:spAutoFit/>
+          </a:bodyPr>
+          <a:lstStyle/>
+          <a:p>
+            <a:pPr algn="ctr"/>
+            <a:r>
+              <a:rPr lang="fr-FR" sz="1400" dirty="0" smtClean="0">
+                <a:solidFill>
+                  <a:srgbClr val="0000FF"/>
+                </a:solidFill>
+                <a:latin typeface="Courier"/>
+                <a:cs typeface="Courier"/>
+              </a:rPr>
+              <a:t>values</a:t>
+            </a:r>
+            <a:r>
+              <a:rPr lang="fr-FR" sz="1400" dirty="0" smtClean="0">
+                <a:solidFill>
+                  <a:srgbClr val="0000FF"/>
+                </a:solidFill>
+                <a:latin typeface="Courier"/>
+                <a:cs typeface="Courier"/>
+              </a:rPr>
+              <a:t>[2]</a:t>
+            </a:r>
+            <a:endParaRPr lang="fr-FR" sz="1400" dirty="0">
+              <a:solidFill>
+                <a:srgbClr val="0000FF"/>
+              </a:solidFill>
+              <a:latin typeface="Courier"/>
+              <a:cs typeface="Courier"/>
+            </a:endParaRPr>
+          </a:p>
+        </p:txBody>
+      </p:sp>
+      <p:sp>
+        <p:nvSpPr>
+          <p:cNvPr id="245" name="ZoneTexte 244"/>
+          <p:cNvSpPr txBox="1"/>
+          <p:nvPr/>
+        </p:nvSpPr>
+        <p:spPr>
+          <a:xfrm>
+            <a:off x="7978765" y="4890072"/>
+            <a:ext cx="265829" cy="369332"/>
+          </a:xfrm>
+          <a:prstGeom prst="rect">
+            <a:avLst/>
+          </a:prstGeom>
+          <a:noFill/>
+        </p:spPr>
+        <p:txBody>
+          <a:bodyPr wrap="square" rtlCol="0">
+            <a:spAutoFit/>
+          </a:bodyPr>
+          <a:lstStyle/>
+          <a:p>
+            <a:r>
+              <a:rPr lang="fr-FR" dirty="0" err="1" smtClean="0">
+                <a:latin typeface="Times"/>
+                <a:cs typeface="Times"/>
+              </a:rPr>
+              <a:t>t</a:t>
+            </a:r>
+            <a:endParaRPr lang="fr-FR" dirty="0">
+              <a:latin typeface="Times"/>
+              <a:cs typeface="Times"/>
+            </a:endParaRPr>
+          </a:p>
+        </p:txBody>
+      </p:sp>
+      <p:cxnSp>
+        <p:nvCxnSpPr>
+          <p:cNvPr id="246" name="Connecteur droit avec flèche 245"/>
+          <p:cNvCxnSpPr/>
+          <p:nvPr/>
+        </p:nvCxnSpPr>
+        <p:spPr>
+          <a:xfrm flipV="1">
+            <a:off x="5052750" y="3060916"/>
+            <a:ext cx="0" cy="1939388"/>
+          </a:xfrm>
+          <a:prstGeom prst="straightConnector1">
+            <a:avLst/>
+          </a:prstGeom>
+          <a:ln w="6350" cmpd="sng">
+            <a:solidFill>
+              <a:schemeClr val="tx1"/>
+            </a:solidFill>
+            <a:headEnd type="none"/>
+            <a:tailEnd type="triangle"/>
+          </a:ln>
+          <a:effectLst/>
+        </p:spPr>
+        <p:style>
+          <a:lnRef idx="2">
+            <a:schemeClr val="accent1"/>
+          </a:lnRef>
+          <a:fillRef idx="0">
+            <a:schemeClr val="accent1"/>
+          </a:fillRef>
+          <a:effectRef idx="1">
+            <a:schemeClr val="accent1"/>
+          </a:effectRef>
+          <a:fontRef idx="minor">
+            <a:schemeClr val="tx1"/>
+          </a:fontRef>
+        </p:style>
+      </p:cxnSp>
+      <p:cxnSp>
+        <p:nvCxnSpPr>
+          <p:cNvPr id="247" name="Connecteur droit avec flèche 246"/>
+          <p:cNvCxnSpPr/>
+          <p:nvPr/>
+        </p:nvCxnSpPr>
+        <p:spPr>
+          <a:xfrm>
+            <a:off x="5052750" y="5000304"/>
+            <a:ext cx="3191844" cy="0"/>
+          </a:xfrm>
+          <a:prstGeom prst="straightConnector1">
+            <a:avLst/>
+          </a:prstGeom>
+          <a:ln w="6350" cmpd="sng">
+            <a:solidFill>
+              <a:schemeClr val="tx1"/>
+            </a:solidFill>
+            <a:headEnd type="none"/>
+            <a:tailEnd type="triangle"/>
+          </a:ln>
+          <a:effectLst/>
+        </p:spPr>
+        <p:style>
+          <a:lnRef idx="2">
+            <a:schemeClr val="accent1"/>
+          </a:lnRef>
+          <a:fillRef idx="0">
+            <a:schemeClr val="accent1"/>
+          </a:fillRef>
+          <a:effectRef idx="1">
+            <a:schemeClr val="accent1"/>
+          </a:effectRef>
+          <a:fontRef idx="minor">
+            <a:schemeClr val="tx1"/>
+          </a:fontRef>
+        </p:style>
+      </p:cxnSp>
+      <p:cxnSp>
+        <p:nvCxnSpPr>
+          <p:cNvPr id="248" name="Connecteur droit avec flèche 247"/>
+          <p:cNvCxnSpPr/>
+          <p:nvPr/>
+        </p:nvCxnSpPr>
+        <p:spPr>
+          <a:xfrm>
+            <a:off x="5052750" y="3060915"/>
+            <a:ext cx="3191844" cy="2783"/>
+          </a:xfrm>
+          <a:prstGeom prst="straightConnector1">
+            <a:avLst/>
+          </a:prstGeom>
+          <a:ln w="6350" cmpd="sng">
+            <a:solidFill>
+              <a:schemeClr val="tx1"/>
+            </a:solidFill>
+            <a:headEnd type="none"/>
+            <a:tailEnd type="none"/>
+          </a:ln>
+          <a:effectLst/>
+        </p:spPr>
+        <p:style>
+          <a:lnRef idx="2">
+            <a:schemeClr val="accent1"/>
+          </a:lnRef>
+          <a:fillRef idx="0">
+            <a:schemeClr val="accent1"/>
+          </a:fillRef>
+          <a:effectRef idx="1">
+            <a:schemeClr val="accent1"/>
+          </a:effectRef>
+          <a:fontRef idx="minor">
+            <a:schemeClr val="tx1"/>
+          </a:fontRef>
+        </p:style>
+      </p:cxnSp>
+      <p:cxnSp>
+        <p:nvCxnSpPr>
+          <p:cNvPr id="249" name="Connecteur droit avec flèche 248"/>
+          <p:cNvCxnSpPr/>
+          <p:nvPr/>
+        </p:nvCxnSpPr>
+        <p:spPr>
+          <a:xfrm flipV="1">
+            <a:off x="8244594" y="3053450"/>
+            <a:ext cx="0" cy="1939388"/>
+          </a:xfrm>
+          <a:prstGeom prst="straightConnector1">
+            <a:avLst/>
+          </a:prstGeom>
+          <a:ln w="6350" cmpd="sng">
+            <a:solidFill>
+              <a:schemeClr val="tx1"/>
+            </a:solidFill>
+            <a:headEnd type="none"/>
+            <a:tailEnd type="none"/>
+          </a:ln>
+          <a:effectLst/>
+        </p:spPr>
+        <p:style>
+          <a:lnRef idx="2">
+            <a:schemeClr val="accent1"/>
+          </a:lnRef>
+          <a:fillRef idx="0">
+            <a:schemeClr val="accent1"/>
+          </a:fillRef>
+          <a:effectRef idx="1">
+            <a:schemeClr val="accent1"/>
+          </a:effectRef>
+          <a:fontRef idx="minor">
+            <a:schemeClr val="tx1"/>
+          </a:fontRef>
+        </p:style>
+      </p:cxnSp>
+      <p:cxnSp>
+        <p:nvCxnSpPr>
+          <p:cNvPr id="250" name="Connecteur droit avec flèche 249"/>
+          <p:cNvCxnSpPr/>
+          <p:nvPr/>
+        </p:nvCxnSpPr>
+        <p:spPr>
+          <a:xfrm flipH="1">
+            <a:off x="5052752" y="4999951"/>
+            <a:ext cx="827019" cy="0"/>
+          </a:xfrm>
+          <a:prstGeom prst="straightConnector1">
+            <a:avLst/>
+          </a:prstGeom>
+          <a:ln w="19050" cmpd="sng">
+            <a:solidFill>
+              <a:schemeClr val="tx1"/>
+            </a:solidFill>
+            <a:headEnd type="none"/>
+            <a:tailEnd type="none"/>
+          </a:ln>
+          <a:effectLst/>
+        </p:spPr>
+        <p:style>
+          <a:lnRef idx="2">
+            <a:schemeClr val="accent1"/>
+          </a:lnRef>
+          <a:fillRef idx="0">
+            <a:schemeClr val="accent1"/>
+          </a:fillRef>
+          <a:effectRef idx="1">
+            <a:schemeClr val="accent1"/>
+          </a:effectRef>
+          <a:fontRef idx="minor">
+            <a:schemeClr val="tx1"/>
+          </a:fontRef>
+        </p:style>
+      </p:cxnSp>
+      <p:sp>
+        <p:nvSpPr>
+          <p:cNvPr id="252" name="ZoneTexte 251"/>
+          <p:cNvSpPr txBox="1"/>
+          <p:nvPr/>
+        </p:nvSpPr>
+        <p:spPr>
+          <a:xfrm>
+            <a:off x="4988552" y="4369898"/>
+            <a:ext cx="930599" cy="307777"/>
+          </a:xfrm>
+          <a:prstGeom prst="rect">
+            <a:avLst/>
+          </a:prstGeom>
+          <a:noFill/>
+        </p:spPr>
+        <p:txBody>
+          <a:bodyPr wrap="square" rtlCol="0">
+            <a:spAutoFit/>
+          </a:bodyPr>
+          <a:lstStyle/>
+          <a:p>
+            <a:pPr algn="ctr"/>
+            <a:r>
+              <a:rPr lang="fr-FR" sz="1400" dirty="0" err="1" smtClean="0">
+                <a:solidFill>
+                  <a:srgbClr val="0000FF"/>
+                </a:solidFill>
+                <a:latin typeface="Courier"/>
+                <a:cs typeface="Courier"/>
+              </a:rPr>
+              <a:t>start</a:t>
+            </a:r>
+            <a:endParaRPr lang="fr-FR" sz="1400" dirty="0">
+              <a:solidFill>
+                <a:srgbClr val="0000FF"/>
+              </a:solidFill>
+              <a:latin typeface="Courier"/>
+              <a:cs typeface="Courier"/>
+            </a:endParaRPr>
+          </a:p>
+        </p:txBody>
+      </p:sp>
+      <p:sp>
+        <p:nvSpPr>
+          <p:cNvPr id="255" name="ZoneTexte 254"/>
+          <p:cNvSpPr txBox="1"/>
+          <p:nvPr/>
+        </p:nvSpPr>
+        <p:spPr>
+          <a:xfrm>
+            <a:off x="5567167" y="2997526"/>
+            <a:ext cx="2017500" cy="307777"/>
+          </a:xfrm>
+          <a:prstGeom prst="rect">
+            <a:avLst/>
+          </a:prstGeom>
+          <a:noFill/>
+        </p:spPr>
+        <p:txBody>
+          <a:bodyPr wrap="square" rtlCol="0">
+            <a:spAutoFit/>
+          </a:bodyPr>
+          <a:lstStyle/>
+          <a:p>
+            <a:pPr algn="ctr"/>
+            <a:r>
+              <a:rPr lang="fr-FR" sz="1400" dirty="0" smtClean="0">
+                <a:latin typeface="Courier"/>
+                <a:cs typeface="Courier"/>
+              </a:rPr>
+              <a:t>"</a:t>
+            </a:r>
+            <a:r>
+              <a:rPr lang="fr-FR" sz="1400" dirty="0" err="1" smtClean="0">
+                <a:latin typeface="Courier"/>
+                <a:cs typeface="Courier"/>
+              </a:rPr>
+              <a:t>tcosine</a:t>
+            </a:r>
+            <a:r>
+              <a:rPr lang="fr-FR" sz="1400" dirty="0" smtClean="0">
+                <a:latin typeface="Courier"/>
+                <a:cs typeface="Courier"/>
+              </a:rPr>
+              <a:t>"</a:t>
+            </a:r>
+            <a:endParaRPr lang="fr-FR" sz="1400" dirty="0">
+              <a:latin typeface="Courier"/>
+              <a:cs typeface="Courier"/>
+            </a:endParaRPr>
+          </a:p>
+        </p:txBody>
+      </p:sp>
+      <p:cxnSp>
+        <p:nvCxnSpPr>
+          <p:cNvPr id="256" name="Connecteur droit avec flèche 255"/>
+          <p:cNvCxnSpPr/>
+          <p:nvPr/>
+        </p:nvCxnSpPr>
+        <p:spPr>
+          <a:xfrm>
+            <a:off x="7630112" y="4996456"/>
+            <a:ext cx="614482" cy="2346"/>
+          </a:xfrm>
+          <a:prstGeom prst="straightConnector1">
+            <a:avLst/>
+          </a:prstGeom>
+          <a:ln w="19050" cmpd="sng">
+            <a:solidFill>
+              <a:schemeClr val="tx1"/>
+            </a:solidFill>
+            <a:headEnd type="none"/>
+            <a:tailEnd type="none"/>
+          </a:ln>
+          <a:effectLst/>
+        </p:spPr>
+        <p:style>
+          <a:lnRef idx="2">
+            <a:schemeClr val="accent1"/>
+          </a:lnRef>
+          <a:fillRef idx="0">
+            <a:schemeClr val="accent1"/>
+          </a:fillRef>
+          <a:effectRef idx="1">
+            <a:schemeClr val="accent1"/>
+          </a:effectRef>
+          <a:fontRef idx="minor">
+            <a:schemeClr val="tx1"/>
+          </a:fontRef>
+        </p:style>
+      </p:cxnSp>
+      <p:cxnSp>
+        <p:nvCxnSpPr>
+          <p:cNvPr id="260" name="Connecteur droit avec flèche 259"/>
+          <p:cNvCxnSpPr/>
+          <p:nvPr/>
+        </p:nvCxnSpPr>
+        <p:spPr>
+          <a:xfrm>
+            <a:off x="5057878" y="4742012"/>
+            <a:ext cx="821893" cy="0"/>
+          </a:xfrm>
+          <a:prstGeom prst="straightConnector1">
+            <a:avLst/>
+          </a:prstGeom>
+          <a:ln w="6350" cmpd="sng">
+            <a:solidFill>
+              <a:srgbClr val="0000FF"/>
+            </a:solidFill>
+            <a:headEnd type="triangle"/>
+            <a:tailEnd type="triangle"/>
+          </a:ln>
+          <a:effectLst/>
+        </p:spPr>
+        <p:style>
+          <a:lnRef idx="2">
+            <a:schemeClr val="accent1"/>
+          </a:lnRef>
+          <a:fillRef idx="0">
+            <a:schemeClr val="accent1"/>
+          </a:fillRef>
+          <a:effectRef idx="1">
+            <a:schemeClr val="accent1"/>
+          </a:effectRef>
+          <a:fontRef idx="minor">
+            <a:schemeClr val="tx1"/>
+          </a:fontRef>
+        </p:style>
+      </p:cxnSp>
+      <p:cxnSp>
+        <p:nvCxnSpPr>
+          <p:cNvPr id="268" name="Connecteur droit avec flèche 267"/>
+          <p:cNvCxnSpPr/>
+          <p:nvPr/>
+        </p:nvCxnSpPr>
+        <p:spPr>
+          <a:xfrm>
+            <a:off x="5867061" y="5055161"/>
+            <a:ext cx="1765910" cy="0"/>
+          </a:xfrm>
+          <a:prstGeom prst="straightConnector1">
+            <a:avLst/>
+          </a:prstGeom>
+          <a:ln w="6350" cmpd="sng">
+            <a:solidFill>
+              <a:srgbClr val="0000FF"/>
+            </a:solidFill>
+            <a:headEnd type="triangle"/>
+            <a:tailEnd type="triangle"/>
+          </a:ln>
+          <a:effectLst/>
+        </p:spPr>
+        <p:style>
+          <a:lnRef idx="2">
+            <a:schemeClr val="accent1"/>
+          </a:lnRef>
+          <a:fillRef idx="0">
+            <a:schemeClr val="accent1"/>
+          </a:fillRef>
+          <a:effectRef idx="1">
+            <a:schemeClr val="accent1"/>
+          </a:effectRef>
+          <a:fontRef idx="minor">
+            <a:schemeClr val="tx1"/>
+          </a:fontRef>
+        </p:style>
+      </p:cxnSp>
+      <p:sp>
+        <p:nvSpPr>
+          <p:cNvPr id="269" name="ZoneTexte 268"/>
+          <p:cNvSpPr txBox="1"/>
+          <p:nvPr/>
+        </p:nvSpPr>
+        <p:spPr>
+          <a:xfrm>
+            <a:off x="5872342" y="4977389"/>
+            <a:ext cx="1733018" cy="307777"/>
+          </a:xfrm>
+          <a:prstGeom prst="rect">
+            <a:avLst/>
+          </a:prstGeom>
+          <a:noFill/>
+        </p:spPr>
+        <p:txBody>
+          <a:bodyPr wrap="square" rtlCol="0">
+            <a:spAutoFit/>
+          </a:bodyPr>
+          <a:lstStyle/>
+          <a:p>
+            <a:pPr algn="ctr"/>
+            <a:r>
+              <a:rPr lang="fr-FR" sz="1400" dirty="0" smtClean="0">
+                <a:solidFill>
+                  <a:srgbClr val="0000FF"/>
+                </a:solidFill>
+                <a:latin typeface="Courier"/>
+                <a:cs typeface="Courier"/>
+              </a:rPr>
+              <a:t>duration</a:t>
+            </a:r>
+            <a:endParaRPr lang="fr-FR" sz="1400" dirty="0">
+              <a:solidFill>
+                <a:srgbClr val="0000FF"/>
+              </a:solidFill>
+              <a:latin typeface="Courier"/>
+              <a:cs typeface="Courier"/>
+            </a:endParaRPr>
+          </a:p>
+        </p:txBody>
+      </p:sp>
+      <p:cxnSp>
+        <p:nvCxnSpPr>
+          <p:cNvPr id="282" name="Connecteur droit avec flèche 281"/>
+          <p:cNvCxnSpPr>
+            <a:stCxn id="289" idx="0"/>
+          </p:cNvCxnSpPr>
+          <p:nvPr/>
+        </p:nvCxnSpPr>
+        <p:spPr>
+          <a:xfrm>
+            <a:off x="5867061" y="4142301"/>
+            <a:ext cx="2131" cy="856148"/>
+          </a:xfrm>
+          <a:prstGeom prst="straightConnector1">
+            <a:avLst/>
+          </a:prstGeom>
+          <a:ln w="19050" cmpd="sng">
+            <a:solidFill>
+              <a:schemeClr val="tx1"/>
+            </a:solidFill>
+            <a:headEnd type="none"/>
+            <a:tailEnd type="none"/>
+          </a:ln>
+          <a:effectLst/>
+        </p:spPr>
+        <p:style>
+          <a:lnRef idx="2">
+            <a:schemeClr val="accent1"/>
+          </a:lnRef>
+          <a:fillRef idx="0">
+            <a:schemeClr val="accent1"/>
+          </a:fillRef>
+          <a:effectRef idx="1">
+            <a:schemeClr val="accent1"/>
+          </a:effectRef>
+          <a:fontRef idx="minor">
+            <a:schemeClr val="tx1"/>
+          </a:fontRef>
+        </p:style>
+      </p:cxnSp>
+      <p:cxnSp>
+        <p:nvCxnSpPr>
+          <p:cNvPr id="284" name="Connecteur droit avec flèche 283"/>
+          <p:cNvCxnSpPr>
+            <a:stCxn id="291" idx="1"/>
+          </p:cNvCxnSpPr>
+          <p:nvPr/>
+        </p:nvCxnSpPr>
+        <p:spPr>
+          <a:xfrm flipH="1">
+            <a:off x="7630112" y="4124545"/>
+            <a:ext cx="2859" cy="875759"/>
+          </a:xfrm>
+          <a:prstGeom prst="straightConnector1">
+            <a:avLst/>
+          </a:prstGeom>
+          <a:ln w="19050" cmpd="sng">
+            <a:solidFill>
+              <a:schemeClr val="tx1"/>
+            </a:solidFill>
+            <a:headEnd type="none"/>
+            <a:tailEnd type="none"/>
+          </a:ln>
+          <a:effectLst/>
+        </p:spPr>
+        <p:style>
+          <a:lnRef idx="2">
+            <a:schemeClr val="accent1"/>
+          </a:lnRef>
+          <a:fillRef idx="0">
+            <a:schemeClr val="accent1"/>
+          </a:fillRef>
+          <a:effectRef idx="1">
+            <a:schemeClr val="accent1"/>
+          </a:effectRef>
+          <a:fontRef idx="minor">
+            <a:schemeClr val="tx1"/>
+          </a:fontRef>
+        </p:style>
+      </p:cxnSp>
+      <p:grpSp>
+        <p:nvGrpSpPr>
+          <p:cNvPr id="288" name="Grouper 287"/>
+          <p:cNvGrpSpPr/>
+          <p:nvPr/>
+        </p:nvGrpSpPr>
+        <p:grpSpPr>
+          <a:xfrm>
+            <a:off x="5867061" y="3739466"/>
+            <a:ext cx="1765910" cy="695413"/>
+            <a:chOff x="6104480" y="3739331"/>
+            <a:chExt cx="1765910" cy="695413"/>
+          </a:xfrm>
+        </p:grpSpPr>
+        <p:sp>
+          <p:nvSpPr>
+            <p:cNvPr id="289" name="Forme libre 288"/>
+            <p:cNvSpPr/>
+            <p:nvPr/>
+          </p:nvSpPr>
+          <p:spPr>
+            <a:xfrm>
+              <a:off x="6104480" y="3739331"/>
+              <a:ext cx="649458" cy="695413"/>
+            </a:xfrm>
+            <a:custGeom>
+              <a:avLst/>
+              <a:gdLst>
+                <a:gd name="connsiteX0" fmla="*/ 0 w 3432217"/>
+                <a:gd name="connsiteY0" fmla="*/ 0 h 2219732"/>
+                <a:gd name="connsiteX1" fmla="*/ 869495 w 3432217"/>
+                <a:gd name="connsiteY1" fmla="*/ 1121308 h 2219732"/>
+                <a:gd name="connsiteX2" fmla="*/ 1716109 w 3432217"/>
+                <a:gd name="connsiteY2" fmla="*/ 2219732 h 2219732"/>
+                <a:gd name="connsiteX3" fmla="*/ 2585604 w 3432217"/>
+                <a:gd name="connsiteY3" fmla="*/ 1121308 h 2219732"/>
+                <a:gd name="connsiteX4" fmla="*/ 3432217 w 3432217"/>
+                <a:gd name="connsiteY4" fmla="*/ 11442 h 2219732"/>
+                <a:gd name="connsiteX0" fmla="*/ 0 w 3432217"/>
+                <a:gd name="connsiteY0" fmla="*/ 0 h 2219732"/>
+                <a:gd name="connsiteX1" fmla="*/ 869495 w 3432217"/>
+                <a:gd name="connsiteY1" fmla="*/ 1121308 h 2219732"/>
+                <a:gd name="connsiteX2" fmla="*/ 1716109 w 3432217"/>
+                <a:gd name="connsiteY2" fmla="*/ 2219732 h 2219732"/>
+                <a:gd name="connsiteX3" fmla="*/ 2585604 w 3432217"/>
+                <a:gd name="connsiteY3" fmla="*/ 1121308 h 2219732"/>
+                <a:gd name="connsiteX4" fmla="*/ 3432217 w 3432217"/>
+                <a:gd name="connsiteY4" fmla="*/ 11442 h 2219732"/>
+                <a:gd name="connsiteX0" fmla="*/ 0 w 3432217"/>
+                <a:gd name="connsiteY0" fmla="*/ 0 h 2219732"/>
+                <a:gd name="connsiteX1" fmla="*/ 869495 w 3432217"/>
+                <a:gd name="connsiteY1" fmla="*/ 1121308 h 2219732"/>
+                <a:gd name="connsiteX2" fmla="*/ 1716109 w 3432217"/>
+                <a:gd name="connsiteY2" fmla="*/ 2219732 h 2219732"/>
+                <a:gd name="connsiteX3" fmla="*/ 2585604 w 3432217"/>
+                <a:gd name="connsiteY3" fmla="*/ 1121308 h 2219732"/>
+                <a:gd name="connsiteX4" fmla="*/ 3432217 w 3432217"/>
+                <a:gd name="connsiteY4" fmla="*/ 11442 h 2219732"/>
+                <a:gd name="connsiteX0" fmla="*/ 0 w 3432217"/>
+                <a:gd name="connsiteY0" fmla="*/ 0 h 2219732"/>
+                <a:gd name="connsiteX1" fmla="*/ 869495 w 3432217"/>
+                <a:gd name="connsiteY1" fmla="*/ 1121308 h 2219732"/>
+                <a:gd name="connsiteX2" fmla="*/ 1716109 w 3432217"/>
+                <a:gd name="connsiteY2" fmla="*/ 2219732 h 2219732"/>
+                <a:gd name="connsiteX3" fmla="*/ 2585604 w 3432217"/>
+                <a:gd name="connsiteY3" fmla="*/ 1121308 h 2219732"/>
+                <a:gd name="connsiteX4" fmla="*/ 3432217 w 3432217"/>
+                <a:gd name="connsiteY4" fmla="*/ 11442 h 2219732"/>
+                <a:gd name="connsiteX0" fmla="*/ 0 w 3432217"/>
+                <a:gd name="connsiteY0" fmla="*/ 14 h 2219746"/>
+                <a:gd name="connsiteX1" fmla="*/ 869495 w 3432217"/>
+                <a:gd name="connsiteY1" fmla="*/ 1121322 h 2219746"/>
+                <a:gd name="connsiteX2" fmla="*/ 1716109 w 3432217"/>
+                <a:gd name="connsiteY2" fmla="*/ 2219746 h 2219746"/>
+                <a:gd name="connsiteX3" fmla="*/ 2585604 w 3432217"/>
+                <a:gd name="connsiteY3" fmla="*/ 1121322 h 2219746"/>
+                <a:gd name="connsiteX4" fmla="*/ 3432217 w 3432217"/>
+                <a:gd name="connsiteY4" fmla="*/ 11456 h 2219746"/>
+                <a:gd name="connsiteX0" fmla="*/ 0 w 3432217"/>
+                <a:gd name="connsiteY0" fmla="*/ 0 h 2219732"/>
+                <a:gd name="connsiteX1" fmla="*/ 869495 w 3432217"/>
+                <a:gd name="connsiteY1" fmla="*/ 1121308 h 2219732"/>
+                <a:gd name="connsiteX2" fmla="*/ 1716109 w 3432217"/>
+                <a:gd name="connsiteY2" fmla="*/ 2219732 h 2219732"/>
+                <a:gd name="connsiteX3" fmla="*/ 2585604 w 3432217"/>
+                <a:gd name="connsiteY3" fmla="*/ 1121308 h 2219732"/>
+                <a:gd name="connsiteX4" fmla="*/ 3432217 w 3432217"/>
+                <a:gd name="connsiteY4" fmla="*/ 11442 h 2219732"/>
+                <a:gd name="connsiteX0" fmla="*/ 0 w 3432217"/>
+                <a:gd name="connsiteY0" fmla="*/ 14 h 2219746"/>
+                <a:gd name="connsiteX1" fmla="*/ 869495 w 3432217"/>
+                <a:gd name="connsiteY1" fmla="*/ 1121322 h 2219746"/>
+                <a:gd name="connsiteX2" fmla="*/ 1716109 w 3432217"/>
+                <a:gd name="connsiteY2" fmla="*/ 2219746 h 2219746"/>
+                <a:gd name="connsiteX3" fmla="*/ 2585604 w 3432217"/>
+                <a:gd name="connsiteY3" fmla="*/ 1121322 h 2219746"/>
+                <a:gd name="connsiteX4" fmla="*/ 3432217 w 3432217"/>
+                <a:gd name="connsiteY4" fmla="*/ 11456 h 2219746"/>
+                <a:gd name="connsiteX0" fmla="*/ 0 w 3432217"/>
+                <a:gd name="connsiteY0" fmla="*/ 14 h 2219746"/>
+                <a:gd name="connsiteX1" fmla="*/ 869495 w 3432217"/>
+                <a:gd name="connsiteY1" fmla="*/ 1121322 h 2219746"/>
+                <a:gd name="connsiteX2" fmla="*/ 1716109 w 3432217"/>
+                <a:gd name="connsiteY2" fmla="*/ 2219746 h 2219746"/>
+                <a:gd name="connsiteX3" fmla="*/ 2585604 w 3432217"/>
+                <a:gd name="connsiteY3" fmla="*/ 1121322 h 2219746"/>
+                <a:gd name="connsiteX4" fmla="*/ 3432217 w 3432217"/>
+                <a:gd name="connsiteY4" fmla="*/ 11456 h 2219746"/>
+                <a:gd name="connsiteX0" fmla="*/ 0 w 3432217"/>
+                <a:gd name="connsiteY0" fmla="*/ 15 h 2219747"/>
+                <a:gd name="connsiteX1" fmla="*/ 869495 w 3432217"/>
+                <a:gd name="connsiteY1" fmla="*/ 1121323 h 2219747"/>
+                <a:gd name="connsiteX2" fmla="*/ 1716109 w 3432217"/>
+                <a:gd name="connsiteY2" fmla="*/ 2219747 h 2219747"/>
+                <a:gd name="connsiteX3" fmla="*/ 2585604 w 3432217"/>
+                <a:gd name="connsiteY3" fmla="*/ 1121323 h 2219747"/>
+                <a:gd name="connsiteX4" fmla="*/ 3432217 w 3432217"/>
+                <a:gd name="connsiteY4" fmla="*/ 11457 h 2219747"/>
+                <a:gd name="connsiteX0" fmla="*/ 0 w 3432217"/>
+                <a:gd name="connsiteY0" fmla="*/ 15 h 2219747"/>
+                <a:gd name="connsiteX1" fmla="*/ 869495 w 3432217"/>
+                <a:gd name="connsiteY1" fmla="*/ 1121323 h 2219747"/>
+                <a:gd name="connsiteX2" fmla="*/ 1716109 w 3432217"/>
+                <a:gd name="connsiteY2" fmla="*/ 2219747 h 2219747"/>
+                <a:gd name="connsiteX3" fmla="*/ 2585604 w 3432217"/>
+                <a:gd name="connsiteY3" fmla="*/ 1121323 h 2219747"/>
+                <a:gd name="connsiteX4" fmla="*/ 3432217 w 3432217"/>
+                <a:gd name="connsiteY4" fmla="*/ 11457 h 2219747"/>
+                <a:gd name="connsiteX0" fmla="*/ 0 w 3237724"/>
+                <a:gd name="connsiteY0" fmla="*/ 15 h 2219747"/>
+                <a:gd name="connsiteX1" fmla="*/ 869495 w 3237724"/>
+                <a:gd name="connsiteY1" fmla="*/ 1121323 h 2219747"/>
+                <a:gd name="connsiteX2" fmla="*/ 1716109 w 3237724"/>
+                <a:gd name="connsiteY2" fmla="*/ 2219747 h 2219747"/>
+                <a:gd name="connsiteX3" fmla="*/ 2585604 w 3237724"/>
+                <a:gd name="connsiteY3" fmla="*/ 1121323 h 2219747"/>
+                <a:gd name="connsiteX4" fmla="*/ 3237724 w 3237724"/>
+                <a:gd name="connsiteY4" fmla="*/ 34341 h 2219747"/>
+                <a:gd name="connsiteX0" fmla="*/ 0 w 3282867"/>
+                <a:gd name="connsiteY0" fmla="*/ 53078 h 2272810"/>
+                <a:gd name="connsiteX1" fmla="*/ 869495 w 3282867"/>
+                <a:gd name="connsiteY1" fmla="*/ 1174386 h 2272810"/>
+                <a:gd name="connsiteX2" fmla="*/ 1716109 w 3282867"/>
+                <a:gd name="connsiteY2" fmla="*/ 2272810 h 2272810"/>
+                <a:gd name="connsiteX3" fmla="*/ 2585604 w 3282867"/>
+                <a:gd name="connsiteY3" fmla="*/ 1174386 h 2272810"/>
+                <a:gd name="connsiteX4" fmla="*/ 3237724 w 3282867"/>
+                <a:gd name="connsiteY4" fmla="*/ 87404 h 2272810"/>
+                <a:gd name="connsiteX5" fmla="*/ 3226284 w 3282867"/>
+                <a:gd name="connsiteY5" fmla="*/ 64521 h 2272810"/>
+                <a:gd name="connsiteX0" fmla="*/ 0 w 4072902"/>
+                <a:gd name="connsiteY0" fmla="*/ 27028 h 2246760"/>
+                <a:gd name="connsiteX1" fmla="*/ 869495 w 4072902"/>
+                <a:gd name="connsiteY1" fmla="*/ 1148336 h 2246760"/>
+                <a:gd name="connsiteX2" fmla="*/ 1716109 w 4072902"/>
+                <a:gd name="connsiteY2" fmla="*/ 2246760 h 2246760"/>
+                <a:gd name="connsiteX3" fmla="*/ 2585604 w 4072902"/>
+                <a:gd name="connsiteY3" fmla="*/ 1148336 h 2246760"/>
+                <a:gd name="connsiteX4" fmla="*/ 3237724 w 4072902"/>
+                <a:gd name="connsiteY4" fmla="*/ 61354 h 2246760"/>
+                <a:gd name="connsiteX5" fmla="*/ 4072897 w 4072902"/>
+                <a:gd name="connsiteY5" fmla="*/ 164332 h 2246760"/>
+                <a:gd name="connsiteX0" fmla="*/ 0 w 4072902"/>
+                <a:gd name="connsiteY0" fmla="*/ 27028 h 2246760"/>
+                <a:gd name="connsiteX1" fmla="*/ 869495 w 4072902"/>
+                <a:gd name="connsiteY1" fmla="*/ 1148336 h 2246760"/>
+                <a:gd name="connsiteX2" fmla="*/ 1716109 w 4072902"/>
+                <a:gd name="connsiteY2" fmla="*/ 2246760 h 2246760"/>
+                <a:gd name="connsiteX3" fmla="*/ 2585604 w 4072902"/>
+                <a:gd name="connsiteY3" fmla="*/ 1148336 h 2246760"/>
+                <a:gd name="connsiteX4" fmla="*/ 3237724 w 4072902"/>
+                <a:gd name="connsiteY4" fmla="*/ 61354 h 2246760"/>
+                <a:gd name="connsiteX5" fmla="*/ 4072897 w 4072902"/>
+                <a:gd name="connsiteY5" fmla="*/ 164332 h 2246760"/>
+                <a:gd name="connsiteX0" fmla="*/ 0 w 4072901"/>
+                <a:gd name="connsiteY0" fmla="*/ 16 h 2219748"/>
+                <a:gd name="connsiteX1" fmla="*/ 869495 w 4072901"/>
+                <a:gd name="connsiteY1" fmla="*/ 1121324 h 2219748"/>
+                <a:gd name="connsiteX2" fmla="*/ 1716109 w 4072901"/>
+                <a:gd name="connsiteY2" fmla="*/ 2219748 h 2219748"/>
+                <a:gd name="connsiteX3" fmla="*/ 2585604 w 4072901"/>
+                <a:gd name="connsiteY3" fmla="*/ 1121324 h 2219748"/>
+                <a:gd name="connsiteX4" fmla="*/ 3237724 w 4072901"/>
+                <a:gd name="connsiteY4" fmla="*/ 34342 h 2219748"/>
+                <a:gd name="connsiteX5" fmla="*/ 4072897 w 4072901"/>
+                <a:gd name="connsiteY5" fmla="*/ 137320 h 2219748"/>
+                <a:gd name="connsiteX0" fmla="*/ 0 w 4072901"/>
+                <a:gd name="connsiteY0" fmla="*/ 16 h 2219748"/>
+                <a:gd name="connsiteX1" fmla="*/ 869495 w 4072901"/>
+                <a:gd name="connsiteY1" fmla="*/ 1121324 h 2219748"/>
+                <a:gd name="connsiteX2" fmla="*/ 1716109 w 4072901"/>
+                <a:gd name="connsiteY2" fmla="*/ 2219748 h 2219748"/>
+                <a:gd name="connsiteX3" fmla="*/ 2585604 w 4072901"/>
+                <a:gd name="connsiteY3" fmla="*/ 1121324 h 2219748"/>
+                <a:gd name="connsiteX4" fmla="*/ 3237724 w 4072901"/>
+                <a:gd name="connsiteY4" fmla="*/ 34342 h 2219748"/>
+                <a:gd name="connsiteX5" fmla="*/ 4072897 w 4072901"/>
+                <a:gd name="connsiteY5" fmla="*/ 137320 h 2219748"/>
+                <a:gd name="connsiteX6" fmla="*/ 0 w 4072901"/>
+                <a:gd name="connsiteY6" fmla="*/ 16 h 2219748"/>
+                <a:gd name="connsiteX0" fmla="*/ 0 w 3359728"/>
+                <a:gd name="connsiteY0" fmla="*/ 121860 h 2341592"/>
+                <a:gd name="connsiteX1" fmla="*/ 869495 w 3359728"/>
+                <a:gd name="connsiteY1" fmla="*/ 1243168 h 2341592"/>
+                <a:gd name="connsiteX2" fmla="*/ 1716109 w 3359728"/>
+                <a:gd name="connsiteY2" fmla="*/ 2341592 h 2341592"/>
+                <a:gd name="connsiteX3" fmla="*/ 2585604 w 3359728"/>
+                <a:gd name="connsiteY3" fmla="*/ 1243168 h 2341592"/>
+                <a:gd name="connsiteX4" fmla="*/ 3237724 w 3359728"/>
+                <a:gd name="connsiteY4" fmla="*/ 156186 h 2341592"/>
+                <a:gd name="connsiteX5" fmla="*/ 0 w 3359728"/>
+                <a:gd name="connsiteY5" fmla="*/ 121860 h 2341592"/>
+                <a:gd name="connsiteX0" fmla="*/ 3237724 w 3409579"/>
+                <a:gd name="connsiteY0" fmla="*/ 156186 h 2341592"/>
+                <a:gd name="connsiteX1" fmla="*/ 0 w 3409579"/>
+                <a:gd name="connsiteY1" fmla="*/ 121860 h 2341592"/>
+                <a:gd name="connsiteX2" fmla="*/ 869495 w 3409579"/>
+                <a:gd name="connsiteY2" fmla="*/ 1243168 h 2341592"/>
+                <a:gd name="connsiteX3" fmla="*/ 1716109 w 3409579"/>
+                <a:gd name="connsiteY3" fmla="*/ 2341592 h 2341592"/>
+                <a:gd name="connsiteX4" fmla="*/ 2585604 w 3409579"/>
+                <a:gd name="connsiteY4" fmla="*/ 1243168 h 2341592"/>
+                <a:gd name="connsiteX5" fmla="*/ 3329164 w 3409579"/>
+                <a:gd name="connsiteY5" fmla="*/ 247626 h 2341592"/>
+                <a:gd name="connsiteX0" fmla="*/ 0 w 3409579"/>
+                <a:gd name="connsiteY0" fmla="*/ 16 h 2219748"/>
+                <a:gd name="connsiteX1" fmla="*/ 869495 w 3409579"/>
+                <a:gd name="connsiteY1" fmla="*/ 1121324 h 2219748"/>
+                <a:gd name="connsiteX2" fmla="*/ 1716109 w 3409579"/>
+                <a:gd name="connsiteY2" fmla="*/ 2219748 h 2219748"/>
+                <a:gd name="connsiteX3" fmla="*/ 2585604 w 3409579"/>
+                <a:gd name="connsiteY3" fmla="*/ 1121324 h 2219748"/>
+                <a:gd name="connsiteX4" fmla="*/ 3329164 w 3409579"/>
+                <a:gd name="connsiteY4" fmla="*/ 125782 h 2219748"/>
+                <a:gd name="connsiteX0" fmla="*/ 0 w 3507559"/>
+                <a:gd name="connsiteY0" fmla="*/ 16 h 2219748"/>
+                <a:gd name="connsiteX1" fmla="*/ 869495 w 3507559"/>
+                <a:gd name="connsiteY1" fmla="*/ 1121324 h 2219748"/>
+                <a:gd name="connsiteX2" fmla="*/ 1716109 w 3507559"/>
+                <a:gd name="connsiteY2" fmla="*/ 2219748 h 2219748"/>
+                <a:gd name="connsiteX3" fmla="*/ 2585604 w 3507559"/>
+                <a:gd name="connsiteY3" fmla="*/ 1121324 h 2219748"/>
+                <a:gd name="connsiteX4" fmla="*/ 3432130 w 3507559"/>
+                <a:gd name="connsiteY4" fmla="*/ 11363 h 2219748"/>
+                <a:gd name="connsiteX0" fmla="*/ 0 w 3432130"/>
+                <a:gd name="connsiteY0" fmla="*/ 16 h 2219748"/>
+                <a:gd name="connsiteX1" fmla="*/ 869495 w 3432130"/>
+                <a:gd name="connsiteY1" fmla="*/ 1121324 h 2219748"/>
+                <a:gd name="connsiteX2" fmla="*/ 1716109 w 3432130"/>
+                <a:gd name="connsiteY2" fmla="*/ 2219748 h 2219748"/>
+                <a:gd name="connsiteX3" fmla="*/ 2585604 w 3432130"/>
+                <a:gd name="connsiteY3" fmla="*/ 1121324 h 2219748"/>
+                <a:gd name="connsiteX4" fmla="*/ 3432130 w 3432130"/>
+                <a:gd name="connsiteY4" fmla="*/ 11363 h 2219748"/>
+                <a:gd name="connsiteX0" fmla="*/ 0 w 3432130"/>
+                <a:gd name="connsiteY0" fmla="*/ 16 h 2219748"/>
+                <a:gd name="connsiteX1" fmla="*/ 869495 w 3432130"/>
+                <a:gd name="connsiteY1" fmla="*/ 1121324 h 2219748"/>
+                <a:gd name="connsiteX2" fmla="*/ 1716109 w 3432130"/>
+                <a:gd name="connsiteY2" fmla="*/ 2219748 h 2219748"/>
+                <a:gd name="connsiteX3" fmla="*/ 2585604 w 3432130"/>
+                <a:gd name="connsiteY3" fmla="*/ 1121324 h 2219748"/>
+                <a:gd name="connsiteX4" fmla="*/ 3432130 w 3432130"/>
+                <a:gd name="connsiteY4" fmla="*/ 11363 h 2219748"/>
+                <a:gd name="connsiteX0" fmla="*/ 0 w 3432130"/>
+                <a:gd name="connsiteY0" fmla="*/ 16 h 2219748"/>
+                <a:gd name="connsiteX1" fmla="*/ 869495 w 3432130"/>
+                <a:gd name="connsiteY1" fmla="*/ 1121324 h 2219748"/>
+                <a:gd name="connsiteX2" fmla="*/ 1716109 w 3432130"/>
+                <a:gd name="connsiteY2" fmla="*/ 2219748 h 2219748"/>
+                <a:gd name="connsiteX3" fmla="*/ 2585604 w 3432130"/>
+                <a:gd name="connsiteY3" fmla="*/ 1121324 h 2219748"/>
+                <a:gd name="connsiteX4" fmla="*/ 3432130 w 3432130"/>
+                <a:gd name="connsiteY4" fmla="*/ 11363 h 2219748"/>
+                <a:gd name="connsiteX0" fmla="*/ 0 w 3237637"/>
+                <a:gd name="connsiteY0" fmla="*/ 423510 h 2208449"/>
+                <a:gd name="connsiteX1" fmla="*/ 675002 w 3237637"/>
+                <a:gd name="connsiteY1" fmla="*/ 1110025 h 2208449"/>
+                <a:gd name="connsiteX2" fmla="*/ 1521616 w 3237637"/>
+                <a:gd name="connsiteY2" fmla="*/ 2208449 h 2208449"/>
+                <a:gd name="connsiteX3" fmla="*/ 2391111 w 3237637"/>
+                <a:gd name="connsiteY3" fmla="*/ 1110025 h 2208449"/>
+                <a:gd name="connsiteX4" fmla="*/ 3237637 w 3237637"/>
+                <a:gd name="connsiteY4" fmla="*/ 64 h 2208449"/>
+                <a:gd name="connsiteX0" fmla="*/ 0 w 3420688"/>
+                <a:gd name="connsiteY0" fmla="*/ 159 h 2208449"/>
+                <a:gd name="connsiteX1" fmla="*/ 858053 w 3420688"/>
+                <a:gd name="connsiteY1" fmla="*/ 1110025 h 2208449"/>
+                <a:gd name="connsiteX2" fmla="*/ 1704667 w 3420688"/>
+                <a:gd name="connsiteY2" fmla="*/ 2208449 h 2208449"/>
+                <a:gd name="connsiteX3" fmla="*/ 2574162 w 3420688"/>
+                <a:gd name="connsiteY3" fmla="*/ 1110025 h 2208449"/>
+                <a:gd name="connsiteX4" fmla="*/ 3420688 w 3420688"/>
+                <a:gd name="connsiteY4" fmla="*/ 64 h 2208449"/>
+                <a:gd name="connsiteX0" fmla="*/ 0 w 3420688"/>
+                <a:gd name="connsiteY0" fmla="*/ 159 h 2208449"/>
+                <a:gd name="connsiteX1" fmla="*/ 858053 w 3420688"/>
+                <a:gd name="connsiteY1" fmla="*/ 1110025 h 2208449"/>
+                <a:gd name="connsiteX2" fmla="*/ 1704667 w 3420688"/>
+                <a:gd name="connsiteY2" fmla="*/ 2208449 h 2208449"/>
+                <a:gd name="connsiteX3" fmla="*/ 2574162 w 3420688"/>
+                <a:gd name="connsiteY3" fmla="*/ 1110025 h 2208449"/>
+                <a:gd name="connsiteX4" fmla="*/ 3420688 w 3420688"/>
+                <a:gd name="connsiteY4" fmla="*/ 64 h 2208449"/>
+                <a:gd name="connsiteX0" fmla="*/ 0 w 3420688"/>
+                <a:gd name="connsiteY0" fmla="*/ 159 h 2208449"/>
+                <a:gd name="connsiteX1" fmla="*/ 858053 w 3420688"/>
+                <a:gd name="connsiteY1" fmla="*/ 1110025 h 2208449"/>
+                <a:gd name="connsiteX2" fmla="*/ 1704667 w 3420688"/>
+                <a:gd name="connsiteY2" fmla="*/ 2208449 h 2208449"/>
+                <a:gd name="connsiteX3" fmla="*/ 2574162 w 3420688"/>
+                <a:gd name="connsiteY3" fmla="*/ 1110025 h 2208449"/>
+                <a:gd name="connsiteX4" fmla="*/ 3420688 w 3420688"/>
+                <a:gd name="connsiteY4" fmla="*/ 64 h 2208449"/>
+                <a:gd name="connsiteX0" fmla="*/ 0 w 3420688"/>
+                <a:gd name="connsiteY0" fmla="*/ 159 h 2208449"/>
+                <a:gd name="connsiteX1" fmla="*/ 858053 w 3420688"/>
+                <a:gd name="connsiteY1" fmla="*/ 1110025 h 2208449"/>
+                <a:gd name="connsiteX2" fmla="*/ 1704667 w 3420688"/>
+                <a:gd name="connsiteY2" fmla="*/ 2208449 h 2208449"/>
+                <a:gd name="connsiteX3" fmla="*/ 2574162 w 3420688"/>
+                <a:gd name="connsiteY3" fmla="*/ 1110025 h 2208449"/>
+                <a:gd name="connsiteX4" fmla="*/ 3420688 w 3420688"/>
+                <a:gd name="connsiteY4" fmla="*/ 64 h 2208449"/>
+                <a:gd name="connsiteX0" fmla="*/ 0 w 3420688"/>
+                <a:gd name="connsiteY0" fmla="*/ 159 h 2208449"/>
+                <a:gd name="connsiteX1" fmla="*/ 858053 w 3420688"/>
+                <a:gd name="connsiteY1" fmla="*/ 1110025 h 2208449"/>
+                <a:gd name="connsiteX2" fmla="*/ 1704667 w 3420688"/>
+                <a:gd name="connsiteY2" fmla="*/ 2208449 h 2208449"/>
+                <a:gd name="connsiteX3" fmla="*/ 2574162 w 3420688"/>
+                <a:gd name="connsiteY3" fmla="*/ 1110025 h 2208449"/>
+                <a:gd name="connsiteX4" fmla="*/ 3420688 w 3420688"/>
+                <a:gd name="connsiteY4" fmla="*/ 64 h 2208449"/>
+                <a:gd name="connsiteX0" fmla="*/ 0 w 3420688"/>
+                <a:gd name="connsiteY0" fmla="*/ 159 h 2208449"/>
+                <a:gd name="connsiteX1" fmla="*/ 858053 w 3420688"/>
+                <a:gd name="connsiteY1" fmla="*/ 1110025 h 2208449"/>
+                <a:gd name="connsiteX2" fmla="*/ 1704667 w 3420688"/>
+                <a:gd name="connsiteY2" fmla="*/ 2208449 h 2208449"/>
+                <a:gd name="connsiteX3" fmla="*/ 2574162 w 3420688"/>
+                <a:gd name="connsiteY3" fmla="*/ 1110025 h 2208449"/>
+                <a:gd name="connsiteX4" fmla="*/ 3420688 w 3420688"/>
+                <a:gd name="connsiteY4" fmla="*/ 64 h 2208449"/>
+                <a:gd name="connsiteX0" fmla="*/ 0 w 3420688"/>
+                <a:gd name="connsiteY0" fmla="*/ 144 h 2208434"/>
+                <a:gd name="connsiteX1" fmla="*/ 858053 w 3420688"/>
+                <a:gd name="connsiteY1" fmla="*/ 1110010 h 2208434"/>
+                <a:gd name="connsiteX2" fmla="*/ 1704667 w 3420688"/>
+                <a:gd name="connsiteY2" fmla="*/ 2208434 h 2208434"/>
+                <a:gd name="connsiteX3" fmla="*/ 2574162 w 3420688"/>
+                <a:gd name="connsiteY3" fmla="*/ 1110010 h 2208434"/>
+                <a:gd name="connsiteX4" fmla="*/ 3420688 w 3420688"/>
+                <a:gd name="connsiteY4" fmla="*/ 49 h 2208434"/>
+                <a:gd name="connsiteX0" fmla="*/ 0 w 3420688"/>
+                <a:gd name="connsiteY0" fmla="*/ 144 h 2208434"/>
+                <a:gd name="connsiteX1" fmla="*/ 858053 w 3420688"/>
+                <a:gd name="connsiteY1" fmla="*/ 1110010 h 2208434"/>
+                <a:gd name="connsiteX2" fmla="*/ 1704667 w 3420688"/>
+                <a:gd name="connsiteY2" fmla="*/ 2208434 h 2208434"/>
+                <a:gd name="connsiteX3" fmla="*/ 2574162 w 3420688"/>
+                <a:gd name="connsiteY3" fmla="*/ 1110010 h 2208434"/>
+                <a:gd name="connsiteX4" fmla="*/ 3420688 w 3420688"/>
+                <a:gd name="connsiteY4" fmla="*/ 49 h 2208434"/>
+                <a:gd name="connsiteX0" fmla="*/ 0 w 3420688"/>
+                <a:gd name="connsiteY0" fmla="*/ 144 h 2208434"/>
+                <a:gd name="connsiteX1" fmla="*/ 858053 w 3420688"/>
+                <a:gd name="connsiteY1" fmla="*/ 1110010 h 2208434"/>
+                <a:gd name="connsiteX2" fmla="*/ 1704667 w 3420688"/>
+                <a:gd name="connsiteY2" fmla="*/ 2208434 h 2208434"/>
+                <a:gd name="connsiteX3" fmla="*/ 2574162 w 3420688"/>
+                <a:gd name="connsiteY3" fmla="*/ 1110010 h 2208434"/>
+                <a:gd name="connsiteX4" fmla="*/ 3420688 w 3420688"/>
+                <a:gd name="connsiteY4" fmla="*/ 49 h 2208434"/>
+                <a:gd name="connsiteX0" fmla="*/ 0 w 3420688"/>
+                <a:gd name="connsiteY0" fmla="*/ 144 h 2208434"/>
+                <a:gd name="connsiteX1" fmla="*/ 858053 w 3420688"/>
+                <a:gd name="connsiteY1" fmla="*/ 1110010 h 2208434"/>
+                <a:gd name="connsiteX2" fmla="*/ 1704667 w 3420688"/>
+                <a:gd name="connsiteY2" fmla="*/ 2208434 h 2208434"/>
+                <a:gd name="connsiteX3" fmla="*/ 2574162 w 3420688"/>
+                <a:gd name="connsiteY3" fmla="*/ 1110010 h 2208434"/>
+                <a:gd name="connsiteX4" fmla="*/ 3420688 w 3420688"/>
+                <a:gd name="connsiteY4" fmla="*/ 49 h 2208434"/>
+                <a:gd name="connsiteX0" fmla="*/ 0 w 3420688"/>
+                <a:gd name="connsiteY0" fmla="*/ 144 h 2208434"/>
+                <a:gd name="connsiteX1" fmla="*/ 858053 w 3420688"/>
+                <a:gd name="connsiteY1" fmla="*/ 1110010 h 2208434"/>
+                <a:gd name="connsiteX2" fmla="*/ 1704667 w 3420688"/>
+                <a:gd name="connsiteY2" fmla="*/ 2208434 h 2208434"/>
+                <a:gd name="connsiteX3" fmla="*/ 2574162 w 3420688"/>
+                <a:gd name="connsiteY3" fmla="*/ 1110010 h 2208434"/>
+                <a:gd name="connsiteX4" fmla="*/ 3420688 w 3420688"/>
+                <a:gd name="connsiteY4" fmla="*/ 49 h 2208434"/>
+                <a:gd name="connsiteX0" fmla="*/ 0 w 3420688"/>
+                <a:gd name="connsiteY0" fmla="*/ 144 h 2208434"/>
+                <a:gd name="connsiteX1" fmla="*/ 858053 w 3420688"/>
+                <a:gd name="connsiteY1" fmla="*/ 1110010 h 2208434"/>
+                <a:gd name="connsiteX2" fmla="*/ 1704667 w 3420688"/>
+                <a:gd name="connsiteY2" fmla="*/ 2208434 h 2208434"/>
+                <a:gd name="connsiteX3" fmla="*/ 2574162 w 3420688"/>
+                <a:gd name="connsiteY3" fmla="*/ 1110010 h 2208434"/>
+                <a:gd name="connsiteX4" fmla="*/ 3420688 w 3420688"/>
+                <a:gd name="connsiteY4" fmla="*/ 49 h 2208434"/>
+                <a:gd name="connsiteX0" fmla="*/ 0 w 3420688"/>
+                <a:gd name="connsiteY0" fmla="*/ 144 h 2208434"/>
+                <a:gd name="connsiteX1" fmla="*/ 858053 w 3420688"/>
+                <a:gd name="connsiteY1" fmla="*/ 1110010 h 2208434"/>
+                <a:gd name="connsiteX2" fmla="*/ 1704667 w 3420688"/>
+                <a:gd name="connsiteY2" fmla="*/ 2208434 h 2208434"/>
+                <a:gd name="connsiteX3" fmla="*/ 2574162 w 3420688"/>
+                <a:gd name="connsiteY3" fmla="*/ 1110010 h 2208434"/>
+                <a:gd name="connsiteX4" fmla="*/ 3420688 w 3420688"/>
+                <a:gd name="connsiteY4" fmla="*/ 49 h 2208434"/>
+                <a:gd name="connsiteX0" fmla="*/ 1 w 2562636"/>
+                <a:gd name="connsiteY0" fmla="*/ 1110010 h 2208434"/>
+                <a:gd name="connsiteX1" fmla="*/ 846615 w 2562636"/>
+                <a:gd name="connsiteY1" fmla="*/ 2208434 h 2208434"/>
+                <a:gd name="connsiteX2" fmla="*/ 1716110 w 2562636"/>
+                <a:gd name="connsiteY2" fmla="*/ 1110010 h 2208434"/>
+                <a:gd name="connsiteX3" fmla="*/ 2562636 w 2562636"/>
+                <a:gd name="connsiteY3" fmla="*/ 49 h 2208434"/>
+                <a:gd name="connsiteX0" fmla="*/ 0 w 2494256"/>
+                <a:gd name="connsiteY0" fmla="*/ 1279678 h 2209228"/>
+                <a:gd name="connsiteX1" fmla="*/ 778235 w 2494256"/>
+                <a:gd name="connsiteY1" fmla="*/ 2208434 h 2209228"/>
+                <a:gd name="connsiteX2" fmla="*/ 1647730 w 2494256"/>
+                <a:gd name="connsiteY2" fmla="*/ 1110010 h 2209228"/>
+                <a:gd name="connsiteX3" fmla="*/ 2494256 w 2494256"/>
+                <a:gd name="connsiteY3" fmla="*/ 49 h 2209228"/>
+                <a:gd name="connsiteX0" fmla="*/ 0 w 2494256"/>
+                <a:gd name="connsiteY0" fmla="*/ 1279678 h 2209104"/>
+                <a:gd name="connsiteX1" fmla="*/ 778235 w 2494256"/>
+                <a:gd name="connsiteY1" fmla="*/ 2208434 h 2209104"/>
+                <a:gd name="connsiteX2" fmla="*/ 1647730 w 2494256"/>
+                <a:gd name="connsiteY2" fmla="*/ 1110010 h 2209104"/>
+                <a:gd name="connsiteX3" fmla="*/ 2494256 w 2494256"/>
+                <a:gd name="connsiteY3" fmla="*/ 49 h 2209104"/>
+              </a:gdLst>
+              <a:ahLst/>
+              <a:cxnLst>
+                <a:cxn ang="0">
+                  <a:pos x="connsiteX0" y="connsiteY0"/>
+                </a:cxn>
+                <a:cxn ang="0">
+                  <a:pos x="connsiteX1" y="connsiteY1"/>
+                </a:cxn>
+                <a:cxn ang="0">
+                  <a:pos x="connsiteX2" y="connsiteY2"/>
+                </a:cxn>
+                <a:cxn ang="0">
+                  <a:pos x="connsiteX3" y="connsiteY3"/>
+                </a:cxn>
+              </a:cxnLst>
+              <a:rect l="l" t="t" r="r" b="b"/>
+              <a:pathLst>
+                <a:path w="2494256" h="2209104">
+                  <a:moveTo>
+                    <a:pt x="0" y="1279678"/>
+                  </a:moveTo>
+                  <a:cubicBezTo>
+                    <a:pt x="90440" y="1502859"/>
+                    <a:pt x="344064" y="2180159"/>
+                    <a:pt x="778235" y="2208434"/>
+                  </a:cubicBezTo>
+                  <a:cubicBezTo>
+                    <a:pt x="1212406" y="2236709"/>
+                    <a:pt x="1544779" y="1363654"/>
+                    <a:pt x="1647730" y="1110010"/>
+                  </a:cubicBezTo>
+                  <a:cubicBezTo>
+                    <a:pt x="1750681" y="856366"/>
+                    <a:pt x="2032899" y="-7484"/>
+                    <a:pt x="2494256" y="49"/>
+                  </a:cubicBezTo>
+                </a:path>
+              </a:pathLst>
+            </a:custGeom>
+            <a:ln w="19050" cmpd="sng">
+              <a:solidFill>
+                <a:srgbClr val="000000"/>
+              </a:solidFill>
+            </a:ln>
+            <a:effectLst/>
+          </p:spPr>
+          <p:style>
+            <a:lnRef idx="2">
+              <a:schemeClr val="accent1"/>
+            </a:lnRef>
+            <a:fillRef idx="0">
+              <a:schemeClr val="accent1"/>
+            </a:fillRef>
+            <a:effectRef idx="1">
+              <a:schemeClr val="accent1"/>
+            </a:effectRef>
+            <a:fontRef idx="minor">
+              <a:schemeClr val="tx1"/>
+            </a:fontRef>
+          </p:style>
+          <p:txBody>
+            <a:bodyPr rtlCol="0" anchor="ctr"/>
+            <a:lstStyle/>
+            <a:p>
+              <a:pPr algn="ctr"/>
+              <a:endParaRPr lang="fr-FR"/>
+            </a:p>
+          </p:txBody>
+        </p:sp>
+        <p:sp>
+          <p:nvSpPr>
+            <p:cNvPr id="290" name="Forme libre 289"/>
+            <p:cNvSpPr/>
+            <p:nvPr/>
+          </p:nvSpPr>
+          <p:spPr>
+            <a:xfrm>
+              <a:off x="6753937" y="3739332"/>
+              <a:ext cx="890684" cy="695202"/>
+            </a:xfrm>
+            <a:custGeom>
+              <a:avLst/>
+              <a:gdLst>
+                <a:gd name="connsiteX0" fmla="*/ 0 w 3432217"/>
+                <a:gd name="connsiteY0" fmla="*/ 0 h 2219732"/>
+                <a:gd name="connsiteX1" fmla="*/ 869495 w 3432217"/>
+                <a:gd name="connsiteY1" fmla="*/ 1121308 h 2219732"/>
+                <a:gd name="connsiteX2" fmla="*/ 1716109 w 3432217"/>
+                <a:gd name="connsiteY2" fmla="*/ 2219732 h 2219732"/>
+                <a:gd name="connsiteX3" fmla="*/ 2585604 w 3432217"/>
+                <a:gd name="connsiteY3" fmla="*/ 1121308 h 2219732"/>
+                <a:gd name="connsiteX4" fmla="*/ 3432217 w 3432217"/>
+                <a:gd name="connsiteY4" fmla="*/ 11442 h 2219732"/>
+                <a:gd name="connsiteX0" fmla="*/ 0 w 3432217"/>
+                <a:gd name="connsiteY0" fmla="*/ 0 h 2219732"/>
+                <a:gd name="connsiteX1" fmla="*/ 869495 w 3432217"/>
+                <a:gd name="connsiteY1" fmla="*/ 1121308 h 2219732"/>
+                <a:gd name="connsiteX2" fmla="*/ 1716109 w 3432217"/>
+                <a:gd name="connsiteY2" fmla="*/ 2219732 h 2219732"/>
+                <a:gd name="connsiteX3" fmla="*/ 2585604 w 3432217"/>
+                <a:gd name="connsiteY3" fmla="*/ 1121308 h 2219732"/>
+                <a:gd name="connsiteX4" fmla="*/ 3432217 w 3432217"/>
+                <a:gd name="connsiteY4" fmla="*/ 11442 h 2219732"/>
+                <a:gd name="connsiteX0" fmla="*/ 0 w 3432217"/>
+                <a:gd name="connsiteY0" fmla="*/ 0 h 2219732"/>
+                <a:gd name="connsiteX1" fmla="*/ 869495 w 3432217"/>
+                <a:gd name="connsiteY1" fmla="*/ 1121308 h 2219732"/>
+                <a:gd name="connsiteX2" fmla="*/ 1716109 w 3432217"/>
+                <a:gd name="connsiteY2" fmla="*/ 2219732 h 2219732"/>
+                <a:gd name="connsiteX3" fmla="*/ 2585604 w 3432217"/>
+                <a:gd name="connsiteY3" fmla="*/ 1121308 h 2219732"/>
+                <a:gd name="connsiteX4" fmla="*/ 3432217 w 3432217"/>
+                <a:gd name="connsiteY4" fmla="*/ 11442 h 2219732"/>
+                <a:gd name="connsiteX0" fmla="*/ 0 w 3432217"/>
+                <a:gd name="connsiteY0" fmla="*/ 0 h 2219732"/>
+                <a:gd name="connsiteX1" fmla="*/ 869495 w 3432217"/>
+                <a:gd name="connsiteY1" fmla="*/ 1121308 h 2219732"/>
+                <a:gd name="connsiteX2" fmla="*/ 1716109 w 3432217"/>
+                <a:gd name="connsiteY2" fmla="*/ 2219732 h 2219732"/>
+                <a:gd name="connsiteX3" fmla="*/ 2585604 w 3432217"/>
+                <a:gd name="connsiteY3" fmla="*/ 1121308 h 2219732"/>
+                <a:gd name="connsiteX4" fmla="*/ 3432217 w 3432217"/>
+                <a:gd name="connsiteY4" fmla="*/ 11442 h 2219732"/>
+                <a:gd name="connsiteX0" fmla="*/ 0 w 3432217"/>
+                <a:gd name="connsiteY0" fmla="*/ 14 h 2219746"/>
+                <a:gd name="connsiteX1" fmla="*/ 869495 w 3432217"/>
+                <a:gd name="connsiteY1" fmla="*/ 1121322 h 2219746"/>
+                <a:gd name="connsiteX2" fmla="*/ 1716109 w 3432217"/>
+                <a:gd name="connsiteY2" fmla="*/ 2219746 h 2219746"/>
+                <a:gd name="connsiteX3" fmla="*/ 2585604 w 3432217"/>
+                <a:gd name="connsiteY3" fmla="*/ 1121322 h 2219746"/>
+                <a:gd name="connsiteX4" fmla="*/ 3432217 w 3432217"/>
+                <a:gd name="connsiteY4" fmla="*/ 11456 h 2219746"/>
+                <a:gd name="connsiteX0" fmla="*/ 0 w 3432217"/>
+                <a:gd name="connsiteY0" fmla="*/ 0 h 2219732"/>
+                <a:gd name="connsiteX1" fmla="*/ 869495 w 3432217"/>
+                <a:gd name="connsiteY1" fmla="*/ 1121308 h 2219732"/>
+                <a:gd name="connsiteX2" fmla="*/ 1716109 w 3432217"/>
+                <a:gd name="connsiteY2" fmla="*/ 2219732 h 2219732"/>
+                <a:gd name="connsiteX3" fmla="*/ 2585604 w 3432217"/>
+                <a:gd name="connsiteY3" fmla="*/ 1121308 h 2219732"/>
+                <a:gd name="connsiteX4" fmla="*/ 3432217 w 3432217"/>
+                <a:gd name="connsiteY4" fmla="*/ 11442 h 2219732"/>
+                <a:gd name="connsiteX0" fmla="*/ 0 w 3432217"/>
+                <a:gd name="connsiteY0" fmla="*/ 14 h 2219746"/>
+                <a:gd name="connsiteX1" fmla="*/ 869495 w 3432217"/>
+                <a:gd name="connsiteY1" fmla="*/ 1121322 h 2219746"/>
+                <a:gd name="connsiteX2" fmla="*/ 1716109 w 3432217"/>
+                <a:gd name="connsiteY2" fmla="*/ 2219746 h 2219746"/>
+                <a:gd name="connsiteX3" fmla="*/ 2585604 w 3432217"/>
+                <a:gd name="connsiteY3" fmla="*/ 1121322 h 2219746"/>
+                <a:gd name="connsiteX4" fmla="*/ 3432217 w 3432217"/>
+                <a:gd name="connsiteY4" fmla="*/ 11456 h 2219746"/>
+                <a:gd name="connsiteX0" fmla="*/ 0 w 3432217"/>
+                <a:gd name="connsiteY0" fmla="*/ 14 h 2219746"/>
+                <a:gd name="connsiteX1" fmla="*/ 869495 w 3432217"/>
+                <a:gd name="connsiteY1" fmla="*/ 1121322 h 2219746"/>
+                <a:gd name="connsiteX2" fmla="*/ 1716109 w 3432217"/>
+                <a:gd name="connsiteY2" fmla="*/ 2219746 h 2219746"/>
+                <a:gd name="connsiteX3" fmla="*/ 2585604 w 3432217"/>
+                <a:gd name="connsiteY3" fmla="*/ 1121322 h 2219746"/>
+                <a:gd name="connsiteX4" fmla="*/ 3432217 w 3432217"/>
+                <a:gd name="connsiteY4" fmla="*/ 11456 h 2219746"/>
+                <a:gd name="connsiteX0" fmla="*/ 0 w 3432217"/>
+                <a:gd name="connsiteY0" fmla="*/ 15 h 2219747"/>
+                <a:gd name="connsiteX1" fmla="*/ 869495 w 3432217"/>
+                <a:gd name="connsiteY1" fmla="*/ 1121323 h 2219747"/>
+                <a:gd name="connsiteX2" fmla="*/ 1716109 w 3432217"/>
+                <a:gd name="connsiteY2" fmla="*/ 2219747 h 2219747"/>
+                <a:gd name="connsiteX3" fmla="*/ 2585604 w 3432217"/>
+                <a:gd name="connsiteY3" fmla="*/ 1121323 h 2219747"/>
+                <a:gd name="connsiteX4" fmla="*/ 3432217 w 3432217"/>
+                <a:gd name="connsiteY4" fmla="*/ 11457 h 2219747"/>
+                <a:gd name="connsiteX0" fmla="*/ 0 w 3432217"/>
+                <a:gd name="connsiteY0" fmla="*/ 15 h 2219747"/>
+                <a:gd name="connsiteX1" fmla="*/ 869495 w 3432217"/>
+                <a:gd name="connsiteY1" fmla="*/ 1121323 h 2219747"/>
+                <a:gd name="connsiteX2" fmla="*/ 1716109 w 3432217"/>
+                <a:gd name="connsiteY2" fmla="*/ 2219747 h 2219747"/>
+                <a:gd name="connsiteX3" fmla="*/ 2585604 w 3432217"/>
+                <a:gd name="connsiteY3" fmla="*/ 1121323 h 2219747"/>
+                <a:gd name="connsiteX4" fmla="*/ 3432217 w 3432217"/>
+                <a:gd name="connsiteY4" fmla="*/ 11457 h 2219747"/>
+                <a:gd name="connsiteX0" fmla="*/ 0 w 3237724"/>
+                <a:gd name="connsiteY0" fmla="*/ 15 h 2219747"/>
+                <a:gd name="connsiteX1" fmla="*/ 869495 w 3237724"/>
+                <a:gd name="connsiteY1" fmla="*/ 1121323 h 2219747"/>
+                <a:gd name="connsiteX2" fmla="*/ 1716109 w 3237724"/>
+                <a:gd name="connsiteY2" fmla="*/ 2219747 h 2219747"/>
+                <a:gd name="connsiteX3" fmla="*/ 2585604 w 3237724"/>
+                <a:gd name="connsiteY3" fmla="*/ 1121323 h 2219747"/>
+                <a:gd name="connsiteX4" fmla="*/ 3237724 w 3237724"/>
+                <a:gd name="connsiteY4" fmla="*/ 34341 h 2219747"/>
+                <a:gd name="connsiteX0" fmla="*/ 0 w 3282867"/>
+                <a:gd name="connsiteY0" fmla="*/ 53078 h 2272810"/>
+                <a:gd name="connsiteX1" fmla="*/ 869495 w 3282867"/>
+                <a:gd name="connsiteY1" fmla="*/ 1174386 h 2272810"/>
+                <a:gd name="connsiteX2" fmla="*/ 1716109 w 3282867"/>
+                <a:gd name="connsiteY2" fmla="*/ 2272810 h 2272810"/>
+                <a:gd name="connsiteX3" fmla="*/ 2585604 w 3282867"/>
+                <a:gd name="connsiteY3" fmla="*/ 1174386 h 2272810"/>
+                <a:gd name="connsiteX4" fmla="*/ 3237724 w 3282867"/>
+                <a:gd name="connsiteY4" fmla="*/ 87404 h 2272810"/>
+                <a:gd name="connsiteX5" fmla="*/ 3226284 w 3282867"/>
+                <a:gd name="connsiteY5" fmla="*/ 64521 h 2272810"/>
+                <a:gd name="connsiteX0" fmla="*/ 0 w 4072902"/>
+                <a:gd name="connsiteY0" fmla="*/ 27028 h 2246760"/>
+                <a:gd name="connsiteX1" fmla="*/ 869495 w 4072902"/>
+                <a:gd name="connsiteY1" fmla="*/ 1148336 h 2246760"/>
+                <a:gd name="connsiteX2" fmla="*/ 1716109 w 4072902"/>
+                <a:gd name="connsiteY2" fmla="*/ 2246760 h 2246760"/>
+                <a:gd name="connsiteX3" fmla="*/ 2585604 w 4072902"/>
+                <a:gd name="connsiteY3" fmla="*/ 1148336 h 2246760"/>
+                <a:gd name="connsiteX4" fmla="*/ 3237724 w 4072902"/>
+                <a:gd name="connsiteY4" fmla="*/ 61354 h 2246760"/>
+                <a:gd name="connsiteX5" fmla="*/ 4072897 w 4072902"/>
+                <a:gd name="connsiteY5" fmla="*/ 164332 h 2246760"/>
+                <a:gd name="connsiteX0" fmla="*/ 0 w 4072902"/>
+                <a:gd name="connsiteY0" fmla="*/ 27028 h 2246760"/>
+                <a:gd name="connsiteX1" fmla="*/ 869495 w 4072902"/>
+                <a:gd name="connsiteY1" fmla="*/ 1148336 h 2246760"/>
+                <a:gd name="connsiteX2" fmla="*/ 1716109 w 4072902"/>
+                <a:gd name="connsiteY2" fmla="*/ 2246760 h 2246760"/>
+                <a:gd name="connsiteX3" fmla="*/ 2585604 w 4072902"/>
+                <a:gd name="connsiteY3" fmla="*/ 1148336 h 2246760"/>
+                <a:gd name="connsiteX4" fmla="*/ 3237724 w 4072902"/>
+                <a:gd name="connsiteY4" fmla="*/ 61354 h 2246760"/>
+                <a:gd name="connsiteX5" fmla="*/ 4072897 w 4072902"/>
+                <a:gd name="connsiteY5" fmla="*/ 164332 h 2246760"/>
+                <a:gd name="connsiteX0" fmla="*/ 0 w 4072901"/>
+                <a:gd name="connsiteY0" fmla="*/ 16 h 2219748"/>
+                <a:gd name="connsiteX1" fmla="*/ 869495 w 4072901"/>
+                <a:gd name="connsiteY1" fmla="*/ 1121324 h 2219748"/>
+                <a:gd name="connsiteX2" fmla="*/ 1716109 w 4072901"/>
+                <a:gd name="connsiteY2" fmla="*/ 2219748 h 2219748"/>
+                <a:gd name="connsiteX3" fmla="*/ 2585604 w 4072901"/>
+                <a:gd name="connsiteY3" fmla="*/ 1121324 h 2219748"/>
+                <a:gd name="connsiteX4" fmla="*/ 3237724 w 4072901"/>
+                <a:gd name="connsiteY4" fmla="*/ 34342 h 2219748"/>
+                <a:gd name="connsiteX5" fmla="*/ 4072897 w 4072901"/>
+                <a:gd name="connsiteY5" fmla="*/ 137320 h 2219748"/>
+                <a:gd name="connsiteX0" fmla="*/ 0 w 4072901"/>
+                <a:gd name="connsiteY0" fmla="*/ 16 h 2219748"/>
+                <a:gd name="connsiteX1" fmla="*/ 869495 w 4072901"/>
+                <a:gd name="connsiteY1" fmla="*/ 1121324 h 2219748"/>
+                <a:gd name="connsiteX2" fmla="*/ 1716109 w 4072901"/>
+                <a:gd name="connsiteY2" fmla="*/ 2219748 h 2219748"/>
+                <a:gd name="connsiteX3" fmla="*/ 2585604 w 4072901"/>
+                <a:gd name="connsiteY3" fmla="*/ 1121324 h 2219748"/>
+                <a:gd name="connsiteX4" fmla="*/ 3237724 w 4072901"/>
+                <a:gd name="connsiteY4" fmla="*/ 34342 h 2219748"/>
+                <a:gd name="connsiteX5" fmla="*/ 4072897 w 4072901"/>
+                <a:gd name="connsiteY5" fmla="*/ 137320 h 2219748"/>
+                <a:gd name="connsiteX6" fmla="*/ 0 w 4072901"/>
+                <a:gd name="connsiteY6" fmla="*/ 16 h 2219748"/>
+                <a:gd name="connsiteX0" fmla="*/ 0 w 3359728"/>
+                <a:gd name="connsiteY0" fmla="*/ 121860 h 2341592"/>
+                <a:gd name="connsiteX1" fmla="*/ 869495 w 3359728"/>
+                <a:gd name="connsiteY1" fmla="*/ 1243168 h 2341592"/>
+                <a:gd name="connsiteX2" fmla="*/ 1716109 w 3359728"/>
+                <a:gd name="connsiteY2" fmla="*/ 2341592 h 2341592"/>
+                <a:gd name="connsiteX3" fmla="*/ 2585604 w 3359728"/>
+                <a:gd name="connsiteY3" fmla="*/ 1243168 h 2341592"/>
+                <a:gd name="connsiteX4" fmla="*/ 3237724 w 3359728"/>
+                <a:gd name="connsiteY4" fmla="*/ 156186 h 2341592"/>
+                <a:gd name="connsiteX5" fmla="*/ 0 w 3359728"/>
+                <a:gd name="connsiteY5" fmla="*/ 121860 h 2341592"/>
+                <a:gd name="connsiteX0" fmla="*/ 3237724 w 3409579"/>
+                <a:gd name="connsiteY0" fmla="*/ 156186 h 2341592"/>
+                <a:gd name="connsiteX1" fmla="*/ 0 w 3409579"/>
+                <a:gd name="connsiteY1" fmla="*/ 121860 h 2341592"/>
+                <a:gd name="connsiteX2" fmla="*/ 869495 w 3409579"/>
+                <a:gd name="connsiteY2" fmla="*/ 1243168 h 2341592"/>
+                <a:gd name="connsiteX3" fmla="*/ 1716109 w 3409579"/>
+                <a:gd name="connsiteY3" fmla="*/ 2341592 h 2341592"/>
+                <a:gd name="connsiteX4" fmla="*/ 2585604 w 3409579"/>
+                <a:gd name="connsiteY4" fmla="*/ 1243168 h 2341592"/>
+                <a:gd name="connsiteX5" fmla="*/ 3329164 w 3409579"/>
+                <a:gd name="connsiteY5" fmla="*/ 247626 h 2341592"/>
+                <a:gd name="connsiteX0" fmla="*/ 0 w 3409579"/>
+                <a:gd name="connsiteY0" fmla="*/ 16 h 2219748"/>
+                <a:gd name="connsiteX1" fmla="*/ 869495 w 3409579"/>
+                <a:gd name="connsiteY1" fmla="*/ 1121324 h 2219748"/>
+                <a:gd name="connsiteX2" fmla="*/ 1716109 w 3409579"/>
+                <a:gd name="connsiteY2" fmla="*/ 2219748 h 2219748"/>
+                <a:gd name="connsiteX3" fmla="*/ 2585604 w 3409579"/>
+                <a:gd name="connsiteY3" fmla="*/ 1121324 h 2219748"/>
+                <a:gd name="connsiteX4" fmla="*/ 3329164 w 3409579"/>
+                <a:gd name="connsiteY4" fmla="*/ 125782 h 2219748"/>
+                <a:gd name="connsiteX0" fmla="*/ 0 w 3507559"/>
+                <a:gd name="connsiteY0" fmla="*/ 16 h 2219748"/>
+                <a:gd name="connsiteX1" fmla="*/ 869495 w 3507559"/>
+                <a:gd name="connsiteY1" fmla="*/ 1121324 h 2219748"/>
+                <a:gd name="connsiteX2" fmla="*/ 1716109 w 3507559"/>
+                <a:gd name="connsiteY2" fmla="*/ 2219748 h 2219748"/>
+                <a:gd name="connsiteX3" fmla="*/ 2585604 w 3507559"/>
+                <a:gd name="connsiteY3" fmla="*/ 1121324 h 2219748"/>
+                <a:gd name="connsiteX4" fmla="*/ 3432130 w 3507559"/>
+                <a:gd name="connsiteY4" fmla="*/ 11363 h 2219748"/>
+                <a:gd name="connsiteX0" fmla="*/ 0 w 3432130"/>
+                <a:gd name="connsiteY0" fmla="*/ 16 h 2219748"/>
+                <a:gd name="connsiteX1" fmla="*/ 869495 w 3432130"/>
+                <a:gd name="connsiteY1" fmla="*/ 1121324 h 2219748"/>
+                <a:gd name="connsiteX2" fmla="*/ 1716109 w 3432130"/>
+                <a:gd name="connsiteY2" fmla="*/ 2219748 h 2219748"/>
+                <a:gd name="connsiteX3" fmla="*/ 2585604 w 3432130"/>
+                <a:gd name="connsiteY3" fmla="*/ 1121324 h 2219748"/>
+                <a:gd name="connsiteX4" fmla="*/ 3432130 w 3432130"/>
+                <a:gd name="connsiteY4" fmla="*/ 11363 h 2219748"/>
+                <a:gd name="connsiteX0" fmla="*/ 0 w 3432130"/>
+                <a:gd name="connsiteY0" fmla="*/ 16 h 2219748"/>
+                <a:gd name="connsiteX1" fmla="*/ 869495 w 3432130"/>
+                <a:gd name="connsiteY1" fmla="*/ 1121324 h 2219748"/>
+                <a:gd name="connsiteX2" fmla="*/ 1716109 w 3432130"/>
+                <a:gd name="connsiteY2" fmla="*/ 2219748 h 2219748"/>
+                <a:gd name="connsiteX3" fmla="*/ 2585604 w 3432130"/>
+                <a:gd name="connsiteY3" fmla="*/ 1121324 h 2219748"/>
+                <a:gd name="connsiteX4" fmla="*/ 3432130 w 3432130"/>
+                <a:gd name="connsiteY4" fmla="*/ 11363 h 2219748"/>
+                <a:gd name="connsiteX0" fmla="*/ 0 w 3432130"/>
+                <a:gd name="connsiteY0" fmla="*/ 16 h 2219748"/>
+                <a:gd name="connsiteX1" fmla="*/ 869495 w 3432130"/>
+                <a:gd name="connsiteY1" fmla="*/ 1121324 h 2219748"/>
+                <a:gd name="connsiteX2" fmla="*/ 1716109 w 3432130"/>
+                <a:gd name="connsiteY2" fmla="*/ 2219748 h 2219748"/>
+                <a:gd name="connsiteX3" fmla="*/ 2585604 w 3432130"/>
+                <a:gd name="connsiteY3" fmla="*/ 1121324 h 2219748"/>
+                <a:gd name="connsiteX4" fmla="*/ 3432130 w 3432130"/>
+                <a:gd name="connsiteY4" fmla="*/ 11363 h 2219748"/>
+                <a:gd name="connsiteX0" fmla="*/ 0 w 3237637"/>
+                <a:gd name="connsiteY0" fmla="*/ 423510 h 2208449"/>
+                <a:gd name="connsiteX1" fmla="*/ 675002 w 3237637"/>
+                <a:gd name="connsiteY1" fmla="*/ 1110025 h 2208449"/>
+                <a:gd name="connsiteX2" fmla="*/ 1521616 w 3237637"/>
+                <a:gd name="connsiteY2" fmla="*/ 2208449 h 2208449"/>
+                <a:gd name="connsiteX3" fmla="*/ 2391111 w 3237637"/>
+                <a:gd name="connsiteY3" fmla="*/ 1110025 h 2208449"/>
+                <a:gd name="connsiteX4" fmla="*/ 3237637 w 3237637"/>
+                <a:gd name="connsiteY4" fmla="*/ 64 h 2208449"/>
+                <a:gd name="connsiteX0" fmla="*/ 0 w 3420688"/>
+                <a:gd name="connsiteY0" fmla="*/ 159 h 2208449"/>
+                <a:gd name="connsiteX1" fmla="*/ 858053 w 3420688"/>
+                <a:gd name="connsiteY1" fmla="*/ 1110025 h 2208449"/>
+                <a:gd name="connsiteX2" fmla="*/ 1704667 w 3420688"/>
+                <a:gd name="connsiteY2" fmla="*/ 2208449 h 2208449"/>
+                <a:gd name="connsiteX3" fmla="*/ 2574162 w 3420688"/>
+                <a:gd name="connsiteY3" fmla="*/ 1110025 h 2208449"/>
+                <a:gd name="connsiteX4" fmla="*/ 3420688 w 3420688"/>
+                <a:gd name="connsiteY4" fmla="*/ 64 h 2208449"/>
+                <a:gd name="connsiteX0" fmla="*/ 0 w 3420688"/>
+                <a:gd name="connsiteY0" fmla="*/ 159 h 2208449"/>
+                <a:gd name="connsiteX1" fmla="*/ 858053 w 3420688"/>
+                <a:gd name="connsiteY1" fmla="*/ 1110025 h 2208449"/>
+                <a:gd name="connsiteX2" fmla="*/ 1704667 w 3420688"/>
+                <a:gd name="connsiteY2" fmla="*/ 2208449 h 2208449"/>
+                <a:gd name="connsiteX3" fmla="*/ 2574162 w 3420688"/>
+                <a:gd name="connsiteY3" fmla="*/ 1110025 h 2208449"/>
+                <a:gd name="connsiteX4" fmla="*/ 3420688 w 3420688"/>
+                <a:gd name="connsiteY4" fmla="*/ 64 h 2208449"/>
+                <a:gd name="connsiteX0" fmla="*/ 0 w 3420688"/>
+                <a:gd name="connsiteY0" fmla="*/ 159 h 2208449"/>
+                <a:gd name="connsiteX1" fmla="*/ 858053 w 3420688"/>
+                <a:gd name="connsiteY1" fmla="*/ 1110025 h 2208449"/>
+                <a:gd name="connsiteX2" fmla="*/ 1704667 w 3420688"/>
+                <a:gd name="connsiteY2" fmla="*/ 2208449 h 2208449"/>
+                <a:gd name="connsiteX3" fmla="*/ 2574162 w 3420688"/>
+                <a:gd name="connsiteY3" fmla="*/ 1110025 h 2208449"/>
+                <a:gd name="connsiteX4" fmla="*/ 3420688 w 3420688"/>
+                <a:gd name="connsiteY4" fmla="*/ 64 h 2208449"/>
+                <a:gd name="connsiteX0" fmla="*/ 0 w 3420688"/>
+                <a:gd name="connsiteY0" fmla="*/ 159 h 2208449"/>
+                <a:gd name="connsiteX1" fmla="*/ 858053 w 3420688"/>
+                <a:gd name="connsiteY1" fmla="*/ 1110025 h 2208449"/>
+                <a:gd name="connsiteX2" fmla="*/ 1704667 w 3420688"/>
+                <a:gd name="connsiteY2" fmla="*/ 2208449 h 2208449"/>
+                <a:gd name="connsiteX3" fmla="*/ 2574162 w 3420688"/>
+                <a:gd name="connsiteY3" fmla="*/ 1110025 h 2208449"/>
+                <a:gd name="connsiteX4" fmla="*/ 3420688 w 3420688"/>
+                <a:gd name="connsiteY4" fmla="*/ 64 h 2208449"/>
+                <a:gd name="connsiteX0" fmla="*/ 0 w 3420688"/>
+                <a:gd name="connsiteY0" fmla="*/ 159 h 2208449"/>
+                <a:gd name="connsiteX1" fmla="*/ 858053 w 3420688"/>
+                <a:gd name="connsiteY1" fmla="*/ 1110025 h 2208449"/>
+                <a:gd name="connsiteX2" fmla="*/ 1704667 w 3420688"/>
+                <a:gd name="connsiteY2" fmla="*/ 2208449 h 2208449"/>
+                <a:gd name="connsiteX3" fmla="*/ 2574162 w 3420688"/>
+                <a:gd name="connsiteY3" fmla="*/ 1110025 h 2208449"/>
+                <a:gd name="connsiteX4" fmla="*/ 3420688 w 3420688"/>
+                <a:gd name="connsiteY4" fmla="*/ 64 h 2208449"/>
+                <a:gd name="connsiteX0" fmla="*/ 0 w 3420688"/>
+                <a:gd name="connsiteY0" fmla="*/ 159 h 2208449"/>
+                <a:gd name="connsiteX1" fmla="*/ 858053 w 3420688"/>
+                <a:gd name="connsiteY1" fmla="*/ 1110025 h 2208449"/>
+                <a:gd name="connsiteX2" fmla="*/ 1704667 w 3420688"/>
+                <a:gd name="connsiteY2" fmla="*/ 2208449 h 2208449"/>
+                <a:gd name="connsiteX3" fmla="*/ 2574162 w 3420688"/>
+                <a:gd name="connsiteY3" fmla="*/ 1110025 h 2208449"/>
+                <a:gd name="connsiteX4" fmla="*/ 3420688 w 3420688"/>
+                <a:gd name="connsiteY4" fmla="*/ 64 h 2208449"/>
+                <a:gd name="connsiteX0" fmla="*/ 0 w 3420688"/>
+                <a:gd name="connsiteY0" fmla="*/ 144 h 2208434"/>
+                <a:gd name="connsiteX1" fmla="*/ 858053 w 3420688"/>
+                <a:gd name="connsiteY1" fmla="*/ 1110010 h 2208434"/>
+                <a:gd name="connsiteX2" fmla="*/ 1704667 w 3420688"/>
+                <a:gd name="connsiteY2" fmla="*/ 2208434 h 2208434"/>
+                <a:gd name="connsiteX3" fmla="*/ 2574162 w 3420688"/>
+                <a:gd name="connsiteY3" fmla="*/ 1110010 h 2208434"/>
+                <a:gd name="connsiteX4" fmla="*/ 3420688 w 3420688"/>
+                <a:gd name="connsiteY4" fmla="*/ 49 h 2208434"/>
+                <a:gd name="connsiteX0" fmla="*/ 0 w 3420688"/>
+                <a:gd name="connsiteY0" fmla="*/ 144 h 2208434"/>
+                <a:gd name="connsiteX1" fmla="*/ 858053 w 3420688"/>
+                <a:gd name="connsiteY1" fmla="*/ 1110010 h 2208434"/>
+                <a:gd name="connsiteX2" fmla="*/ 1704667 w 3420688"/>
+                <a:gd name="connsiteY2" fmla="*/ 2208434 h 2208434"/>
+                <a:gd name="connsiteX3" fmla="*/ 2574162 w 3420688"/>
+                <a:gd name="connsiteY3" fmla="*/ 1110010 h 2208434"/>
+                <a:gd name="connsiteX4" fmla="*/ 3420688 w 3420688"/>
+                <a:gd name="connsiteY4" fmla="*/ 49 h 2208434"/>
+                <a:gd name="connsiteX0" fmla="*/ 0 w 3420688"/>
+                <a:gd name="connsiteY0" fmla="*/ 144 h 2208434"/>
+                <a:gd name="connsiteX1" fmla="*/ 858053 w 3420688"/>
+                <a:gd name="connsiteY1" fmla="*/ 1110010 h 2208434"/>
+                <a:gd name="connsiteX2" fmla="*/ 1704667 w 3420688"/>
+                <a:gd name="connsiteY2" fmla="*/ 2208434 h 2208434"/>
+                <a:gd name="connsiteX3" fmla="*/ 2574162 w 3420688"/>
+                <a:gd name="connsiteY3" fmla="*/ 1110010 h 2208434"/>
+                <a:gd name="connsiteX4" fmla="*/ 3420688 w 3420688"/>
+                <a:gd name="connsiteY4" fmla="*/ 49 h 2208434"/>
+                <a:gd name="connsiteX0" fmla="*/ 0 w 3420688"/>
+                <a:gd name="connsiteY0" fmla="*/ 144 h 2208434"/>
+                <a:gd name="connsiteX1" fmla="*/ 858053 w 3420688"/>
+                <a:gd name="connsiteY1" fmla="*/ 1110010 h 2208434"/>
+                <a:gd name="connsiteX2" fmla="*/ 1704667 w 3420688"/>
+                <a:gd name="connsiteY2" fmla="*/ 2208434 h 2208434"/>
+                <a:gd name="connsiteX3" fmla="*/ 2574162 w 3420688"/>
+                <a:gd name="connsiteY3" fmla="*/ 1110010 h 2208434"/>
+                <a:gd name="connsiteX4" fmla="*/ 3420688 w 3420688"/>
+                <a:gd name="connsiteY4" fmla="*/ 49 h 2208434"/>
+                <a:gd name="connsiteX0" fmla="*/ 0 w 3420688"/>
+                <a:gd name="connsiteY0" fmla="*/ 144 h 2208434"/>
+                <a:gd name="connsiteX1" fmla="*/ 858053 w 3420688"/>
+                <a:gd name="connsiteY1" fmla="*/ 1110010 h 2208434"/>
+                <a:gd name="connsiteX2" fmla="*/ 1704667 w 3420688"/>
+                <a:gd name="connsiteY2" fmla="*/ 2208434 h 2208434"/>
+                <a:gd name="connsiteX3" fmla="*/ 2574162 w 3420688"/>
+                <a:gd name="connsiteY3" fmla="*/ 1110010 h 2208434"/>
+                <a:gd name="connsiteX4" fmla="*/ 3420688 w 3420688"/>
+                <a:gd name="connsiteY4" fmla="*/ 49 h 2208434"/>
+                <a:gd name="connsiteX0" fmla="*/ 0 w 3420688"/>
+                <a:gd name="connsiteY0" fmla="*/ 144 h 2208434"/>
+                <a:gd name="connsiteX1" fmla="*/ 858053 w 3420688"/>
+                <a:gd name="connsiteY1" fmla="*/ 1110010 h 2208434"/>
+                <a:gd name="connsiteX2" fmla="*/ 1704667 w 3420688"/>
+                <a:gd name="connsiteY2" fmla="*/ 2208434 h 2208434"/>
+                <a:gd name="connsiteX3" fmla="*/ 2574162 w 3420688"/>
+                <a:gd name="connsiteY3" fmla="*/ 1110010 h 2208434"/>
+                <a:gd name="connsiteX4" fmla="*/ 3420688 w 3420688"/>
+                <a:gd name="connsiteY4" fmla="*/ 49 h 2208434"/>
+                <a:gd name="connsiteX0" fmla="*/ 0 w 3420688"/>
+                <a:gd name="connsiteY0" fmla="*/ 144 h 2208434"/>
+                <a:gd name="connsiteX1" fmla="*/ 858053 w 3420688"/>
+                <a:gd name="connsiteY1" fmla="*/ 1110010 h 2208434"/>
+                <a:gd name="connsiteX2" fmla="*/ 1704667 w 3420688"/>
+                <a:gd name="connsiteY2" fmla="*/ 2208434 h 2208434"/>
+                <a:gd name="connsiteX3" fmla="*/ 2574162 w 3420688"/>
+                <a:gd name="connsiteY3" fmla="*/ 1110010 h 2208434"/>
+                <a:gd name="connsiteX4" fmla="*/ 3420688 w 3420688"/>
+                <a:gd name="connsiteY4" fmla="*/ 49 h 2208434"/>
+              </a:gdLst>
+              <a:ahLst/>
+              <a:cxnLst>
+                <a:cxn ang="0">
+                  <a:pos x="connsiteX0" y="connsiteY0"/>
+                </a:cxn>
+                <a:cxn ang="0">
+                  <a:pos x="connsiteX1" y="connsiteY1"/>
+                </a:cxn>
+                <a:cxn ang="0">
+                  <a:pos x="connsiteX2" y="connsiteY2"/>
+                </a:cxn>
+                <a:cxn ang="0">
+                  <a:pos x="connsiteX3" y="connsiteY3"/>
+                </a:cxn>
+                <a:cxn ang="0">
+                  <a:pos x="connsiteX4" y="connsiteY4"/>
+                </a:cxn>
+              </a:cxnLst>
+              <a:rect l="l" t="t" r="r" b="b"/>
+              <a:pathLst>
+                <a:path w="3420688" h="2208434">
+                  <a:moveTo>
+                    <a:pt x="0" y="144"/>
+                  </a:moveTo>
+                  <a:cubicBezTo>
+                    <a:pt x="438561" y="-3671"/>
+                    <a:pt x="762377" y="873907"/>
+                    <a:pt x="858053" y="1110010"/>
+                  </a:cubicBezTo>
+                  <a:cubicBezTo>
+                    <a:pt x="948493" y="1333191"/>
+                    <a:pt x="1269920" y="2208434"/>
+                    <a:pt x="1704667" y="2208434"/>
+                  </a:cubicBezTo>
+                  <a:cubicBezTo>
+                    <a:pt x="2139414" y="2208434"/>
+                    <a:pt x="2471211" y="1363654"/>
+                    <a:pt x="2574162" y="1110010"/>
+                  </a:cubicBezTo>
+                  <a:cubicBezTo>
+                    <a:pt x="2677113" y="856366"/>
+                    <a:pt x="2959331" y="-7484"/>
+                    <a:pt x="3420688" y="49"/>
+                  </a:cubicBezTo>
+                </a:path>
+              </a:pathLst>
+            </a:custGeom>
+            <a:ln w="19050" cmpd="sng">
+              <a:solidFill>
+                <a:srgbClr val="000000"/>
+              </a:solidFill>
+            </a:ln>
+            <a:effectLst/>
+          </p:spPr>
+          <p:style>
+            <a:lnRef idx="2">
+              <a:schemeClr val="accent1"/>
+            </a:lnRef>
+            <a:fillRef idx="0">
+              <a:schemeClr val="accent1"/>
+            </a:fillRef>
+            <a:effectRef idx="1">
+              <a:schemeClr val="accent1"/>
+            </a:effectRef>
+            <a:fontRef idx="minor">
+              <a:schemeClr val="tx1"/>
+            </a:fontRef>
+          </p:style>
+          <p:txBody>
+            <a:bodyPr rtlCol="0" anchor="ctr"/>
+            <a:lstStyle/>
+            <a:p>
+              <a:pPr algn="ctr"/>
+              <a:endParaRPr lang="fr-FR"/>
+            </a:p>
+          </p:txBody>
+        </p:sp>
+        <p:sp>
+          <p:nvSpPr>
+            <p:cNvPr id="291" name="Forme libre 290"/>
+            <p:cNvSpPr/>
+            <p:nvPr/>
+          </p:nvSpPr>
+          <p:spPr>
+            <a:xfrm>
+              <a:off x="7641034" y="3739420"/>
+              <a:ext cx="229356" cy="384990"/>
+            </a:xfrm>
+            <a:custGeom>
+              <a:avLst/>
+              <a:gdLst>
+                <a:gd name="connsiteX0" fmla="*/ 0 w 3432217"/>
+                <a:gd name="connsiteY0" fmla="*/ 0 h 2219732"/>
+                <a:gd name="connsiteX1" fmla="*/ 869495 w 3432217"/>
+                <a:gd name="connsiteY1" fmla="*/ 1121308 h 2219732"/>
+                <a:gd name="connsiteX2" fmla="*/ 1716109 w 3432217"/>
+                <a:gd name="connsiteY2" fmla="*/ 2219732 h 2219732"/>
+                <a:gd name="connsiteX3" fmla="*/ 2585604 w 3432217"/>
+                <a:gd name="connsiteY3" fmla="*/ 1121308 h 2219732"/>
+                <a:gd name="connsiteX4" fmla="*/ 3432217 w 3432217"/>
+                <a:gd name="connsiteY4" fmla="*/ 11442 h 2219732"/>
+                <a:gd name="connsiteX0" fmla="*/ 0 w 3432217"/>
+                <a:gd name="connsiteY0" fmla="*/ 0 h 2219732"/>
+                <a:gd name="connsiteX1" fmla="*/ 869495 w 3432217"/>
+                <a:gd name="connsiteY1" fmla="*/ 1121308 h 2219732"/>
+                <a:gd name="connsiteX2" fmla="*/ 1716109 w 3432217"/>
+                <a:gd name="connsiteY2" fmla="*/ 2219732 h 2219732"/>
+                <a:gd name="connsiteX3" fmla="*/ 2585604 w 3432217"/>
+                <a:gd name="connsiteY3" fmla="*/ 1121308 h 2219732"/>
+                <a:gd name="connsiteX4" fmla="*/ 3432217 w 3432217"/>
+                <a:gd name="connsiteY4" fmla="*/ 11442 h 2219732"/>
+                <a:gd name="connsiteX0" fmla="*/ 0 w 3432217"/>
+                <a:gd name="connsiteY0" fmla="*/ 0 h 2219732"/>
+                <a:gd name="connsiteX1" fmla="*/ 869495 w 3432217"/>
+                <a:gd name="connsiteY1" fmla="*/ 1121308 h 2219732"/>
+                <a:gd name="connsiteX2" fmla="*/ 1716109 w 3432217"/>
+                <a:gd name="connsiteY2" fmla="*/ 2219732 h 2219732"/>
+                <a:gd name="connsiteX3" fmla="*/ 2585604 w 3432217"/>
+                <a:gd name="connsiteY3" fmla="*/ 1121308 h 2219732"/>
+                <a:gd name="connsiteX4" fmla="*/ 3432217 w 3432217"/>
+                <a:gd name="connsiteY4" fmla="*/ 11442 h 2219732"/>
+                <a:gd name="connsiteX0" fmla="*/ 0 w 3432217"/>
+                <a:gd name="connsiteY0" fmla="*/ 0 h 2219732"/>
+                <a:gd name="connsiteX1" fmla="*/ 869495 w 3432217"/>
+                <a:gd name="connsiteY1" fmla="*/ 1121308 h 2219732"/>
+                <a:gd name="connsiteX2" fmla="*/ 1716109 w 3432217"/>
+                <a:gd name="connsiteY2" fmla="*/ 2219732 h 2219732"/>
+                <a:gd name="connsiteX3" fmla="*/ 2585604 w 3432217"/>
+                <a:gd name="connsiteY3" fmla="*/ 1121308 h 2219732"/>
+                <a:gd name="connsiteX4" fmla="*/ 3432217 w 3432217"/>
+                <a:gd name="connsiteY4" fmla="*/ 11442 h 2219732"/>
+                <a:gd name="connsiteX0" fmla="*/ 0 w 3432217"/>
+                <a:gd name="connsiteY0" fmla="*/ 14 h 2219746"/>
+                <a:gd name="connsiteX1" fmla="*/ 869495 w 3432217"/>
+                <a:gd name="connsiteY1" fmla="*/ 1121322 h 2219746"/>
+                <a:gd name="connsiteX2" fmla="*/ 1716109 w 3432217"/>
+                <a:gd name="connsiteY2" fmla="*/ 2219746 h 2219746"/>
+                <a:gd name="connsiteX3" fmla="*/ 2585604 w 3432217"/>
+                <a:gd name="connsiteY3" fmla="*/ 1121322 h 2219746"/>
+                <a:gd name="connsiteX4" fmla="*/ 3432217 w 3432217"/>
+                <a:gd name="connsiteY4" fmla="*/ 11456 h 2219746"/>
+                <a:gd name="connsiteX0" fmla="*/ 0 w 3432217"/>
+                <a:gd name="connsiteY0" fmla="*/ 0 h 2219732"/>
+                <a:gd name="connsiteX1" fmla="*/ 869495 w 3432217"/>
+                <a:gd name="connsiteY1" fmla="*/ 1121308 h 2219732"/>
+                <a:gd name="connsiteX2" fmla="*/ 1716109 w 3432217"/>
+                <a:gd name="connsiteY2" fmla="*/ 2219732 h 2219732"/>
+                <a:gd name="connsiteX3" fmla="*/ 2585604 w 3432217"/>
+                <a:gd name="connsiteY3" fmla="*/ 1121308 h 2219732"/>
+                <a:gd name="connsiteX4" fmla="*/ 3432217 w 3432217"/>
+                <a:gd name="connsiteY4" fmla="*/ 11442 h 2219732"/>
+                <a:gd name="connsiteX0" fmla="*/ 0 w 3432217"/>
+                <a:gd name="connsiteY0" fmla="*/ 14 h 2219746"/>
+                <a:gd name="connsiteX1" fmla="*/ 869495 w 3432217"/>
+                <a:gd name="connsiteY1" fmla="*/ 1121322 h 2219746"/>
+                <a:gd name="connsiteX2" fmla="*/ 1716109 w 3432217"/>
+                <a:gd name="connsiteY2" fmla="*/ 2219746 h 2219746"/>
+                <a:gd name="connsiteX3" fmla="*/ 2585604 w 3432217"/>
+                <a:gd name="connsiteY3" fmla="*/ 1121322 h 2219746"/>
+                <a:gd name="connsiteX4" fmla="*/ 3432217 w 3432217"/>
+                <a:gd name="connsiteY4" fmla="*/ 11456 h 2219746"/>
+                <a:gd name="connsiteX0" fmla="*/ 0 w 3432217"/>
+                <a:gd name="connsiteY0" fmla="*/ 14 h 2219746"/>
+                <a:gd name="connsiteX1" fmla="*/ 869495 w 3432217"/>
+                <a:gd name="connsiteY1" fmla="*/ 1121322 h 2219746"/>
+                <a:gd name="connsiteX2" fmla="*/ 1716109 w 3432217"/>
+                <a:gd name="connsiteY2" fmla="*/ 2219746 h 2219746"/>
+                <a:gd name="connsiteX3" fmla="*/ 2585604 w 3432217"/>
+                <a:gd name="connsiteY3" fmla="*/ 1121322 h 2219746"/>
+                <a:gd name="connsiteX4" fmla="*/ 3432217 w 3432217"/>
+                <a:gd name="connsiteY4" fmla="*/ 11456 h 2219746"/>
+                <a:gd name="connsiteX0" fmla="*/ 0 w 3432217"/>
+                <a:gd name="connsiteY0" fmla="*/ 15 h 2219747"/>
+                <a:gd name="connsiteX1" fmla="*/ 869495 w 3432217"/>
+                <a:gd name="connsiteY1" fmla="*/ 1121323 h 2219747"/>
+                <a:gd name="connsiteX2" fmla="*/ 1716109 w 3432217"/>
+                <a:gd name="connsiteY2" fmla="*/ 2219747 h 2219747"/>
+                <a:gd name="connsiteX3" fmla="*/ 2585604 w 3432217"/>
+                <a:gd name="connsiteY3" fmla="*/ 1121323 h 2219747"/>
+                <a:gd name="connsiteX4" fmla="*/ 3432217 w 3432217"/>
+                <a:gd name="connsiteY4" fmla="*/ 11457 h 2219747"/>
+                <a:gd name="connsiteX0" fmla="*/ 0 w 3432217"/>
+                <a:gd name="connsiteY0" fmla="*/ 15 h 2219747"/>
+                <a:gd name="connsiteX1" fmla="*/ 869495 w 3432217"/>
+                <a:gd name="connsiteY1" fmla="*/ 1121323 h 2219747"/>
+                <a:gd name="connsiteX2" fmla="*/ 1716109 w 3432217"/>
+                <a:gd name="connsiteY2" fmla="*/ 2219747 h 2219747"/>
+                <a:gd name="connsiteX3" fmla="*/ 2585604 w 3432217"/>
+                <a:gd name="connsiteY3" fmla="*/ 1121323 h 2219747"/>
+                <a:gd name="connsiteX4" fmla="*/ 3432217 w 3432217"/>
+                <a:gd name="connsiteY4" fmla="*/ 11457 h 2219747"/>
+                <a:gd name="connsiteX0" fmla="*/ 0 w 3237724"/>
+                <a:gd name="connsiteY0" fmla="*/ 15 h 2219747"/>
+                <a:gd name="connsiteX1" fmla="*/ 869495 w 3237724"/>
+                <a:gd name="connsiteY1" fmla="*/ 1121323 h 2219747"/>
+                <a:gd name="connsiteX2" fmla="*/ 1716109 w 3237724"/>
+                <a:gd name="connsiteY2" fmla="*/ 2219747 h 2219747"/>
+                <a:gd name="connsiteX3" fmla="*/ 2585604 w 3237724"/>
+                <a:gd name="connsiteY3" fmla="*/ 1121323 h 2219747"/>
+                <a:gd name="connsiteX4" fmla="*/ 3237724 w 3237724"/>
+                <a:gd name="connsiteY4" fmla="*/ 34341 h 2219747"/>
+                <a:gd name="connsiteX0" fmla="*/ 0 w 3282867"/>
+                <a:gd name="connsiteY0" fmla="*/ 53078 h 2272810"/>
+                <a:gd name="connsiteX1" fmla="*/ 869495 w 3282867"/>
+                <a:gd name="connsiteY1" fmla="*/ 1174386 h 2272810"/>
+                <a:gd name="connsiteX2" fmla="*/ 1716109 w 3282867"/>
+                <a:gd name="connsiteY2" fmla="*/ 2272810 h 2272810"/>
+                <a:gd name="connsiteX3" fmla="*/ 2585604 w 3282867"/>
+                <a:gd name="connsiteY3" fmla="*/ 1174386 h 2272810"/>
+                <a:gd name="connsiteX4" fmla="*/ 3237724 w 3282867"/>
+                <a:gd name="connsiteY4" fmla="*/ 87404 h 2272810"/>
+                <a:gd name="connsiteX5" fmla="*/ 3226284 w 3282867"/>
+                <a:gd name="connsiteY5" fmla="*/ 64521 h 2272810"/>
+                <a:gd name="connsiteX0" fmla="*/ 0 w 4072902"/>
+                <a:gd name="connsiteY0" fmla="*/ 27028 h 2246760"/>
+                <a:gd name="connsiteX1" fmla="*/ 869495 w 4072902"/>
+                <a:gd name="connsiteY1" fmla="*/ 1148336 h 2246760"/>
+                <a:gd name="connsiteX2" fmla="*/ 1716109 w 4072902"/>
+                <a:gd name="connsiteY2" fmla="*/ 2246760 h 2246760"/>
+                <a:gd name="connsiteX3" fmla="*/ 2585604 w 4072902"/>
+                <a:gd name="connsiteY3" fmla="*/ 1148336 h 2246760"/>
+                <a:gd name="connsiteX4" fmla="*/ 3237724 w 4072902"/>
+                <a:gd name="connsiteY4" fmla="*/ 61354 h 2246760"/>
+                <a:gd name="connsiteX5" fmla="*/ 4072897 w 4072902"/>
+                <a:gd name="connsiteY5" fmla="*/ 164332 h 2246760"/>
+                <a:gd name="connsiteX0" fmla="*/ 0 w 4072902"/>
+                <a:gd name="connsiteY0" fmla="*/ 27028 h 2246760"/>
+                <a:gd name="connsiteX1" fmla="*/ 869495 w 4072902"/>
+                <a:gd name="connsiteY1" fmla="*/ 1148336 h 2246760"/>
+                <a:gd name="connsiteX2" fmla="*/ 1716109 w 4072902"/>
+                <a:gd name="connsiteY2" fmla="*/ 2246760 h 2246760"/>
+                <a:gd name="connsiteX3" fmla="*/ 2585604 w 4072902"/>
+                <a:gd name="connsiteY3" fmla="*/ 1148336 h 2246760"/>
+                <a:gd name="connsiteX4" fmla="*/ 3237724 w 4072902"/>
+                <a:gd name="connsiteY4" fmla="*/ 61354 h 2246760"/>
+                <a:gd name="connsiteX5" fmla="*/ 4072897 w 4072902"/>
+                <a:gd name="connsiteY5" fmla="*/ 164332 h 2246760"/>
+                <a:gd name="connsiteX0" fmla="*/ 0 w 4072901"/>
+                <a:gd name="connsiteY0" fmla="*/ 16 h 2219748"/>
+                <a:gd name="connsiteX1" fmla="*/ 869495 w 4072901"/>
+                <a:gd name="connsiteY1" fmla="*/ 1121324 h 2219748"/>
+                <a:gd name="connsiteX2" fmla="*/ 1716109 w 4072901"/>
+                <a:gd name="connsiteY2" fmla="*/ 2219748 h 2219748"/>
+                <a:gd name="connsiteX3" fmla="*/ 2585604 w 4072901"/>
+                <a:gd name="connsiteY3" fmla="*/ 1121324 h 2219748"/>
+                <a:gd name="connsiteX4" fmla="*/ 3237724 w 4072901"/>
+                <a:gd name="connsiteY4" fmla="*/ 34342 h 2219748"/>
+                <a:gd name="connsiteX5" fmla="*/ 4072897 w 4072901"/>
+                <a:gd name="connsiteY5" fmla="*/ 137320 h 2219748"/>
+                <a:gd name="connsiteX0" fmla="*/ 0 w 4072901"/>
+                <a:gd name="connsiteY0" fmla="*/ 16 h 2219748"/>
+                <a:gd name="connsiteX1" fmla="*/ 869495 w 4072901"/>
+                <a:gd name="connsiteY1" fmla="*/ 1121324 h 2219748"/>
+                <a:gd name="connsiteX2" fmla="*/ 1716109 w 4072901"/>
+                <a:gd name="connsiteY2" fmla="*/ 2219748 h 2219748"/>
+                <a:gd name="connsiteX3" fmla="*/ 2585604 w 4072901"/>
+                <a:gd name="connsiteY3" fmla="*/ 1121324 h 2219748"/>
+                <a:gd name="connsiteX4" fmla="*/ 3237724 w 4072901"/>
+                <a:gd name="connsiteY4" fmla="*/ 34342 h 2219748"/>
+                <a:gd name="connsiteX5" fmla="*/ 4072897 w 4072901"/>
+                <a:gd name="connsiteY5" fmla="*/ 137320 h 2219748"/>
+                <a:gd name="connsiteX6" fmla="*/ 0 w 4072901"/>
+                <a:gd name="connsiteY6" fmla="*/ 16 h 2219748"/>
+                <a:gd name="connsiteX0" fmla="*/ 0 w 3359728"/>
+                <a:gd name="connsiteY0" fmla="*/ 121860 h 2341592"/>
+                <a:gd name="connsiteX1" fmla="*/ 869495 w 3359728"/>
+                <a:gd name="connsiteY1" fmla="*/ 1243168 h 2341592"/>
+                <a:gd name="connsiteX2" fmla="*/ 1716109 w 3359728"/>
+                <a:gd name="connsiteY2" fmla="*/ 2341592 h 2341592"/>
+                <a:gd name="connsiteX3" fmla="*/ 2585604 w 3359728"/>
+                <a:gd name="connsiteY3" fmla="*/ 1243168 h 2341592"/>
+                <a:gd name="connsiteX4" fmla="*/ 3237724 w 3359728"/>
+                <a:gd name="connsiteY4" fmla="*/ 156186 h 2341592"/>
+                <a:gd name="connsiteX5" fmla="*/ 0 w 3359728"/>
+                <a:gd name="connsiteY5" fmla="*/ 121860 h 2341592"/>
+                <a:gd name="connsiteX0" fmla="*/ 3237724 w 3409579"/>
+                <a:gd name="connsiteY0" fmla="*/ 156186 h 2341592"/>
+                <a:gd name="connsiteX1" fmla="*/ 0 w 3409579"/>
+                <a:gd name="connsiteY1" fmla="*/ 121860 h 2341592"/>
+                <a:gd name="connsiteX2" fmla="*/ 869495 w 3409579"/>
+                <a:gd name="connsiteY2" fmla="*/ 1243168 h 2341592"/>
+                <a:gd name="connsiteX3" fmla="*/ 1716109 w 3409579"/>
+                <a:gd name="connsiteY3" fmla="*/ 2341592 h 2341592"/>
+                <a:gd name="connsiteX4" fmla="*/ 2585604 w 3409579"/>
+                <a:gd name="connsiteY4" fmla="*/ 1243168 h 2341592"/>
+                <a:gd name="connsiteX5" fmla="*/ 3329164 w 3409579"/>
+                <a:gd name="connsiteY5" fmla="*/ 247626 h 2341592"/>
+                <a:gd name="connsiteX0" fmla="*/ 0 w 3409579"/>
+                <a:gd name="connsiteY0" fmla="*/ 16 h 2219748"/>
+                <a:gd name="connsiteX1" fmla="*/ 869495 w 3409579"/>
+                <a:gd name="connsiteY1" fmla="*/ 1121324 h 2219748"/>
+                <a:gd name="connsiteX2" fmla="*/ 1716109 w 3409579"/>
+                <a:gd name="connsiteY2" fmla="*/ 2219748 h 2219748"/>
+                <a:gd name="connsiteX3" fmla="*/ 2585604 w 3409579"/>
+                <a:gd name="connsiteY3" fmla="*/ 1121324 h 2219748"/>
+                <a:gd name="connsiteX4" fmla="*/ 3329164 w 3409579"/>
+                <a:gd name="connsiteY4" fmla="*/ 125782 h 2219748"/>
+                <a:gd name="connsiteX0" fmla="*/ 0 w 3507559"/>
+                <a:gd name="connsiteY0" fmla="*/ 16 h 2219748"/>
+                <a:gd name="connsiteX1" fmla="*/ 869495 w 3507559"/>
+                <a:gd name="connsiteY1" fmla="*/ 1121324 h 2219748"/>
+                <a:gd name="connsiteX2" fmla="*/ 1716109 w 3507559"/>
+                <a:gd name="connsiteY2" fmla="*/ 2219748 h 2219748"/>
+                <a:gd name="connsiteX3" fmla="*/ 2585604 w 3507559"/>
+                <a:gd name="connsiteY3" fmla="*/ 1121324 h 2219748"/>
+                <a:gd name="connsiteX4" fmla="*/ 3432130 w 3507559"/>
+                <a:gd name="connsiteY4" fmla="*/ 11363 h 2219748"/>
+                <a:gd name="connsiteX0" fmla="*/ 0 w 3432130"/>
+                <a:gd name="connsiteY0" fmla="*/ 16 h 2219748"/>
+                <a:gd name="connsiteX1" fmla="*/ 869495 w 3432130"/>
+                <a:gd name="connsiteY1" fmla="*/ 1121324 h 2219748"/>
+                <a:gd name="connsiteX2" fmla="*/ 1716109 w 3432130"/>
+                <a:gd name="connsiteY2" fmla="*/ 2219748 h 2219748"/>
+                <a:gd name="connsiteX3" fmla="*/ 2585604 w 3432130"/>
+                <a:gd name="connsiteY3" fmla="*/ 1121324 h 2219748"/>
+                <a:gd name="connsiteX4" fmla="*/ 3432130 w 3432130"/>
+                <a:gd name="connsiteY4" fmla="*/ 11363 h 2219748"/>
+                <a:gd name="connsiteX0" fmla="*/ 0 w 3432130"/>
+                <a:gd name="connsiteY0" fmla="*/ 16 h 2219748"/>
+                <a:gd name="connsiteX1" fmla="*/ 869495 w 3432130"/>
+                <a:gd name="connsiteY1" fmla="*/ 1121324 h 2219748"/>
+                <a:gd name="connsiteX2" fmla="*/ 1716109 w 3432130"/>
+                <a:gd name="connsiteY2" fmla="*/ 2219748 h 2219748"/>
+                <a:gd name="connsiteX3" fmla="*/ 2585604 w 3432130"/>
+                <a:gd name="connsiteY3" fmla="*/ 1121324 h 2219748"/>
+                <a:gd name="connsiteX4" fmla="*/ 3432130 w 3432130"/>
+                <a:gd name="connsiteY4" fmla="*/ 11363 h 2219748"/>
+                <a:gd name="connsiteX0" fmla="*/ 0 w 3432130"/>
+                <a:gd name="connsiteY0" fmla="*/ 16 h 2219748"/>
+                <a:gd name="connsiteX1" fmla="*/ 869495 w 3432130"/>
+                <a:gd name="connsiteY1" fmla="*/ 1121324 h 2219748"/>
+                <a:gd name="connsiteX2" fmla="*/ 1716109 w 3432130"/>
+                <a:gd name="connsiteY2" fmla="*/ 2219748 h 2219748"/>
+                <a:gd name="connsiteX3" fmla="*/ 2585604 w 3432130"/>
+                <a:gd name="connsiteY3" fmla="*/ 1121324 h 2219748"/>
+                <a:gd name="connsiteX4" fmla="*/ 3432130 w 3432130"/>
+                <a:gd name="connsiteY4" fmla="*/ 11363 h 2219748"/>
+                <a:gd name="connsiteX0" fmla="*/ 0 w 3237637"/>
+                <a:gd name="connsiteY0" fmla="*/ 423510 h 2208449"/>
+                <a:gd name="connsiteX1" fmla="*/ 675002 w 3237637"/>
+                <a:gd name="connsiteY1" fmla="*/ 1110025 h 2208449"/>
+                <a:gd name="connsiteX2" fmla="*/ 1521616 w 3237637"/>
+                <a:gd name="connsiteY2" fmla="*/ 2208449 h 2208449"/>
+                <a:gd name="connsiteX3" fmla="*/ 2391111 w 3237637"/>
+                <a:gd name="connsiteY3" fmla="*/ 1110025 h 2208449"/>
+                <a:gd name="connsiteX4" fmla="*/ 3237637 w 3237637"/>
+                <a:gd name="connsiteY4" fmla="*/ 64 h 2208449"/>
+                <a:gd name="connsiteX0" fmla="*/ 0 w 3420688"/>
+                <a:gd name="connsiteY0" fmla="*/ 159 h 2208449"/>
+                <a:gd name="connsiteX1" fmla="*/ 858053 w 3420688"/>
+                <a:gd name="connsiteY1" fmla="*/ 1110025 h 2208449"/>
+                <a:gd name="connsiteX2" fmla="*/ 1704667 w 3420688"/>
+                <a:gd name="connsiteY2" fmla="*/ 2208449 h 2208449"/>
+                <a:gd name="connsiteX3" fmla="*/ 2574162 w 3420688"/>
+                <a:gd name="connsiteY3" fmla="*/ 1110025 h 2208449"/>
+                <a:gd name="connsiteX4" fmla="*/ 3420688 w 3420688"/>
+                <a:gd name="connsiteY4" fmla="*/ 64 h 2208449"/>
+                <a:gd name="connsiteX0" fmla="*/ 0 w 3420688"/>
+                <a:gd name="connsiteY0" fmla="*/ 159 h 2208449"/>
+                <a:gd name="connsiteX1" fmla="*/ 858053 w 3420688"/>
+                <a:gd name="connsiteY1" fmla="*/ 1110025 h 2208449"/>
+                <a:gd name="connsiteX2" fmla="*/ 1704667 w 3420688"/>
+                <a:gd name="connsiteY2" fmla="*/ 2208449 h 2208449"/>
+                <a:gd name="connsiteX3" fmla="*/ 2574162 w 3420688"/>
+                <a:gd name="connsiteY3" fmla="*/ 1110025 h 2208449"/>
+                <a:gd name="connsiteX4" fmla="*/ 3420688 w 3420688"/>
+                <a:gd name="connsiteY4" fmla="*/ 64 h 2208449"/>
+                <a:gd name="connsiteX0" fmla="*/ 0 w 3420688"/>
+                <a:gd name="connsiteY0" fmla="*/ 159 h 2208449"/>
+                <a:gd name="connsiteX1" fmla="*/ 858053 w 3420688"/>
+                <a:gd name="connsiteY1" fmla="*/ 1110025 h 2208449"/>
+                <a:gd name="connsiteX2" fmla="*/ 1704667 w 3420688"/>
+                <a:gd name="connsiteY2" fmla="*/ 2208449 h 2208449"/>
+                <a:gd name="connsiteX3" fmla="*/ 2574162 w 3420688"/>
+                <a:gd name="connsiteY3" fmla="*/ 1110025 h 2208449"/>
+                <a:gd name="connsiteX4" fmla="*/ 3420688 w 3420688"/>
+                <a:gd name="connsiteY4" fmla="*/ 64 h 2208449"/>
+                <a:gd name="connsiteX0" fmla="*/ 0 w 3420688"/>
+                <a:gd name="connsiteY0" fmla="*/ 159 h 2208449"/>
+                <a:gd name="connsiteX1" fmla="*/ 858053 w 3420688"/>
+                <a:gd name="connsiteY1" fmla="*/ 1110025 h 2208449"/>
+                <a:gd name="connsiteX2" fmla="*/ 1704667 w 3420688"/>
+                <a:gd name="connsiteY2" fmla="*/ 2208449 h 2208449"/>
+                <a:gd name="connsiteX3" fmla="*/ 2574162 w 3420688"/>
+                <a:gd name="connsiteY3" fmla="*/ 1110025 h 2208449"/>
+                <a:gd name="connsiteX4" fmla="*/ 3420688 w 3420688"/>
+                <a:gd name="connsiteY4" fmla="*/ 64 h 2208449"/>
+                <a:gd name="connsiteX0" fmla="*/ 0 w 3420688"/>
+                <a:gd name="connsiteY0" fmla="*/ 159 h 2208449"/>
+                <a:gd name="connsiteX1" fmla="*/ 858053 w 3420688"/>
+                <a:gd name="connsiteY1" fmla="*/ 1110025 h 2208449"/>
+                <a:gd name="connsiteX2" fmla="*/ 1704667 w 3420688"/>
+                <a:gd name="connsiteY2" fmla="*/ 2208449 h 2208449"/>
+                <a:gd name="connsiteX3" fmla="*/ 2574162 w 3420688"/>
+                <a:gd name="connsiteY3" fmla="*/ 1110025 h 2208449"/>
+                <a:gd name="connsiteX4" fmla="*/ 3420688 w 3420688"/>
+                <a:gd name="connsiteY4" fmla="*/ 64 h 2208449"/>
+                <a:gd name="connsiteX0" fmla="*/ 0 w 3420688"/>
+                <a:gd name="connsiteY0" fmla="*/ 159 h 2208449"/>
+                <a:gd name="connsiteX1" fmla="*/ 858053 w 3420688"/>
+                <a:gd name="connsiteY1" fmla="*/ 1110025 h 2208449"/>
+                <a:gd name="connsiteX2" fmla="*/ 1704667 w 3420688"/>
+                <a:gd name="connsiteY2" fmla="*/ 2208449 h 2208449"/>
+                <a:gd name="connsiteX3" fmla="*/ 2574162 w 3420688"/>
+                <a:gd name="connsiteY3" fmla="*/ 1110025 h 2208449"/>
+                <a:gd name="connsiteX4" fmla="*/ 3420688 w 3420688"/>
+                <a:gd name="connsiteY4" fmla="*/ 64 h 2208449"/>
+                <a:gd name="connsiteX0" fmla="*/ 0 w 3420688"/>
+                <a:gd name="connsiteY0" fmla="*/ 144 h 2208434"/>
+                <a:gd name="connsiteX1" fmla="*/ 858053 w 3420688"/>
+                <a:gd name="connsiteY1" fmla="*/ 1110010 h 2208434"/>
+                <a:gd name="connsiteX2" fmla="*/ 1704667 w 3420688"/>
+                <a:gd name="connsiteY2" fmla="*/ 2208434 h 2208434"/>
+                <a:gd name="connsiteX3" fmla="*/ 2574162 w 3420688"/>
+                <a:gd name="connsiteY3" fmla="*/ 1110010 h 2208434"/>
+                <a:gd name="connsiteX4" fmla="*/ 3420688 w 3420688"/>
+                <a:gd name="connsiteY4" fmla="*/ 49 h 2208434"/>
+                <a:gd name="connsiteX0" fmla="*/ 0 w 3420688"/>
+                <a:gd name="connsiteY0" fmla="*/ 144 h 2208434"/>
+                <a:gd name="connsiteX1" fmla="*/ 858053 w 3420688"/>
+                <a:gd name="connsiteY1" fmla="*/ 1110010 h 2208434"/>
+                <a:gd name="connsiteX2" fmla="*/ 1704667 w 3420688"/>
+                <a:gd name="connsiteY2" fmla="*/ 2208434 h 2208434"/>
+                <a:gd name="connsiteX3" fmla="*/ 2574162 w 3420688"/>
+                <a:gd name="connsiteY3" fmla="*/ 1110010 h 2208434"/>
+                <a:gd name="connsiteX4" fmla="*/ 3420688 w 3420688"/>
+                <a:gd name="connsiteY4" fmla="*/ 49 h 2208434"/>
+                <a:gd name="connsiteX0" fmla="*/ 0 w 3420688"/>
+                <a:gd name="connsiteY0" fmla="*/ 144 h 2208434"/>
+                <a:gd name="connsiteX1" fmla="*/ 858053 w 3420688"/>
+                <a:gd name="connsiteY1" fmla="*/ 1110010 h 2208434"/>
+                <a:gd name="connsiteX2" fmla="*/ 1704667 w 3420688"/>
+                <a:gd name="connsiteY2" fmla="*/ 2208434 h 2208434"/>
+                <a:gd name="connsiteX3" fmla="*/ 2574162 w 3420688"/>
+                <a:gd name="connsiteY3" fmla="*/ 1110010 h 2208434"/>
+                <a:gd name="connsiteX4" fmla="*/ 3420688 w 3420688"/>
+                <a:gd name="connsiteY4" fmla="*/ 49 h 2208434"/>
+                <a:gd name="connsiteX0" fmla="*/ 0 w 3420688"/>
+                <a:gd name="connsiteY0" fmla="*/ 144 h 2208434"/>
+                <a:gd name="connsiteX1" fmla="*/ 858053 w 3420688"/>
+                <a:gd name="connsiteY1" fmla="*/ 1110010 h 2208434"/>
+                <a:gd name="connsiteX2" fmla="*/ 1704667 w 3420688"/>
+                <a:gd name="connsiteY2" fmla="*/ 2208434 h 2208434"/>
+                <a:gd name="connsiteX3" fmla="*/ 2574162 w 3420688"/>
+                <a:gd name="connsiteY3" fmla="*/ 1110010 h 2208434"/>
+                <a:gd name="connsiteX4" fmla="*/ 3420688 w 3420688"/>
+                <a:gd name="connsiteY4" fmla="*/ 49 h 2208434"/>
+                <a:gd name="connsiteX0" fmla="*/ 0 w 3420688"/>
+                <a:gd name="connsiteY0" fmla="*/ 144 h 2208434"/>
+                <a:gd name="connsiteX1" fmla="*/ 858053 w 3420688"/>
+                <a:gd name="connsiteY1" fmla="*/ 1110010 h 2208434"/>
+                <a:gd name="connsiteX2" fmla="*/ 1704667 w 3420688"/>
+                <a:gd name="connsiteY2" fmla="*/ 2208434 h 2208434"/>
+                <a:gd name="connsiteX3" fmla="*/ 2574162 w 3420688"/>
+                <a:gd name="connsiteY3" fmla="*/ 1110010 h 2208434"/>
+                <a:gd name="connsiteX4" fmla="*/ 3420688 w 3420688"/>
+                <a:gd name="connsiteY4" fmla="*/ 49 h 2208434"/>
+                <a:gd name="connsiteX0" fmla="*/ 0 w 3420688"/>
+                <a:gd name="connsiteY0" fmla="*/ 144 h 2208434"/>
+                <a:gd name="connsiteX1" fmla="*/ 858053 w 3420688"/>
+                <a:gd name="connsiteY1" fmla="*/ 1110010 h 2208434"/>
+                <a:gd name="connsiteX2" fmla="*/ 1704667 w 3420688"/>
+                <a:gd name="connsiteY2" fmla="*/ 2208434 h 2208434"/>
+                <a:gd name="connsiteX3" fmla="*/ 2574162 w 3420688"/>
+                <a:gd name="connsiteY3" fmla="*/ 1110010 h 2208434"/>
+                <a:gd name="connsiteX4" fmla="*/ 3420688 w 3420688"/>
+                <a:gd name="connsiteY4" fmla="*/ 49 h 2208434"/>
+                <a:gd name="connsiteX0" fmla="*/ 0 w 3420688"/>
+                <a:gd name="connsiteY0" fmla="*/ 144 h 2208434"/>
+                <a:gd name="connsiteX1" fmla="*/ 858053 w 3420688"/>
+                <a:gd name="connsiteY1" fmla="*/ 1110010 h 2208434"/>
+                <a:gd name="connsiteX2" fmla="*/ 1704667 w 3420688"/>
+                <a:gd name="connsiteY2" fmla="*/ 2208434 h 2208434"/>
+                <a:gd name="connsiteX3" fmla="*/ 2574162 w 3420688"/>
+                <a:gd name="connsiteY3" fmla="*/ 1110010 h 2208434"/>
+                <a:gd name="connsiteX4" fmla="*/ 3420688 w 3420688"/>
+                <a:gd name="connsiteY4" fmla="*/ 49 h 2208434"/>
+                <a:gd name="connsiteX0" fmla="*/ 0 w 2574161"/>
+                <a:gd name="connsiteY0" fmla="*/ 14 h 2208304"/>
+                <a:gd name="connsiteX1" fmla="*/ 858053 w 2574161"/>
+                <a:gd name="connsiteY1" fmla="*/ 1109880 h 2208304"/>
+                <a:gd name="connsiteX2" fmla="*/ 1704667 w 2574161"/>
+                <a:gd name="connsiteY2" fmla="*/ 2208304 h 2208304"/>
+                <a:gd name="connsiteX3" fmla="*/ 2574162 w 2574161"/>
+                <a:gd name="connsiteY3" fmla="*/ 1109880 h 2208304"/>
+                <a:gd name="connsiteX0" fmla="*/ 0 w 1704668"/>
+                <a:gd name="connsiteY0" fmla="*/ 14 h 2208304"/>
+                <a:gd name="connsiteX1" fmla="*/ 858053 w 1704668"/>
+                <a:gd name="connsiteY1" fmla="*/ 1109880 h 2208304"/>
+                <a:gd name="connsiteX2" fmla="*/ 1704667 w 1704668"/>
+                <a:gd name="connsiteY2" fmla="*/ 2208304 h 2208304"/>
+                <a:gd name="connsiteX0" fmla="*/ 0 w 858053"/>
+                <a:gd name="connsiteY0" fmla="*/ 14 h 1109881"/>
+                <a:gd name="connsiteX1" fmla="*/ 858053 w 858053"/>
+                <a:gd name="connsiteY1" fmla="*/ 1109880 h 1109881"/>
+                <a:gd name="connsiteX0" fmla="*/ 0 w 880846"/>
+                <a:gd name="connsiteY0" fmla="*/ 11 h 1222990"/>
+                <a:gd name="connsiteX1" fmla="*/ 880846 w 880846"/>
+                <a:gd name="connsiteY1" fmla="*/ 1222990 h 1222990"/>
+                <a:gd name="connsiteX0" fmla="*/ 0 w 880846"/>
+                <a:gd name="connsiteY0" fmla="*/ 11 h 1222990"/>
+                <a:gd name="connsiteX1" fmla="*/ 880846 w 880846"/>
+                <a:gd name="connsiteY1" fmla="*/ 1222990 h 1222990"/>
+                <a:gd name="connsiteX0" fmla="*/ 0 w 880846"/>
+                <a:gd name="connsiteY0" fmla="*/ 11 h 1222990"/>
+                <a:gd name="connsiteX1" fmla="*/ 880846 w 880846"/>
+                <a:gd name="connsiteY1" fmla="*/ 1222990 h 1222990"/>
+              </a:gdLst>
+              <a:ahLst/>
+              <a:cxnLst>
+                <a:cxn ang="0">
+                  <a:pos x="connsiteX0" y="connsiteY0"/>
+                </a:cxn>
+                <a:cxn ang="0">
+                  <a:pos x="connsiteX1" y="connsiteY1"/>
+                </a:cxn>
+              </a:cxnLst>
+              <a:rect l="l" t="t" r="r" b="b"/>
+              <a:pathLst>
+                <a:path w="880846" h="1222990">
+                  <a:moveTo>
+                    <a:pt x="0" y="11"/>
+                  </a:moveTo>
+                  <a:cubicBezTo>
+                    <a:pt x="461350" y="-3802"/>
+                    <a:pt x="785170" y="986887"/>
+                    <a:pt x="880846" y="1222990"/>
+                  </a:cubicBezTo>
+                </a:path>
+              </a:pathLst>
+            </a:custGeom>
+            <a:ln w="19050" cmpd="sng">
+              <a:solidFill>
+                <a:srgbClr val="000000"/>
+              </a:solidFill>
+            </a:ln>
+            <a:effectLst/>
+          </p:spPr>
+          <p:style>
+            <a:lnRef idx="2">
+              <a:schemeClr val="accent1"/>
+            </a:lnRef>
+            <a:fillRef idx="0">
+              <a:schemeClr val="accent1"/>
+            </a:fillRef>
+            <a:effectRef idx="1">
+              <a:schemeClr val="accent1"/>
+            </a:effectRef>
+            <a:fontRef idx="minor">
+              <a:schemeClr val="tx1"/>
+            </a:fontRef>
+          </p:style>
+          <p:txBody>
+            <a:bodyPr rtlCol="0" anchor="ctr"/>
+            <a:lstStyle/>
+            <a:p>
+              <a:pPr algn="ctr"/>
+              <a:endParaRPr lang="fr-FR"/>
+            </a:p>
+          </p:txBody>
+        </p:sp>
+      </p:grpSp>
+      <p:cxnSp>
+        <p:nvCxnSpPr>
+          <p:cNvPr id="296" name="Connecteur droit avec flèche 295"/>
+          <p:cNvCxnSpPr/>
+          <p:nvPr/>
+        </p:nvCxnSpPr>
+        <p:spPr>
+          <a:xfrm flipV="1">
+            <a:off x="6516519" y="3619540"/>
+            <a:ext cx="0" cy="1380764"/>
+          </a:xfrm>
+          <a:prstGeom prst="straightConnector1">
+            <a:avLst/>
+          </a:prstGeom>
+          <a:ln w="6350" cmpd="sng">
+            <a:solidFill>
+              <a:srgbClr val="0000FF"/>
+            </a:solidFill>
+            <a:prstDash val="dash"/>
+            <a:headEnd type="none"/>
+            <a:tailEnd type="none"/>
+          </a:ln>
+          <a:effectLst/>
+        </p:spPr>
+        <p:style>
+          <a:lnRef idx="2">
+            <a:schemeClr val="accent1"/>
+          </a:lnRef>
+          <a:fillRef idx="0">
+            <a:schemeClr val="accent1"/>
+          </a:fillRef>
+          <a:effectRef idx="1">
+            <a:schemeClr val="accent1"/>
+          </a:effectRef>
+          <a:fontRef idx="minor">
+            <a:schemeClr val="tx1"/>
+          </a:fontRef>
+        </p:style>
+      </p:cxnSp>
+      <p:cxnSp>
+        <p:nvCxnSpPr>
+          <p:cNvPr id="300" name="Connecteur droit avec flèche 299"/>
+          <p:cNvCxnSpPr/>
+          <p:nvPr/>
+        </p:nvCxnSpPr>
+        <p:spPr>
+          <a:xfrm flipV="1">
+            <a:off x="5869192" y="3617685"/>
+            <a:ext cx="0" cy="1380764"/>
+          </a:xfrm>
+          <a:prstGeom prst="straightConnector1">
+            <a:avLst/>
+          </a:prstGeom>
+          <a:ln w="6350" cmpd="sng">
+            <a:solidFill>
+              <a:srgbClr val="0000FF"/>
+            </a:solidFill>
+            <a:prstDash val="dash"/>
+            <a:headEnd type="none"/>
+            <a:tailEnd type="none"/>
+          </a:ln>
+          <a:effectLst/>
+        </p:spPr>
+        <p:style>
+          <a:lnRef idx="2">
+            <a:schemeClr val="accent1"/>
+          </a:lnRef>
+          <a:fillRef idx="0">
+            <a:schemeClr val="accent1"/>
+          </a:fillRef>
+          <a:effectRef idx="1">
+            <a:schemeClr val="accent1"/>
+          </a:effectRef>
+          <a:fontRef idx="minor">
+            <a:schemeClr val="tx1"/>
+          </a:fontRef>
+        </p:style>
+      </p:cxnSp>
+      <p:cxnSp>
+        <p:nvCxnSpPr>
+          <p:cNvPr id="302" name="Connecteur droit avec flèche 301"/>
+          <p:cNvCxnSpPr/>
+          <p:nvPr/>
+        </p:nvCxnSpPr>
+        <p:spPr>
+          <a:xfrm>
+            <a:off x="5869192" y="4093573"/>
+            <a:ext cx="1787904" cy="0"/>
+          </a:xfrm>
+          <a:prstGeom prst="straightConnector1">
+            <a:avLst/>
+          </a:prstGeom>
+          <a:ln w="6350" cmpd="sng">
+            <a:solidFill>
+              <a:srgbClr val="0000FF"/>
+            </a:solidFill>
+            <a:prstDash val="dash"/>
+            <a:headEnd type="none"/>
+            <a:tailEnd type="none"/>
+          </a:ln>
+          <a:effectLst/>
+        </p:spPr>
+        <p:style>
+          <a:lnRef idx="2">
+            <a:schemeClr val="accent1"/>
+          </a:lnRef>
+          <a:fillRef idx="0">
+            <a:schemeClr val="accent1"/>
+          </a:fillRef>
+          <a:effectRef idx="1">
+            <a:schemeClr val="accent1"/>
+          </a:effectRef>
+          <a:fontRef idx="minor">
+            <a:schemeClr val="tx1"/>
+          </a:fontRef>
+        </p:style>
+      </p:cxnSp>
+      <p:cxnSp>
+        <p:nvCxnSpPr>
+          <p:cNvPr id="307" name="Connecteur droit avec flèche 306"/>
+          <p:cNvCxnSpPr/>
+          <p:nvPr/>
+        </p:nvCxnSpPr>
+        <p:spPr>
+          <a:xfrm flipV="1">
+            <a:off x="5863439" y="3739332"/>
+            <a:ext cx="1887854" cy="224"/>
+          </a:xfrm>
+          <a:prstGeom prst="straightConnector1">
+            <a:avLst/>
+          </a:prstGeom>
+          <a:ln w="6350" cmpd="sng">
+            <a:solidFill>
+              <a:srgbClr val="0000FF"/>
+            </a:solidFill>
+            <a:prstDash val="dash"/>
+            <a:headEnd type="none"/>
+            <a:tailEnd type="none"/>
+          </a:ln>
+          <a:effectLst/>
+        </p:spPr>
+        <p:style>
+          <a:lnRef idx="2">
+            <a:schemeClr val="accent1"/>
+          </a:lnRef>
+          <a:fillRef idx="0">
+            <a:schemeClr val="accent1"/>
+          </a:fillRef>
+          <a:effectRef idx="1">
+            <a:schemeClr val="accent1"/>
+          </a:effectRef>
+          <a:fontRef idx="minor">
+            <a:schemeClr val="tx1"/>
+          </a:fontRef>
+        </p:style>
+      </p:cxnSp>
+      <p:cxnSp>
+        <p:nvCxnSpPr>
+          <p:cNvPr id="308" name="Connecteur droit avec flèche 307"/>
+          <p:cNvCxnSpPr/>
+          <p:nvPr/>
+        </p:nvCxnSpPr>
+        <p:spPr>
+          <a:xfrm>
+            <a:off x="5863439" y="4434879"/>
+            <a:ext cx="1887854" cy="0"/>
+          </a:xfrm>
+          <a:prstGeom prst="straightConnector1">
+            <a:avLst/>
+          </a:prstGeom>
+          <a:ln w="6350" cmpd="sng">
+            <a:solidFill>
+              <a:srgbClr val="0000FF"/>
+            </a:solidFill>
+            <a:prstDash val="dash"/>
+            <a:headEnd type="none"/>
+            <a:tailEnd type="none"/>
+          </a:ln>
+          <a:effectLst/>
+        </p:spPr>
+        <p:style>
+          <a:lnRef idx="2">
+            <a:schemeClr val="accent1"/>
+          </a:lnRef>
+          <a:fillRef idx="0">
+            <a:schemeClr val="accent1"/>
+          </a:fillRef>
+          <a:effectRef idx="1">
+            <a:schemeClr val="accent1"/>
+          </a:effectRef>
+          <a:fontRef idx="minor">
+            <a:schemeClr val="tx1"/>
+          </a:fontRef>
+        </p:style>
+      </p:cxnSp>
+      <p:cxnSp>
+        <p:nvCxnSpPr>
+          <p:cNvPr id="312" name="Connecteur droit avec flèche 311"/>
+          <p:cNvCxnSpPr/>
+          <p:nvPr/>
+        </p:nvCxnSpPr>
+        <p:spPr>
+          <a:xfrm>
+            <a:off x="5869192" y="3623964"/>
+            <a:ext cx="647327" cy="0"/>
+          </a:xfrm>
+          <a:prstGeom prst="straightConnector1">
+            <a:avLst/>
+          </a:prstGeom>
+          <a:ln w="6350" cmpd="sng">
+            <a:solidFill>
+              <a:srgbClr val="0000FF"/>
+            </a:solidFill>
+            <a:headEnd type="triangle"/>
+            <a:tailEnd type="triangle"/>
+          </a:ln>
+          <a:effectLst/>
+        </p:spPr>
+        <p:style>
+          <a:lnRef idx="2">
+            <a:schemeClr val="accent1"/>
+          </a:lnRef>
+          <a:fillRef idx="0">
+            <a:schemeClr val="accent1"/>
+          </a:fillRef>
+          <a:effectRef idx="1">
+            <a:schemeClr val="accent1"/>
+          </a:effectRef>
+          <a:fontRef idx="minor">
+            <a:schemeClr val="tx1"/>
+          </a:fontRef>
+        </p:style>
+      </p:cxnSp>
+      <p:sp>
+        <p:nvSpPr>
+          <p:cNvPr id="314" name="ZoneTexte 313"/>
+          <p:cNvSpPr txBox="1"/>
+          <p:nvPr/>
+        </p:nvSpPr>
+        <p:spPr>
+          <a:xfrm>
+            <a:off x="5732370" y="3329060"/>
+            <a:ext cx="930599" cy="307777"/>
+          </a:xfrm>
+          <a:prstGeom prst="rect">
+            <a:avLst/>
+          </a:prstGeom>
+          <a:noFill/>
+        </p:spPr>
+        <p:txBody>
+          <a:bodyPr wrap="square" rtlCol="0">
+            <a:spAutoFit/>
+          </a:bodyPr>
+          <a:lstStyle/>
+          <a:p>
+            <a:pPr algn="ctr"/>
+            <a:r>
+              <a:rPr lang="fr-FR" sz="1400" dirty="0" smtClean="0">
+                <a:solidFill>
+                  <a:srgbClr val="0000FF"/>
+                </a:solidFill>
+                <a:latin typeface="Courier"/>
+                <a:cs typeface="Courier"/>
+              </a:rPr>
+              <a:t>≈ phi</a:t>
+            </a:r>
+            <a:endParaRPr lang="fr-FR" sz="1400" dirty="0">
+              <a:solidFill>
+                <a:srgbClr val="0000FF"/>
+              </a:solidFill>
+              <a:latin typeface="Courier"/>
+              <a:cs typeface="Courier"/>
+            </a:endParaRPr>
+          </a:p>
+        </p:txBody>
+      </p:sp>
+      <p:sp>
+        <p:nvSpPr>
+          <p:cNvPr id="315" name="ZoneTexte 314"/>
+          <p:cNvSpPr txBox="1"/>
+          <p:nvPr/>
+        </p:nvSpPr>
+        <p:spPr>
+          <a:xfrm>
+            <a:off x="7605360" y="3690442"/>
+            <a:ext cx="715922" cy="523220"/>
+          </a:xfrm>
+          <a:prstGeom prst="rect">
+            <a:avLst/>
+          </a:prstGeom>
+          <a:noFill/>
+        </p:spPr>
+        <p:txBody>
+          <a:bodyPr wrap="square" rtlCol="0">
+            <a:spAutoFit/>
+          </a:bodyPr>
+          <a:lstStyle/>
+          <a:p>
+            <a:pPr algn="ctr"/>
+            <a:r>
+              <a:rPr lang="fr-FR" sz="1400" dirty="0" smtClean="0">
+                <a:solidFill>
+                  <a:srgbClr val="0000FF"/>
+                </a:solidFill>
+                <a:latin typeface="Courier"/>
+                <a:cs typeface="Courier"/>
+              </a:rPr>
+              <a:t>amplitude</a:t>
+            </a:r>
+            <a:endParaRPr lang="fr-FR" sz="1400" dirty="0">
+              <a:solidFill>
+                <a:srgbClr val="0000FF"/>
+              </a:solidFill>
+              <a:latin typeface="Courier"/>
+              <a:cs typeface="Courier"/>
+            </a:endParaRPr>
+          </a:p>
+        </p:txBody>
+      </p:sp>
+      <p:cxnSp>
+        <p:nvCxnSpPr>
+          <p:cNvPr id="316" name="Connecteur droit avec flèche 315"/>
+          <p:cNvCxnSpPr/>
+          <p:nvPr/>
+        </p:nvCxnSpPr>
+        <p:spPr>
+          <a:xfrm flipV="1">
+            <a:off x="7664154" y="3739557"/>
+            <a:ext cx="0" cy="354016"/>
+          </a:xfrm>
+          <a:prstGeom prst="straightConnector1">
+            <a:avLst/>
+          </a:prstGeom>
+          <a:ln w="6350" cmpd="sng">
+            <a:solidFill>
+              <a:srgbClr val="0000FF"/>
+            </a:solidFill>
+            <a:headEnd type="triangle"/>
+            <a:tailEnd type="triangle"/>
+          </a:ln>
+          <a:effectLst/>
+        </p:spPr>
+        <p:style>
+          <a:lnRef idx="2">
+            <a:schemeClr val="accent1"/>
+          </a:lnRef>
+          <a:fillRef idx="0">
+            <a:schemeClr val="accent1"/>
+          </a:fillRef>
+          <a:effectRef idx="1">
+            <a:schemeClr val="accent1"/>
+          </a:effectRef>
+          <a:fontRef idx="minor">
+            <a:schemeClr val="tx1"/>
+          </a:fontRef>
+        </p:style>
+      </p:cxnSp>
+      <p:cxnSp>
+        <p:nvCxnSpPr>
+          <p:cNvPr id="318" name="Connecteur droit avec flèche 317"/>
+          <p:cNvCxnSpPr/>
+          <p:nvPr/>
+        </p:nvCxnSpPr>
+        <p:spPr>
+          <a:xfrm flipV="1">
+            <a:off x="6645437" y="4093574"/>
+            <a:ext cx="0" cy="902882"/>
+          </a:xfrm>
+          <a:prstGeom prst="straightConnector1">
+            <a:avLst/>
+          </a:prstGeom>
+          <a:ln w="6350" cmpd="sng">
+            <a:solidFill>
+              <a:srgbClr val="0000FF"/>
+            </a:solidFill>
+            <a:headEnd type="triangle"/>
+            <a:tailEnd type="triangle"/>
+          </a:ln>
+          <a:effectLst/>
+        </p:spPr>
+        <p:style>
+          <a:lnRef idx="2">
+            <a:schemeClr val="accent1"/>
+          </a:lnRef>
+          <a:fillRef idx="0">
+            <a:schemeClr val="accent1"/>
+          </a:fillRef>
+          <a:effectRef idx="1">
+            <a:schemeClr val="accent1"/>
+          </a:effectRef>
+          <a:fontRef idx="minor">
+            <a:schemeClr val="tx1"/>
+          </a:fontRef>
+        </p:style>
+      </p:cxnSp>
+      <p:sp>
+        <p:nvSpPr>
+          <p:cNvPr id="320" name="ZoneTexte 319"/>
+          <p:cNvSpPr txBox="1"/>
+          <p:nvPr/>
+        </p:nvSpPr>
+        <p:spPr>
+          <a:xfrm>
+            <a:off x="6526502" y="4454169"/>
+            <a:ext cx="715922" cy="307777"/>
+          </a:xfrm>
+          <a:prstGeom prst="rect">
+            <a:avLst/>
+          </a:prstGeom>
+          <a:noFill/>
+        </p:spPr>
+        <p:txBody>
+          <a:bodyPr wrap="square" rtlCol="0">
+            <a:spAutoFit/>
+          </a:bodyPr>
+          <a:lstStyle/>
+          <a:p>
+            <a:pPr algn="ctr"/>
+            <a:r>
+              <a:rPr lang="fr-FR" sz="1400" dirty="0" smtClean="0">
+                <a:solidFill>
+                  <a:srgbClr val="0000FF"/>
+                </a:solidFill>
+                <a:latin typeface="Courier"/>
+                <a:cs typeface="Courier"/>
+              </a:rPr>
+              <a:t>base</a:t>
+            </a:r>
+            <a:endParaRPr lang="fr-FR" sz="1400" dirty="0">
+              <a:solidFill>
+                <a:srgbClr val="0000FF"/>
+              </a:solidFill>
+              <a:latin typeface="Courier"/>
+              <a:cs typeface="Courier"/>
+            </a:endParaRPr>
+          </a:p>
+        </p:txBody>
+      </p:sp>
+      <p:sp>
+        <p:nvSpPr>
+          <p:cNvPr id="124" name="ZoneTexte 123"/>
+          <p:cNvSpPr txBox="1"/>
+          <p:nvPr/>
+        </p:nvSpPr>
+        <p:spPr>
+          <a:xfrm>
+            <a:off x="1162720" y="1312363"/>
+            <a:ext cx="265829" cy="369332"/>
+          </a:xfrm>
+          <a:prstGeom prst="rect">
+            <a:avLst/>
+          </a:prstGeom>
+          <a:noFill/>
+        </p:spPr>
+        <p:txBody>
+          <a:bodyPr wrap="square" rtlCol="0">
+            <a:spAutoFit/>
+          </a:bodyPr>
+          <a:lstStyle/>
+          <a:p>
+            <a:r>
+              <a:rPr lang="fr-FR" dirty="0" smtClean="0">
+                <a:solidFill>
+                  <a:schemeClr val="tx1">
+                    <a:lumMod val="50000"/>
+                    <a:lumOff val="50000"/>
+                  </a:schemeClr>
+                </a:solidFill>
+                <a:latin typeface="Times"/>
+                <a:cs typeface="Times"/>
+              </a:rPr>
+              <a:t>1</a:t>
+            </a:r>
+            <a:endParaRPr lang="fr-FR" dirty="0">
+              <a:solidFill>
+                <a:schemeClr val="tx1">
+                  <a:lumMod val="50000"/>
+                  <a:lumOff val="50000"/>
+                </a:schemeClr>
+              </a:solidFill>
+              <a:latin typeface="Times"/>
+              <a:cs typeface="Times"/>
+            </a:endParaRPr>
+          </a:p>
+        </p:txBody>
+      </p:sp>
+    </p:spTree>
+    <p:extLst>
+      <p:ext uri="{BB962C8B-B14F-4D97-AF65-F5344CB8AC3E}">
+        <p14:creationId xmlns:p14="http://schemas.microsoft.com/office/powerpoint/2010/main" val="4116488443"/>
+      </p:ext>
+    </p:extLst>
+  </p:cSld>
+  <p:clrMapOvr>
+    <a:masterClrMapping/>
+  </p:clrMapOvr>
+</p:sld>
+</file>
+
 <file path=ppt/theme/theme1.xml><?xml version="1.0" encoding="utf-8"?>
 <a:theme xmlns:a="http://schemas.openxmlformats.org/drawingml/2006/main" name="Thème Office">
   <a:themeElements>

--- a/doc/Sphinx/Profiles.pptx
+++ b/doc/Sphinx/Profiles.pptx
@@ -7,6 +7,7 @@
   <p:sldIdLst>
     <p:sldId id="256" r:id="rId2"/>
     <p:sldId id="257" r:id="rId3"/>
+    <p:sldId id="258" r:id="rId4"/>
   </p:sldIdLst>
   <p:sldSz cx="9144000" cy="6858000" type="screen4x3"/>
   <p:notesSz cx="6858000" cy="9144000"/>
@@ -105,6 +106,22 @@
       </a:defRPr>
     </a:lvl9pPr>
   </p:defaultTextStyle>
+  <p:extLst>
+    <p:ext uri="{EFAFB233-063F-42B5-8137-9DF3F51BA10A}">
+      <p15:sldGuideLst xmlns:p15="http://schemas.microsoft.com/office/powerpoint/2012/main">
+        <p15:guide id="1" orient="horz" pos="2160">
+          <p15:clr>
+            <a:srgbClr val="A4A3A4"/>
+          </p15:clr>
+        </p15:guide>
+        <p15:guide id="2" pos="2880">
+          <p15:clr>
+            <a:srgbClr val="A4A3A4"/>
+          </p15:clr>
+        </p15:guide>
+      </p15:sldGuideLst>
+    </p:ext>
+  </p:extLst>
 </p:presentation>
 </file>
 
@@ -289,7 +306,7 @@
           <a:p>
             <a:fld id="{F1229E41-CA26-2F4E-8441-D62FD830A7AB}" type="datetimeFigureOut">
               <a:rPr lang="fr-FR" smtClean="0"/>
-              <a:t>15/09/15</a:t>
+              <a:t>16/02/2016</a:t>
             </a:fld>
             <a:endParaRPr lang="fr-FR"/>
           </a:p>
@@ -459,7 +476,7 @@
           <a:p>
             <a:fld id="{F1229E41-CA26-2F4E-8441-D62FD830A7AB}" type="datetimeFigureOut">
               <a:rPr lang="fr-FR" smtClean="0"/>
-              <a:t>15/09/15</a:t>
+              <a:t>16/02/2016</a:t>
             </a:fld>
             <a:endParaRPr lang="fr-FR"/>
           </a:p>
@@ -639,7 +656,7 @@
           <a:p>
             <a:fld id="{F1229E41-CA26-2F4E-8441-D62FD830A7AB}" type="datetimeFigureOut">
               <a:rPr lang="fr-FR" smtClean="0"/>
-              <a:t>15/09/15</a:t>
+              <a:t>16/02/2016</a:t>
             </a:fld>
             <a:endParaRPr lang="fr-FR"/>
           </a:p>
@@ -809,7 +826,7 @@
           <a:p>
             <a:fld id="{F1229E41-CA26-2F4E-8441-D62FD830A7AB}" type="datetimeFigureOut">
               <a:rPr lang="fr-FR" smtClean="0"/>
-              <a:t>15/09/15</a:t>
+              <a:t>16/02/2016</a:t>
             </a:fld>
             <a:endParaRPr lang="fr-FR"/>
           </a:p>
@@ -1055,7 +1072,7 @@
           <a:p>
             <a:fld id="{F1229E41-CA26-2F4E-8441-D62FD830A7AB}" type="datetimeFigureOut">
               <a:rPr lang="fr-FR" smtClean="0"/>
-              <a:t>15/09/15</a:t>
+              <a:t>16/02/2016</a:t>
             </a:fld>
             <a:endParaRPr lang="fr-FR"/>
           </a:p>
@@ -1343,7 +1360,7 @@
           <a:p>
             <a:fld id="{F1229E41-CA26-2F4E-8441-D62FD830A7AB}" type="datetimeFigureOut">
               <a:rPr lang="fr-FR" smtClean="0"/>
-              <a:t>15/09/15</a:t>
+              <a:t>16/02/2016</a:t>
             </a:fld>
             <a:endParaRPr lang="fr-FR"/>
           </a:p>
@@ -1765,7 +1782,7 @@
           <a:p>
             <a:fld id="{F1229E41-CA26-2F4E-8441-D62FD830A7AB}" type="datetimeFigureOut">
               <a:rPr lang="fr-FR" smtClean="0"/>
-              <a:t>15/09/15</a:t>
+              <a:t>16/02/2016</a:t>
             </a:fld>
             <a:endParaRPr lang="fr-FR"/>
           </a:p>
@@ -1883,7 +1900,7 @@
           <a:p>
             <a:fld id="{F1229E41-CA26-2F4E-8441-D62FD830A7AB}" type="datetimeFigureOut">
               <a:rPr lang="fr-FR" smtClean="0"/>
-              <a:t>15/09/15</a:t>
+              <a:t>16/02/2016</a:t>
             </a:fld>
             <a:endParaRPr lang="fr-FR"/>
           </a:p>
@@ -1978,7 +1995,7 @@
           <a:p>
             <a:fld id="{F1229E41-CA26-2F4E-8441-D62FD830A7AB}" type="datetimeFigureOut">
               <a:rPr lang="fr-FR" smtClean="0"/>
-              <a:t>15/09/15</a:t>
+              <a:t>16/02/2016</a:t>
             </a:fld>
             <a:endParaRPr lang="fr-FR"/>
           </a:p>
@@ -2255,7 +2272,7 @@
           <a:p>
             <a:fld id="{F1229E41-CA26-2F4E-8441-D62FD830A7AB}" type="datetimeFigureOut">
               <a:rPr lang="fr-FR" smtClean="0"/>
-              <a:t>15/09/15</a:t>
+              <a:t>16/02/2016</a:t>
             </a:fld>
             <a:endParaRPr lang="fr-FR"/>
           </a:p>
@@ -2508,7 +2525,7 @@
           <a:p>
             <a:fld id="{F1229E41-CA26-2F4E-8441-D62FD830A7AB}" type="datetimeFigureOut">
               <a:rPr lang="fr-FR" smtClean="0"/>
-              <a:t>15/09/15</a:t>
+              <a:t>16/02/2016</a:t>
             </a:fld>
             <a:endParaRPr lang="fr-FR"/>
           </a:p>
@@ -2721,7 +2738,7 @@
           <a:p>
             <a:fld id="{F1229E41-CA26-2F4E-8441-D62FD830A7AB}" type="datetimeFigureOut">
               <a:rPr lang="fr-FR" smtClean="0"/>
-              <a:t>15/09/15</a:t>
+              <a:t>16/02/2016</a:t>
             </a:fld>
             <a:endParaRPr lang="fr-FR"/>
           </a:p>
@@ -12397,17 +12414,7 @@
                 <a:latin typeface="Courier"/>
                 <a:cs typeface="Courier"/>
               </a:rPr>
-              <a:t>points</a:t>
-            </a:r>
-            <a:r>
-              <a:rPr lang="fr-FR" sz="1400" dirty="0" smtClean="0">
-                <a:solidFill>
-                  <a:srgbClr val="0000FF"/>
-                </a:solidFill>
-                <a:latin typeface="Courier"/>
-                <a:cs typeface="Courier"/>
-              </a:rPr>
-              <a:t>[0]</a:t>
+              <a:t>points[0]</a:t>
             </a:r>
             <a:endParaRPr lang="fr-FR" sz="1400" dirty="0">
               <a:solidFill>
@@ -12450,17 +12457,7 @@
                 <a:latin typeface="Courier"/>
                 <a:cs typeface="Courier"/>
               </a:rPr>
-              <a:t>points</a:t>
-            </a:r>
-            <a:r>
-              <a:rPr lang="fr-FR" sz="1400" dirty="0" smtClean="0">
-                <a:solidFill>
-                  <a:srgbClr val="0000FF"/>
-                </a:solidFill>
-                <a:latin typeface="Courier"/>
-                <a:cs typeface="Courier"/>
-              </a:rPr>
-              <a:t>[1]</a:t>
+              <a:t>points[1]</a:t>
             </a:r>
             <a:endParaRPr lang="fr-FR" sz="1400" dirty="0">
               <a:solidFill>
@@ -12503,17 +12500,7 @@
                 <a:latin typeface="Courier"/>
                 <a:cs typeface="Courier"/>
               </a:rPr>
-              <a:t>points</a:t>
-            </a:r>
-            <a:r>
-              <a:rPr lang="fr-FR" sz="1400" dirty="0" smtClean="0">
-                <a:solidFill>
-                  <a:srgbClr val="0000FF"/>
-                </a:solidFill>
-                <a:latin typeface="Courier"/>
-                <a:cs typeface="Courier"/>
-              </a:rPr>
-              <a:t>[2]</a:t>
+              <a:t>points[2]</a:t>
             </a:r>
             <a:endParaRPr lang="fr-FR" sz="1400" dirty="0">
               <a:solidFill>
@@ -12556,17 +12543,7 @@
                 <a:latin typeface="Courier"/>
                 <a:cs typeface="Courier"/>
               </a:rPr>
-              <a:t>values</a:t>
-            </a:r>
-            <a:r>
-              <a:rPr lang="fr-FR" sz="1400" dirty="0" smtClean="0">
-                <a:solidFill>
-                  <a:srgbClr val="0000FF"/>
-                </a:solidFill>
-                <a:latin typeface="Courier"/>
-                <a:cs typeface="Courier"/>
-              </a:rPr>
-              <a:t>[</a:t>
+              <a:t>values[</a:t>
             </a:r>
             <a:r>
               <a:rPr lang="fr-FR" sz="1400" dirty="0">
@@ -12629,17 +12606,7 @@
                 <a:latin typeface="Courier"/>
                 <a:cs typeface="Courier"/>
               </a:rPr>
-              <a:t>values</a:t>
-            </a:r>
-            <a:r>
-              <a:rPr lang="fr-FR" sz="1400" dirty="0" smtClean="0">
-                <a:solidFill>
-                  <a:srgbClr val="0000FF"/>
-                </a:solidFill>
-                <a:latin typeface="Courier"/>
-                <a:cs typeface="Courier"/>
-              </a:rPr>
-              <a:t>[1]</a:t>
+              <a:t>values[1]</a:t>
             </a:r>
             <a:endParaRPr lang="fr-FR" sz="1400" dirty="0">
               <a:solidFill>
@@ -12682,17 +12649,7 @@
                 <a:latin typeface="Courier"/>
                 <a:cs typeface="Courier"/>
               </a:rPr>
-              <a:t>values</a:t>
-            </a:r>
-            <a:r>
-              <a:rPr lang="fr-FR" sz="1400" dirty="0" smtClean="0">
-                <a:solidFill>
-                  <a:srgbClr val="0000FF"/>
-                </a:solidFill>
-                <a:latin typeface="Courier"/>
-                <a:cs typeface="Courier"/>
-              </a:rPr>
-              <a:t>[2]</a:t>
+              <a:t>values[2]</a:t>
             </a:r>
             <a:endParaRPr lang="fr-FR" sz="1400" dirty="0">
               <a:solidFill>
@@ -15231,6 +15188,3251 @@
 </p:sld>
 </file>
 
+<file path=ppt/slides/slide3.xml><?xml version="1.0" encoding="utf-8"?>
+<p:sld xmlns:a="http://schemas.openxmlformats.org/drawingml/2006/main" xmlns:r="http://schemas.openxmlformats.org/officeDocument/2006/relationships" xmlns:p="http://schemas.openxmlformats.org/presentationml/2006/main">
+  <p:cSld>
+    <p:spTree>
+      <p:nvGrpSpPr>
+        <p:cNvPr id="1" name=""/>
+        <p:cNvGrpSpPr/>
+        <p:nvPr/>
+      </p:nvGrpSpPr>
+      <p:grpSpPr>
+        <a:xfrm>
+          <a:off x="0" y="0"/>
+          <a:ext cx="0" cy="0"/>
+          <a:chOff x="0" y="0"/>
+          <a:chExt cx="0" cy="0"/>
+        </a:xfrm>
+      </p:grpSpPr>
+      <p:cxnSp>
+        <p:nvCxnSpPr>
+          <p:cNvPr id="148" name="Connecteur droit 147"/>
+          <p:cNvCxnSpPr/>
+          <p:nvPr/>
+        </p:nvCxnSpPr>
+        <p:spPr>
+          <a:xfrm>
+            <a:off x="694633" y="1591149"/>
+            <a:ext cx="0" cy="4035187"/>
+          </a:xfrm>
+          <a:prstGeom prst="line">
+            <a:avLst/>
+          </a:prstGeom>
+          <a:ln w="25400">
+            <a:solidFill>
+              <a:schemeClr val="bg1">
+                <a:lumMod val="50000"/>
+              </a:schemeClr>
+            </a:solidFill>
+            <a:prstDash val="sysDot"/>
+          </a:ln>
+          <a:effectLst/>
+        </p:spPr>
+        <p:style>
+          <a:lnRef idx="2">
+            <a:schemeClr val="accent1"/>
+          </a:lnRef>
+          <a:fillRef idx="0">
+            <a:schemeClr val="accent1"/>
+          </a:fillRef>
+          <a:effectRef idx="1">
+            <a:schemeClr val="accent1"/>
+          </a:effectRef>
+          <a:fontRef idx="minor">
+            <a:schemeClr val="tx1"/>
+          </a:fontRef>
+        </p:style>
+      </p:cxnSp>
+      <p:sp>
+        <p:nvSpPr>
+          <p:cNvPr id="57" name="ZoneTexte 56"/>
+          <p:cNvSpPr txBox="1"/>
+          <p:nvPr/>
+        </p:nvSpPr>
+        <p:spPr>
+          <a:xfrm>
+            <a:off x="689974" y="2553190"/>
+            <a:ext cx="817853" cy="369332"/>
+          </a:xfrm>
+          <a:prstGeom prst="rect">
+            <a:avLst/>
+          </a:prstGeom>
+          <a:noFill/>
+        </p:spPr>
+        <p:txBody>
+          <a:bodyPr wrap="none" rtlCol="0">
+            <a:spAutoFit/>
+          </a:bodyPr>
+          <a:lstStyle/>
+          <a:p>
+            <a:r>
+              <a:rPr lang="fr-FR" dirty="0" err="1" smtClean="0">
+                <a:solidFill>
+                  <a:srgbClr val="00B050"/>
+                </a:solidFill>
+                <a:latin typeface="Consolas" charset="0"/>
+                <a:ea typeface="Consolas" charset="0"/>
+                <a:cs typeface="Consolas" charset="0"/>
+              </a:rPr>
+              <a:t>start</a:t>
+            </a:r>
+            <a:endParaRPr lang="fr-FR" dirty="0">
+              <a:solidFill>
+                <a:srgbClr val="00B050"/>
+              </a:solidFill>
+              <a:latin typeface="Consolas" charset="0"/>
+              <a:ea typeface="Consolas" charset="0"/>
+              <a:cs typeface="Consolas" charset="0"/>
+            </a:endParaRPr>
+          </a:p>
+        </p:txBody>
+      </p:sp>
+      <p:cxnSp>
+        <p:nvCxnSpPr>
+          <p:cNvPr id="5" name="Connecteur droit 4"/>
+          <p:cNvCxnSpPr/>
+          <p:nvPr/>
+        </p:nvCxnSpPr>
+        <p:spPr>
+          <a:xfrm>
+            <a:off x="700196" y="1593249"/>
+            <a:ext cx="8151703" cy="0"/>
+          </a:xfrm>
+          <a:prstGeom prst="line">
+            <a:avLst/>
+          </a:prstGeom>
+          <a:ln w="31750">
+            <a:solidFill>
+              <a:schemeClr val="tx1"/>
+            </a:solidFill>
+            <a:headEnd type="oval" w="sm" len="sm"/>
+            <a:tailEnd type="triangle"/>
+          </a:ln>
+          <a:effectLst/>
+        </p:spPr>
+        <p:style>
+          <a:lnRef idx="2">
+            <a:schemeClr val="accent1"/>
+          </a:lnRef>
+          <a:fillRef idx="0">
+            <a:schemeClr val="accent1"/>
+          </a:fillRef>
+          <a:effectRef idx="1">
+            <a:schemeClr val="accent1"/>
+          </a:effectRef>
+          <a:fontRef idx="minor">
+            <a:schemeClr val="tx1"/>
+          </a:fontRef>
+        </p:style>
+      </p:cxnSp>
+      <p:sp>
+        <p:nvSpPr>
+          <p:cNvPr id="6" name="ZoneTexte 5"/>
+          <p:cNvSpPr txBox="1"/>
+          <p:nvPr/>
+        </p:nvSpPr>
+        <p:spPr>
+          <a:xfrm>
+            <a:off x="557999" y="1196811"/>
+            <a:ext cx="328936" cy="461665"/>
+          </a:xfrm>
+          <a:prstGeom prst="rect">
+            <a:avLst/>
+          </a:prstGeom>
+          <a:noFill/>
+        </p:spPr>
+        <p:txBody>
+          <a:bodyPr wrap="none" rtlCol="0">
+            <a:spAutoFit/>
+          </a:bodyPr>
+          <a:lstStyle/>
+          <a:p>
+            <a:r>
+              <a:rPr lang="fr-FR" sz="2400" dirty="0" smtClean="0">
+                <a:latin typeface="Garamond" charset="0"/>
+                <a:ea typeface="Garamond" charset="0"/>
+                <a:cs typeface="Garamond" charset="0"/>
+              </a:rPr>
+              <a:t>0</a:t>
+            </a:r>
+            <a:endParaRPr lang="fr-FR" sz="2400" dirty="0">
+              <a:latin typeface="Garamond" charset="0"/>
+              <a:ea typeface="Garamond" charset="0"/>
+              <a:cs typeface="Garamond" charset="0"/>
+            </a:endParaRPr>
+          </a:p>
+        </p:txBody>
+      </p:sp>
+      <p:sp>
+        <p:nvSpPr>
+          <p:cNvPr id="7" name="ZoneTexte 6"/>
+          <p:cNvSpPr txBox="1"/>
+          <p:nvPr/>
+        </p:nvSpPr>
+        <p:spPr>
+          <a:xfrm>
+            <a:off x="7335607" y="1138911"/>
+            <a:ext cx="1313693" cy="461665"/>
+          </a:xfrm>
+          <a:prstGeom prst="rect">
+            <a:avLst/>
+          </a:prstGeom>
+          <a:noFill/>
+        </p:spPr>
+        <p:txBody>
+          <a:bodyPr wrap="none" rtlCol="0">
+            <a:spAutoFit/>
+          </a:bodyPr>
+          <a:lstStyle/>
+          <a:p>
+            <a:r>
+              <a:rPr lang="fr-FR" sz="2400" dirty="0" err="1" smtClean="0">
+                <a:latin typeface="Garamond" charset="0"/>
+                <a:ea typeface="Garamond" charset="0"/>
+                <a:cs typeface="Garamond" charset="0"/>
+              </a:rPr>
+              <a:t>timesteps</a:t>
+            </a:r>
+            <a:endParaRPr lang="fr-FR" sz="2400" dirty="0">
+              <a:latin typeface="Garamond" charset="0"/>
+              <a:ea typeface="Garamond" charset="0"/>
+              <a:cs typeface="Garamond" charset="0"/>
+            </a:endParaRPr>
+          </a:p>
+        </p:txBody>
+      </p:sp>
+      <p:cxnSp>
+        <p:nvCxnSpPr>
+          <p:cNvPr id="9" name="Connecteur droit 8"/>
+          <p:cNvCxnSpPr/>
+          <p:nvPr/>
+        </p:nvCxnSpPr>
+        <p:spPr>
+          <a:xfrm>
+            <a:off x="700196" y="1769470"/>
+            <a:ext cx="0" cy="377143"/>
+          </a:xfrm>
+          <a:prstGeom prst="line">
+            <a:avLst/>
+          </a:prstGeom>
+          <a:ln w="31750">
+            <a:solidFill>
+              <a:srgbClr val="C00000"/>
+            </a:solidFill>
+          </a:ln>
+          <a:effectLst/>
+        </p:spPr>
+        <p:style>
+          <a:lnRef idx="2">
+            <a:schemeClr val="accent1"/>
+          </a:lnRef>
+          <a:fillRef idx="0">
+            <a:schemeClr val="accent1"/>
+          </a:fillRef>
+          <a:effectRef idx="1">
+            <a:schemeClr val="accent1"/>
+          </a:effectRef>
+          <a:fontRef idx="minor">
+            <a:schemeClr val="tx1"/>
+          </a:fontRef>
+        </p:style>
+      </p:cxnSp>
+      <p:cxnSp>
+        <p:nvCxnSpPr>
+          <p:cNvPr id="10" name="Connecteur droit 9"/>
+          <p:cNvCxnSpPr/>
+          <p:nvPr/>
+        </p:nvCxnSpPr>
+        <p:spPr>
+          <a:xfrm>
+            <a:off x="2493900" y="1769470"/>
+            <a:ext cx="0" cy="377143"/>
+          </a:xfrm>
+          <a:prstGeom prst="line">
+            <a:avLst/>
+          </a:prstGeom>
+          <a:ln w="31750">
+            <a:solidFill>
+              <a:srgbClr val="C00000"/>
+            </a:solidFill>
+          </a:ln>
+          <a:effectLst/>
+        </p:spPr>
+        <p:style>
+          <a:lnRef idx="2">
+            <a:schemeClr val="accent1"/>
+          </a:lnRef>
+          <a:fillRef idx="0">
+            <a:schemeClr val="accent1"/>
+          </a:fillRef>
+          <a:effectRef idx="1">
+            <a:schemeClr val="accent1"/>
+          </a:effectRef>
+          <a:fontRef idx="minor">
+            <a:schemeClr val="tx1"/>
+          </a:fontRef>
+        </p:style>
+      </p:cxnSp>
+      <p:cxnSp>
+        <p:nvCxnSpPr>
+          <p:cNvPr id="22" name="Connecteur droit 21"/>
+          <p:cNvCxnSpPr/>
+          <p:nvPr/>
+        </p:nvCxnSpPr>
+        <p:spPr>
+          <a:xfrm>
+            <a:off x="4289404" y="1769470"/>
+            <a:ext cx="0" cy="377143"/>
+          </a:xfrm>
+          <a:prstGeom prst="line">
+            <a:avLst/>
+          </a:prstGeom>
+          <a:ln w="31750">
+            <a:solidFill>
+              <a:srgbClr val="C00000"/>
+            </a:solidFill>
+          </a:ln>
+          <a:effectLst/>
+        </p:spPr>
+        <p:style>
+          <a:lnRef idx="2">
+            <a:schemeClr val="accent1"/>
+          </a:lnRef>
+          <a:fillRef idx="0">
+            <a:schemeClr val="accent1"/>
+          </a:fillRef>
+          <a:effectRef idx="1">
+            <a:schemeClr val="accent1"/>
+          </a:effectRef>
+          <a:fontRef idx="minor">
+            <a:schemeClr val="tx1"/>
+          </a:fontRef>
+        </p:style>
+      </p:cxnSp>
+      <p:cxnSp>
+        <p:nvCxnSpPr>
+          <p:cNvPr id="23" name="Connecteur droit 22"/>
+          <p:cNvCxnSpPr/>
+          <p:nvPr/>
+        </p:nvCxnSpPr>
+        <p:spPr>
+          <a:xfrm>
+            <a:off x="6083107" y="1769470"/>
+            <a:ext cx="0" cy="377143"/>
+          </a:xfrm>
+          <a:prstGeom prst="line">
+            <a:avLst/>
+          </a:prstGeom>
+          <a:ln w="31750">
+            <a:solidFill>
+              <a:srgbClr val="C00000"/>
+            </a:solidFill>
+          </a:ln>
+          <a:effectLst/>
+        </p:spPr>
+        <p:style>
+          <a:lnRef idx="2">
+            <a:schemeClr val="accent1"/>
+          </a:lnRef>
+          <a:fillRef idx="0">
+            <a:schemeClr val="accent1"/>
+          </a:fillRef>
+          <a:effectRef idx="1">
+            <a:schemeClr val="accent1"/>
+          </a:effectRef>
+          <a:fontRef idx="minor">
+            <a:schemeClr val="tx1"/>
+          </a:fontRef>
+        </p:style>
+      </p:cxnSp>
+      <p:cxnSp>
+        <p:nvCxnSpPr>
+          <p:cNvPr id="26" name="Connecteur droit 25"/>
+          <p:cNvCxnSpPr/>
+          <p:nvPr/>
+        </p:nvCxnSpPr>
+        <p:spPr>
+          <a:xfrm>
+            <a:off x="7878611" y="1769470"/>
+            <a:ext cx="0" cy="377143"/>
+          </a:xfrm>
+          <a:prstGeom prst="line">
+            <a:avLst/>
+          </a:prstGeom>
+          <a:ln w="31750">
+            <a:solidFill>
+              <a:srgbClr val="C00000"/>
+            </a:solidFill>
+          </a:ln>
+          <a:effectLst/>
+        </p:spPr>
+        <p:style>
+          <a:lnRef idx="2">
+            <a:schemeClr val="accent1"/>
+          </a:lnRef>
+          <a:fillRef idx="0">
+            <a:schemeClr val="accent1"/>
+          </a:fillRef>
+          <a:effectRef idx="1">
+            <a:schemeClr val="accent1"/>
+          </a:effectRef>
+          <a:fontRef idx="minor">
+            <a:schemeClr val="tx1"/>
+          </a:fontRef>
+        </p:style>
+      </p:cxnSp>
+      <p:cxnSp>
+        <p:nvCxnSpPr>
+          <p:cNvPr id="29" name="Connecteur droit avec flèche 28"/>
+          <p:cNvCxnSpPr/>
+          <p:nvPr/>
+        </p:nvCxnSpPr>
+        <p:spPr>
+          <a:xfrm>
+            <a:off x="700196" y="1855245"/>
+            <a:ext cx="1793704" cy="0"/>
+          </a:xfrm>
+          <a:prstGeom prst="straightConnector1">
+            <a:avLst/>
+          </a:prstGeom>
+          <a:ln w="31750">
+            <a:solidFill>
+              <a:srgbClr val="0070C0"/>
+            </a:solidFill>
+            <a:headEnd type="triangle" w="med" len="med"/>
+            <a:tailEnd type="triangle" w="med" len="med"/>
+          </a:ln>
+          <a:effectLst/>
+        </p:spPr>
+        <p:style>
+          <a:lnRef idx="2">
+            <a:schemeClr val="accent1"/>
+          </a:lnRef>
+          <a:fillRef idx="0">
+            <a:schemeClr val="accent1"/>
+          </a:fillRef>
+          <a:effectRef idx="1">
+            <a:schemeClr val="accent1"/>
+          </a:effectRef>
+          <a:fontRef idx="minor">
+            <a:schemeClr val="tx1"/>
+          </a:fontRef>
+        </p:style>
+      </p:cxnSp>
+      <p:sp>
+        <p:nvSpPr>
+          <p:cNvPr id="31" name="ZoneTexte 30"/>
+          <p:cNvSpPr txBox="1"/>
+          <p:nvPr/>
+        </p:nvSpPr>
+        <p:spPr>
+          <a:xfrm>
+            <a:off x="1141572" y="1800938"/>
+            <a:ext cx="944488" cy="369332"/>
+          </a:xfrm>
+          <a:prstGeom prst="rect">
+            <a:avLst/>
+          </a:prstGeom>
+          <a:noFill/>
+        </p:spPr>
+        <p:txBody>
+          <a:bodyPr wrap="none" rtlCol="0">
+            <a:spAutoFit/>
+          </a:bodyPr>
+          <a:lstStyle/>
+          <a:p>
+            <a:r>
+              <a:rPr lang="fr-FR" dirty="0" err="1" smtClean="0">
+                <a:solidFill>
+                  <a:srgbClr val="0070C0"/>
+                </a:solidFill>
+                <a:latin typeface="Consolas" charset="0"/>
+                <a:ea typeface="Consolas" charset="0"/>
+                <a:cs typeface="Consolas" charset="0"/>
+              </a:rPr>
+              <a:t>period</a:t>
+            </a:r>
+            <a:endParaRPr lang="fr-FR" dirty="0">
+              <a:solidFill>
+                <a:srgbClr val="0070C0"/>
+              </a:solidFill>
+              <a:latin typeface="Consolas" charset="0"/>
+              <a:ea typeface="Consolas" charset="0"/>
+              <a:cs typeface="Consolas" charset="0"/>
+            </a:endParaRPr>
+          </a:p>
+        </p:txBody>
+      </p:sp>
+      <p:sp>
+        <p:nvSpPr>
+          <p:cNvPr id="55" name="ZoneTexte 54"/>
+          <p:cNvSpPr txBox="1"/>
+          <p:nvPr/>
+        </p:nvSpPr>
+        <p:spPr>
+          <a:xfrm>
+            <a:off x="1934651" y="2537922"/>
+            <a:ext cx="944489" cy="369332"/>
+          </a:xfrm>
+          <a:prstGeom prst="rect">
+            <a:avLst/>
+          </a:prstGeom>
+          <a:noFill/>
+        </p:spPr>
+        <p:txBody>
+          <a:bodyPr wrap="none" rtlCol="0">
+            <a:spAutoFit/>
+          </a:bodyPr>
+          <a:lstStyle/>
+          <a:p>
+            <a:r>
+              <a:rPr lang="fr-FR" smtClean="0">
+                <a:solidFill>
+                  <a:srgbClr val="0070C0"/>
+                </a:solidFill>
+                <a:latin typeface="Consolas" charset="0"/>
+                <a:ea typeface="Consolas" charset="0"/>
+                <a:cs typeface="Consolas" charset="0"/>
+              </a:rPr>
+              <a:t>period</a:t>
+            </a:r>
+            <a:endParaRPr lang="fr-FR" dirty="0">
+              <a:solidFill>
+                <a:srgbClr val="0070C0"/>
+              </a:solidFill>
+              <a:latin typeface="Consolas" charset="0"/>
+              <a:ea typeface="Consolas" charset="0"/>
+              <a:cs typeface="Consolas" charset="0"/>
+            </a:endParaRPr>
+          </a:p>
+        </p:txBody>
+      </p:sp>
+      <p:cxnSp>
+        <p:nvCxnSpPr>
+          <p:cNvPr id="48" name="Connecteur droit 47"/>
+          <p:cNvCxnSpPr/>
+          <p:nvPr/>
+        </p:nvCxnSpPr>
+        <p:spPr>
+          <a:xfrm>
+            <a:off x="1493274" y="2506454"/>
+            <a:ext cx="0" cy="377143"/>
+          </a:xfrm>
+          <a:prstGeom prst="line">
+            <a:avLst/>
+          </a:prstGeom>
+          <a:ln w="31750">
+            <a:solidFill>
+              <a:srgbClr val="C00000"/>
+            </a:solidFill>
+          </a:ln>
+          <a:effectLst/>
+        </p:spPr>
+        <p:style>
+          <a:lnRef idx="2">
+            <a:schemeClr val="accent1"/>
+          </a:lnRef>
+          <a:fillRef idx="0">
+            <a:schemeClr val="accent1"/>
+          </a:fillRef>
+          <a:effectRef idx="1">
+            <a:schemeClr val="accent1"/>
+          </a:effectRef>
+          <a:fontRef idx="minor">
+            <a:schemeClr val="tx1"/>
+          </a:fontRef>
+        </p:style>
+      </p:cxnSp>
+      <p:cxnSp>
+        <p:nvCxnSpPr>
+          <p:cNvPr id="49" name="Connecteur droit 48"/>
+          <p:cNvCxnSpPr/>
+          <p:nvPr/>
+        </p:nvCxnSpPr>
+        <p:spPr>
+          <a:xfrm>
+            <a:off x="3286979" y="2506454"/>
+            <a:ext cx="0" cy="377143"/>
+          </a:xfrm>
+          <a:prstGeom prst="line">
+            <a:avLst/>
+          </a:prstGeom>
+          <a:ln w="31750">
+            <a:solidFill>
+              <a:srgbClr val="C00000"/>
+            </a:solidFill>
+          </a:ln>
+          <a:effectLst/>
+        </p:spPr>
+        <p:style>
+          <a:lnRef idx="2">
+            <a:schemeClr val="accent1"/>
+          </a:lnRef>
+          <a:fillRef idx="0">
+            <a:schemeClr val="accent1"/>
+          </a:fillRef>
+          <a:effectRef idx="1">
+            <a:schemeClr val="accent1"/>
+          </a:effectRef>
+          <a:fontRef idx="minor">
+            <a:schemeClr val="tx1"/>
+          </a:fontRef>
+        </p:style>
+      </p:cxnSp>
+      <p:cxnSp>
+        <p:nvCxnSpPr>
+          <p:cNvPr id="50" name="Connecteur droit 49"/>
+          <p:cNvCxnSpPr/>
+          <p:nvPr/>
+        </p:nvCxnSpPr>
+        <p:spPr>
+          <a:xfrm>
+            <a:off x="5088754" y="2506454"/>
+            <a:ext cx="0" cy="377143"/>
+          </a:xfrm>
+          <a:prstGeom prst="line">
+            <a:avLst/>
+          </a:prstGeom>
+          <a:ln w="31750">
+            <a:solidFill>
+              <a:srgbClr val="C00000"/>
+            </a:solidFill>
+          </a:ln>
+          <a:effectLst/>
+        </p:spPr>
+        <p:style>
+          <a:lnRef idx="2">
+            <a:schemeClr val="accent1"/>
+          </a:lnRef>
+          <a:fillRef idx="0">
+            <a:schemeClr val="accent1"/>
+          </a:fillRef>
+          <a:effectRef idx="1">
+            <a:schemeClr val="accent1"/>
+          </a:effectRef>
+          <a:fontRef idx="minor">
+            <a:schemeClr val="tx1"/>
+          </a:fontRef>
+        </p:style>
+      </p:cxnSp>
+      <p:cxnSp>
+        <p:nvCxnSpPr>
+          <p:cNvPr id="51" name="Connecteur droit 50"/>
+          <p:cNvCxnSpPr/>
+          <p:nvPr/>
+        </p:nvCxnSpPr>
+        <p:spPr>
+          <a:xfrm>
+            <a:off x="6882458" y="2506454"/>
+            <a:ext cx="0" cy="377143"/>
+          </a:xfrm>
+          <a:prstGeom prst="line">
+            <a:avLst/>
+          </a:prstGeom>
+          <a:ln w="31750">
+            <a:solidFill>
+              <a:srgbClr val="C00000"/>
+            </a:solidFill>
+          </a:ln>
+          <a:effectLst/>
+        </p:spPr>
+        <p:style>
+          <a:lnRef idx="2">
+            <a:schemeClr val="accent1"/>
+          </a:lnRef>
+          <a:fillRef idx="0">
+            <a:schemeClr val="accent1"/>
+          </a:fillRef>
+          <a:effectRef idx="1">
+            <a:schemeClr val="accent1"/>
+          </a:effectRef>
+          <a:fontRef idx="minor">
+            <a:schemeClr val="tx1"/>
+          </a:fontRef>
+        </p:style>
+      </p:cxnSp>
+      <p:cxnSp>
+        <p:nvCxnSpPr>
+          <p:cNvPr id="52" name="Connecteur droit 51"/>
+          <p:cNvCxnSpPr/>
+          <p:nvPr/>
+        </p:nvCxnSpPr>
+        <p:spPr>
+          <a:xfrm>
+            <a:off x="8677962" y="2506454"/>
+            <a:ext cx="0" cy="377143"/>
+          </a:xfrm>
+          <a:prstGeom prst="line">
+            <a:avLst/>
+          </a:prstGeom>
+          <a:ln w="31750">
+            <a:solidFill>
+              <a:srgbClr val="C00000"/>
+            </a:solidFill>
+          </a:ln>
+          <a:effectLst/>
+        </p:spPr>
+        <p:style>
+          <a:lnRef idx="2">
+            <a:schemeClr val="accent1"/>
+          </a:lnRef>
+          <a:fillRef idx="0">
+            <a:schemeClr val="accent1"/>
+          </a:fillRef>
+          <a:effectRef idx="1">
+            <a:schemeClr val="accent1"/>
+          </a:effectRef>
+          <a:fontRef idx="minor">
+            <a:schemeClr val="tx1"/>
+          </a:fontRef>
+        </p:style>
+      </p:cxnSp>
+      <p:cxnSp>
+        <p:nvCxnSpPr>
+          <p:cNvPr id="54" name="Connecteur droit avec flèche 53"/>
+          <p:cNvCxnSpPr/>
+          <p:nvPr/>
+        </p:nvCxnSpPr>
+        <p:spPr>
+          <a:xfrm>
+            <a:off x="1493274" y="2592229"/>
+            <a:ext cx="1793704" cy="0"/>
+          </a:xfrm>
+          <a:prstGeom prst="straightConnector1">
+            <a:avLst/>
+          </a:prstGeom>
+          <a:ln w="31750">
+            <a:solidFill>
+              <a:srgbClr val="0070C0"/>
+            </a:solidFill>
+            <a:headEnd type="triangle" w="med" len="med"/>
+            <a:tailEnd type="triangle" w="med" len="med"/>
+          </a:ln>
+          <a:effectLst/>
+        </p:spPr>
+        <p:style>
+          <a:lnRef idx="2">
+            <a:schemeClr val="accent1"/>
+          </a:lnRef>
+          <a:fillRef idx="0">
+            <a:schemeClr val="accent1"/>
+          </a:fillRef>
+          <a:effectRef idx="1">
+            <a:schemeClr val="accent1"/>
+          </a:effectRef>
+          <a:fontRef idx="minor">
+            <a:schemeClr val="tx1"/>
+          </a:fontRef>
+        </p:style>
+      </p:cxnSp>
+      <p:cxnSp>
+        <p:nvCxnSpPr>
+          <p:cNvPr id="56" name="Connecteur droit avec flèche 55"/>
+          <p:cNvCxnSpPr/>
+          <p:nvPr/>
+        </p:nvCxnSpPr>
+        <p:spPr>
+          <a:xfrm flipV="1">
+            <a:off x="700196" y="2590269"/>
+            <a:ext cx="781830" cy="1960"/>
+          </a:xfrm>
+          <a:prstGeom prst="straightConnector1">
+            <a:avLst/>
+          </a:prstGeom>
+          <a:ln w="31750">
+            <a:solidFill>
+              <a:srgbClr val="00B050"/>
+            </a:solidFill>
+            <a:headEnd type="triangle" w="med" len="med"/>
+            <a:tailEnd type="triangle" w="med" len="med"/>
+          </a:ln>
+          <a:effectLst/>
+        </p:spPr>
+        <p:style>
+          <a:lnRef idx="2">
+            <a:schemeClr val="accent1"/>
+          </a:lnRef>
+          <a:fillRef idx="0">
+            <a:schemeClr val="accent1"/>
+          </a:fillRef>
+          <a:effectRef idx="1">
+            <a:schemeClr val="accent1"/>
+          </a:effectRef>
+          <a:fontRef idx="minor">
+            <a:schemeClr val="tx1"/>
+          </a:fontRef>
+        </p:style>
+      </p:cxnSp>
+      <p:sp>
+        <p:nvSpPr>
+          <p:cNvPr id="63" name="ZoneTexte 62"/>
+          <p:cNvSpPr txBox="1"/>
+          <p:nvPr/>
+        </p:nvSpPr>
+        <p:spPr>
+          <a:xfrm>
+            <a:off x="689974" y="3385152"/>
+            <a:ext cx="817853" cy="369332"/>
+          </a:xfrm>
+          <a:prstGeom prst="rect">
+            <a:avLst/>
+          </a:prstGeom>
+          <a:noFill/>
+        </p:spPr>
+        <p:txBody>
+          <a:bodyPr wrap="none" rtlCol="0">
+            <a:spAutoFit/>
+          </a:bodyPr>
+          <a:lstStyle/>
+          <a:p>
+            <a:r>
+              <a:rPr lang="fr-FR" dirty="0" err="1" smtClean="0">
+                <a:solidFill>
+                  <a:srgbClr val="00B050"/>
+                </a:solidFill>
+                <a:latin typeface="Consolas" charset="0"/>
+                <a:ea typeface="Consolas" charset="0"/>
+                <a:cs typeface="Consolas" charset="0"/>
+              </a:rPr>
+              <a:t>start</a:t>
+            </a:r>
+            <a:endParaRPr lang="fr-FR" dirty="0">
+              <a:solidFill>
+                <a:srgbClr val="00B050"/>
+              </a:solidFill>
+              <a:latin typeface="Consolas" charset="0"/>
+              <a:ea typeface="Consolas" charset="0"/>
+              <a:cs typeface="Consolas" charset="0"/>
+            </a:endParaRPr>
+          </a:p>
+        </p:txBody>
+      </p:sp>
+      <p:sp>
+        <p:nvSpPr>
+          <p:cNvPr id="70" name="ZoneTexte 69"/>
+          <p:cNvSpPr txBox="1"/>
+          <p:nvPr/>
+        </p:nvSpPr>
+        <p:spPr>
+          <a:xfrm>
+            <a:off x="1934651" y="3369884"/>
+            <a:ext cx="944489" cy="369332"/>
+          </a:xfrm>
+          <a:prstGeom prst="rect">
+            <a:avLst/>
+          </a:prstGeom>
+          <a:noFill/>
+        </p:spPr>
+        <p:txBody>
+          <a:bodyPr wrap="none" rtlCol="0">
+            <a:spAutoFit/>
+          </a:bodyPr>
+          <a:lstStyle/>
+          <a:p>
+            <a:r>
+              <a:rPr lang="fr-FR" dirty="0" err="1" smtClean="0">
+                <a:solidFill>
+                  <a:srgbClr val="0070C0"/>
+                </a:solidFill>
+                <a:latin typeface="Consolas" charset="0"/>
+                <a:ea typeface="Consolas" charset="0"/>
+                <a:cs typeface="Consolas" charset="0"/>
+              </a:rPr>
+              <a:t>period</a:t>
+            </a:r>
+            <a:endParaRPr lang="fr-FR" dirty="0">
+              <a:solidFill>
+                <a:srgbClr val="0070C0"/>
+              </a:solidFill>
+              <a:latin typeface="Consolas" charset="0"/>
+              <a:ea typeface="Consolas" charset="0"/>
+              <a:cs typeface="Consolas" charset="0"/>
+            </a:endParaRPr>
+          </a:p>
+        </p:txBody>
+      </p:sp>
+      <p:cxnSp>
+        <p:nvCxnSpPr>
+          <p:cNvPr id="64" name="Connecteur droit 63"/>
+          <p:cNvCxnSpPr/>
+          <p:nvPr/>
+        </p:nvCxnSpPr>
+        <p:spPr>
+          <a:xfrm>
+            <a:off x="1493274" y="3338416"/>
+            <a:ext cx="0" cy="377143"/>
+          </a:xfrm>
+          <a:prstGeom prst="line">
+            <a:avLst/>
+          </a:prstGeom>
+          <a:ln w="31750">
+            <a:solidFill>
+              <a:srgbClr val="C00000"/>
+            </a:solidFill>
+          </a:ln>
+          <a:effectLst/>
+        </p:spPr>
+        <p:style>
+          <a:lnRef idx="2">
+            <a:schemeClr val="accent1"/>
+          </a:lnRef>
+          <a:fillRef idx="0">
+            <a:schemeClr val="accent1"/>
+          </a:fillRef>
+          <a:effectRef idx="1">
+            <a:schemeClr val="accent1"/>
+          </a:effectRef>
+          <a:fontRef idx="minor">
+            <a:schemeClr val="tx1"/>
+          </a:fontRef>
+        </p:style>
+      </p:cxnSp>
+      <p:cxnSp>
+        <p:nvCxnSpPr>
+          <p:cNvPr id="65" name="Connecteur droit 64"/>
+          <p:cNvCxnSpPr/>
+          <p:nvPr/>
+        </p:nvCxnSpPr>
+        <p:spPr>
+          <a:xfrm>
+            <a:off x="3286978" y="3338416"/>
+            <a:ext cx="0" cy="377143"/>
+          </a:xfrm>
+          <a:prstGeom prst="line">
+            <a:avLst/>
+          </a:prstGeom>
+          <a:ln w="31750">
+            <a:solidFill>
+              <a:srgbClr val="C00000"/>
+            </a:solidFill>
+          </a:ln>
+          <a:effectLst/>
+        </p:spPr>
+        <p:style>
+          <a:lnRef idx="2">
+            <a:schemeClr val="accent1"/>
+          </a:lnRef>
+          <a:fillRef idx="0">
+            <a:schemeClr val="accent1"/>
+          </a:fillRef>
+          <a:effectRef idx="1">
+            <a:schemeClr val="accent1"/>
+          </a:effectRef>
+          <a:fontRef idx="minor">
+            <a:schemeClr val="tx1"/>
+          </a:fontRef>
+        </p:style>
+      </p:cxnSp>
+      <p:cxnSp>
+        <p:nvCxnSpPr>
+          <p:cNvPr id="66" name="Connecteur droit 65"/>
+          <p:cNvCxnSpPr/>
+          <p:nvPr/>
+        </p:nvCxnSpPr>
+        <p:spPr>
+          <a:xfrm>
+            <a:off x="5088754" y="3338416"/>
+            <a:ext cx="0" cy="377143"/>
+          </a:xfrm>
+          <a:prstGeom prst="line">
+            <a:avLst/>
+          </a:prstGeom>
+          <a:ln w="31750">
+            <a:solidFill>
+              <a:srgbClr val="C00000"/>
+            </a:solidFill>
+          </a:ln>
+          <a:effectLst/>
+        </p:spPr>
+        <p:style>
+          <a:lnRef idx="2">
+            <a:schemeClr val="accent1"/>
+          </a:lnRef>
+          <a:fillRef idx="0">
+            <a:schemeClr val="accent1"/>
+          </a:fillRef>
+          <a:effectRef idx="1">
+            <a:schemeClr val="accent1"/>
+          </a:effectRef>
+          <a:fontRef idx="minor">
+            <a:schemeClr val="tx1"/>
+          </a:fontRef>
+        </p:style>
+      </p:cxnSp>
+      <p:cxnSp>
+        <p:nvCxnSpPr>
+          <p:cNvPr id="67" name="Connecteur droit 66"/>
+          <p:cNvCxnSpPr/>
+          <p:nvPr/>
+        </p:nvCxnSpPr>
+        <p:spPr>
+          <a:xfrm>
+            <a:off x="6882458" y="3338416"/>
+            <a:ext cx="0" cy="377143"/>
+          </a:xfrm>
+          <a:prstGeom prst="line">
+            <a:avLst/>
+          </a:prstGeom>
+          <a:ln w="31750">
+            <a:solidFill>
+              <a:srgbClr val="C00000"/>
+            </a:solidFill>
+          </a:ln>
+          <a:effectLst/>
+        </p:spPr>
+        <p:style>
+          <a:lnRef idx="2">
+            <a:schemeClr val="accent1"/>
+          </a:lnRef>
+          <a:fillRef idx="0">
+            <a:schemeClr val="accent1"/>
+          </a:fillRef>
+          <a:effectRef idx="1">
+            <a:schemeClr val="accent1"/>
+          </a:effectRef>
+          <a:fontRef idx="minor">
+            <a:schemeClr val="tx1"/>
+          </a:fontRef>
+        </p:style>
+      </p:cxnSp>
+      <p:cxnSp>
+        <p:nvCxnSpPr>
+          <p:cNvPr id="69" name="Connecteur droit avec flèche 68"/>
+          <p:cNvCxnSpPr/>
+          <p:nvPr/>
+        </p:nvCxnSpPr>
+        <p:spPr>
+          <a:xfrm>
+            <a:off x="1493274" y="3424191"/>
+            <a:ext cx="1793704" cy="0"/>
+          </a:xfrm>
+          <a:prstGeom prst="straightConnector1">
+            <a:avLst/>
+          </a:prstGeom>
+          <a:ln w="31750">
+            <a:solidFill>
+              <a:srgbClr val="0070C0"/>
+            </a:solidFill>
+            <a:headEnd type="triangle" w="med" len="med"/>
+            <a:tailEnd type="triangle" w="med" len="med"/>
+          </a:ln>
+          <a:effectLst/>
+        </p:spPr>
+        <p:style>
+          <a:lnRef idx="2">
+            <a:schemeClr val="accent1"/>
+          </a:lnRef>
+          <a:fillRef idx="0">
+            <a:schemeClr val="accent1"/>
+          </a:fillRef>
+          <a:effectRef idx="1">
+            <a:schemeClr val="accent1"/>
+          </a:effectRef>
+          <a:fontRef idx="minor">
+            <a:schemeClr val="tx1"/>
+          </a:fontRef>
+        </p:style>
+      </p:cxnSp>
+      <p:cxnSp>
+        <p:nvCxnSpPr>
+          <p:cNvPr id="71" name="Connecteur droit avec flèche 70"/>
+          <p:cNvCxnSpPr/>
+          <p:nvPr/>
+        </p:nvCxnSpPr>
+        <p:spPr>
+          <a:xfrm flipV="1">
+            <a:off x="700196" y="3422231"/>
+            <a:ext cx="781830" cy="1960"/>
+          </a:xfrm>
+          <a:prstGeom prst="straightConnector1">
+            <a:avLst/>
+          </a:prstGeom>
+          <a:ln w="31750">
+            <a:solidFill>
+              <a:srgbClr val="00B050"/>
+            </a:solidFill>
+            <a:headEnd type="triangle" w="med" len="med"/>
+            <a:tailEnd type="triangle" w="med" len="med"/>
+          </a:ln>
+          <a:effectLst/>
+        </p:spPr>
+        <p:style>
+          <a:lnRef idx="2">
+            <a:schemeClr val="accent1"/>
+          </a:lnRef>
+          <a:fillRef idx="0">
+            <a:schemeClr val="accent1"/>
+          </a:fillRef>
+          <a:effectRef idx="1">
+            <a:schemeClr val="accent1"/>
+          </a:effectRef>
+          <a:fontRef idx="minor">
+            <a:schemeClr val="tx1"/>
+          </a:fontRef>
+        </p:style>
+      </p:cxnSp>
+      <p:cxnSp>
+        <p:nvCxnSpPr>
+          <p:cNvPr id="72" name="Connecteur droit avec flèche 71"/>
+          <p:cNvCxnSpPr/>
+          <p:nvPr/>
+        </p:nvCxnSpPr>
+        <p:spPr>
+          <a:xfrm>
+            <a:off x="700196" y="3283466"/>
+            <a:ext cx="6583382" cy="0"/>
+          </a:xfrm>
+          <a:prstGeom prst="straightConnector1">
+            <a:avLst/>
+          </a:prstGeom>
+          <a:ln w="31750">
+            <a:solidFill>
+              <a:srgbClr val="FF6E00"/>
+            </a:solidFill>
+            <a:headEnd type="triangle" w="med" len="med"/>
+            <a:tailEnd type="triangle" w="med" len="med"/>
+          </a:ln>
+          <a:effectLst/>
+        </p:spPr>
+        <p:style>
+          <a:lnRef idx="2">
+            <a:schemeClr val="accent1"/>
+          </a:lnRef>
+          <a:fillRef idx="0">
+            <a:schemeClr val="accent1"/>
+          </a:fillRef>
+          <a:effectRef idx="1">
+            <a:schemeClr val="accent1"/>
+          </a:effectRef>
+          <a:fontRef idx="minor">
+            <a:schemeClr val="tx1"/>
+          </a:fontRef>
+        </p:style>
+      </p:cxnSp>
+      <p:sp>
+        <p:nvSpPr>
+          <p:cNvPr id="75" name="ZoneTexte 74"/>
+          <p:cNvSpPr txBox="1"/>
+          <p:nvPr/>
+        </p:nvSpPr>
+        <p:spPr>
+          <a:xfrm>
+            <a:off x="3854809" y="3236669"/>
+            <a:ext cx="564578" cy="369332"/>
+          </a:xfrm>
+          <a:prstGeom prst="rect">
+            <a:avLst/>
+          </a:prstGeom>
+          <a:noFill/>
+        </p:spPr>
+        <p:txBody>
+          <a:bodyPr wrap="none" rtlCol="0">
+            <a:spAutoFit/>
+          </a:bodyPr>
+          <a:lstStyle/>
+          <a:p>
+            <a:r>
+              <a:rPr lang="fr-FR" dirty="0" smtClean="0">
+                <a:solidFill>
+                  <a:srgbClr val="FF6E00"/>
+                </a:solidFill>
+                <a:latin typeface="Consolas" charset="0"/>
+                <a:ea typeface="Consolas" charset="0"/>
+                <a:cs typeface="Consolas" charset="0"/>
+              </a:rPr>
+              <a:t>end</a:t>
+            </a:r>
+            <a:endParaRPr lang="fr-FR" dirty="0">
+              <a:solidFill>
+                <a:srgbClr val="FF6E00"/>
+              </a:solidFill>
+              <a:latin typeface="Consolas" charset="0"/>
+              <a:ea typeface="Consolas" charset="0"/>
+              <a:cs typeface="Consolas" charset="0"/>
+            </a:endParaRPr>
+          </a:p>
+        </p:txBody>
+      </p:sp>
+      <p:sp>
+        <p:nvSpPr>
+          <p:cNvPr id="76" name="ZoneTexte 75"/>
+          <p:cNvSpPr txBox="1"/>
+          <p:nvPr/>
+        </p:nvSpPr>
+        <p:spPr>
+          <a:xfrm>
+            <a:off x="689974" y="4190982"/>
+            <a:ext cx="817853" cy="369332"/>
+          </a:xfrm>
+          <a:prstGeom prst="rect">
+            <a:avLst/>
+          </a:prstGeom>
+          <a:noFill/>
+        </p:spPr>
+        <p:txBody>
+          <a:bodyPr wrap="none" rtlCol="0">
+            <a:spAutoFit/>
+          </a:bodyPr>
+          <a:lstStyle/>
+          <a:p>
+            <a:r>
+              <a:rPr lang="fr-FR" dirty="0" err="1" smtClean="0">
+                <a:solidFill>
+                  <a:srgbClr val="00B050"/>
+                </a:solidFill>
+                <a:latin typeface="Consolas" charset="0"/>
+                <a:ea typeface="Consolas" charset="0"/>
+                <a:cs typeface="Consolas" charset="0"/>
+              </a:rPr>
+              <a:t>start</a:t>
+            </a:r>
+            <a:endParaRPr lang="fr-FR" dirty="0">
+              <a:solidFill>
+                <a:srgbClr val="00B050"/>
+              </a:solidFill>
+              <a:latin typeface="Consolas" charset="0"/>
+              <a:ea typeface="Consolas" charset="0"/>
+              <a:cs typeface="Consolas" charset="0"/>
+            </a:endParaRPr>
+          </a:p>
+        </p:txBody>
+      </p:sp>
+      <p:cxnSp>
+        <p:nvCxnSpPr>
+          <p:cNvPr id="77" name="Connecteur droit 76"/>
+          <p:cNvCxnSpPr/>
+          <p:nvPr/>
+        </p:nvCxnSpPr>
+        <p:spPr>
+          <a:xfrm>
+            <a:off x="1493274" y="4144246"/>
+            <a:ext cx="0" cy="377143"/>
+          </a:xfrm>
+          <a:prstGeom prst="line">
+            <a:avLst/>
+          </a:prstGeom>
+          <a:ln w="31750">
+            <a:solidFill>
+              <a:srgbClr val="C00000"/>
+            </a:solidFill>
+          </a:ln>
+          <a:effectLst/>
+        </p:spPr>
+        <p:style>
+          <a:lnRef idx="2">
+            <a:schemeClr val="accent1"/>
+          </a:lnRef>
+          <a:fillRef idx="0">
+            <a:schemeClr val="accent1"/>
+          </a:fillRef>
+          <a:effectRef idx="1">
+            <a:schemeClr val="accent1"/>
+          </a:effectRef>
+          <a:fontRef idx="minor">
+            <a:schemeClr val="tx1"/>
+          </a:fontRef>
+        </p:style>
+      </p:cxnSp>
+      <p:cxnSp>
+        <p:nvCxnSpPr>
+          <p:cNvPr id="78" name="Connecteur droit 77"/>
+          <p:cNvCxnSpPr/>
+          <p:nvPr/>
+        </p:nvCxnSpPr>
+        <p:spPr>
+          <a:xfrm>
+            <a:off x="3286978" y="4144246"/>
+            <a:ext cx="0" cy="377143"/>
+          </a:xfrm>
+          <a:prstGeom prst="line">
+            <a:avLst/>
+          </a:prstGeom>
+          <a:ln w="31750">
+            <a:solidFill>
+              <a:srgbClr val="C00000"/>
+            </a:solidFill>
+          </a:ln>
+          <a:effectLst/>
+        </p:spPr>
+        <p:style>
+          <a:lnRef idx="2">
+            <a:schemeClr val="accent1"/>
+          </a:lnRef>
+          <a:fillRef idx="0">
+            <a:schemeClr val="accent1"/>
+          </a:fillRef>
+          <a:effectRef idx="1">
+            <a:schemeClr val="accent1"/>
+          </a:effectRef>
+          <a:fontRef idx="minor">
+            <a:schemeClr val="tx1"/>
+          </a:fontRef>
+        </p:style>
+      </p:cxnSp>
+      <p:cxnSp>
+        <p:nvCxnSpPr>
+          <p:cNvPr id="79" name="Connecteur droit 78"/>
+          <p:cNvCxnSpPr/>
+          <p:nvPr/>
+        </p:nvCxnSpPr>
+        <p:spPr>
+          <a:xfrm>
+            <a:off x="5088754" y="4144246"/>
+            <a:ext cx="0" cy="377143"/>
+          </a:xfrm>
+          <a:prstGeom prst="line">
+            <a:avLst/>
+          </a:prstGeom>
+          <a:ln w="31750">
+            <a:solidFill>
+              <a:srgbClr val="C00000"/>
+            </a:solidFill>
+          </a:ln>
+          <a:effectLst/>
+        </p:spPr>
+        <p:style>
+          <a:lnRef idx="2">
+            <a:schemeClr val="accent1"/>
+          </a:lnRef>
+          <a:fillRef idx="0">
+            <a:schemeClr val="accent1"/>
+          </a:fillRef>
+          <a:effectRef idx="1">
+            <a:schemeClr val="accent1"/>
+          </a:effectRef>
+          <a:fontRef idx="minor">
+            <a:schemeClr val="tx1"/>
+          </a:fontRef>
+        </p:style>
+      </p:cxnSp>
+      <p:cxnSp>
+        <p:nvCxnSpPr>
+          <p:cNvPr id="80" name="Connecteur droit 79"/>
+          <p:cNvCxnSpPr/>
+          <p:nvPr/>
+        </p:nvCxnSpPr>
+        <p:spPr>
+          <a:xfrm>
+            <a:off x="6882458" y="4144246"/>
+            <a:ext cx="0" cy="377143"/>
+          </a:xfrm>
+          <a:prstGeom prst="line">
+            <a:avLst/>
+          </a:prstGeom>
+          <a:ln w="31750">
+            <a:solidFill>
+              <a:srgbClr val="C00000"/>
+            </a:solidFill>
+          </a:ln>
+          <a:effectLst/>
+        </p:spPr>
+        <p:style>
+          <a:lnRef idx="2">
+            <a:schemeClr val="accent1"/>
+          </a:lnRef>
+          <a:fillRef idx="0">
+            <a:schemeClr val="accent1"/>
+          </a:fillRef>
+          <a:effectRef idx="1">
+            <a:schemeClr val="accent1"/>
+          </a:effectRef>
+          <a:fontRef idx="minor">
+            <a:schemeClr val="tx1"/>
+          </a:fontRef>
+        </p:style>
+      </p:cxnSp>
+      <p:sp>
+        <p:nvSpPr>
+          <p:cNvPr id="82" name="ZoneTexte 81"/>
+          <p:cNvSpPr txBox="1"/>
+          <p:nvPr/>
+        </p:nvSpPr>
+        <p:spPr>
+          <a:xfrm>
+            <a:off x="1934651" y="4041911"/>
+            <a:ext cx="944489" cy="369332"/>
+          </a:xfrm>
+          <a:prstGeom prst="rect">
+            <a:avLst/>
+          </a:prstGeom>
+          <a:noFill/>
+        </p:spPr>
+        <p:txBody>
+          <a:bodyPr wrap="none" rtlCol="0">
+            <a:spAutoFit/>
+          </a:bodyPr>
+          <a:lstStyle/>
+          <a:p>
+            <a:r>
+              <a:rPr lang="fr-FR" dirty="0" err="1" smtClean="0">
+                <a:solidFill>
+                  <a:srgbClr val="0070C0"/>
+                </a:solidFill>
+                <a:latin typeface="Consolas" charset="0"/>
+                <a:ea typeface="Consolas" charset="0"/>
+                <a:cs typeface="Consolas" charset="0"/>
+              </a:rPr>
+              <a:t>period</a:t>
+            </a:r>
+            <a:endParaRPr lang="fr-FR" dirty="0">
+              <a:solidFill>
+                <a:srgbClr val="0070C0"/>
+              </a:solidFill>
+              <a:latin typeface="Consolas" charset="0"/>
+              <a:ea typeface="Consolas" charset="0"/>
+              <a:cs typeface="Consolas" charset="0"/>
+            </a:endParaRPr>
+          </a:p>
+        </p:txBody>
+      </p:sp>
+      <p:cxnSp>
+        <p:nvCxnSpPr>
+          <p:cNvPr id="83" name="Connecteur droit avec flèche 82"/>
+          <p:cNvCxnSpPr/>
+          <p:nvPr/>
+        </p:nvCxnSpPr>
+        <p:spPr>
+          <a:xfrm flipV="1">
+            <a:off x="700196" y="4228061"/>
+            <a:ext cx="781830" cy="1960"/>
+          </a:xfrm>
+          <a:prstGeom prst="straightConnector1">
+            <a:avLst/>
+          </a:prstGeom>
+          <a:ln w="31750">
+            <a:solidFill>
+              <a:srgbClr val="00B050"/>
+            </a:solidFill>
+            <a:headEnd type="triangle" w="med" len="med"/>
+            <a:tailEnd type="triangle" w="med" len="med"/>
+          </a:ln>
+          <a:effectLst/>
+        </p:spPr>
+        <p:style>
+          <a:lnRef idx="2">
+            <a:schemeClr val="accent1"/>
+          </a:lnRef>
+          <a:fillRef idx="0">
+            <a:schemeClr val="accent1"/>
+          </a:fillRef>
+          <a:effectRef idx="1">
+            <a:schemeClr val="accent1"/>
+          </a:effectRef>
+          <a:fontRef idx="minor">
+            <a:schemeClr val="tx1"/>
+          </a:fontRef>
+        </p:style>
+      </p:cxnSp>
+      <p:cxnSp>
+        <p:nvCxnSpPr>
+          <p:cNvPr id="84" name="Connecteur droit avec flèche 83"/>
+          <p:cNvCxnSpPr/>
+          <p:nvPr/>
+        </p:nvCxnSpPr>
+        <p:spPr>
+          <a:xfrm>
+            <a:off x="700196" y="4018176"/>
+            <a:ext cx="6583382" cy="0"/>
+          </a:xfrm>
+          <a:prstGeom prst="straightConnector1">
+            <a:avLst/>
+          </a:prstGeom>
+          <a:ln w="31750">
+            <a:solidFill>
+              <a:srgbClr val="FF6E00"/>
+            </a:solidFill>
+            <a:headEnd type="stealth"/>
+            <a:tailEnd type="stealth"/>
+          </a:ln>
+          <a:effectLst/>
+        </p:spPr>
+        <p:style>
+          <a:lnRef idx="2">
+            <a:schemeClr val="accent1"/>
+          </a:lnRef>
+          <a:fillRef idx="0">
+            <a:schemeClr val="accent1"/>
+          </a:fillRef>
+          <a:effectRef idx="1">
+            <a:schemeClr val="accent1"/>
+          </a:effectRef>
+          <a:fontRef idx="minor">
+            <a:schemeClr val="tx1"/>
+          </a:fontRef>
+        </p:style>
+      </p:cxnSp>
+      <p:sp>
+        <p:nvSpPr>
+          <p:cNvPr id="85" name="ZoneTexte 84"/>
+          <p:cNvSpPr txBox="1"/>
+          <p:nvPr/>
+        </p:nvSpPr>
+        <p:spPr>
+          <a:xfrm>
+            <a:off x="3854809" y="3971379"/>
+            <a:ext cx="564578" cy="369332"/>
+          </a:xfrm>
+          <a:prstGeom prst="rect">
+            <a:avLst/>
+          </a:prstGeom>
+          <a:noFill/>
+        </p:spPr>
+        <p:txBody>
+          <a:bodyPr wrap="none" rtlCol="0">
+            <a:spAutoFit/>
+          </a:bodyPr>
+          <a:lstStyle/>
+          <a:p>
+            <a:r>
+              <a:rPr lang="fr-FR" smtClean="0">
+                <a:solidFill>
+                  <a:srgbClr val="FF6E00"/>
+                </a:solidFill>
+                <a:latin typeface="Consolas" charset="0"/>
+                <a:ea typeface="Consolas" charset="0"/>
+                <a:cs typeface="Consolas" charset="0"/>
+              </a:rPr>
+              <a:t>end</a:t>
+            </a:r>
+            <a:endParaRPr lang="fr-FR" dirty="0">
+              <a:solidFill>
+                <a:srgbClr val="FF6E00"/>
+              </a:solidFill>
+              <a:latin typeface="Consolas" charset="0"/>
+              <a:ea typeface="Consolas" charset="0"/>
+              <a:cs typeface="Consolas" charset="0"/>
+            </a:endParaRPr>
+          </a:p>
+        </p:txBody>
+      </p:sp>
+      <p:cxnSp>
+        <p:nvCxnSpPr>
+          <p:cNvPr id="86" name="Connecteur droit 85"/>
+          <p:cNvCxnSpPr/>
+          <p:nvPr/>
+        </p:nvCxnSpPr>
+        <p:spPr>
+          <a:xfrm>
+            <a:off x="1555994" y="4144246"/>
+            <a:ext cx="0" cy="377143"/>
+          </a:xfrm>
+          <a:prstGeom prst="line">
+            <a:avLst/>
+          </a:prstGeom>
+          <a:ln w="31750">
+            <a:solidFill>
+              <a:srgbClr val="C00000"/>
+            </a:solidFill>
+          </a:ln>
+          <a:effectLst/>
+        </p:spPr>
+        <p:style>
+          <a:lnRef idx="2">
+            <a:schemeClr val="accent1"/>
+          </a:lnRef>
+          <a:fillRef idx="0">
+            <a:schemeClr val="accent1"/>
+          </a:fillRef>
+          <a:effectRef idx="1">
+            <a:schemeClr val="accent1"/>
+          </a:effectRef>
+          <a:fontRef idx="minor">
+            <a:schemeClr val="tx1"/>
+          </a:fontRef>
+        </p:style>
+      </p:cxnSp>
+      <p:cxnSp>
+        <p:nvCxnSpPr>
+          <p:cNvPr id="87" name="Connecteur droit 86"/>
+          <p:cNvCxnSpPr/>
+          <p:nvPr/>
+        </p:nvCxnSpPr>
+        <p:spPr>
+          <a:xfrm>
+            <a:off x="1622524" y="4144246"/>
+            <a:ext cx="0" cy="377143"/>
+          </a:xfrm>
+          <a:prstGeom prst="line">
+            <a:avLst/>
+          </a:prstGeom>
+          <a:ln w="31750">
+            <a:solidFill>
+              <a:srgbClr val="C00000"/>
+            </a:solidFill>
+          </a:ln>
+          <a:effectLst/>
+        </p:spPr>
+        <p:style>
+          <a:lnRef idx="2">
+            <a:schemeClr val="accent1"/>
+          </a:lnRef>
+          <a:fillRef idx="0">
+            <a:schemeClr val="accent1"/>
+          </a:fillRef>
+          <a:effectRef idx="1">
+            <a:schemeClr val="accent1"/>
+          </a:effectRef>
+          <a:fontRef idx="minor">
+            <a:schemeClr val="tx1"/>
+          </a:fontRef>
+        </p:style>
+      </p:cxnSp>
+      <p:cxnSp>
+        <p:nvCxnSpPr>
+          <p:cNvPr id="88" name="Connecteur droit 87"/>
+          <p:cNvCxnSpPr/>
+          <p:nvPr/>
+        </p:nvCxnSpPr>
+        <p:spPr>
+          <a:xfrm>
+            <a:off x="3349771" y="4144246"/>
+            <a:ext cx="0" cy="377143"/>
+          </a:xfrm>
+          <a:prstGeom prst="line">
+            <a:avLst/>
+          </a:prstGeom>
+          <a:ln w="31750">
+            <a:solidFill>
+              <a:srgbClr val="C00000"/>
+            </a:solidFill>
+          </a:ln>
+          <a:effectLst/>
+        </p:spPr>
+        <p:style>
+          <a:lnRef idx="2">
+            <a:schemeClr val="accent1"/>
+          </a:lnRef>
+          <a:fillRef idx="0">
+            <a:schemeClr val="accent1"/>
+          </a:fillRef>
+          <a:effectRef idx="1">
+            <a:schemeClr val="accent1"/>
+          </a:effectRef>
+          <a:fontRef idx="minor">
+            <a:schemeClr val="tx1"/>
+          </a:fontRef>
+        </p:style>
+      </p:cxnSp>
+      <p:cxnSp>
+        <p:nvCxnSpPr>
+          <p:cNvPr id="89" name="Connecteur droit 88"/>
+          <p:cNvCxnSpPr/>
+          <p:nvPr/>
+        </p:nvCxnSpPr>
+        <p:spPr>
+          <a:xfrm>
+            <a:off x="3416301" y="4144246"/>
+            <a:ext cx="0" cy="377143"/>
+          </a:xfrm>
+          <a:prstGeom prst="line">
+            <a:avLst/>
+          </a:prstGeom>
+          <a:ln w="31750">
+            <a:solidFill>
+              <a:srgbClr val="C00000"/>
+            </a:solidFill>
+          </a:ln>
+          <a:effectLst/>
+        </p:spPr>
+        <p:style>
+          <a:lnRef idx="2">
+            <a:schemeClr val="accent1"/>
+          </a:lnRef>
+          <a:fillRef idx="0">
+            <a:schemeClr val="accent1"/>
+          </a:fillRef>
+          <a:effectRef idx="1">
+            <a:schemeClr val="accent1"/>
+          </a:effectRef>
+          <a:fontRef idx="minor">
+            <a:schemeClr val="tx1"/>
+          </a:fontRef>
+        </p:style>
+      </p:cxnSp>
+      <p:cxnSp>
+        <p:nvCxnSpPr>
+          <p:cNvPr id="90" name="Connecteur droit 89"/>
+          <p:cNvCxnSpPr/>
+          <p:nvPr/>
+        </p:nvCxnSpPr>
+        <p:spPr>
+          <a:xfrm>
+            <a:off x="5154763" y="4144246"/>
+            <a:ext cx="0" cy="377143"/>
+          </a:xfrm>
+          <a:prstGeom prst="line">
+            <a:avLst/>
+          </a:prstGeom>
+          <a:ln w="31750">
+            <a:solidFill>
+              <a:srgbClr val="C00000"/>
+            </a:solidFill>
+          </a:ln>
+          <a:effectLst/>
+        </p:spPr>
+        <p:style>
+          <a:lnRef idx="2">
+            <a:schemeClr val="accent1"/>
+          </a:lnRef>
+          <a:fillRef idx="0">
+            <a:schemeClr val="accent1"/>
+          </a:fillRef>
+          <a:effectRef idx="1">
+            <a:schemeClr val="accent1"/>
+          </a:effectRef>
+          <a:fontRef idx="minor">
+            <a:schemeClr val="tx1"/>
+          </a:fontRef>
+        </p:style>
+      </p:cxnSp>
+      <p:cxnSp>
+        <p:nvCxnSpPr>
+          <p:cNvPr id="91" name="Connecteur droit 90"/>
+          <p:cNvCxnSpPr/>
+          <p:nvPr/>
+        </p:nvCxnSpPr>
+        <p:spPr>
+          <a:xfrm>
+            <a:off x="5221293" y="4144246"/>
+            <a:ext cx="0" cy="377143"/>
+          </a:xfrm>
+          <a:prstGeom prst="line">
+            <a:avLst/>
+          </a:prstGeom>
+          <a:ln w="31750">
+            <a:solidFill>
+              <a:srgbClr val="C00000"/>
+            </a:solidFill>
+          </a:ln>
+          <a:effectLst/>
+        </p:spPr>
+        <p:style>
+          <a:lnRef idx="2">
+            <a:schemeClr val="accent1"/>
+          </a:lnRef>
+          <a:fillRef idx="0">
+            <a:schemeClr val="accent1"/>
+          </a:fillRef>
+          <a:effectRef idx="1">
+            <a:schemeClr val="accent1"/>
+          </a:effectRef>
+          <a:fontRef idx="minor">
+            <a:schemeClr val="tx1"/>
+          </a:fontRef>
+        </p:style>
+      </p:cxnSp>
+      <p:cxnSp>
+        <p:nvCxnSpPr>
+          <p:cNvPr id="92" name="Connecteur droit 91"/>
+          <p:cNvCxnSpPr/>
+          <p:nvPr/>
+        </p:nvCxnSpPr>
+        <p:spPr>
+          <a:xfrm>
+            <a:off x="6943597" y="4143847"/>
+            <a:ext cx="0" cy="377143"/>
+          </a:xfrm>
+          <a:prstGeom prst="line">
+            <a:avLst/>
+          </a:prstGeom>
+          <a:ln w="31750">
+            <a:solidFill>
+              <a:srgbClr val="C00000"/>
+            </a:solidFill>
+          </a:ln>
+          <a:effectLst/>
+        </p:spPr>
+        <p:style>
+          <a:lnRef idx="2">
+            <a:schemeClr val="accent1"/>
+          </a:lnRef>
+          <a:fillRef idx="0">
+            <a:schemeClr val="accent1"/>
+          </a:fillRef>
+          <a:effectRef idx="1">
+            <a:schemeClr val="accent1"/>
+          </a:effectRef>
+          <a:fontRef idx="minor">
+            <a:schemeClr val="tx1"/>
+          </a:fontRef>
+        </p:style>
+      </p:cxnSp>
+      <p:cxnSp>
+        <p:nvCxnSpPr>
+          <p:cNvPr id="93" name="Connecteur droit 92"/>
+          <p:cNvCxnSpPr/>
+          <p:nvPr/>
+        </p:nvCxnSpPr>
+        <p:spPr>
+          <a:xfrm>
+            <a:off x="7010127" y="4143847"/>
+            <a:ext cx="0" cy="377143"/>
+          </a:xfrm>
+          <a:prstGeom prst="line">
+            <a:avLst/>
+          </a:prstGeom>
+          <a:ln w="31750">
+            <a:solidFill>
+              <a:srgbClr val="C00000"/>
+            </a:solidFill>
+          </a:ln>
+          <a:effectLst/>
+        </p:spPr>
+        <p:style>
+          <a:lnRef idx="2">
+            <a:schemeClr val="accent1"/>
+          </a:lnRef>
+          <a:fillRef idx="0">
+            <a:schemeClr val="accent1"/>
+          </a:fillRef>
+          <a:effectRef idx="1">
+            <a:schemeClr val="accent1"/>
+          </a:effectRef>
+          <a:fontRef idx="minor">
+            <a:schemeClr val="tx1"/>
+          </a:fontRef>
+        </p:style>
+      </p:cxnSp>
+      <p:sp>
+        <p:nvSpPr>
+          <p:cNvPr id="95" name="Parenthèse ouvrante 94"/>
+          <p:cNvSpPr/>
+          <p:nvPr/>
+        </p:nvSpPr>
+        <p:spPr>
+          <a:xfrm rot="16200000">
+            <a:off x="5106606" y="4421693"/>
+            <a:ext cx="90314" cy="274670"/>
+          </a:xfrm>
+          <a:prstGeom prst="leftBracket">
+            <a:avLst>
+              <a:gd name="adj" fmla="val 64644"/>
+            </a:avLst>
+          </a:prstGeom>
+          <a:ln w="31750">
+            <a:solidFill>
+              <a:srgbClr val="7224B2"/>
+            </a:solidFill>
+          </a:ln>
+          <a:effectLst/>
+        </p:spPr>
+        <p:style>
+          <a:lnRef idx="2">
+            <a:schemeClr val="accent1"/>
+          </a:lnRef>
+          <a:fillRef idx="0">
+            <a:schemeClr val="accent1"/>
+          </a:fillRef>
+          <a:effectRef idx="1">
+            <a:schemeClr val="accent1"/>
+          </a:effectRef>
+          <a:fontRef idx="minor">
+            <a:schemeClr val="tx1"/>
+          </a:fontRef>
+        </p:style>
+        <p:txBody>
+          <a:bodyPr rtlCol="0" anchor="ctr"/>
+          <a:lstStyle/>
+          <a:p>
+            <a:pPr algn="ctr"/>
+            <a:endParaRPr lang="fr-FR" sz="3200"/>
+          </a:p>
+        </p:txBody>
+      </p:sp>
+      <p:sp>
+        <p:nvSpPr>
+          <p:cNvPr id="98" name="ZoneTexte 97"/>
+          <p:cNvSpPr txBox="1"/>
+          <p:nvPr/>
+        </p:nvSpPr>
+        <p:spPr>
+          <a:xfrm>
+            <a:off x="5526578" y="3994595"/>
+            <a:ext cx="944489" cy="646331"/>
+          </a:xfrm>
+          <a:prstGeom prst="rect">
+            <a:avLst/>
+          </a:prstGeom>
+          <a:noFill/>
+        </p:spPr>
+        <p:txBody>
+          <a:bodyPr wrap="none" rtlCol="0">
+            <a:spAutoFit/>
+          </a:bodyPr>
+          <a:lstStyle/>
+          <a:p>
+            <a:r>
+              <a:rPr lang="fr-FR" dirty="0" err="1" smtClean="0">
+                <a:solidFill>
+                  <a:srgbClr val="7224B2"/>
+                </a:solidFill>
+                <a:latin typeface="Consolas" charset="0"/>
+                <a:ea typeface="Consolas" charset="0"/>
+                <a:cs typeface="Consolas" charset="0"/>
+              </a:rPr>
+              <a:t>repeat</a:t>
+            </a:r>
+            <a:endParaRPr lang="fr-FR" dirty="0">
+              <a:solidFill>
+                <a:srgbClr val="7224B2"/>
+              </a:solidFill>
+              <a:latin typeface="Consolas" charset="0"/>
+              <a:ea typeface="Consolas" charset="0"/>
+              <a:cs typeface="Consolas" charset="0"/>
+            </a:endParaRPr>
+          </a:p>
+          <a:p>
+            <a:r>
+              <a:rPr lang="fr-FR" dirty="0" smtClean="0">
+                <a:solidFill>
+                  <a:srgbClr val="7224B2"/>
+                </a:solidFill>
+                <a:latin typeface="Consolas" charset="0"/>
+                <a:ea typeface="Consolas" charset="0"/>
+                <a:cs typeface="Consolas" charset="0"/>
+              </a:rPr>
+              <a:t>(=3)</a:t>
+            </a:r>
+            <a:endParaRPr lang="fr-FR" dirty="0">
+              <a:solidFill>
+                <a:srgbClr val="7224B2"/>
+              </a:solidFill>
+              <a:latin typeface="Consolas" charset="0"/>
+              <a:ea typeface="Consolas" charset="0"/>
+              <a:cs typeface="Consolas" charset="0"/>
+            </a:endParaRPr>
+          </a:p>
+        </p:txBody>
+      </p:sp>
+      <p:cxnSp>
+        <p:nvCxnSpPr>
+          <p:cNvPr id="97" name="Connecteur droit avec flèche 96"/>
+          <p:cNvCxnSpPr/>
+          <p:nvPr/>
+        </p:nvCxnSpPr>
+        <p:spPr>
+          <a:xfrm flipV="1">
+            <a:off x="5314187" y="4386788"/>
+            <a:ext cx="276491" cy="164718"/>
+          </a:xfrm>
+          <a:prstGeom prst="straightConnector1">
+            <a:avLst/>
+          </a:prstGeom>
+          <a:ln w="31750">
+            <a:solidFill>
+              <a:srgbClr val="7224B2"/>
+            </a:solidFill>
+            <a:tailEnd type="triangle" w="med" len="med"/>
+          </a:ln>
+          <a:effectLst/>
+        </p:spPr>
+        <p:style>
+          <a:lnRef idx="2">
+            <a:schemeClr val="accent1"/>
+          </a:lnRef>
+          <a:fillRef idx="0">
+            <a:schemeClr val="accent1"/>
+          </a:fillRef>
+          <a:effectRef idx="1">
+            <a:schemeClr val="accent1"/>
+          </a:effectRef>
+          <a:fontRef idx="minor">
+            <a:schemeClr val="tx1"/>
+          </a:fontRef>
+        </p:style>
+      </p:cxnSp>
+      <p:cxnSp>
+        <p:nvCxnSpPr>
+          <p:cNvPr id="81" name="Connecteur droit avec flèche 80"/>
+          <p:cNvCxnSpPr/>
+          <p:nvPr/>
+        </p:nvCxnSpPr>
+        <p:spPr>
+          <a:xfrm>
+            <a:off x="1493274" y="4096218"/>
+            <a:ext cx="1793704" cy="0"/>
+          </a:xfrm>
+          <a:prstGeom prst="straightConnector1">
+            <a:avLst/>
+          </a:prstGeom>
+          <a:ln w="28575">
+            <a:solidFill>
+              <a:srgbClr val="0070C0"/>
+            </a:solidFill>
+            <a:headEnd type="triangle" w="med" len="med"/>
+            <a:tailEnd type="triangle" w="med" len="med"/>
+          </a:ln>
+          <a:effectLst/>
+        </p:spPr>
+        <p:style>
+          <a:lnRef idx="2">
+            <a:schemeClr val="accent1"/>
+          </a:lnRef>
+          <a:fillRef idx="0">
+            <a:schemeClr val="accent1"/>
+          </a:fillRef>
+          <a:effectRef idx="1">
+            <a:schemeClr val="accent1"/>
+          </a:effectRef>
+          <a:fontRef idx="minor">
+            <a:schemeClr val="tx1"/>
+          </a:fontRef>
+        </p:style>
+      </p:cxnSp>
+      <p:sp>
+        <p:nvSpPr>
+          <p:cNvPr id="133" name="ZoneTexte 132"/>
+          <p:cNvSpPr txBox="1"/>
+          <p:nvPr/>
+        </p:nvSpPr>
+        <p:spPr>
+          <a:xfrm>
+            <a:off x="3619226" y="5366092"/>
+            <a:ext cx="1071127" cy="369332"/>
+          </a:xfrm>
+          <a:prstGeom prst="rect">
+            <a:avLst/>
+          </a:prstGeom>
+          <a:noFill/>
+        </p:spPr>
+        <p:txBody>
+          <a:bodyPr wrap="none" rtlCol="0">
+            <a:spAutoFit/>
+          </a:bodyPr>
+          <a:lstStyle/>
+          <a:p>
+            <a:r>
+              <a:rPr lang="fr-FR" dirty="0" err="1" smtClean="0">
+                <a:solidFill>
+                  <a:srgbClr val="00B0F0"/>
+                </a:solidFill>
+                <a:latin typeface="Consolas" charset="0"/>
+                <a:ea typeface="Consolas" charset="0"/>
+                <a:cs typeface="Consolas" charset="0"/>
+              </a:rPr>
+              <a:t>spacing</a:t>
+            </a:r>
+            <a:endParaRPr lang="fr-FR" dirty="0">
+              <a:solidFill>
+                <a:srgbClr val="00B0F0"/>
+              </a:solidFill>
+              <a:latin typeface="Consolas" charset="0"/>
+              <a:ea typeface="Consolas" charset="0"/>
+              <a:cs typeface="Consolas" charset="0"/>
+            </a:endParaRPr>
+          </a:p>
+        </p:txBody>
+      </p:sp>
+      <p:sp>
+        <p:nvSpPr>
+          <p:cNvPr id="100" name="ZoneTexte 99"/>
+          <p:cNvSpPr txBox="1"/>
+          <p:nvPr/>
+        </p:nvSpPr>
+        <p:spPr>
+          <a:xfrm>
+            <a:off x="699145" y="5031842"/>
+            <a:ext cx="817853" cy="369332"/>
+          </a:xfrm>
+          <a:prstGeom prst="rect">
+            <a:avLst/>
+          </a:prstGeom>
+          <a:noFill/>
+        </p:spPr>
+        <p:txBody>
+          <a:bodyPr wrap="none" rtlCol="0">
+            <a:spAutoFit/>
+          </a:bodyPr>
+          <a:lstStyle/>
+          <a:p>
+            <a:r>
+              <a:rPr lang="fr-FR" dirty="0" err="1" smtClean="0">
+                <a:solidFill>
+                  <a:srgbClr val="00B050"/>
+                </a:solidFill>
+                <a:latin typeface="Consolas" charset="0"/>
+                <a:ea typeface="Consolas" charset="0"/>
+                <a:cs typeface="Consolas" charset="0"/>
+              </a:rPr>
+              <a:t>start</a:t>
+            </a:r>
+            <a:endParaRPr lang="fr-FR" dirty="0">
+              <a:solidFill>
+                <a:srgbClr val="00B050"/>
+              </a:solidFill>
+              <a:latin typeface="Consolas" charset="0"/>
+              <a:ea typeface="Consolas" charset="0"/>
+              <a:cs typeface="Consolas" charset="0"/>
+            </a:endParaRPr>
+          </a:p>
+        </p:txBody>
+      </p:sp>
+      <p:cxnSp>
+        <p:nvCxnSpPr>
+          <p:cNvPr id="101" name="Connecteur droit 100"/>
+          <p:cNvCxnSpPr/>
+          <p:nvPr/>
+        </p:nvCxnSpPr>
+        <p:spPr>
+          <a:xfrm>
+            <a:off x="1502446" y="4985106"/>
+            <a:ext cx="0" cy="377143"/>
+          </a:xfrm>
+          <a:prstGeom prst="line">
+            <a:avLst/>
+          </a:prstGeom>
+          <a:ln w="31750">
+            <a:solidFill>
+              <a:srgbClr val="C00000"/>
+            </a:solidFill>
+          </a:ln>
+          <a:effectLst/>
+        </p:spPr>
+        <p:style>
+          <a:lnRef idx="2">
+            <a:schemeClr val="accent1"/>
+          </a:lnRef>
+          <a:fillRef idx="0">
+            <a:schemeClr val="accent1"/>
+          </a:fillRef>
+          <a:effectRef idx="1">
+            <a:schemeClr val="accent1"/>
+          </a:effectRef>
+          <a:fontRef idx="minor">
+            <a:schemeClr val="tx1"/>
+          </a:fontRef>
+        </p:style>
+      </p:cxnSp>
+      <p:cxnSp>
+        <p:nvCxnSpPr>
+          <p:cNvPr id="102" name="Connecteur droit 101"/>
+          <p:cNvCxnSpPr/>
+          <p:nvPr/>
+        </p:nvCxnSpPr>
+        <p:spPr>
+          <a:xfrm>
+            <a:off x="3296150" y="4985106"/>
+            <a:ext cx="0" cy="377143"/>
+          </a:xfrm>
+          <a:prstGeom prst="line">
+            <a:avLst/>
+          </a:prstGeom>
+          <a:ln w="31750">
+            <a:solidFill>
+              <a:srgbClr val="C00000"/>
+            </a:solidFill>
+          </a:ln>
+          <a:effectLst/>
+        </p:spPr>
+        <p:style>
+          <a:lnRef idx="2">
+            <a:schemeClr val="accent1"/>
+          </a:lnRef>
+          <a:fillRef idx="0">
+            <a:schemeClr val="accent1"/>
+          </a:fillRef>
+          <a:effectRef idx="1">
+            <a:schemeClr val="accent1"/>
+          </a:effectRef>
+          <a:fontRef idx="minor">
+            <a:schemeClr val="tx1"/>
+          </a:fontRef>
+        </p:style>
+      </p:cxnSp>
+      <p:cxnSp>
+        <p:nvCxnSpPr>
+          <p:cNvPr id="103" name="Connecteur droit 102"/>
+          <p:cNvCxnSpPr/>
+          <p:nvPr/>
+        </p:nvCxnSpPr>
+        <p:spPr>
+          <a:xfrm>
+            <a:off x="5097926" y="4985106"/>
+            <a:ext cx="0" cy="377143"/>
+          </a:xfrm>
+          <a:prstGeom prst="line">
+            <a:avLst/>
+          </a:prstGeom>
+          <a:ln w="31750">
+            <a:solidFill>
+              <a:srgbClr val="C00000"/>
+            </a:solidFill>
+          </a:ln>
+          <a:effectLst/>
+        </p:spPr>
+        <p:style>
+          <a:lnRef idx="2">
+            <a:schemeClr val="accent1"/>
+          </a:lnRef>
+          <a:fillRef idx="0">
+            <a:schemeClr val="accent1"/>
+          </a:fillRef>
+          <a:effectRef idx="1">
+            <a:schemeClr val="accent1"/>
+          </a:effectRef>
+          <a:fontRef idx="minor">
+            <a:schemeClr val="tx1"/>
+          </a:fontRef>
+        </p:style>
+      </p:cxnSp>
+      <p:cxnSp>
+        <p:nvCxnSpPr>
+          <p:cNvPr id="104" name="Connecteur droit 103"/>
+          <p:cNvCxnSpPr/>
+          <p:nvPr/>
+        </p:nvCxnSpPr>
+        <p:spPr>
+          <a:xfrm>
+            <a:off x="6891630" y="4985106"/>
+            <a:ext cx="0" cy="377143"/>
+          </a:xfrm>
+          <a:prstGeom prst="line">
+            <a:avLst/>
+          </a:prstGeom>
+          <a:ln w="31750">
+            <a:solidFill>
+              <a:srgbClr val="C00000"/>
+            </a:solidFill>
+          </a:ln>
+          <a:effectLst/>
+        </p:spPr>
+        <p:style>
+          <a:lnRef idx="2">
+            <a:schemeClr val="accent1"/>
+          </a:lnRef>
+          <a:fillRef idx="0">
+            <a:schemeClr val="accent1"/>
+          </a:fillRef>
+          <a:effectRef idx="1">
+            <a:schemeClr val="accent1"/>
+          </a:effectRef>
+          <a:fontRef idx="minor">
+            <a:schemeClr val="tx1"/>
+          </a:fontRef>
+        </p:style>
+      </p:cxnSp>
+      <p:sp>
+        <p:nvSpPr>
+          <p:cNvPr id="106" name="ZoneTexte 105"/>
+          <p:cNvSpPr txBox="1"/>
+          <p:nvPr/>
+        </p:nvSpPr>
+        <p:spPr>
+          <a:xfrm>
+            <a:off x="1943822" y="4882771"/>
+            <a:ext cx="944489" cy="369332"/>
+          </a:xfrm>
+          <a:prstGeom prst="rect">
+            <a:avLst/>
+          </a:prstGeom>
+          <a:noFill/>
+        </p:spPr>
+        <p:txBody>
+          <a:bodyPr wrap="none" rtlCol="0">
+            <a:spAutoFit/>
+          </a:bodyPr>
+          <a:lstStyle/>
+          <a:p>
+            <a:r>
+              <a:rPr lang="fr-FR" dirty="0" err="1" smtClean="0">
+                <a:solidFill>
+                  <a:srgbClr val="0070C0"/>
+                </a:solidFill>
+                <a:latin typeface="Consolas" charset="0"/>
+                <a:ea typeface="Consolas" charset="0"/>
+                <a:cs typeface="Consolas" charset="0"/>
+              </a:rPr>
+              <a:t>period</a:t>
+            </a:r>
+            <a:endParaRPr lang="fr-FR" dirty="0">
+              <a:solidFill>
+                <a:srgbClr val="0070C0"/>
+              </a:solidFill>
+              <a:latin typeface="Consolas" charset="0"/>
+              <a:ea typeface="Consolas" charset="0"/>
+              <a:cs typeface="Consolas" charset="0"/>
+            </a:endParaRPr>
+          </a:p>
+        </p:txBody>
+      </p:sp>
+      <p:cxnSp>
+        <p:nvCxnSpPr>
+          <p:cNvPr id="107" name="Connecteur droit avec flèche 106"/>
+          <p:cNvCxnSpPr/>
+          <p:nvPr/>
+        </p:nvCxnSpPr>
+        <p:spPr>
+          <a:xfrm flipV="1">
+            <a:off x="709368" y="5068921"/>
+            <a:ext cx="781830" cy="1960"/>
+          </a:xfrm>
+          <a:prstGeom prst="straightConnector1">
+            <a:avLst/>
+          </a:prstGeom>
+          <a:ln w="31750">
+            <a:solidFill>
+              <a:srgbClr val="00B050"/>
+            </a:solidFill>
+            <a:headEnd type="triangle" w="med" len="med"/>
+            <a:tailEnd type="triangle" w="med" len="med"/>
+          </a:ln>
+          <a:effectLst/>
+        </p:spPr>
+        <p:style>
+          <a:lnRef idx="2">
+            <a:schemeClr val="accent1"/>
+          </a:lnRef>
+          <a:fillRef idx="0">
+            <a:schemeClr val="accent1"/>
+          </a:fillRef>
+          <a:effectRef idx="1">
+            <a:schemeClr val="accent1"/>
+          </a:effectRef>
+          <a:fontRef idx="minor">
+            <a:schemeClr val="tx1"/>
+          </a:fontRef>
+        </p:style>
+      </p:cxnSp>
+      <p:cxnSp>
+        <p:nvCxnSpPr>
+          <p:cNvPr id="108" name="Connecteur droit avec flèche 107"/>
+          <p:cNvCxnSpPr/>
+          <p:nvPr/>
+        </p:nvCxnSpPr>
+        <p:spPr>
+          <a:xfrm>
+            <a:off x="709368" y="4859036"/>
+            <a:ext cx="6583382" cy="0"/>
+          </a:xfrm>
+          <a:prstGeom prst="straightConnector1">
+            <a:avLst/>
+          </a:prstGeom>
+          <a:ln w="31750">
+            <a:solidFill>
+              <a:srgbClr val="FF6E00"/>
+            </a:solidFill>
+            <a:headEnd type="stealth"/>
+            <a:tailEnd type="stealth"/>
+          </a:ln>
+          <a:effectLst/>
+        </p:spPr>
+        <p:style>
+          <a:lnRef idx="2">
+            <a:schemeClr val="accent1"/>
+          </a:lnRef>
+          <a:fillRef idx="0">
+            <a:schemeClr val="accent1"/>
+          </a:fillRef>
+          <a:effectRef idx="1">
+            <a:schemeClr val="accent1"/>
+          </a:effectRef>
+          <a:fontRef idx="minor">
+            <a:schemeClr val="tx1"/>
+          </a:fontRef>
+        </p:style>
+      </p:cxnSp>
+      <p:sp>
+        <p:nvSpPr>
+          <p:cNvPr id="109" name="ZoneTexte 108"/>
+          <p:cNvSpPr txBox="1"/>
+          <p:nvPr/>
+        </p:nvSpPr>
+        <p:spPr>
+          <a:xfrm>
+            <a:off x="3863980" y="4812239"/>
+            <a:ext cx="564578" cy="369332"/>
+          </a:xfrm>
+          <a:prstGeom prst="rect">
+            <a:avLst/>
+          </a:prstGeom>
+          <a:noFill/>
+        </p:spPr>
+        <p:txBody>
+          <a:bodyPr wrap="none" rtlCol="0">
+            <a:spAutoFit/>
+          </a:bodyPr>
+          <a:lstStyle/>
+          <a:p>
+            <a:r>
+              <a:rPr lang="fr-FR" smtClean="0">
+                <a:solidFill>
+                  <a:srgbClr val="FF6E00"/>
+                </a:solidFill>
+                <a:latin typeface="Consolas" charset="0"/>
+                <a:ea typeface="Consolas" charset="0"/>
+                <a:cs typeface="Consolas" charset="0"/>
+              </a:rPr>
+              <a:t>end</a:t>
+            </a:r>
+            <a:endParaRPr lang="fr-FR" dirty="0">
+              <a:solidFill>
+                <a:srgbClr val="FF6E00"/>
+              </a:solidFill>
+              <a:latin typeface="Consolas" charset="0"/>
+              <a:ea typeface="Consolas" charset="0"/>
+              <a:cs typeface="Consolas" charset="0"/>
+            </a:endParaRPr>
+          </a:p>
+        </p:txBody>
+      </p:sp>
+      <p:cxnSp>
+        <p:nvCxnSpPr>
+          <p:cNvPr id="110" name="Connecteur droit 109"/>
+          <p:cNvCxnSpPr/>
+          <p:nvPr/>
+        </p:nvCxnSpPr>
+        <p:spPr>
+          <a:xfrm>
+            <a:off x="1622524" y="4984707"/>
+            <a:ext cx="0" cy="377143"/>
+          </a:xfrm>
+          <a:prstGeom prst="line">
+            <a:avLst/>
+          </a:prstGeom>
+          <a:ln w="31750">
+            <a:solidFill>
+              <a:srgbClr val="C00000"/>
+            </a:solidFill>
+          </a:ln>
+          <a:effectLst/>
+        </p:spPr>
+        <p:style>
+          <a:lnRef idx="2">
+            <a:schemeClr val="accent1"/>
+          </a:lnRef>
+          <a:fillRef idx="0">
+            <a:schemeClr val="accent1"/>
+          </a:fillRef>
+          <a:effectRef idx="1">
+            <a:schemeClr val="accent1"/>
+          </a:effectRef>
+          <a:fontRef idx="minor">
+            <a:schemeClr val="tx1"/>
+          </a:fontRef>
+        </p:style>
+      </p:cxnSp>
+      <p:cxnSp>
+        <p:nvCxnSpPr>
+          <p:cNvPr id="111" name="Connecteur droit 110"/>
+          <p:cNvCxnSpPr/>
+          <p:nvPr/>
+        </p:nvCxnSpPr>
+        <p:spPr>
+          <a:xfrm>
+            <a:off x="1751774" y="4984707"/>
+            <a:ext cx="0" cy="377143"/>
+          </a:xfrm>
+          <a:prstGeom prst="line">
+            <a:avLst/>
+          </a:prstGeom>
+          <a:ln w="31750">
+            <a:solidFill>
+              <a:srgbClr val="C00000"/>
+            </a:solidFill>
+          </a:ln>
+          <a:effectLst/>
+        </p:spPr>
+        <p:style>
+          <a:lnRef idx="2">
+            <a:schemeClr val="accent1"/>
+          </a:lnRef>
+          <a:fillRef idx="0">
+            <a:schemeClr val="accent1"/>
+          </a:fillRef>
+          <a:effectRef idx="1">
+            <a:schemeClr val="accent1"/>
+          </a:effectRef>
+          <a:fontRef idx="minor">
+            <a:schemeClr val="tx1"/>
+          </a:fontRef>
+        </p:style>
+      </p:cxnSp>
+      <p:sp>
+        <p:nvSpPr>
+          <p:cNvPr id="118" name="Parenthèse ouvrante 117"/>
+          <p:cNvSpPr/>
+          <p:nvPr/>
+        </p:nvSpPr>
+        <p:spPr>
+          <a:xfrm rot="16200000">
+            <a:off x="5188362" y="5189966"/>
+            <a:ext cx="90314" cy="419841"/>
+          </a:xfrm>
+          <a:prstGeom prst="leftBracket">
+            <a:avLst>
+              <a:gd name="adj" fmla="val 64644"/>
+            </a:avLst>
+          </a:prstGeom>
+          <a:ln w="31750">
+            <a:solidFill>
+              <a:srgbClr val="7224B2"/>
+            </a:solidFill>
+          </a:ln>
+          <a:effectLst/>
+        </p:spPr>
+        <p:style>
+          <a:lnRef idx="2">
+            <a:schemeClr val="accent1"/>
+          </a:lnRef>
+          <a:fillRef idx="0">
+            <a:schemeClr val="accent1"/>
+          </a:fillRef>
+          <a:effectRef idx="1">
+            <a:schemeClr val="accent1"/>
+          </a:effectRef>
+          <a:fontRef idx="minor">
+            <a:schemeClr val="tx1"/>
+          </a:fontRef>
+        </p:style>
+        <p:txBody>
+          <a:bodyPr rtlCol="0" anchor="ctr"/>
+          <a:lstStyle/>
+          <a:p>
+            <a:pPr algn="ctr"/>
+            <a:endParaRPr lang="fr-FR" sz="3200"/>
+          </a:p>
+        </p:txBody>
+      </p:sp>
+      <p:sp>
+        <p:nvSpPr>
+          <p:cNvPr id="119" name="ZoneTexte 118"/>
+          <p:cNvSpPr txBox="1"/>
+          <p:nvPr/>
+        </p:nvSpPr>
+        <p:spPr>
+          <a:xfrm>
+            <a:off x="5693661" y="4875457"/>
+            <a:ext cx="944489" cy="646331"/>
+          </a:xfrm>
+          <a:prstGeom prst="rect">
+            <a:avLst/>
+          </a:prstGeom>
+          <a:noFill/>
+        </p:spPr>
+        <p:txBody>
+          <a:bodyPr wrap="none" rtlCol="0">
+            <a:spAutoFit/>
+          </a:bodyPr>
+          <a:lstStyle/>
+          <a:p>
+            <a:r>
+              <a:rPr lang="fr-FR" dirty="0" err="1" smtClean="0">
+                <a:solidFill>
+                  <a:srgbClr val="7224B2"/>
+                </a:solidFill>
+                <a:latin typeface="Consolas" charset="0"/>
+                <a:ea typeface="Consolas" charset="0"/>
+                <a:cs typeface="Consolas" charset="0"/>
+              </a:rPr>
+              <a:t>repeat</a:t>
+            </a:r>
+            <a:endParaRPr lang="fr-FR" dirty="0">
+              <a:solidFill>
+                <a:srgbClr val="7224B2"/>
+              </a:solidFill>
+              <a:latin typeface="Consolas" charset="0"/>
+              <a:ea typeface="Consolas" charset="0"/>
+              <a:cs typeface="Consolas" charset="0"/>
+            </a:endParaRPr>
+          </a:p>
+          <a:p>
+            <a:r>
+              <a:rPr lang="fr-FR" dirty="0" smtClean="0">
+                <a:solidFill>
+                  <a:srgbClr val="7224B2"/>
+                </a:solidFill>
+                <a:latin typeface="Consolas" charset="0"/>
+                <a:ea typeface="Consolas" charset="0"/>
+                <a:cs typeface="Consolas" charset="0"/>
+              </a:rPr>
+              <a:t>(=3)</a:t>
+            </a:r>
+            <a:endParaRPr lang="fr-FR" dirty="0">
+              <a:solidFill>
+                <a:srgbClr val="7224B2"/>
+              </a:solidFill>
+              <a:latin typeface="Consolas" charset="0"/>
+              <a:ea typeface="Consolas" charset="0"/>
+              <a:cs typeface="Consolas" charset="0"/>
+            </a:endParaRPr>
+          </a:p>
+        </p:txBody>
+      </p:sp>
+      <p:cxnSp>
+        <p:nvCxnSpPr>
+          <p:cNvPr id="120" name="Connecteur droit avec flèche 119"/>
+          <p:cNvCxnSpPr/>
+          <p:nvPr/>
+        </p:nvCxnSpPr>
+        <p:spPr>
+          <a:xfrm flipV="1">
+            <a:off x="5502762" y="5205064"/>
+            <a:ext cx="276491" cy="164718"/>
+          </a:xfrm>
+          <a:prstGeom prst="straightConnector1">
+            <a:avLst/>
+          </a:prstGeom>
+          <a:ln w="31750">
+            <a:solidFill>
+              <a:srgbClr val="7224B2"/>
+            </a:solidFill>
+            <a:tailEnd type="triangle" w="med" len="med"/>
+          </a:ln>
+          <a:effectLst/>
+        </p:spPr>
+        <p:style>
+          <a:lnRef idx="2">
+            <a:schemeClr val="accent1"/>
+          </a:lnRef>
+          <a:fillRef idx="0">
+            <a:schemeClr val="accent1"/>
+          </a:fillRef>
+          <a:effectRef idx="1">
+            <a:schemeClr val="accent1"/>
+          </a:effectRef>
+          <a:fontRef idx="minor">
+            <a:schemeClr val="tx1"/>
+          </a:fontRef>
+        </p:style>
+      </p:cxnSp>
+      <p:cxnSp>
+        <p:nvCxnSpPr>
+          <p:cNvPr id="121" name="Connecteur droit 120"/>
+          <p:cNvCxnSpPr/>
+          <p:nvPr/>
+        </p:nvCxnSpPr>
+        <p:spPr>
+          <a:xfrm>
+            <a:off x="3418794" y="4984707"/>
+            <a:ext cx="0" cy="377143"/>
+          </a:xfrm>
+          <a:prstGeom prst="line">
+            <a:avLst/>
+          </a:prstGeom>
+          <a:ln w="31750">
+            <a:solidFill>
+              <a:srgbClr val="C00000"/>
+            </a:solidFill>
+          </a:ln>
+          <a:effectLst/>
+        </p:spPr>
+        <p:style>
+          <a:lnRef idx="2">
+            <a:schemeClr val="accent1"/>
+          </a:lnRef>
+          <a:fillRef idx="0">
+            <a:schemeClr val="accent1"/>
+          </a:fillRef>
+          <a:effectRef idx="1">
+            <a:schemeClr val="accent1"/>
+          </a:effectRef>
+          <a:fontRef idx="minor">
+            <a:schemeClr val="tx1"/>
+          </a:fontRef>
+        </p:style>
+      </p:cxnSp>
+      <p:cxnSp>
+        <p:nvCxnSpPr>
+          <p:cNvPr id="122" name="Connecteur droit 121"/>
+          <p:cNvCxnSpPr/>
+          <p:nvPr/>
+        </p:nvCxnSpPr>
+        <p:spPr>
+          <a:xfrm>
+            <a:off x="3548044" y="4984707"/>
+            <a:ext cx="0" cy="377143"/>
+          </a:xfrm>
+          <a:prstGeom prst="line">
+            <a:avLst/>
+          </a:prstGeom>
+          <a:ln w="31750">
+            <a:solidFill>
+              <a:srgbClr val="C00000"/>
+            </a:solidFill>
+          </a:ln>
+          <a:effectLst/>
+        </p:spPr>
+        <p:style>
+          <a:lnRef idx="2">
+            <a:schemeClr val="accent1"/>
+          </a:lnRef>
+          <a:fillRef idx="0">
+            <a:schemeClr val="accent1"/>
+          </a:fillRef>
+          <a:effectRef idx="1">
+            <a:schemeClr val="accent1"/>
+          </a:effectRef>
+          <a:fontRef idx="minor">
+            <a:schemeClr val="tx1"/>
+          </a:fontRef>
+        </p:style>
+      </p:cxnSp>
+      <p:cxnSp>
+        <p:nvCxnSpPr>
+          <p:cNvPr id="123" name="Connecteur droit 122"/>
+          <p:cNvCxnSpPr/>
+          <p:nvPr/>
+        </p:nvCxnSpPr>
+        <p:spPr>
+          <a:xfrm>
+            <a:off x="5241385" y="4986277"/>
+            <a:ext cx="0" cy="377143"/>
+          </a:xfrm>
+          <a:prstGeom prst="line">
+            <a:avLst/>
+          </a:prstGeom>
+          <a:ln w="31750">
+            <a:solidFill>
+              <a:srgbClr val="C00000"/>
+            </a:solidFill>
+          </a:ln>
+          <a:effectLst/>
+        </p:spPr>
+        <p:style>
+          <a:lnRef idx="2">
+            <a:schemeClr val="accent1"/>
+          </a:lnRef>
+          <a:fillRef idx="0">
+            <a:schemeClr val="accent1"/>
+          </a:fillRef>
+          <a:effectRef idx="1">
+            <a:schemeClr val="accent1"/>
+          </a:effectRef>
+          <a:fontRef idx="minor">
+            <a:schemeClr val="tx1"/>
+          </a:fontRef>
+        </p:style>
+      </p:cxnSp>
+      <p:cxnSp>
+        <p:nvCxnSpPr>
+          <p:cNvPr id="124" name="Connecteur droit 123"/>
+          <p:cNvCxnSpPr/>
+          <p:nvPr/>
+        </p:nvCxnSpPr>
+        <p:spPr>
+          <a:xfrm>
+            <a:off x="5370634" y="4986277"/>
+            <a:ext cx="0" cy="377143"/>
+          </a:xfrm>
+          <a:prstGeom prst="line">
+            <a:avLst/>
+          </a:prstGeom>
+          <a:ln w="31750">
+            <a:solidFill>
+              <a:srgbClr val="C00000"/>
+            </a:solidFill>
+          </a:ln>
+          <a:effectLst/>
+        </p:spPr>
+        <p:style>
+          <a:lnRef idx="2">
+            <a:schemeClr val="accent1"/>
+          </a:lnRef>
+          <a:fillRef idx="0">
+            <a:schemeClr val="accent1"/>
+          </a:fillRef>
+          <a:effectRef idx="1">
+            <a:schemeClr val="accent1"/>
+          </a:effectRef>
+          <a:fontRef idx="minor">
+            <a:schemeClr val="tx1"/>
+          </a:fontRef>
+        </p:style>
+      </p:cxnSp>
+      <p:cxnSp>
+        <p:nvCxnSpPr>
+          <p:cNvPr id="125" name="Connecteur droit 124"/>
+          <p:cNvCxnSpPr/>
+          <p:nvPr/>
+        </p:nvCxnSpPr>
+        <p:spPr>
+          <a:xfrm>
+            <a:off x="7028943" y="4984707"/>
+            <a:ext cx="0" cy="377143"/>
+          </a:xfrm>
+          <a:prstGeom prst="line">
+            <a:avLst/>
+          </a:prstGeom>
+          <a:ln w="31750">
+            <a:solidFill>
+              <a:srgbClr val="C00000"/>
+            </a:solidFill>
+          </a:ln>
+          <a:effectLst/>
+        </p:spPr>
+        <p:style>
+          <a:lnRef idx="2">
+            <a:schemeClr val="accent1"/>
+          </a:lnRef>
+          <a:fillRef idx="0">
+            <a:schemeClr val="accent1"/>
+          </a:fillRef>
+          <a:effectRef idx="1">
+            <a:schemeClr val="accent1"/>
+          </a:effectRef>
+          <a:fontRef idx="minor">
+            <a:schemeClr val="tx1"/>
+          </a:fontRef>
+        </p:style>
+      </p:cxnSp>
+      <p:cxnSp>
+        <p:nvCxnSpPr>
+          <p:cNvPr id="126" name="Connecteur droit 125"/>
+          <p:cNvCxnSpPr/>
+          <p:nvPr/>
+        </p:nvCxnSpPr>
+        <p:spPr>
+          <a:xfrm>
+            <a:off x="7158193" y="4984707"/>
+            <a:ext cx="0" cy="377143"/>
+          </a:xfrm>
+          <a:prstGeom prst="line">
+            <a:avLst/>
+          </a:prstGeom>
+          <a:ln w="31750">
+            <a:solidFill>
+              <a:srgbClr val="C00000"/>
+            </a:solidFill>
+          </a:ln>
+          <a:effectLst/>
+        </p:spPr>
+        <p:style>
+          <a:lnRef idx="2">
+            <a:schemeClr val="accent1"/>
+          </a:lnRef>
+          <a:fillRef idx="0">
+            <a:schemeClr val="accent1"/>
+          </a:fillRef>
+          <a:effectRef idx="1">
+            <a:schemeClr val="accent1"/>
+          </a:effectRef>
+          <a:fontRef idx="minor">
+            <a:schemeClr val="tx1"/>
+          </a:fontRef>
+        </p:style>
+      </p:cxnSp>
+      <p:cxnSp>
+        <p:nvCxnSpPr>
+          <p:cNvPr id="105" name="Connecteur droit avec flèche 104"/>
+          <p:cNvCxnSpPr/>
+          <p:nvPr/>
+        </p:nvCxnSpPr>
+        <p:spPr>
+          <a:xfrm>
+            <a:off x="1502446" y="4937077"/>
+            <a:ext cx="1793704" cy="0"/>
+          </a:xfrm>
+          <a:prstGeom prst="straightConnector1">
+            <a:avLst/>
+          </a:prstGeom>
+          <a:ln w="31750">
+            <a:solidFill>
+              <a:srgbClr val="0070C0"/>
+            </a:solidFill>
+            <a:headEnd type="triangle" w="med" len="med"/>
+            <a:tailEnd type="triangle" w="med" len="med"/>
+          </a:ln>
+          <a:effectLst/>
+        </p:spPr>
+        <p:style>
+          <a:lnRef idx="2">
+            <a:schemeClr val="accent1"/>
+          </a:lnRef>
+          <a:fillRef idx="0">
+            <a:schemeClr val="accent1"/>
+          </a:fillRef>
+          <a:effectRef idx="1">
+            <a:schemeClr val="accent1"/>
+          </a:effectRef>
+          <a:fontRef idx="minor">
+            <a:schemeClr val="tx1"/>
+          </a:fontRef>
+        </p:style>
+      </p:cxnSp>
+      <p:cxnSp>
+        <p:nvCxnSpPr>
+          <p:cNvPr id="128" name="Connecteur droit 127"/>
+          <p:cNvCxnSpPr/>
+          <p:nvPr/>
+        </p:nvCxnSpPr>
+        <p:spPr>
+          <a:xfrm>
+            <a:off x="3422573" y="5354728"/>
+            <a:ext cx="0" cy="427640"/>
+          </a:xfrm>
+          <a:prstGeom prst="line">
+            <a:avLst/>
+          </a:prstGeom>
+          <a:ln w="22225">
+            <a:solidFill>
+              <a:srgbClr val="00B0F0"/>
+            </a:solidFill>
+            <a:prstDash val="sysDot"/>
+          </a:ln>
+          <a:effectLst/>
+        </p:spPr>
+        <p:style>
+          <a:lnRef idx="2">
+            <a:schemeClr val="accent1"/>
+          </a:lnRef>
+          <a:fillRef idx="0">
+            <a:schemeClr val="accent1"/>
+          </a:fillRef>
+          <a:effectRef idx="1">
+            <a:schemeClr val="accent1"/>
+          </a:effectRef>
+          <a:fontRef idx="minor">
+            <a:schemeClr val="tx1"/>
+          </a:fontRef>
+        </p:style>
+      </p:cxnSp>
+      <p:cxnSp>
+        <p:nvCxnSpPr>
+          <p:cNvPr id="129" name="Connecteur droit 128"/>
+          <p:cNvCxnSpPr/>
+          <p:nvPr/>
+        </p:nvCxnSpPr>
+        <p:spPr>
+          <a:xfrm>
+            <a:off x="3544286" y="5354728"/>
+            <a:ext cx="0" cy="427640"/>
+          </a:xfrm>
+          <a:prstGeom prst="line">
+            <a:avLst/>
+          </a:prstGeom>
+          <a:ln w="22225">
+            <a:solidFill>
+              <a:srgbClr val="00B0F0"/>
+            </a:solidFill>
+            <a:prstDash val="sysDot"/>
+          </a:ln>
+          <a:effectLst/>
+        </p:spPr>
+        <p:style>
+          <a:lnRef idx="2">
+            <a:schemeClr val="accent1"/>
+          </a:lnRef>
+          <a:fillRef idx="0">
+            <a:schemeClr val="accent1"/>
+          </a:fillRef>
+          <a:effectRef idx="1">
+            <a:schemeClr val="accent1"/>
+          </a:effectRef>
+          <a:fontRef idx="minor">
+            <a:schemeClr val="tx1"/>
+          </a:fontRef>
+        </p:style>
+      </p:cxnSp>
+      <p:cxnSp>
+        <p:nvCxnSpPr>
+          <p:cNvPr id="131" name="Connecteur droit avec flèche 130"/>
+          <p:cNvCxnSpPr/>
+          <p:nvPr/>
+        </p:nvCxnSpPr>
+        <p:spPr>
+          <a:xfrm>
+            <a:off x="3286978" y="5568547"/>
+            <a:ext cx="129323" cy="0"/>
+          </a:xfrm>
+          <a:prstGeom prst="straightConnector1">
+            <a:avLst/>
+          </a:prstGeom>
+          <a:ln w="22225">
+            <a:solidFill>
+              <a:srgbClr val="00B0F0"/>
+            </a:solidFill>
+            <a:headEnd w="lg" len="lg"/>
+            <a:tailEnd type="triangle" w="lg" len="lg"/>
+          </a:ln>
+          <a:effectLst/>
+        </p:spPr>
+        <p:style>
+          <a:lnRef idx="2">
+            <a:schemeClr val="accent1"/>
+          </a:lnRef>
+          <a:fillRef idx="0">
+            <a:schemeClr val="accent1"/>
+          </a:fillRef>
+          <a:effectRef idx="1">
+            <a:schemeClr val="accent1"/>
+          </a:effectRef>
+          <a:fontRef idx="minor">
+            <a:schemeClr val="tx1"/>
+          </a:fontRef>
+        </p:style>
+      </p:cxnSp>
+      <p:cxnSp>
+        <p:nvCxnSpPr>
+          <p:cNvPr id="132" name="Connecteur droit avec flèche 131"/>
+          <p:cNvCxnSpPr/>
+          <p:nvPr/>
+        </p:nvCxnSpPr>
+        <p:spPr>
+          <a:xfrm flipH="1">
+            <a:off x="3544672" y="5568547"/>
+            <a:ext cx="129323" cy="0"/>
+          </a:xfrm>
+          <a:prstGeom prst="straightConnector1">
+            <a:avLst/>
+          </a:prstGeom>
+          <a:ln w="22225">
+            <a:solidFill>
+              <a:srgbClr val="00B0F0"/>
+            </a:solidFill>
+            <a:headEnd w="lg" len="lg"/>
+            <a:tailEnd type="triangle" w="lg" len="lg"/>
+          </a:ln>
+          <a:effectLst/>
+        </p:spPr>
+        <p:style>
+          <a:lnRef idx="2">
+            <a:schemeClr val="accent1"/>
+          </a:lnRef>
+          <a:fillRef idx="0">
+            <a:schemeClr val="accent1"/>
+          </a:fillRef>
+          <a:effectRef idx="1">
+            <a:schemeClr val="accent1"/>
+          </a:effectRef>
+          <a:fontRef idx="minor">
+            <a:schemeClr val="tx1"/>
+          </a:fontRef>
+        </p:style>
+      </p:cxnSp>
+      <p:sp>
+        <p:nvSpPr>
+          <p:cNvPr id="139" name="ZoneTexte 138"/>
+          <p:cNvSpPr txBox="1"/>
+          <p:nvPr/>
+        </p:nvSpPr>
+        <p:spPr>
+          <a:xfrm>
+            <a:off x="263748" y="1649811"/>
+            <a:ext cx="346570" cy="584775"/>
+          </a:xfrm>
+          <a:prstGeom prst="rect">
+            <a:avLst/>
+          </a:prstGeom>
+          <a:noFill/>
+        </p:spPr>
+        <p:txBody>
+          <a:bodyPr wrap="none" rtlCol="0">
+            <a:spAutoFit/>
+          </a:bodyPr>
+          <a:lstStyle/>
+          <a:p>
+            <a:r>
+              <a:rPr lang="fr-FR" sz="3200" b="1" dirty="0" smtClean="0">
+                <a:solidFill>
+                  <a:srgbClr val="4F92A1"/>
+                </a:solidFill>
+                <a:latin typeface="Garamond" charset="0"/>
+                <a:ea typeface="Garamond" charset="0"/>
+                <a:cs typeface="Garamond" charset="0"/>
+              </a:rPr>
+              <a:t>1</a:t>
+            </a:r>
+            <a:endParaRPr lang="fr-FR" sz="3200" b="1" dirty="0">
+              <a:solidFill>
+                <a:srgbClr val="4F92A1"/>
+              </a:solidFill>
+              <a:latin typeface="Garamond" charset="0"/>
+              <a:ea typeface="Garamond" charset="0"/>
+              <a:cs typeface="Garamond" charset="0"/>
+            </a:endParaRPr>
+          </a:p>
+        </p:txBody>
+      </p:sp>
+      <p:sp>
+        <p:nvSpPr>
+          <p:cNvPr id="140" name="ZoneTexte 139"/>
+          <p:cNvSpPr txBox="1"/>
+          <p:nvPr/>
+        </p:nvSpPr>
+        <p:spPr>
+          <a:xfrm>
+            <a:off x="246333" y="2394953"/>
+            <a:ext cx="377026" cy="584775"/>
+          </a:xfrm>
+          <a:prstGeom prst="rect">
+            <a:avLst/>
+          </a:prstGeom>
+          <a:noFill/>
+        </p:spPr>
+        <p:txBody>
+          <a:bodyPr wrap="none" rtlCol="0">
+            <a:spAutoFit/>
+          </a:bodyPr>
+          <a:lstStyle/>
+          <a:p>
+            <a:r>
+              <a:rPr lang="fr-FR" sz="3200" b="1" dirty="0" smtClean="0">
+                <a:solidFill>
+                  <a:srgbClr val="4F92A1"/>
+                </a:solidFill>
+                <a:latin typeface="Garamond" charset="0"/>
+                <a:ea typeface="Garamond" charset="0"/>
+                <a:cs typeface="Garamond" charset="0"/>
+              </a:rPr>
+              <a:t>2</a:t>
+            </a:r>
+            <a:endParaRPr lang="fr-FR" sz="3200" b="1" dirty="0">
+              <a:solidFill>
+                <a:srgbClr val="4F92A1"/>
+              </a:solidFill>
+              <a:latin typeface="Garamond" charset="0"/>
+              <a:ea typeface="Garamond" charset="0"/>
+              <a:cs typeface="Garamond" charset="0"/>
+            </a:endParaRPr>
+          </a:p>
+        </p:txBody>
+      </p:sp>
+      <p:sp>
+        <p:nvSpPr>
+          <p:cNvPr id="141" name="ZoneTexte 140"/>
+          <p:cNvSpPr txBox="1"/>
+          <p:nvPr/>
+        </p:nvSpPr>
+        <p:spPr>
+          <a:xfrm>
+            <a:off x="246333" y="3209410"/>
+            <a:ext cx="377026" cy="584775"/>
+          </a:xfrm>
+          <a:prstGeom prst="rect">
+            <a:avLst/>
+          </a:prstGeom>
+          <a:noFill/>
+        </p:spPr>
+        <p:txBody>
+          <a:bodyPr wrap="none" rtlCol="0">
+            <a:spAutoFit/>
+          </a:bodyPr>
+          <a:lstStyle/>
+          <a:p>
+            <a:r>
+              <a:rPr lang="fr-FR" sz="3200" b="1" dirty="0" smtClean="0">
+                <a:solidFill>
+                  <a:srgbClr val="4F92A1"/>
+                </a:solidFill>
+                <a:latin typeface="Garamond" charset="0"/>
+                <a:ea typeface="Garamond" charset="0"/>
+                <a:cs typeface="Garamond" charset="0"/>
+              </a:rPr>
+              <a:t>3</a:t>
+            </a:r>
+            <a:endParaRPr lang="fr-FR" sz="3200" b="1" dirty="0">
+              <a:solidFill>
+                <a:srgbClr val="4F92A1"/>
+              </a:solidFill>
+              <a:latin typeface="Garamond" charset="0"/>
+              <a:ea typeface="Garamond" charset="0"/>
+              <a:cs typeface="Garamond" charset="0"/>
+            </a:endParaRPr>
+          </a:p>
+        </p:txBody>
+      </p:sp>
+      <p:sp>
+        <p:nvSpPr>
+          <p:cNvPr id="142" name="ZoneTexte 141"/>
+          <p:cNvSpPr txBox="1"/>
+          <p:nvPr/>
+        </p:nvSpPr>
+        <p:spPr>
+          <a:xfrm>
+            <a:off x="260193" y="4023866"/>
+            <a:ext cx="377026" cy="584775"/>
+          </a:xfrm>
+          <a:prstGeom prst="rect">
+            <a:avLst/>
+          </a:prstGeom>
+          <a:noFill/>
+        </p:spPr>
+        <p:txBody>
+          <a:bodyPr wrap="none" rtlCol="0">
+            <a:spAutoFit/>
+          </a:bodyPr>
+          <a:lstStyle/>
+          <a:p>
+            <a:r>
+              <a:rPr lang="fr-FR" sz="3200" b="1" dirty="0" smtClean="0">
+                <a:solidFill>
+                  <a:srgbClr val="4F92A1"/>
+                </a:solidFill>
+                <a:latin typeface="Garamond" charset="0"/>
+                <a:ea typeface="Garamond" charset="0"/>
+                <a:cs typeface="Garamond" charset="0"/>
+              </a:rPr>
+              <a:t>4</a:t>
+            </a:r>
+            <a:endParaRPr lang="fr-FR" sz="3200" b="1" dirty="0">
+              <a:solidFill>
+                <a:srgbClr val="4F92A1"/>
+              </a:solidFill>
+              <a:latin typeface="Garamond" charset="0"/>
+              <a:ea typeface="Garamond" charset="0"/>
+              <a:cs typeface="Garamond" charset="0"/>
+            </a:endParaRPr>
+          </a:p>
+        </p:txBody>
+      </p:sp>
+      <p:sp>
+        <p:nvSpPr>
+          <p:cNvPr id="143" name="ZoneTexte 142"/>
+          <p:cNvSpPr txBox="1"/>
+          <p:nvPr/>
+        </p:nvSpPr>
+        <p:spPr>
+          <a:xfrm>
+            <a:off x="264937" y="4865048"/>
+            <a:ext cx="377026" cy="584775"/>
+          </a:xfrm>
+          <a:prstGeom prst="rect">
+            <a:avLst/>
+          </a:prstGeom>
+          <a:noFill/>
+        </p:spPr>
+        <p:txBody>
+          <a:bodyPr wrap="none" rtlCol="0">
+            <a:spAutoFit/>
+          </a:bodyPr>
+          <a:lstStyle/>
+          <a:p>
+            <a:r>
+              <a:rPr lang="fr-FR" sz="3200" b="1" dirty="0" smtClean="0">
+                <a:solidFill>
+                  <a:srgbClr val="4F92A1"/>
+                </a:solidFill>
+                <a:latin typeface="Garamond" charset="0"/>
+                <a:ea typeface="Garamond" charset="0"/>
+                <a:cs typeface="Garamond" charset="0"/>
+              </a:rPr>
+              <a:t>5</a:t>
+            </a:r>
+            <a:endParaRPr lang="fr-FR" sz="3200" b="1" dirty="0">
+              <a:solidFill>
+                <a:srgbClr val="4F92A1"/>
+              </a:solidFill>
+              <a:latin typeface="Garamond" charset="0"/>
+              <a:ea typeface="Garamond" charset="0"/>
+              <a:cs typeface="Garamond" charset="0"/>
+            </a:endParaRPr>
+          </a:p>
+        </p:txBody>
+      </p:sp>
+    </p:spTree>
+    <p:extLst>
+      <p:ext uri="{BB962C8B-B14F-4D97-AF65-F5344CB8AC3E}">
+        <p14:creationId xmlns:p14="http://schemas.microsoft.com/office/powerpoint/2010/main" val="164803608"/>
+      </p:ext>
+    </p:extLst>
+  </p:cSld>
+  <p:clrMapOvr>
+    <a:masterClrMapping/>
+  </p:clrMapOvr>
+</p:sld>
+</file>
+
 <file path=ppt/theme/theme1.xml><?xml version="1.0" encoding="utf-8"?>
 <a:theme xmlns:a="http://schemas.openxmlformats.org/drawingml/2006/main" name="Thème Office">
   <a:themeElements>
